--- a/开题/基于深度学习的漏洞扫描系统.pptx
+++ b/开题/基于深度学习的漏洞扫描系统.pptx
@@ -5,33 +5,40 @@
     <p:sldMasterId id="2147483648" r:id="rId1"/>
   </p:sldMasterIdLst>
   <p:notesMasterIdLst>
-    <p:notesMasterId r:id="rId18"/>
+    <p:notesMasterId r:id="rId25"/>
   </p:notesMasterIdLst>
   <p:handoutMasterIdLst>
-    <p:handoutMasterId r:id="rId19"/>
+    <p:handoutMasterId r:id="rId26"/>
   </p:handoutMasterIdLst>
   <p:sldIdLst>
     <p:sldId id="256" r:id="rId2"/>
     <p:sldId id="258" r:id="rId3"/>
     <p:sldId id="262" r:id="rId4"/>
-    <p:sldId id="272" r:id="rId5"/>
-    <p:sldId id="266" r:id="rId6"/>
-    <p:sldId id="273" r:id="rId7"/>
-    <p:sldId id="267" r:id="rId8"/>
-    <p:sldId id="274" r:id="rId9"/>
-    <p:sldId id="275" r:id="rId10"/>
-    <p:sldId id="269" r:id="rId11"/>
-    <p:sldId id="278" r:id="rId12"/>
-    <p:sldId id="271" r:id="rId13"/>
-    <p:sldId id="276" r:id="rId14"/>
-    <p:sldId id="268" r:id="rId15"/>
-    <p:sldId id="277" r:id="rId16"/>
-    <p:sldId id="261" r:id="rId17"/>
+    <p:sldId id="285" r:id="rId5"/>
+    <p:sldId id="272" r:id="rId6"/>
+    <p:sldId id="284" r:id="rId7"/>
+    <p:sldId id="266" r:id="rId8"/>
+    <p:sldId id="273" r:id="rId9"/>
+    <p:sldId id="267" r:id="rId10"/>
+    <p:sldId id="274" r:id="rId11"/>
+    <p:sldId id="275" r:id="rId12"/>
+    <p:sldId id="283" r:id="rId13"/>
+    <p:sldId id="268" r:id="rId14"/>
+    <p:sldId id="277" r:id="rId15"/>
+    <p:sldId id="286" r:id="rId16"/>
+    <p:sldId id="287" r:id="rId17"/>
+    <p:sldId id="271" r:id="rId18"/>
+    <p:sldId id="276" r:id="rId19"/>
+    <p:sldId id="288" r:id="rId20"/>
+    <p:sldId id="289" r:id="rId21"/>
+    <p:sldId id="279" r:id="rId22"/>
+    <p:sldId id="280" r:id="rId23"/>
+    <p:sldId id="261" r:id="rId24"/>
   </p:sldIdLst>
   <p:sldSz cx="12192000" cy="6858000"/>
   <p:notesSz cx="6858000" cy="9144000"/>
   <p:custDataLst>
-    <p:tags r:id="rId20"/>
+    <p:tags r:id="rId27"/>
   </p:custDataLst>
   <p:defaultTextStyle>
     <a:defPPr>
@@ -221,7 +228,7 @@
           <a:p>
             <a:fld id="{437C49B2-44E8-4EFD-A97B-B11A258AE913}" type="datetimeFigureOut">
               <a:rPr lang="zh-CN" altLang="en-US" smtClean="0"/>
-              <a:t>2019/6/18</a:t>
+              <a:t>2019/6/22</a:t>
             </a:fld>
             <a:endParaRPr lang="zh-CN" altLang="en-US"/>
           </a:p>
@@ -386,7 +393,7 @@
           <a:p>
             <a:fld id="{E86D8963-CFCD-4740-AF60-049850373CDF}" type="datetimeFigureOut">
               <a:rPr lang="zh-CN" altLang="en-US" smtClean="0"/>
-              <a:t>2019/6/18</a:t>
+              <a:t>2019/6/22</a:t>
             </a:fld>
             <a:endParaRPr lang="zh-CN" altLang="en-US"/>
           </a:p>
@@ -653,6 +660,784 @@
 </p:notesMaster>
 </file>
 
+<file path=ppt/notesSlides/notesSlide1.xml><?xml version="1.0" encoding="utf-8"?>
+<p:notes xmlns:a="http://schemas.openxmlformats.org/drawingml/2006/main" xmlns:r="http://schemas.openxmlformats.org/officeDocument/2006/relationships" xmlns:p="http://schemas.openxmlformats.org/presentationml/2006/main">
+  <p:cSld>
+    <p:spTree>
+      <p:nvGrpSpPr>
+        <p:cNvPr id="1" name=""/>
+        <p:cNvGrpSpPr/>
+        <p:nvPr/>
+      </p:nvGrpSpPr>
+      <p:grpSpPr>
+        <a:xfrm>
+          <a:off x="0" y="0"/>
+          <a:ext cx="0" cy="0"/>
+          <a:chOff x="0" y="0"/>
+          <a:chExt cx="0" cy="0"/>
+        </a:xfrm>
+      </p:grpSpPr>
+      <p:sp>
+        <p:nvSpPr>
+          <p:cNvPr id="2" name="幻灯片图像占位符 1"/>
+          <p:cNvSpPr>
+            <a:spLocks noGrp="1" noRot="1" noChangeAspect="1"/>
+          </p:cNvSpPr>
+          <p:nvPr>
+            <p:ph type="sldImg"/>
+          </p:nvPr>
+        </p:nvSpPr>
+        <p:spPr/>
+      </p:sp>
+      <p:sp>
+        <p:nvSpPr>
+          <p:cNvPr id="3" name="备注占位符 2"/>
+          <p:cNvSpPr>
+            <a:spLocks noGrp="1"/>
+          </p:cNvSpPr>
+          <p:nvPr>
+            <p:ph type="body" idx="1"/>
+          </p:nvPr>
+        </p:nvSpPr>
+        <p:spPr/>
+        <p:txBody>
+          <a:bodyPr/>
+          <a:lstStyle/>
+          <a:p>
+            <a:endParaRPr lang="zh-CN" altLang="en-US" dirty="0"/>
+          </a:p>
+        </p:txBody>
+      </p:sp>
+      <p:sp>
+        <p:nvSpPr>
+          <p:cNvPr id="4" name="灯片编号占位符 3"/>
+          <p:cNvSpPr>
+            <a:spLocks noGrp="1"/>
+          </p:cNvSpPr>
+          <p:nvPr>
+            <p:ph type="sldNum" sz="quarter" idx="5"/>
+          </p:nvPr>
+        </p:nvSpPr>
+        <p:spPr/>
+        <p:txBody>
+          <a:bodyPr/>
+          <a:lstStyle/>
+          <a:p>
+            <a:fld id="{E9E6FDB6-6D2B-46C1-9FA1-D82906A37C3A}" type="slidenum">
+              <a:rPr lang="zh-CN" altLang="en-US" smtClean="0"/>
+              <a:t>3</a:t>
+            </a:fld>
+            <a:endParaRPr lang="zh-CN" altLang="en-US"/>
+          </a:p>
+        </p:txBody>
+      </p:sp>
+    </p:spTree>
+    <p:extLst>
+      <p:ext uri="{BB962C8B-B14F-4D97-AF65-F5344CB8AC3E}">
+        <p14:creationId xmlns:p14="http://schemas.microsoft.com/office/powerpoint/2010/main" val="2531997858"/>
+      </p:ext>
+    </p:extLst>
+  </p:cSld>
+  <p:clrMapOvr>
+    <a:masterClrMapping/>
+  </p:clrMapOvr>
+</p:notes>
+</file>
+
+<file path=ppt/notesSlides/notesSlide2.xml><?xml version="1.0" encoding="utf-8"?>
+<p:notes xmlns:a="http://schemas.openxmlformats.org/drawingml/2006/main" xmlns:r="http://schemas.openxmlformats.org/officeDocument/2006/relationships" xmlns:p="http://schemas.openxmlformats.org/presentationml/2006/main">
+  <p:cSld>
+    <p:spTree>
+      <p:nvGrpSpPr>
+        <p:cNvPr id="1" name=""/>
+        <p:cNvGrpSpPr/>
+        <p:nvPr/>
+      </p:nvGrpSpPr>
+      <p:grpSpPr>
+        <a:xfrm>
+          <a:off x="0" y="0"/>
+          <a:ext cx="0" cy="0"/>
+          <a:chOff x="0" y="0"/>
+          <a:chExt cx="0" cy="0"/>
+        </a:xfrm>
+      </p:grpSpPr>
+      <p:sp>
+        <p:nvSpPr>
+          <p:cNvPr id="2" name="幻灯片图像占位符 1"/>
+          <p:cNvSpPr>
+            <a:spLocks noGrp="1" noRot="1" noChangeAspect="1"/>
+          </p:cNvSpPr>
+          <p:nvPr>
+            <p:ph type="sldImg"/>
+          </p:nvPr>
+        </p:nvSpPr>
+        <p:spPr/>
+      </p:sp>
+      <p:sp>
+        <p:nvSpPr>
+          <p:cNvPr id="3" name="备注占位符 2"/>
+          <p:cNvSpPr>
+            <a:spLocks noGrp="1"/>
+          </p:cNvSpPr>
+          <p:nvPr>
+            <p:ph type="body" idx="1"/>
+          </p:nvPr>
+        </p:nvSpPr>
+        <p:spPr/>
+        <p:txBody>
+          <a:bodyPr/>
+          <a:lstStyle/>
+          <a:p>
+            <a:endParaRPr lang="zh-CN" altLang="en-US" dirty="0"/>
+          </a:p>
+        </p:txBody>
+      </p:sp>
+      <p:sp>
+        <p:nvSpPr>
+          <p:cNvPr id="4" name="灯片编号占位符 3"/>
+          <p:cNvSpPr>
+            <a:spLocks noGrp="1"/>
+          </p:cNvSpPr>
+          <p:nvPr>
+            <p:ph type="sldNum" sz="quarter" idx="5"/>
+          </p:nvPr>
+        </p:nvSpPr>
+        <p:spPr/>
+        <p:txBody>
+          <a:bodyPr/>
+          <a:lstStyle/>
+          <a:p>
+            <a:fld id="{E9E6FDB6-6D2B-46C1-9FA1-D82906A37C3A}" type="slidenum">
+              <a:rPr lang="zh-CN" altLang="en-US" smtClean="0"/>
+              <a:t>4</a:t>
+            </a:fld>
+            <a:endParaRPr lang="zh-CN" altLang="en-US"/>
+          </a:p>
+        </p:txBody>
+      </p:sp>
+    </p:spTree>
+    <p:extLst>
+      <p:ext uri="{BB962C8B-B14F-4D97-AF65-F5344CB8AC3E}">
+        <p14:creationId xmlns:p14="http://schemas.microsoft.com/office/powerpoint/2010/main" val="569999232"/>
+      </p:ext>
+    </p:extLst>
+  </p:cSld>
+  <p:clrMapOvr>
+    <a:masterClrMapping/>
+  </p:clrMapOvr>
+</p:notes>
+</file>
+
+<file path=ppt/notesSlides/notesSlide3.xml><?xml version="1.0" encoding="utf-8"?>
+<p:notes xmlns:a="http://schemas.openxmlformats.org/drawingml/2006/main" xmlns:r="http://schemas.openxmlformats.org/officeDocument/2006/relationships" xmlns:p="http://schemas.openxmlformats.org/presentationml/2006/main">
+  <p:cSld>
+    <p:spTree>
+      <p:nvGrpSpPr>
+        <p:cNvPr id="1" name=""/>
+        <p:cNvGrpSpPr/>
+        <p:nvPr/>
+      </p:nvGrpSpPr>
+      <p:grpSpPr>
+        <a:xfrm>
+          <a:off x="0" y="0"/>
+          <a:ext cx="0" cy="0"/>
+          <a:chOff x="0" y="0"/>
+          <a:chExt cx="0" cy="0"/>
+        </a:xfrm>
+      </p:grpSpPr>
+      <p:sp>
+        <p:nvSpPr>
+          <p:cNvPr id="2" name="幻灯片图像占位符 1"/>
+          <p:cNvSpPr>
+            <a:spLocks noGrp="1" noRot="1" noChangeAspect="1"/>
+          </p:cNvSpPr>
+          <p:nvPr>
+            <p:ph type="sldImg"/>
+          </p:nvPr>
+        </p:nvSpPr>
+        <p:spPr/>
+      </p:sp>
+      <p:sp>
+        <p:nvSpPr>
+          <p:cNvPr id="3" name="备注占位符 2"/>
+          <p:cNvSpPr>
+            <a:spLocks noGrp="1"/>
+          </p:cNvSpPr>
+          <p:nvPr>
+            <p:ph type="body" idx="1"/>
+          </p:nvPr>
+        </p:nvSpPr>
+        <p:spPr/>
+        <p:txBody>
+          <a:bodyPr/>
+          <a:lstStyle/>
+          <a:p>
+            <a:endParaRPr lang="zh-CN" altLang="en-US" dirty="0"/>
+          </a:p>
+        </p:txBody>
+      </p:sp>
+      <p:sp>
+        <p:nvSpPr>
+          <p:cNvPr id="4" name="灯片编号占位符 3"/>
+          <p:cNvSpPr>
+            <a:spLocks noGrp="1"/>
+          </p:cNvSpPr>
+          <p:nvPr>
+            <p:ph type="sldNum" sz="quarter" idx="5"/>
+          </p:nvPr>
+        </p:nvSpPr>
+        <p:spPr/>
+        <p:txBody>
+          <a:bodyPr/>
+          <a:lstStyle/>
+          <a:p>
+            <a:fld id="{E9E6FDB6-6D2B-46C1-9FA1-D82906A37C3A}" type="slidenum">
+              <a:rPr lang="zh-CN" altLang="en-US" smtClean="0"/>
+              <a:t>6</a:t>
+            </a:fld>
+            <a:endParaRPr lang="zh-CN" altLang="en-US"/>
+          </a:p>
+        </p:txBody>
+      </p:sp>
+    </p:spTree>
+    <p:extLst>
+      <p:ext uri="{BB962C8B-B14F-4D97-AF65-F5344CB8AC3E}">
+        <p14:creationId xmlns:p14="http://schemas.microsoft.com/office/powerpoint/2010/main" val="3399603065"/>
+      </p:ext>
+    </p:extLst>
+  </p:cSld>
+  <p:clrMapOvr>
+    <a:masterClrMapping/>
+  </p:clrMapOvr>
+</p:notes>
+</file>
+
+<file path=ppt/notesSlides/notesSlide4.xml><?xml version="1.0" encoding="utf-8"?>
+<p:notes xmlns:a="http://schemas.openxmlformats.org/drawingml/2006/main" xmlns:r="http://schemas.openxmlformats.org/officeDocument/2006/relationships" xmlns:p="http://schemas.openxmlformats.org/presentationml/2006/main">
+  <p:cSld>
+    <p:spTree>
+      <p:nvGrpSpPr>
+        <p:cNvPr id="1" name=""/>
+        <p:cNvGrpSpPr/>
+        <p:nvPr/>
+      </p:nvGrpSpPr>
+      <p:grpSpPr>
+        <a:xfrm>
+          <a:off x="0" y="0"/>
+          <a:ext cx="0" cy="0"/>
+          <a:chOff x="0" y="0"/>
+          <a:chExt cx="0" cy="0"/>
+        </a:xfrm>
+      </p:grpSpPr>
+      <p:sp>
+        <p:nvSpPr>
+          <p:cNvPr id="2" name="幻灯片图像占位符 1"/>
+          <p:cNvSpPr>
+            <a:spLocks noGrp="1" noRot="1" noChangeAspect="1"/>
+          </p:cNvSpPr>
+          <p:nvPr>
+            <p:ph type="sldImg"/>
+          </p:nvPr>
+        </p:nvSpPr>
+        <p:spPr/>
+      </p:sp>
+      <p:sp>
+        <p:nvSpPr>
+          <p:cNvPr id="3" name="备注占位符 2"/>
+          <p:cNvSpPr>
+            <a:spLocks noGrp="1"/>
+          </p:cNvSpPr>
+          <p:nvPr>
+            <p:ph type="body" idx="1"/>
+          </p:nvPr>
+        </p:nvSpPr>
+        <p:spPr/>
+        <p:txBody>
+          <a:bodyPr/>
+          <a:lstStyle/>
+          <a:p>
+            <a:endParaRPr lang="zh-CN" altLang="en-US" dirty="0"/>
+          </a:p>
+        </p:txBody>
+      </p:sp>
+      <p:sp>
+        <p:nvSpPr>
+          <p:cNvPr id="4" name="灯片编号占位符 3"/>
+          <p:cNvSpPr>
+            <a:spLocks noGrp="1"/>
+          </p:cNvSpPr>
+          <p:nvPr>
+            <p:ph type="sldNum" sz="quarter" idx="5"/>
+          </p:nvPr>
+        </p:nvSpPr>
+        <p:spPr/>
+        <p:txBody>
+          <a:bodyPr/>
+          <a:lstStyle/>
+          <a:p>
+            <a:fld id="{E9E6FDB6-6D2B-46C1-9FA1-D82906A37C3A}" type="slidenum">
+              <a:rPr lang="zh-CN" altLang="en-US" smtClean="0"/>
+              <a:t>9</a:t>
+            </a:fld>
+            <a:endParaRPr lang="zh-CN" altLang="en-US"/>
+          </a:p>
+        </p:txBody>
+      </p:sp>
+    </p:spTree>
+    <p:extLst>
+      <p:ext uri="{BB962C8B-B14F-4D97-AF65-F5344CB8AC3E}">
+        <p14:creationId xmlns:p14="http://schemas.microsoft.com/office/powerpoint/2010/main" val="4136451131"/>
+      </p:ext>
+    </p:extLst>
+  </p:cSld>
+  <p:clrMapOvr>
+    <a:masterClrMapping/>
+  </p:clrMapOvr>
+</p:notes>
+</file>
+
+<file path=ppt/notesSlides/notesSlide5.xml><?xml version="1.0" encoding="utf-8"?>
+<p:notes xmlns:a="http://schemas.openxmlformats.org/drawingml/2006/main" xmlns:r="http://schemas.openxmlformats.org/officeDocument/2006/relationships" xmlns:p="http://schemas.openxmlformats.org/presentationml/2006/main">
+  <p:cSld>
+    <p:spTree>
+      <p:nvGrpSpPr>
+        <p:cNvPr id="1" name=""/>
+        <p:cNvGrpSpPr/>
+        <p:nvPr/>
+      </p:nvGrpSpPr>
+      <p:grpSpPr>
+        <a:xfrm>
+          <a:off x="0" y="0"/>
+          <a:ext cx="0" cy="0"/>
+          <a:chOff x="0" y="0"/>
+          <a:chExt cx="0" cy="0"/>
+        </a:xfrm>
+      </p:grpSpPr>
+      <p:sp>
+        <p:nvSpPr>
+          <p:cNvPr id="2" name="幻灯片图像占位符 1"/>
+          <p:cNvSpPr>
+            <a:spLocks noGrp="1" noRot="1" noChangeAspect="1"/>
+          </p:cNvSpPr>
+          <p:nvPr>
+            <p:ph type="sldImg"/>
+          </p:nvPr>
+        </p:nvSpPr>
+        <p:spPr/>
+      </p:sp>
+      <p:sp>
+        <p:nvSpPr>
+          <p:cNvPr id="3" name="备注占位符 2"/>
+          <p:cNvSpPr>
+            <a:spLocks noGrp="1"/>
+          </p:cNvSpPr>
+          <p:nvPr>
+            <p:ph type="body" idx="1"/>
+          </p:nvPr>
+        </p:nvSpPr>
+        <p:spPr/>
+        <p:txBody>
+          <a:bodyPr/>
+          <a:lstStyle/>
+          <a:p>
+            <a:endParaRPr lang="zh-CN" altLang="en-US" dirty="0"/>
+          </a:p>
+        </p:txBody>
+      </p:sp>
+      <p:sp>
+        <p:nvSpPr>
+          <p:cNvPr id="4" name="灯片编号占位符 3"/>
+          <p:cNvSpPr>
+            <a:spLocks noGrp="1"/>
+          </p:cNvSpPr>
+          <p:nvPr>
+            <p:ph type="sldNum" sz="quarter" idx="5"/>
+          </p:nvPr>
+        </p:nvSpPr>
+        <p:spPr/>
+        <p:txBody>
+          <a:bodyPr/>
+          <a:lstStyle/>
+          <a:p>
+            <a:fld id="{E9E6FDB6-6D2B-46C1-9FA1-D82906A37C3A}" type="slidenum">
+              <a:rPr lang="zh-CN" altLang="en-US" smtClean="0"/>
+              <a:t>13</a:t>
+            </a:fld>
+            <a:endParaRPr lang="zh-CN" altLang="en-US"/>
+          </a:p>
+        </p:txBody>
+      </p:sp>
+    </p:spTree>
+    <p:extLst>
+      <p:ext uri="{BB962C8B-B14F-4D97-AF65-F5344CB8AC3E}">
+        <p14:creationId xmlns:p14="http://schemas.microsoft.com/office/powerpoint/2010/main" val="243792248"/>
+      </p:ext>
+    </p:extLst>
+  </p:cSld>
+  <p:clrMapOvr>
+    <a:masterClrMapping/>
+  </p:clrMapOvr>
+</p:notes>
+</file>
+
+<file path=ppt/notesSlides/notesSlide6.xml><?xml version="1.0" encoding="utf-8"?>
+<p:notes xmlns:a="http://schemas.openxmlformats.org/drawingml/2006/main" xmlns:r="http://schemas.openxmlformats.org/officeDocument/2006/relationships" xmlns:p="http://schemas.openxmlformats.org/presentationml/2006/main">
+  <p:cSld>
+    <p:spTree>
+      <p:nvGrpSpPr>
+        <p:cNvPr id="1" name=""/>
+        <p:cNvGrpSpPr/>
+        <p:nvPr/>
+      </p:nvGrpSpPr>
+      <p:grpSpPr>
+        <a:xfrm>
+          <a:off x="0" y="0"/>
+          <a:ext cx="0" cy="0"/>
+          <a:chOff x="0" y="0"/>
+          <a:chExt cx="0" cy="0"/>
+        </a:xfrm>
+      </p:grpSpPr>
+      <p:sp>
+        <p:nvSpPr>
+          <p:cNvPr id="2" name="幻灯片图像占位符 1"/>
+          <p:cNvSpPr>
+            <a:spLocks noGrp="1" noRot="1" noChangeAspect="1"/>
+          </p:cNvSpPr>
+          <p:nvPr>
+            <p:ph type="sldImg"/>
+          </p:nvPr>
+        </p:nvSpPr>
+        <p:spPr/>
+      </p:sp>
+      <p:sp>
+        <p:nvSpPr>
+          <p:cNvPr id="3" name="备注占位符 2"/>
+          <p:cNvSpPr>
+            <a:spLocks noGrp="1"/>
+          </p:cNvSpPr>
+          <p:nvPr>
+            <p:ph type="body" idx="1"/>
+          </p:nvPr>
+        </p:nvSpPr>
+        <p:spPr/>
+        <p:txBody>
+          <a:bodyPr/>
+          <a:lstStyle/>
+          <a:p>
+            <a:endParaRPr lang="zh-CN" altLang="en-US" dirty="0"/>
+          </a:p>
+        </p:txBody>
+      </p:sp>
+      <p:sp>
+        <p:nvSpPr>
+          <p:cNvPr id="4" name="灯片编号占位符 3"/>
+          <p:cNvSpPr>
+            <a:spLocks noGrp="1"/>
+          </p:cNvSpPr>
+          <p:nvPr>
+            <p:ph type="sldNum" sz="quarter" idx="5"/>
+          </p:nvPr>
+        </p:nvSpPr>
+        <p:spPr/>
+        <p:txBody>
+          <a:bodyPr/>
+          <a:lstStyle/>
+          <a:p>
+            <a:fld id="{E9E6FDB6-6D2B-46C1-9FA1-D82906A37C3A}" type="slidenum">
+              <a:rPr lang="zh-CN" altLang="en-US" smtClean="0"/>
+              <a:t>14</a:t>
+            </a:fld>
+            <a:endParaRPr lang="zh-CN" altLang="en-US"/>
+          </a:p>
+        </p:txBody>
+      </p:sp>
+    </p:spTree>
+    <p:extLst>
+      <p:ext uri="{BB962C8B-B14F-4D97-AF65-F5344CB8AC3E}">
+        <p14:creationId xmlns:p14="http://schemas.microsoft.com/office/powerpoint/2010/main" val="350807330"/>
+      </p:ext>
+    </p:extLst>
+  </p:cSld>
+  <p:clrMapOvr>
+    <a:masterClrMapping/>
+  </p:clrMapOvr>
+</p:notes>
+</file>
+
+<file path=ppt/notesSlides/notesSlide7.xml><?xml version="1.0" encoding="utf-8"?>
+<p:notes xmlns:a="http://schemas.openxmlformats.org/drawingml/2006/main" xmlns:r="http://schemas.openxmlformats.org/officeDocument/2006/relationships" xmlns:p="http://schemas.openxmlformats.org/presentationml/2006/main">
+  <p:cSld>
+    <p:spTree>
+      <p:nvGrpSpPr>
+        <p:cNvPr id="1" name=""/>
+        <p:cNvGrpSpPr/>
+        <p:nvPr/>
+      </p:nvGrpSpPr>
+      <p:grpSpPr>
+        <a:xfrm>
+          <a:off x="0" y="0"/>
+          <a:ext cx="0" cy="0"/>
+          <a:chOff x="0" y="0"/>
+          <a:chExt cx="0" cy="0"/>
+        </a:xfrm>
+      </p:grpSpPr>
+      <p:sp>
+        <p:nvSpPr>
+          <p:cNvPr id="2" name="幻灯片图像占位符 1"/>
+          <p:cNvSpPr>
+            <a:spLocks noGrp="1" noRot="1" noChangeAspect="1"/>
+          </p:cNvSpPr>
+          <p:nvPr>
+            <p:ph type="sldImg"/>
+          </p:nvPr>
+        </p:nvSpPr>
+        <p:spPr/>
+      </p:sp>
+      <p:sp>
+        <p:nvSpPr>
+          <p:cNvPr id="3" name="备注占位符 2"/>
+          <p:cNvSpPr>
+            <a:spLocks noGrp="1"/>
+          </p:cNvSpPr>
+          <p:nvPr>
+            <p:ph type="body" idx="1"/>
+          </p:nvPr>
+        </p:nvSpPr>
+        <p:spPr/>
+        <p:txBody>
+          <a:bodyPr/>
+          <a:lstStyle/>
+          <a:p>
+            <a:r>
+              <a:rPr lang="zh-CN" altLang="en-US" dirty="0"/>
+              <a:t>即使</a:t>
+            </a:r>
+            <a:r>
+              <a:rPr lang="en-US" altLang="zh-CN" dirty="0"/>
+              <a:t>F1</a:t>
+            </a:r>
+            <a:r>
+              <a:rPr lang="zh-CN" altLang="en-US" dirty="0"/>
+              <a:t>没有提升我们也可以说我们可以优先筛选出最有可能是漏洞的代码供安全人员审计</a:t>
+            </a:r>
+          </a:p>
+        </p:txBody>
+      </p:sp>
+      <p:sp>
+        <p:nvSpPr>
+          <p:cNvPr id="4" name="灯片编号占位符 3"/>
+          <p:cNvSpPr>
+            <a:spLocks noGrp="1"/>
+          </p:cNvSpPr>
+          <p:nvPr>
+            <p:ph type="sldNum" sz="quarter" idx="5"/>
+          </p:nvPr>
+        </p:nvSpPr>
+        <p:spPr/>
+        <p:txBody>
+          <a:bodyPr/>
+          <a:lstStyle/>
+          <a:p>
+            <a:fld id="{E9E6FDB6-6D2B-46C1-9FA1-D82906A37C3A}" type="slidenum">
+              <a:rPr lang="zh-CN" altLang="en-US" smtClean="0"/>
+              <a:t>18</a:t>
+            </a:fld>
+            <a:endParaRPr lang="zh-CN" altLang="en-US"/>
+          </a:p>
+        </p:txBody>
+      </p:sp>
+    </p:spTree>
+    <p:extLst>
+      <p:ext uri="{BB962C8B-B14F-4D97-AF65-F5344CB8AC3E}">
+        <p14:creationId xmlns:p14="http://schemas.microsoft.com/office/powerpoint/2010/main" val="1905620824"/>
+      </p:ext>
+    </p:extLst>
+  </p:cSld>
+  <p:clrMapOvr>
+    <a:masterClrMapping/>
+  </p:clrMapOvr>
+</p:notes>
+</file>
+
+<file path=ppt/notesSlides/notesSlide8.xml><?xml version="1.0" encoding="utf-8"?>
+<p:notes xmlns:a="http://schemas.openxmlformats.org/drawingml/2006/main" xmlns:r="http://schemas.openxmlformats.org/officeDocument/2006/relationships" xmlns:p="http://schemas.openxmlformats.org/presentationml/2006/main">
+  <p:cSld>
+    <p:spTree>
+      <p:nvGrpSpPr>
+        <p:cNvPr id="1" name=""/>
+        <p:cNvGrpSpPr/>
+        <p:nvPr/>
+      </p:nvGrpSpPr>
+      <p:grpSpPr>
+        <a:xfrm>
+          <a:off x="0" y="0"/>
+          <a:ext cx="0" cy="0"/>
+          <a:chOff x="0" y="0"/>
+          <a:chExt cx="0" cy="0"/>
+        </a:xfrm>
+      </p:grpSpPr>
+      <p:sp>
+        <p:nvSpPr>
+          <p:cNvPr id="2" name="幻灯片图像占位符 1"/>
+          <p:cNvSpPr>
+            <a:spLocks noGrp="1" noRot="1" noChangeAspect="1"/>
+          </p:cNvSpPr>
+          <p:nvPr>
+            <p:ph type="sldImg"/>
+          </p:nvPr>
+        </p:nvSpPr>
+        <p:spPr/>
+      </p:sp>
+      <p:sp>
+        <p:nvSpPr>
+          <p:cNvPr id="3" name="备注占位符 2"/>
+          <p:cNvSpPr>
+            <a:spLocks noGrp="1"/>
+          </p:cNvSpPr>
+          <p:nvPr>
+            <p:ph type="body" idx="1"/>
+          </p:nvPr>
+        </p:nvSpPr>
+        <p:spPr/>
+        <p:txBody>
+          <a:bodyPr/>
+          <a:lstStyle/>
+          <a:p>
+            <a:r>
+              <a:rPr lang="zh-CN" altLang="en-US" dirty="0"/>
+              <a:t>需要解决的问题可以转化为研究的</a:t>
+            </a:r>
+            <a:r>
+              <a:rPr lang="en-US" altLang="zh-CN" dirty="0"/>
+              <a:t>Limitations</a:t>
+            </a:r>
+            <a:r>
+              <a:rPr lang="zh-CN" altLang="en-US" dirty="0"/>
+              <a:t>，但是有的问题亟待解决</a:t>
+            </a:r>
+          </a:p>
+        </p:txBody>
+      </p:sp>
+      <p:sp>
+        <p:nvSpPr>
+          <p:cNvPr id="4" name="灯片编号占位符 3"/>
+          <p:cNvSpPr>
+            <a:spLocks noGrp="1"/>
+          </p:cNvSpPr>
+          <p:nvPr>
+            <p:ph type="sldNum" sz="quarter" idx="5"/>
+          </p:nvPr>
+        </p:nvSpPr>
+        <p:spPr/>
+        <p:txBody>
+          <a:bodyPr/>
+          <a:lstStyle/>
+          <a:p>
+            <a:fld id="{E9E6FDB6-6D2B-46C1-9FA1-D82906A37C3A}" type="slidenum">
+              <a:rPr lang="zh-CN" altLang="en-US" smtClean="0"/>
+              <a:t>22</a:t>
+            </a:fld>
+            <a:endParaRPr lang="zh-CN" altLang="en-US"/>
+          </a:p>
+        </p:txBody>
+      </p:sp>
+    </p:spTree>
+    <p:extLst>
+      <p:ext uri="{BB962C8B-B14F-4D97-AF65-F5344CB8AC3E}">
+        <p14:creationId xmlns:p14="http://schemas.microsoft.com/office/powerpoint/2010/main" val="1531218954"/>
+      </p:ext>
+    </p:extLst>
+  </p:cSld>
+  <p:clrMapOvr>
+    <a:masterClrMapping/>
+  </p:clrMapOvr>
+</p:notes>
+</file>
+
+<file path=ppt/notesSlides/notesSlide9.xml><?xml version="1.0" encoding="utf-8"?>
+<p:notes xmlns:a="http://schemas.openxmlformats.org/drawingml/2006/main" xmlns:r="http://schemas.openxmlformats.org/officeDocument/2006/relationships" xmlns:p="http://schemas.openxmlformats.org/presentationml/2006/main">
+  <p:cSld>
+    <p:spTree>
+      <p:nvGrpSpPr>
+        <p:cNvPr id="1" name=""/>
+        <p:cNvGrpSpPr/>
+        <p:nvPr/>
+      </p:nvGrpSpPr>
+      <p:grpSpPr>
+        <a:xfrm>
+          <a:off x="0" y="0"/>
+          <a:ext cx="0" cy="0"/>
+          <a:chOff x="0" y="0"/>
+          <a:chExt cx="0" cy="0"/>
+        </a:xfrm>
+      </p:grpSpPr>
+      <p:sp>
+        <p:nvSpPr>
+          <p:cNvPr id="2" name="幻灯片图像占位符 1"/>
+          <p:cNvSpPr>
+            <a:spLocks noGrp="1" noRot="1" noChangeAspect="1"/>
+          </p:cNvSpPr>
+          <p:nvPr>
+            <p:ph type="sldImg"/>
+          </p:nvPr>
+        </p:nvSpPr>
+        <p:spPr/>
+      </p:sp>
+      <p:sp>
+        <p:nvSpPr>
+          <p:cNvPr id="3" name="备注占位符 2"/>
+          <p:cNvSpPr>
+            <a:spLocks noGrp="1"/>
+          </p:cNvSpPr>
+          <p:nvPr>
+            <p:ph type="body" idx="1"/>
+          </p:nvPr>
+        </p:nvSpPr>
+        <p:spPr/>
+        <p:txBody>
+          <a:bodyPr/>
+          <a:lstStyle/>
+          <a:p>
+            <a:endParaRPr lang="zh-CN" altLang="en-US" dirty="0"/>
+          </a:p>
+        </p:txBody>
+      </p:sp>
+      <p:sp>
+        <p:nvSpPr>
+          <p:cNvPr id="4" name="灯片编号占位符 3"/>
+          <p:cNvSpPr>
+            <a:spLocks noGrp="1"/>
+          </p:cNvSpPr>
+          <p:nvPr>
+            <p:ph type="sldNum" sz="quarter" idx="5"/>
+          </p:nvPr>
+        </p:nvSpPr>
+        <p:spPr/>
+        <p:txBody>
+          <a:bodyPr/>
+          <a:lstStyle/>
+          <a:p>
+            <a:fld id="{E9E6FDB6-6D2B-46C1-9FA1-D82906A37C3A}" type="slidenum">
+              <a:rPr lang="zh-CN" altLang="en-US" smtClean="0"/>
+              <a:t>23</a:t>
+            </a:fld>
+            <a:endParaRPr lang="zh-CN" altLang="en-US"/>
+          </a:p>
+        </p:txBody>
+      </p:sp>
+    </p:spTree>
+    <p:extLst>
+      <p:ext uri="{BB962C8B-B14F-4D97-AF65-F5344CB8AC3E}">
+        <p14:creationId xmlns:p14="http://schemas.microsoft.com/office/powerpoint/2010/main" val="3122866370"/>
+      </p:ext>
+    </p:extLst>
+  </p:cSld>
+  <p:clrMapOvr>
+    <a:masterClrMapping/>
+  </p:clrMapOvr>
+</p:notes>
+</file>
+
 <file path=ppt/slideLayouts/slideLayout1.xml><?xml version="1.0" encoding="utf-8"?>
 <p:sldLayout xmlns:a="http://schemas.openxmlformats.org/drawingml/2006/main" xmlns:r="http://schemas.openxmlformats.org/officeDocument/2006/relationships" xmlns:p="http://schemas.openxmlformats.org/presentationml/2006/main" showMasterSp="0" preserve="1" userDrawn="1">
   <p:cSld name="标题幻灯片">
@@ -1358,7 +2143,7 @@
             <a:fld id="{6489D9C7-5DC6-4263-87FF-7C99F6FB63C3}" type="datetime1">
               <a:rPr lang="zh-CN" altLang="en-US" smtClean="0"/>
               <a:pPr/>
-              <a:t>2019/6/18</a:t>
+              <a:t>2019/6/22</a:t>
             </a:fld>
             <a:endParaRPr lang="zh-CN" altLang="en-US"/>
           </a:p>
@@ -1515,7 +2300,7 @@
             <a:fld id="{6489D9C7-5DC6-4263-87FF-7C99F6FB63C3}" type="datetime1">
               <a:rPr lang="zh-CN" altLang="en-US" smtClean="0"/>
               <a:pPr/>
-              <a:t>2019/6/18</a:t>
+              <a:t>2019/6/22</a:t>
             </a:fld>
             <a:endParaRPr lang="zh-CN" altLang="en-US"/>
           </a:p>
@@ -1901,7 +2686,7 @@
             <a:fld id="{6489D9C7-5DC6-4263-87FF-7C99F6FB63C3}" type="datetime1">
               <a:rPr lang="zh-CN" altLang="en-US" smtClean="0"/>
               <a:pPr/>
-              <a:t>2019/6/18</a:t>
+              <a:t>2019/6/22</a:t>
             </a:fld>
             <a:endParaRPr lang="zh-CN" altLang="en-US"/>
           </a:p>
@@ -2121,7 +2906,7 @@
             <a:fld id="{6489D9C7-5DC6-4263-87FF-7C99F6FB63C3}" type="datetime1">
               <a:rPr lang="zh-CN" altLang="en-US" smtClean="0"/>
               <a:pPr/>
-              <a:t>2019/6/18</a:t>
+              <a:t>2019/6/22</a:t>
             </a:fld>
             <a:endParaRPr lang="zh-CN" altLang="en-US"/>
           </a:p>
@@ -3083,6 +3868,787 @@
       </p:grpSpPr>
       <p:sp>
         <p:nvSpPr>
+          <p:cNvPr id="4" name="标题 3">
+            <a:extLst>
+              <a:ext uri="{FF2B5EF4-FFF2-40B4-BE49-F238E27FC236}">
+                <a16:creationId xmlns:a16="http://schemas.microsoft.com/office/drawing/2014/main" id="{58AA1705-F930-4914-A329-6E6609D770D3}"/>
+              </a:ext>
+            </a:extLst>
+          </p:cNvPr>
+          <p:cNvSpPr>
+            <a:spLocks noGrp="1"/>
+          </p:cNvSpPr>
+          <p:nvPr>
+            <p:ph type="title"/>
+          </p:nvPr>
+        </p:nvSpPr>
+        <p:spPr/>
+        <p:txBody>
+          <a:bodyPr/>
+          <a:lstStyle/>
+          <a:p>
+            <a:pPr>
+              <a:lnSpc>
+                <a:spcPct val="120000"/>
+              </a:lnSpc>
+            </a:pPr>
+            <a:r>
+              <a:rPr lang="zh-CN" altLang="en-US" dirty="0"/>
+              <a:t>国内外研究现状</a:t>
+            </a:r>
+            <a:r>
+              <a:rPr lang="en-US" altLang="zh-CN" dirty="0"/>
+              <a:t>——</a:t>
+            </a:r>
+            <a:r>
+              <a:rPr lang="zh-CN" altLang="en-US" dirty="0"/>
+              <a:t>相似度比较</a:t>
+            </a:r>
+          </a:p>
+        </p:txBody>
+      </p:sp>
+      <p:sp>
+        <p:nvSpPr>
+          <p:cNvPr id="5" name="内容占位符 4">
+            <a:extLst>
+              <a:ext uri="{FF2B5EF4-FFF2-40B4-BE49-F238E27FC236}">
+                <a16:creationId xmlns:a16="http://schemas.microsoft.com/office/drawing/2014/main" id="{3B580948-92C3-48BD-A405-596C7FF5CF72}"/>
+              </a:ext>
+            </a:extLst>
+          </p:cNvPr>
+          <p:cNvSpPr>
+            <a:spLocks noGrp="1"/>
+          </p:cNvSpPr>
+          <p:nvPr>
+            <p:ph idx="1"/>
+          </p:nvPr>
+        </p:nvSpPr>
+        <p:spPr>
+          <a:xfrm>
+            <a:off x="669924" y="1489494"/>
+            <a:ext cx="5426075" cy="4314405"/>
+          </a:xfrm>
+        </p:spPr>
+        <p:txBody>
+          <a:bodyPr>
+            <a:normAutofit/>
+          </a:bodyPr>
+          <a:lstStyle/>
+          <a:p>
+            <a:pPr>
+              <a:lnSpc>
+                <a:spcPct val="120000"/>
+              </a:lnSpc>
+              <a:spcBef>
+                <a:spcPts val="0"/>
+              </a:spcBef>
+            </a:pPr>
+            <a:r>
+              <a:rPr lang="en-US" altLang="zh-CN" dirty="0"/>
+              <a:t>Z, Zou D, Xu S, et al. </a:t>
+            </a:r>
+            <a:r>
+              <a:rPr lang="en-US" altLang="zh-CN" dirty="0" err="1"/>
+              <a:t>VulPecker</a:t>
+            </a:r>
+            <a:r>
+              <a:rPr lang="en-US" altLang="zh-CN" dirty="0"/>
+              <a:t>: an automated vulnerability detection system based on code similarity analysis[C]</a:t>
+            </a:r>
+          </a:p>
+          <a:p>
+            <a:pPr>
+              <a:lnSpc>
+                <a:spcPct val="120000"/>
+              </a:lnSpc>
+              <a:spcBef>
+                <a:spcPts val="0"/>
+              </a:spcBef>
+            </a:pPr>
+            <a:endParaRPr lang="en-US" altLang="zh-CN" dirty="0"/>
+          </a:p>
+          <a:p>
+            <a:pPr marL="0" indent="0">
+              <a:lnSpc>
+                <a:spcPct val="120000"/>
+              </a:lnSpc>
+              <a:spcBef>
+                <a:spcPts val="0"/>
+              </a:spcBef>
+              <a:buNone/>
+            </a:pPr>
+            <a:r>
+              <a:rPr lang="zh-CN" altLang="en-US" dirty="0"/>
+              <a:t>   文中为函数定义了六组特征和多组相似度比较方法，通过投票机制提高了漏洞检测效率</a:t>
+            </a:r>
+            <a:endParaRPr lang="en-US" altLang="zh-CN" dirty="0"/>
+          </a:p>
+          <a:p>
+            <a:pPr marL="0" indent="0">
+              <a:lnSpc>
+                <a:spcPct val="120000"/>
+              </a:lnSpc>
+              <a:spcBef>
+                <a:spcPts val="0"/>
+              </a:spcBef>
+              <a:buNone/>
+            </a:pPr>
+            <a:endParaRPr lang="en-US" altLang="zh-CN" dirty="0"/>
+          </a:p>
+        </p:txBody>
+      </p:sp>
+      <p:pic>
+        <p:nvPicPr>
+          <p:cNvPr id="2" name="图片 1">
+            <a:extLst>
+              <a:ext uri="{FF2B5EF4-FFF2-40B4-BE49-F238E27FC236}">
+                <a16:creationId xmlns:a16="http://schemas.microsoft.com/office/drawing/2014/main" id="{E8E6CE1C-76AB-417E-8568-26B3291F7637}"/>
+              </a:ext>
+            </a:extLst>
+          </p:cNvPr>
+          <p:cNvPicPr>
+            <a:picLocks noChangeAspect="1"/>
+          </p:cNvPicPr>
+          <p:nvPr/>
+        </p:nvPicPr>
+        <p:blipFill>
+          <a:blip r:embed="rId2"/>
+          <a:stretch>
+            <a:fillRect/>
+          </a:stretch>
+        </p:blipFill>
+        <p:spPr>
+          <a:xfrm>
+            <a:off x="6197599" y="1435463"/>
+            <a:ext cx="5322888" cy="4314404"/>
+          </a:xfrm>
+          <a:prstGeom prst="rect">
+            <a:avLst/>
+          </a:prstGeom>
+        </p:spPr>
+      </p:pic>
+    </p:spTree>
+    <p:extLst>
+      <p:ext uri="{BB962C8B-B14F-4D97-AF65-F5344CB8AC3E}">
+        <p14:creationId xmlns:p14="http://schemas.microsoft.com/office/powerpoint/2010/main" val="3965284701"/>
+      </p:ext>
+    </p:extLst>
+  </p:cSld>
+  <p:clrMapOvr>
+    <a:masterClrMapping/>
+  </p:clrMapOvr>
+</p:sld>
+</file>
+
+<file path=ppt/slides/slide11.xml><?xml version="1.0" encoding="utf-8"?>
+<p:sld xmlns:a="http://schemas.openxmlformats.org/drawingml/2006/main" xmlns:r="http://schemas.openxmlformats.org/officeDocument/2006/relationships" xmlns:p="http://schemas.openxmlformats.org/presentationml/2006/main">
+  <p:cSld>
+    <p:spTree>
+      <p:nvGrpSpPr>
+        <p:cNvPr id="1" name=""/>
+        <p:cNvGrpSpPr/>
+        <p:nvPr/>
+      </p:nvGrpSpPr>
+      <p:grpSpPr>
+        <a:xfrm>
+          <a:off x="0" y="0"/>
+          <a:ext cx="0" cy="0"/>
+          <a:chOff x="0" y="0"/>
+          <a:chExt cx="0" cy="0"/>
+        </a:xfrm>
+      </p:grpSpPr>
+      <p:sp>
+        <p:nvSpPr>
+          <p:cNvPr id="2" name="标题 1">
+            <a:extLst>
+              <a:ext uri="{FF2B5EF4-FFF2-40B4-BE49-F238E27FC236}">
+                <a16:creationId xmlns:a16="http://schemas.microsoft.com/office/drawing/2014/main" id="{90534DB0-0718-40A2-9970-E2A769C0C7B5}"/>
+              </a:ext>
+            </a:extLst>
+          </p:cNvPr>
+          <p:cNvSpPr>
+            <a:spLocks noGrp="1"/>
+          </p:cNvSpPr>
+          <p:nvPr>
+            <p:ph type="title"/>
+          </p:nvPr>
+        </p:nvSpPr>
+        <p:spPr/>
+        <p:txBody>
+          <a:bodyPr/>
+          <a:lstStyle/>
+          <a:p>
+            <a:pPr>
+              <a:lnSpc>
+                <a:spcPct val="120000"/>
+              </a:lnSpc>
+            </a:pPr>
+            <a:r>
+              <a:rPr lang="zh-CN" altLang="en-US" dirty="0"/>
+              <a:t>国内外研究现状</a:t>
+            </a:r>
+            <a:r>
+              <a:rPr lang="en-US" altLang="zh-CN" dirty="0"/>
+              <a:t>——</a:t>
+            </a:r>
+            <a:r>
+              <a:rPr lang="zh-CN" altLang="en-US" dirty="0"/>
+              <a:t>基于程序切片和机器学习</a:t>
+            </a:r>
+          </a:p>
+        </p:txBody>
+      </p:sp>
+      <p:sp>
+        <p:nvSpPr>
+          <p:cNvPr id="3" name="内容占位符 2">
+            <a:extLst>
+              <a:ext uri="{FF2B5EF4-FFF2-40B4-BE49-F238E27FC236}">
+                <a16:creationId xmlns:a16="http://schemas.microsoft.com/office/drawing/2014/main" id="{507E824E-8FEB-4A3E-8696-55FA9CC5E3B7}"/>
+              </a:ext>
+            </a:extLst>
+          </p:cNvPr>
+          <p:cNvSpPr>
+            <a:spLocks noGrp="1"/>
+          </p:cNvSpPr>
+          <p:nvPr>
+            <p:ph idx="1"/>
+          </p:nvPr>
+        </p:nvSpPr>
+        <p:spPr>
+          <a:xfrm>
+            <a:off x="669925" y="1123950"/>
+            <a:ext cx="6313680" cy="5019675"/>
+          </a:xfrm>
+        </p:spPr>
+        <p:txBody>
+          <a:bodyPr/>
+          <a:lstStyle/>
+          <a:p>
+            <a:pPr>
+              <a:lnSpc>
+                <a:spcPct val="120000"/>
+              </a:lnSpc>
+              <a:spcBef>
+                <a:spcPts val="0"/>
+              </a:spcBef>
+            </a:pPr>
+            <a:r>
+              <a:rPr lang="en-US" altLang="zh-CN" dirty="0"/>
+              <a:t>Li Z, Zou D, Xu S, et al. </a:t>
+            </a:r>
+            <a:r>
+              <a:rPr lang="en-US" altLang="zh-CN" dirty="0" err="1"/>
+              <a:t>VulDeePecker</a:t>
+            </a:r>
+            <a:r>
+              <a:rPr lang="en-US" altLang="zh-CN" dirty="0"/>
+              <a:t>: A deep learning-based system for vulnerability detection[J]</a:t>
+            </a:r>
+          </a:p>
+          <a:p>
+            <a:pPr marL="0" indent="0">
+              <a:lnSpc>
+                <a:spcPct val="120000"/>
+              </a:lnSpc>
+              <a:spcBef>
+                <a:spcPts val="0"/>
+              </a:spcBef>
+              <a:buNone/>
+            </a:pPr>
+            <a:r>
+              <a:rPr lang="en-US" altLang="zh-CN" dirty="0"/>
+              <a:t>   </a:t>
+            </a:r>
+            <a:r>
+              <a:rPr lang="zh-CN" altLang="en-US" dirty="0"/>
+              <a:t>文中使用了程序切片和深度神经网络（</a:t>
+            </a:r>
+            <a:r>
+              <a:rPr lang="en-US" altLang="zh-CN" dirty="0"/>
+              <a:t>BLSTM</a:t>
+            </a:r>
+            <a:r>
+              <a:rPr lang="zh-CN" altLang="en-US" dirty="0"/>
+              <a:t>）构建了一套检测缓冲区溢出和资源管理漏洞的工具，作者认为使用该工具检测</a:t>
+            </a:r>
+            <a:r>
+              <a:rPr lang="en-US" altLang="zh-CN" dirty="0"/>
+              <a:t>0day</a:t>
+            </a:r>
+            <a:r>
+              <a:rPr lang="zh-CN" altLang="en-US" dirty="0"/>
+              <a:t>漏洞是可行的，并且未来可以将该方法推广到其他语言。</a:t>
+            </a:r>
+            <a:endParaRPr lang="en-US" altLang="zh-CN" dirty="0"/>
+          </a:p>
+          <a:p>
+            <a:pPr marL="0" indent="0">
+              <a:lnSpc>
+                <a:spcPct val="120000"/>
+              </a:lnSpc>
+              <a:spcBef>
+                <a:spcPts val="0"/>
+              </a:spcBef>
+              <a:buNone/>
+            </a:pPr>
+            <a:endParaRPr lang="en-US" altLang="zh-CN" dirty="0"/>
+          </a:p>
+          <a:p>
+            <a:pPr>
+              <a:lnSpc>
+                <a:spcPct val="120000"/>
+              </a:lnSpc>
+              <a:spcBef>
+                <a:spcPts val="0"/>
+              </a:spcBef>
+            </a:pPr>
+            <a:r>
+              <a:rPr lang="en-US" altLang="zh-CN" dirty="0" err="1"/>
+              <a:t>Koc</a:t>
+            </a:r>
+            <a:r>
+              <a:rPr lang="en-US" altLang="zh-CN" dirty="0"/>
+              <a:t> U, </a:t>
+            </a:r>
+            <a:r>
+              <a:rPr lang="en-US" altLang="zh-CN" dirty="0" err="1"/>
+              <a:t>Saadatpanah</a:t>
+            </a:r>
+            <a:r>
+              <a:rPr lang="en-US" altLang="zh-CN" dirty="0"/>
+              <a:t> P, Foster J S, et al. Learning a classifier for false positive error reports emitted by static code analysis tools[C]</a:t>
+            </a:r>
+          </a:p>
+          <a:p>
+            <a:pPr marL="0" indent="0">
+              <a:lnSpc>
+                <a:spcPct val="120000"/>
+              </a:lnSpc>
+              <a:spcBef>
+                <a:spcPts val="0"/>
+              </a:spcBef>
+              <a:buNone/>
+            </a:pPr>
+            <a:r>
+              <a:rPr lang="en-US" altLang="zh-CN" dirty="0"/>
+              <a:t>   </a:t>
+            </a:r>
+            <a:r>
+              <a:rPr lang="zh-CN" altLang="en-US" dirty="0"/>
+              <a:t>文中总结了</a:t>
+            </a:r>
+            <a:r>
+              <a:rPr lang="en-US" altLang="zh-CN" dirty="0"/>
+              <a:t>Java</a:t>
+            </a:r>
+            <a:r>
+              <a:rPr lang="zh-CN" altLang="en-US" dirty="0"/>
+              <a:t>中误报产生的模式，并且考虑用方法体</a:t>
+            </a:r>
+            <a:r>
+              <a:rPr lang="en-US" altLang="zh-CN" dirty="0"/>
+              <a:t>/</a:t>
+            </a:r>
+            <a:r>
+              <a:rPr lang="zh-CN" altLang="en-US" dirty="0"/>
+              <a:t>程序切片技术和机器学习降低误报率</a:t>
+            </a:r>
+            <a:endParaRPr lang="en-US" altLang="zh-CN" dirty="0"/>
+          </a:p>
+          <a:p>
+            <a:pPr marL="0" indent="0">
+              <a:lnSpc>
+                <a:spcPct val="120000"/>
+              </a:lnSpc>
+              <a:spcBef>
+                <a:spcPts val="0"/>
+              </a:spcBef>
+              <a:buNone/>
+            </a:pPr>
+            <a:endParaRPr lang="en-US" altLang="zh-CN" dirty="0"/>
+          </a:p>
+        </p:txBody>
+      </p:sp>
+      <p:sp>
+        <p:nvSpPr>
+          <p:cNvPr id="4" name="页脚占位符 3">
+            <a:extLst>
+              <a:ext uri="{FF2B5EF4-FFF2-40B4-BE49-F238E27FC236}">
+                <a16:creationId xmlns:a16="http://schemas.microsoft.com/office/drawing/2014/main" id="{12281555-5D92-47B1-A247-506E29DB6A5B}"/>
+              </a:ext>
+            </a:extLst>
+          </p:cNvPr>
+          <p:cNvSpPr>
+            <a:spLocks noGrp="1"/>
+          </p:cNvSpPr>
+          <p:nvPr>
+            <p:ph type="ftr" sz="quarter" idx="11"/>
+          </p:nvPr>
+        </p:nvSpPr>
+        <p:spPr/>
+        <p:txBody>
+          <a:bodyPr/>
+          <a:lstStyle/>
+          <a:p>
+            <a:pPr>
+              <a:lnSpc>
+                <a:spcPct val="120000"/>
+              </a:lnSpc>
+            </a:pPr>
+            <a:endParaRPr lang="zh-CN" altLang="en-US" dirty="0"/>
+          </a:p>
+        </p:txBody>
+      </p:sp>
+      <p:sp>
+        <p:nvSpPr>
+          <p:cNvPr id="5" name="灯片编号占位符 4">
+            <a:extLst>
+              <a:ext uri="{FF2B5EF4-FFF2-40B4-BE49-F238E27FC236}">
+                <a16:creationId xmlns:a16="http://schemas.microsoft.com/office/drawing/2014/main" id="{7E8E3D5B-4F50-4D71-AB0A-3DB9E66413E2}"/>
+              </a:ext>
+            </a:extLst>
+          </p:cNvPr>
+          <p:cNvSpPr>
+            <a:spLocks noGrp="1"/>
+          </p:cNvSpPr>
+          <p:nvPr>
+            <p:ph type="sldNum" sz="quarter" idx="12"/>
+          </p:nvPr>
+        </p:nvSpPr>
+        <p:spPr/>
+        <p:txBody>
+          <a:bodyPr/>
+          <a:lstStyle/>
+          <a:p>
+            <a:pPr>
+              <a:lnSpc>
+                <a:spcPct val="120000"/>
+              </a:lnSpc>
+            </a:pPr>
+            <a:fld id="{5DD3DB80-B894-403A-B48E-6FDC1A72010E}" type="slidenum">
+              <a:rPr lang="zh-CN" altLang="en-US" smtClean="0"/>
+              <a:pPr>
+                <a:lnSpc>
+                  <a:spcPct val="120000"/>
+                </a:lnSpc>
+              </a:pPr>
+              <a:t>11</a:t>
+            </a:fld>
+            <a:endParaRPr lang="zh-CN" altLang="en-US"/>
+          </a:p>
+        </p:txBody>
+      </p:sp>
+      <p:pic>
+        <p:nvPicPr>
+          <p:cNvPr id="6" name="图片 5">
+            <a:extLst>
+              <a:ext uri="{FF2B5EF4-FFF2-40B4-BE49-F238E27FC236}">
+                <a16:creationId xmlns:a16="http://schemas.microsoft.com/office/drawing/2014/main" id="{E69B912F-AAD5-4752-BBB8-83AFCCE9136E}"/>
+              </a:ext>
+            </a:extLst>
+          </p:cNvPr>
+          <p:cNvPicPr>
+            <a:picLocks noChangeAspect="1"/>
+          </p:cNvPicPr>
+          <p:nvPr/>
+        </p:nvPicPr>
+        <p:blipFill>
+          <a:blip r:embed="rId2"/>
+          <a:stretch>
+            <a:fillRect/>
+          </a:stretch>
+        </p:blipFill>
+        <p:spPr>
+          <a:xfrm>
+            <a:off x="7001871" y="2498061"/>
+            <a:ext cx="4428184" cy="2271452"/>
+          </a:xfrm>
+          <a:prstGeom prst="rect">
+            <a:avLst/>
+          </a:prstGeom>
+        </p:spPr>
+      </p:pic>
+    </p:spTree>
+    <p:extLst>
+      <p:ext uri="{BB962C8B-B14F-4D97-AF65-F5344CB8AC3E}">
+        <p14:creationId xmlns:p14="http://schemas.microsoft.com/office/powerpoint/2010/main" val="3399625386"/>
+      </p:ext>
+    </p:extLst>
+  </p:cSld>
+  <p:clrMapOvr>
+    <a:masterClrMapping/>
+  </p:clrMapOvr>
+</p:sld>
+</file>
+
+<file path=ppt/slides/slide12.xml><?xml version="1.0" encoding="utf-8"?>
+<p:sld xmlns:a="http://schemas.openxmlformats.org/drawingml/2006/main" xmlns:r="http://schemas.openxmlformats.org/officeDocument/2006/relationships" xmlns:p="http://schemas.openxmlformats.org/presentationml/2006/main">
+  <p:cSld>
+    <p:spTree>
+      <p:nvGrpSpPr>
+        <p:cNvPr id="1" name=""/>
+        <p:cNvGrpSpPr/>
+        <p:nvPr/>
+      </p:nvGrpSpPr>
+      <p:grpSpPr>
+        <a:xfrm>
+          <a:off x="0" y="0"/>
+          <a:ext cx="0" cy="0"/>
+          <a:chOff x="0" y="0"/>
+          <a:chExt cx="0" cy="0"/>
+        </a:xfrm>
+      </p:grpSpPr>
+      <p:sp>
+        <p:nvSpPr>
+          <p:cNvPr id="2" name="标题 1">
+            <a:extLst>
+              <a:ext uri="{FF2B5EF4-FFF2-40B4-BE49-F238E27FC236}">
+                <a16:creationId xmlns:a16="http://schemas.microsoft.com/office/drawing/2014/main" id="{90534DB0-0718-40A2-9970-E2A769C0C7B5}"/>
+              </a:ext>
+            </a:extLst>
+          </p:cNvPr>
+          <p:cNvSpPr>
+            <a:spLocks noGrp="1"/>
+          </p:cNvSpPr>
+          <p:nvPr>
+            <p:ph type="title"/>
+          </p:nvPr>
+        </p:nvSpPr>
+        <p:spPr/>
+        <p:txBody>
+          <a:bodyPr/>
+          <a:lstStyle/>
+          <a:p>
+            <a:pPr>
+              <a:lnSpc>
+                <a:spcPct val="120000"/>
+              </a:lnSpc>
+            </a:pPr>
+            <a:r>
+              <a:rPr lang="zh-CN" altLang="en-US" dirty="0"/>
+              <a:t>国内外研究现状</a:t>
+            </a:r>
+            <a:r>
+              <a:rPr lang="en-US" altLang="zh-CN" dirty="0"/>
+              <a:t>——</a:t>
+            </a:r>
+            <a:r>
+              <a:rPr lang="zh-CN" altLang="en-US" dirty="0"/>
+              <a:t>实证研究</a:t>
+            </a:r>
+          </a:p>
+        </p:txBody>
+      </p:sp>
+      <p:sp>
+        <p:nvSpPr>
+          <p:cNvPr id="3" name="内容占位符 2">
+            <a:extLst>
+              <a:ext uri="{FF2B5EF4-FFF2-40B4-BE49-F238E27FC236}">
+                <a16:creationId xmlns:a16="http://schemas.microsoft.com/office/drawing/2014/main" id="{507E824E-8FEB-4A3E-8696-55FA9CC5E3B7}"/>
+              </a:ext>
+            </a:extLst>
+          </p:cNvPr>
+          <p:cNvSpPr>
+            <a:spLocks noGrp="1"/>
+          </p:cNvSpPr>
+          <p:nvPr>
+            <p:ph idx="1"/>
+          </p:nvPr>
+        </p:nvSpPr>
+        <p:spPr/>
+        <p:txBody>
+          <a:bodyPr/>
+          <a:lstStyle/>
+          <a:p>
+            <a:pPr>
+              <a:lnSpc>
+                <a:spcPct val="120000"/>
+              </a:lnSpc>
+              <a:spcBef>
+                <a:spcPts val="0"/>
+              </a:spcBef>
+            </a:pPr>
+            <a:r>
+              <a:rPr lang="en-US" altLang="zh-CN" dirty="0" err="1"/>
+              <a:t>Koc</a:t>
+            </a:r>
+            <a:r>
+              <a:rPr lang="en-US" altLang="zh-CN" dirty="0"/>
+              <a:t> U, Wei S, Foster J S, et al. An Empirical Assessment of Machine Learning Approaches for Triaging Reports of a Java Static Analysis Tool[C]</a:t>
+            </a:r>
+          </a:p>
+          <a:p>
+            <a:pPr marL="0" indent="0">
+              <a:lnSpc>
+                <a:spcPct val="120000"/>
+              </a:lnSpc>
+              <a:spcBef>
+                <a:spcPts val="0"/>
+              </a:spcBef>
+              <a:buNone/>
+            </a:pPr>
+            <a:r>
+              <a:rPr lang="zh-CN" altLang="en-US" dirty="0"/>
+              <a:t>   上文的后续工作，展开实证研究，比较手工设计特征，词袋，</a:t>
+            </a:r>
+            <a:r>
+              <a:rPr lang="en-US" altLang="zh-CN" dirty="0"/>
+              <a:t>RNN</a:t>
+            </a:r>
+            <a:r>
+              <a:rPr lang="zh-CN" altLang="en-US" dirty="0"/>
+              <a:t>和</a:t>
+            </a:r>
+            <a:r>
+              <a:rPr lang="en-US" altLang="zh-CN" dirty="0"/>
+              <a:t>GNN</a:t>
+            </a:r>
+            <a:r>
+              <a:rPr lang="zh-CN" altLang="en-US" dirty="0"/>
+              <a:t>，使用真实程序集来测试他们的效果，其中发现</a:t>
+            </a:r>
+            <a:r>
+              <a:rPr lang="en-US" altLang="zh-CN" dirty="0"/>
+              <a:t>LSTM</a:t>
+            </a:r>
+            <a:r>
+              <a:rPr lang="zh-CN" altLang="en-US" dirty="0"/>
+              <a:t>效果最好，并且不同的算法的检测能力不重叠，因此提出未来工作可以融合不同的检测手段达到更好效果</a:t>
+            </a:r>
+          </a:p>
+        </p:txBody>
+      </p:sp>
+      <p:sp>
+        <p:nvSpPr>
+          <p:cNvPr id="4" name="页脚占位符 3">
+            <a:extLst>
+              <a:ext uri="{FF2B5EF4-FFF2-40B4-BE49-F238E27FC236}">
+                <a16:creationId xmlns:a16="http://schemas.microsoft.com/office/drawing/2014/main" id="{12281555-5D92-47B1-A247-506E29DB6A5B}"/>
+              </a:ext>
+            </a:extLst>
+          </p:cNvPr>
+          <p:cNvSpPr>
+            <a:spLocks noGrp="1"/>
+          </p:cNvSpPr>
+          <p:nvPr>
+            <p:ph type="ftr" sz="quarter" idx="11"/>
+          </p:nvPr>
+        </p:nvSpPr>
+        <p:spPr/>
+        <p:txBody>
+          <a:bodyPr/>
+          <a:lstStyle/>
+          <a:p>
+            <a:pPr>
+              <a:lnSpc>
+                <a:spcPct val="120000"/>
+              </a:lnSpc>
+            </a:pPr>
+            <a:endParaRPr lang="zh-CN" altLang="en-US" dirty="0"/>
+          </a:p>
+        </p:txBody>
+      </p:sp>
+      <p:sp>
+        <p:nvSpPr>
+          <p:cNvPr id="5" name="灯片编号占位符 4">
+            <a:extLst>
+              <a:ext uri="{FF2B5EF4-FFF2-40B4-BE49-F238E27FC236}">
+                <a16:creationId xmlns:a16="http://schemas.microsoft.com/office/drawing/2014/main" id="{7E8E3D5B-4F50-4D71-AB0A-3DB9E66413E2}"/>
+              </a:ext>
+            </a:extLst>
+          </p:cNvPr>
+          <p:cNvSpPr>
+            <a:spLocks noGrp="1"/>
+          </p:cNvSpPr>
+          <p:nvPr>
+            <p:ph type="sldNum" sz="quarter" idx="12"/>
+          </p:nvPr>
+        </p:nvSpPr>
+        <p:spPr/>
+        <p:txBody>
+          <a:bodyPr/>
+          <a:lstStyle/>
+          <a:p>
+            <a:pPr>
+              <a:lnSpc>
+                <a:spcPct val="120000"/>
+              </a:lnSpc>
+            </a:pPr>
+            <a:fld id="{5DD3DB80-B894-403A-B48E-6FDC1A72010E}" type="slidenum">
+              <a:rPr lang="zh-CN" altLang="en-US" smtClean="0"/>
+              <a:pPr>
+                <a:lnSpc>
+                  <a:spcPct val="120000"/>
+                </a:lnSpc>
+              </a:pPr>
+              <a:t>12</a:t>
+            </a:fld>
+            <a:endParaRPr lang="zh-CN" altLang="en-US"/>
+          </a:p>
+        </p:txBody>
+      </p:sp>
+      <p:pic>
+        <p:nvPicPr>
+          <p:cNvPr id="6" name="图片 5">
+            <a:extLst>
+              <a:ext uri="{FF2B5EF4-FFF2-40B4-BE49-F238E27FC236}">
+                <a16:creationId xmlns:a16="http://schemas.microsoft.com/office/drawing/2014/main" id="{F4112C44-8A21-4342-ABA1-3AC6EB5D2406}"/>
+              </a:ext>
+            </a:extLst>
+          </p:cNvPr>
+          <p:cNvPicPr>
+            <a:picLocks noChangeAspect="1"/>
+          </p:cNvPicPr>
+          <p:nvPr/>
+        </p:nvPicPr>
+        <p:blipFill>
+          <a:blip r:embed="rId2"/>
+          <a:stretch>
+            <a:fillRect/>
+          </a:stretch>
+        </p:blipFill>
+        <p:spPr>
+          <a:xfrm>
+            <a:off x="1472405" y="3399004"/>
+            <a:ext cx="9245600" cy="2335046"/>
+          </a:xfrm>
+          <a:prstGeom prst="rect">
+            <a:avLst/>
+          </a:prstGeom>
+        </p:spPr>
+      </p:pic>
+    </p:spTree>
+    <p:extLst>
+      <p:ext uri="{BB962C8B-B14F-4D97-AF65-F5344CB8AC3E}">
+        <p14:creationId xmlns:p14="http://schemas.microsoft.com/office/powerpoint/2010/main" val="1246677361"/>
+      </p:ext>
+    </p:extLst>
+  </p:cSld>
+  <p:clrMapOvr>
+    <a:masterClrMapping/>
+  </p:clrMapOvr>
+</p:sld>
+</file>
+
+<file path=ppt/slides/slide13.xml><?xml version="1.0" encoding="utf-8"?>
+<p:sld xmlns:a="http://schemas.openxmlformats.org/drawingml/2006/main" xmlns:r="http://schemas.openxmlformats.org/officeDocument/2006/relationships" xmlns:p="http://schemas.openxmlformats.org/presentationml/2006/main">
+  <p:cSld>
+    <p:spTree>
+      <p:nvGrpSpPr>
+        <p:cNvPr id="1" name=""/>
+        <p:cNvGrpSpPr/>
+        <p:nvPr/>
+      </p:nvGrpSpPr>
+      <p:grpSpPr>
+        <a:xfrm>
+          <a:off x="0" y="0"/>
+          <a:ext cx="0" cy="0"/>
+          <a:chOff x="0" y="0"/>
+          <a:chExt cx="0" cy="0"/>
+        </a:xfrm>
+      </p:grpSpPr>
+      <p:sp>
+        <p:nvSpPr>
           <p:cNvPr id="8" name="矩形 7">
             <a:extLst>
               <a:ext uri="{FF2B5EF4-FFF2-40B4-BE49-F238E27FC236}">
@@ -3168,7 +4734,7 @@
                   <a:schemeClr val="tx2"/>
                 </a:solidFill>
               </a:rPr>
-              <a:t>技术路线</a:t>
+              <a:t>系统设计</a:t>
             </a:r>
             <a:endParaRPr lang="zh-CN" altLang="en-US" b="0" dirty="0">
               <a:solidFill>
@@ -3217,7 +4783,7 @@
                   </a:schemeClr>
                 </a:solidFill>
               </a:rPr>
-              <a:t>Technology</a:t>
+              <a:t>Design</a:t>
             </a:r>
             <a:endParaRPr lang="zh-CN" altLang="en-US" dirty="0">
               <a:solidFill>
@@ -3332,7 +4898,7 @@
     </p:spTree>
     <p:extLst>
       <p:ext uri="{BB962C8B-B14F-4D97-AF65-F5344CB8AC3E}">
-        <p14:creationId xmlns:p14="http://schemas.microsoft.com/office/powerpoint/2010/main" val="1238145880"/>
+        <p14:creationId xmlns:p14="http://schemas.microsoft.com/office/powerpoint/2010/main" val="289322681"/>
       </p:ext>
     </p:extLst>
   </p:cSld>
@@ -3342,7 +4908,7 @@
 </p:sld>
 </file>
 
-<file path=ppt/slides/slide11.xml><?xml version="1.0" encoding="utf-8"?>
+<file path=ppt/slides/slide14.xml><?xml version="1.0" encoding="utf-8"?>
 <p:sld xmlns:a="http://schemas.openxmlformats.org/drawingml/2006/main" xmlns:r="http://schemas.openxmlformats.org/officeDocument/2006/relationships" xmlns:p="http://schemas.openxmlformats.org/presentationml/2006/main">
   <p:cSld>
     <p:spTree>
@@ -3364,7 +4930,7 @@
           <p:cNvPr id="4" name="标题 3">
             <a:extLst>
               <a:ext uri="{FF2B5EF4-FFF2-40B4-BE49-F238E27FC236}">
-                <a16:creationId xmlns:a16="http://schemas.microsoft.com/office/drawing/2014/main" id="{8A4FA449-1EA0-48E3-9289-305569231106}"/>
+                <a16:creationId xmlns:a16="http://schemas.microsoft.com/office/drawing/2014/main" id="{0EDB054C-992F-46EF-AA62-890913A01A2B}"/>
               </a:ext>
             </a:extLst>
           </p:cNvPr>
@@ -3380,16 +4946,32 @@
           <a:bodyPr/>
           <a:lstStyle/>
           <a:p>
-            <a:endParaRPr lang="zh-CN" altLang="en-US"/>
-          </a:p>
-        </p:txBody>
-      </p:sp>
-      <p:sp>
-        <p:nvSpPr>
-          <p:cNvPr id="5" name="内容占位符 4">
+            <a:pPr>
+              <a:lnSpc>
+                <a:spcPct val="120000"/>
+              </a:lnSpc>
+            </a:pPr>
+            <a:r>
+              <a:rPr lang="zh-CN" altLang="en-US" dirty="0"/>
+              <a:t>系统设计</a:t>
+            </a:r>
+            <a:r>
+              <a:rPr lang="en-US" altLang="zh-CN" dirty="0"/>
+              <a:t>——</a:t>
+            </a:r>
+            <a:r>
+              <a:rPr lang="zh-CN" altLang="en-US" dirty="0"/>
+              <a:t>与企业版结合</a:t>
+            </a:r>
+          </a:p>
+        </p:txBody>
+      </p:sp>
+      <p:sp>
+        <p:nvSpPr>
+          <p:cNvPr id="10" name="内容占位符 9">
             <a:extLst>
               <a:ext uri="{FF2B5EF4-FFF2-40B4-BE49-F238E27FC236}">
-                <a16:creationId xmlns:a16="http://schemas.microsoft.com/office/drawing/2014/main" id="{4E550851-7F16-432E-8598-EDC542AEB48C}"/>
+                <a16:creationId xmlns:a16="http://schemas.microsoft.com/office/drawing/2014/main" id="{7550AC7F-7E39-4EC0-964D-4ED97FBC7CA2}"/>
               </a:ext>
             </a:extLst>
           </p:cNvPr>
@@ -3405,14 +4987,47 @@
           <a:bodyPr/>
           <a:lstStyle/>
           <a:p>
-            <a:endParaRPr lang="zh-CN" altLang="en-US"/>
-          </a:p>
-        </p:txBody>
-      </p:sp>
+            <a:pPr marL="0" indent="0">
+              <a:buNone/>
+            </a:pPr>
+            <a:endParaRPr lang="zh-CN" altLang="en-US" dirty="0"/>
+          </a:p>
+        </p:txBody>
+      </p:sp>
+      <p:pic>
+        <p:nvPicPr>
+          <p:cNvPr id="2" name="图片 1">
+            <a:extLst>
+              <a:ext uri="{FF2B5EF4-FFF2-40B4-BE49-F238E27FC236}">
+                <a16:creationId xmlns:a16="http://schemas.microsoft.com/office/drawing/2014/main" id="{71F50A7E-5EF4-494C-89B3-1B34A20C2E54}"/>
+              </a:ext>
+            </a:extLst>
+          </p:cNvPr>
+          <p:cNvPicPr>
+            <a:picLocks noChangeAspect="1"/>
+          </p:cNvPicPr>
+          <p:nvPr/>
+        </p:nvPicPr>
+        <p:blipFill>
+          <a:blip r:embed="rId3"/>
+          <a:stretch>
+            <a:fillRect/>
+          </a:stretch>
+        </p:blipFill>
+        <p:spPr>
+          <a:xfrm>
+            <a:off x="1556292" y="1371427"/>
+            <a:ext cx="9077826" cy="4524720"/>
+          </a:xfrm>
+          <a:prstGeom prst="rect">
+            <a:avLst/>
+          </a:prstGeom>
+        </p:spPr>
+      </p:pic>
     </p:spTree>
     <p:extLst>
       <p:ext uri="{BB962C8B-B14F-4D97-AF65-F5344CB8AC3E}">
-        <p14:creationId xmlns:p14="http://schemas.microsoft.com/office/powerpoint/2010/main" val="1688162294"/>
+        <p14:creationId xmlns:p14="http://schemas.microsoft.com/office/powerpoint/2010/main" val="3304309786"/>
       </p:ext>
     </p:extLst>
   </p:cSld>
@@ -3422,7 +5037,487 @@
 </p:sld>
 </file>
 
-<file path=ppt/slides/slide12.xml><?xml version="1.0" encoding="utf-8"?>
+<file path=ppt/slides/slide15.xml><?xml version="1.0" encoding="utf-8"?>
+<p:sld xmlns:a="http://schemas.openxmlformats.org/drawingml/2006/main" xmlns:r="http://schemas.openxmlformats.org/officeDocument/2006/relationships" xmlns:p="http://schemas.openxmlformats.org/presentationml/2006/main">
+  <p:cSld>
+    <p:spTree>
+      <p:nvGrpSpPr>
+        <p:cNvPr id="1" name=""/>
+        <p:cNvGrpSpPr/>
+        <p:nvPr/>
+      </p:nvGrpSpPr>
+      <p:grpSpPr>
+        <a:xfrm>
+          <a:off x="0" y="0"/>
+          <a:ext cx="0" cy="0"/>
+          <a:chOff x="0" y="0"/>
+          <a:chExt cx="0" cy="0"/>
+        </a:xfrm>
+      </p:grpSpPr>
+      <p:sp>
+        <p:nvSpPr>
+          <p:cNvPr id="2" name="标题 1">
+            <a:extLst>
+              <a:ext uri="{FF2B5EF4-FFF2-40B4-BE49-F238E27FC236}">
+                <a16:creationId xmlns:a16="http://schemas.microsoft.com/office/drawing/2014/main" id="{E3ACA508-EA6F-47F3-89EE-202E9EB4D5FA}"/>
+              </a:ext>
+            </a:extLst>
+          </p:cNvPr>
+          <p:cNvSpPr>
+            <a:spLocks noGrp="1"/>
+          </p:cNvSpPr>
+          <p:nvPr>
+            <p:ph type="title"/>
+          </p:nvPr>
+        </p:nvSpPr>
+        <p:spPr/>
+        <p:txBody>
+          <a:bodyPr/>
+          <a:lstStyle/>
+          <a:p>
+            <a:r>
+              <a:rPr lang="zh-CN" altLang="en-US" dirty="0"/>
+              <a:t>系统设计</a:t>
+            </a:r>
+            <a:r>
+              <a:rPr lang="en-US" altLang="zh-CN" dirty="0"/>
+              <a:t>——</a:t>
+            </a:r>
+            <a:r>
+              <a:rPr lang="zh-CN" altLang="en-US" dirty="0"/>
+              <a:t>扫描器</a:t>
+            </a:r>
+          </a:p>
+        </p:txBody>
+      </p:sp>
+      <p:sp>
+        <p:nvSpPr>
+          <p:cNvPr id="4" name="页脚占位符 3">
+            <a:extLst>
+              <a:ext uri="{FF2B5EF4-FFF2-40B4-BE49-F238E27FC236}">
+                <a16:creationId xmlns:a16="http://schemas.microsoft.com/office/drawing/2014/main" id="{EC74DAC2-0913-413A-9D63-BF95E3FF3945}"/>
+              </a:ext>
+            </a:extLst>
+          </p:cNvPr>
+          <p:cNvSpPr>
+            <a:spLocks noGrp="1"/>
+          </p:cNvSpPr>
+          <p:nvPr>
+            <p:ph type="ftr" sz="quarter" idx="11"/>
+          </p:nvPr>
+        </p:nvSpPr>
+        <p:spPr/>
+        <p:txBody>
+          <a:bodyPr/>
+          <a:lstStyle/>
+          <a:p>
+            <a:endParaRPr lang="zh-CN" altLang="en-US" dirty="0"/>
+          </a:p>
+        </p:txBody>
+      </p:sp>
+      <p:sp>
+        <p:nvSpPr>
+          <p:cNvPr id="5" name="灯片编号占位符 4">
+            <a:extLst>
+              <a:ext uri="{FF2B5EF4-FFF2-40B4-BE49-F238E27FC236}">
+                <a16:creationId xmlns:a16="http://schemas.microsoft.com/office/drawing/2014/main" id="{63254C50-E816-48A8-AA12-910D21D5B551}"/>
+              </a:ext>
+            </a:extLst>
+          </p:cNvPr>
+          <p:cNvSpPr>
+            <a:spLocks noGrp="1"/>
+          </p:cNvSpPr>
+          <p:nvPr>
+            <p:ph type="sldNum" sz="quarter" idx="12"/>
+          </p:nvPr>
+        </p:nvSpPr>
+        <p:spPr/>
+        <p:txBody>
+          <a:bodyPr/>
+          <a:lstStyle/>
+          <a:p>
+            <a:fld id="{5DD3DB80-B894-403A-B48E-6FDC1A72010E}" type="slidenum">
+              <a:rPr lang="zh-CN" altLang="en-US" smtClean="0"/>
+              <a:pPr/>
+              <a:t>15</a:t>
+            </a:fld>
+            <a:endParaRPr lang="zh-CN" altLang="en-US"/>
+          </a:p>
+        </p:txBody>
+      </p:sp>
+      <p:sp>
+        <p:nvSpPr>
+          <p:cNvPr id="16" name="文本框 15">
+            <a:extLst>
+              <a:ext uri="{FF2B5EF4-FFF2-40B4-BE49-F238E27FC236}">
+                <a16:creationId xmlns:a16="http://schemas.microsoft.com/office/drawing/2014/main" id="{E0BDD55C-E185-4F0A-8006-8E94FCF66D34}"/>
+              </a:ext>
+            </a:extLst>
+          </p:cNvPr>
+          <p:cNvSpPr txBox="1"/>
+          <p:nvPr/>
+        </p:nvSpPr>
+        <p:spPr>
+          <a:xfrm>
+            <a:off x="6193275" y="2645673"/>
+            <a:ext cx="5044273" cy="1754326"/>
+          </a:xfrm>
+          <a:prstGeom prst="rect">
+            <a:avLst/>
+          </a:prstGeom>
+          <a:noFill/>
+        </p:spPr>
+        <p:txBody>
+          <a:bodyPr wrap="square" rtlCol="0">
+            <a:spAutoFit/>
+          </a:bodyPr>
+          <a:lstStyle/>
+          <a:p>
+            <a:r>
+              <a:rPr lang="zh-CN" altLang="en-US" dirty="0"/>
+              <a:t>输入：</a:t>
+            </a:r>
+            <a:endParaRPr lang="en-US" altLang="zh-CN" dirty="0"/>
+          </a:p>
+          <a:p>
+            <a:r>
+              <a:rPr lang="zh-CN" altLang="en-US" dirty="0"/>
+              <a:t>目标程序、已训练的模型</a:t>
+            </a:r>
+            <a:endParaRPr lang="en-US" altLang="zh-CN" dirty="0"/>
+          </a:p>
+          <a:p>
+            <a:endParaRPr lang="en-US" altLang="zh-CN" dirty="0"/>
+          </a:p>
+          <a:p>
+            <a:r>
+              <a:rPr lang="zh-CN" altLang="en-US" dirty="0"/>
+              <a:t>输出：</a:t>
+            </a:r>
+            <a:endParaRPr lang="en-US" altLang="zh-CN" dirty="0"/>
+          </a:p>
+          <a:p>
+            <a:r>
+              <a:rPr lang="zh-CN" altLang="en-US" dirty="0"/>
+              <a:t>程序切片</a:t>
+            </a:r>
+            <a:r>
+              <a:rPr lang="en-US" altLang="zh-CN" dirty="0"/>
+              <a:t>/</a:t>
+            </a:r>
+            <a:r>
+              <a:rPr lang="zh-CN" altLang="en-US" dirty="0"/>
+              <a:t>函数是否存在漏洞</a:t>
+            </a:r>
+            <a:endParaRPr lang="en-US" altLang="zh-CN" dirty="0"/>
+          </a:p>
+          <a:p>
+            <a:endParaRPr lang="en-US" altLang="zh-CN" dirty="0"/>
+          </a:p>
+        </p:txBody>
+      </p:sp>
+      <p:pic>
+        <p:nvPicPr>
+          <p:cNvPr id="3" name="图片 2">
+            <a:extLst>
+              <a:ext uri="{FF2B5EF4-FFF2-40B4-BE49-F238E27FC236}">
+                <a16:creationId xmlns:a16="http://schemas.microsoft.com/office/drawing/2014/main" id="{888FB860-24BF-42B1-83EB-3670CB1C2837}"/>
+              </a:ext>
+            </a:extLst>
+          </p:cNvPr>
+          <p:cNvPicPr>
+            <a:picLocks noChangeAspect="1"/>
+          </p:cNvPicPr>
+          <p:nvPr/>
+        </p:nvPicPr>
+        <p:blipFill>
+          <a:blip r:embed="rId2"/>
+          <a:stretch>
+            <a:fillRect/>
+          </a:stretch>
+        </p:blipFill>
+        <p:spPr>
+          <a:xfrm>
+            <a:off x="867450" y="1130300"/>
+            <a:ext cx="4655876" cy="5088744"/>
+          </a:xfrm>
+          <a:prstGeom prst="rect">
+            <a:avLst/>
+          </a:prstGeom>
+        </p:spPr>
+      </p:pic>
+    </p:spTree>
+    <p:extLst>
+      <p:ext uri="{BB962C8B-B14F-4D97-AF65-F5344CB8AC3E}">
+        <p14:creationId xmlns:p14="http://schemas.microsoft.com/office/powerpoint/2010/main" val="625955193"/>
+      </p:ext>
+    </p:extLst>
+  </p:cSld>
+  <p:clrMapOvr>
+    <a:masterClrMapping/>
+  </p:clrMapOvr>
+</p:sld>
+</file>
+
+<file path=ppt/slides/slide16.xml><?xml version="1.0" encoding="utf-8"?>
+<p:sld xmlns:a="http://schemas.openxmlformats.org/drawingml/2006/main" xmlns:r="http://schemas.openxmlformats.org/officeDocument/2006/relationships" xmlns:p="http://schemas.openxmlformats.org/presentationml/2006/main">
+  <p:cSld>
+    <p:spTree>
+      <p:nvGrpSpPr>
+        <p:cNvPr id="1" name=""/>
+        <p:cNvGrpSpPr/>
+        <p:nvPr/>
+      </p:nvGrpSpPr>
+      <p:grpSpPr>
+        <a:xfrm>
+          <a:off x="0" y="0"/>
+          <a:ext cx="0" cy="0"/>
+          <a:chOff x="0" y="0"/>
+          <a:chExt cx="0" cy="0"/>
+        </a:xfrm>
+      </p:grpSpPr>
+      <p:sp>
+        <p:nvSpPr>
+          <p:cNvPr id="2" name="标题 1">
+            <a:extLst>
+              <a:ext uri="{FF2B5EF4-FFF2-40B4-BE49-F238E27FC236}">
+                <a16:creationId xmlns:a16="http://schemas.microsoft.com/office/drawing/2014/main" id="{E3ACA508-EA6F-47F3-89EE-202E9EB4D5FA}"/>
+              </a:ext>
+            </a:extLst>
+          </p:cNvPr>
+          <p:cNvSpPr>
+            <a:spLocks noGrp="1"/>
+          </p:cNvSpPr>
+          <p:nvPr>
+            <p:ph type="title"/>
+          </p:nvPr>
+        </p:nvSpPr>
+        <p:spPr/>
+        <p:txBody>
+          <a:bodyPr/>
+          <a:lstStyle/>
+          <a:p>
+            <a:r>
+              <a:rPr lang="zh-CN" altLang="en-US" dirty="0"/>
+              <a:t>系统设计</a:t>
+            </a:r>
+            <a:r>
+              <a:rPr lang="en-US" altLang="zh-CN" dirty="0"/>
+              <a:t>——</a:t>
+            </a:r>
+            <a:r>
+              <a:rPr lang="zh-CN" altLang="en-US" dirty="0"/>
+              <a:t>学习模块</a:t>
+            </a:r>
+          </a:p>
+        </p:txBody>
+      </p:sp>
+      <p:sp>
+        <p:nvSpPr>
+          <p:cNvPr id="4" name="页脚占位符 3">
+            <a:extLst>
+              <a:ext uri="{FF2B5EF4-FFF2-40B4-BE49-F238E27FC236}">
+                <a16:creationId xmlns:a16="http://schemas.microsoft.com/office/drawing/2014/main" id="{EC74DAC2-0913-413A-9D63-BF95E3FF3945}"/>
+              </a:ext>
+            </a:extLst>
+          </p:cNvPr>
+          <p:cNvSpPr>
+            <a:spLocks noGrp="1"/>
+          </p:cNvSpPr>
+          <p:nvPr>
+            <p:ph type="ftr" sz="quarter" idx="11"/>
+          </p:nvPr>
+        </p:nvSpPr>
+        <p:spPr/>
+        <p:txBody>
+          <a:bodyPr/>
+          <a:lstStyle/>
+          <a:p>
+            <a:endParaRPr lang="zh-CN" altLang="en-US" dirty="0"/>
+          </a:p>
+        </p:txBody>
+      </p:sp>
+      <p:sp>
+        <p:nvSpPr>
+          <p:cNvPr id="5" name="灯片编号占位符 4">
+            <a:extLst>
+              <a:ext uri="{FF2B5EF4-FFF2-40B4-BE49-F238E27FC236}">
+                <a16:creationId xmlns:a16="http://schemas.microsoft.com/office/drawing/2014/main" id="{63254C50-E816-48A8-AA12-910D21D5B551}"/>
+              </a:ext>
+            </a:extLst>
+          </p:cNvPr>
+          <p:cNvSpPr>
+            <a:spLocks noGrp="1"/>
+          </p:cNvSpPr>
+          <p:nvPr>
+            <p:ph type="sldNum" sz="quarter" idx="12"/>
+          </p:nvPr>
+        </p:nvSpPr>
+        <p:spPr/>
+        <p:txBody>
+          <a:bodyPr/>
+          <a:lstStyle/>
+          <a:p>
+            <a:fld id="{5DD3DB80-B894-403A-B48E-6FDC1A72010E}" type="slidenum">
+              <a:rPr lang="zh-CN" altLang="en-US" smtClean="0"/>
+              <a:pPr/>
+              <a:t>16</a:t>
+            </a:fld>
+            <a:endParaRPr lang="zh-CN" altLang="en-US"/>
+          </a:p>
+        </p:txBody>
+      </p:sp>
+      <p:sp>
+        <p:nvSpPr>
+          <p:cNvPr id="16" name="文本框 15">
+            <a:extLst>
+              <a:ext uri="{FF2B5EF4-FFF2-40B4-BE49-F238E27FC236}">
+                <a16:creationId xmlns:a16="http://schemas.microsoft.com/office/drawing/2014/main" id="{E0BDD55C-E185-4F0A-8006-8E94FCF66D34}"/>
+              </a:ext>
+            </a:extLst>
+          </p:cNvPr>
+          <p:cNvSpPr txBox="1"/>
+          <p:nvPr/>
+        </p:nvSpPr>
+        <p:spPr>
+          <a:xfrm>
+            <a:off x="1841959" y="1683171"/>
+            <a:ext cx="3405902" cy="923330"/>
+          </a:xfrm>
+          <a:prstGeom prst="rect">
+            <a:avLst/>
+          </a:prstGeom>
+          <a:noFill/>
+        </p:spPr>
+        <p:txBody>
+          <a:bodyPr wrap="square" rtlCol="0">
+            <a:spAutoFit/>
+          </a:bodyPr>
+          <a:lstStyle/>
+          <a:p>
+            <a:r>
+              <a:rPr lang="zh-CN" altLang="en-US" b="1" dirty="0"/>
+              <a:t>输入：</a:t>
+            </a:r>
+            <a:endParaRPr lang="en-US" altLang="zh-CN" b="1" dirty="0"/>
+          </a:p>
+          <a:p>
+            <a:r>
+              <a:rPr lang="zh-CN" altLang="en-US" dirty="0"/>
+              <a:t>已标记的数据</a:t>
+            </a:r>
+            <a:endParaRPr lang="en-US" altLang="zh-CN" dirty="0"/>
+          </a:p>
+          <a:p>
+            <a:r>
+              <a:rPr lang="en-US" altLang="zh-CN" dirty="0"/>
+              <a:t>&lt;Type, Vector,</a:t>
+            </a:r>
+            <a:r>
+              <a:rPr lang="zh-CN" altLang="en-US" dirty="0"/>
+              <a:t> </a:t>
+            </a:r>
+            <a:r>
+              <a:rPr lang="en-US" altLang="zh-CN" dirty="0" err="1"/>
+              <a:t>IfVuln</a:t>
+            </a:r>
+            <a:r>
+              <a:rPr lang="en-US" altLang="zh-CN" dirty="0"/>
+              <a:t>&gt;</a:t>
+            </a:r>
+          </a:p>
+        </p:txBody>
+      </p:sp>
+      <p:pic>
+        <p:nvPicPr>
+          <p:cNvPr id="7" name="图片 6">
+            <a:extLst>
+              <a:ext uri="{FF2B5EF4-FFF2-40B4-BE49-F238E27FC236}">
+                <a16:creationId xmlns:a16="http://schemas.microsoft.com/office/drawing/2014/main" id="{9D533582-8F46-4372-9E01-60F36E6FD23F}"/>
+              </a:ext>
+            </a:extLst>
+          </p:cNvPr>
+          <p:cNvPicPr>
+            <a:picLocks noChangeAspect="1"/>
+          </p:cNvPicPr>
+          <p:nvPr/>
+        </p:nvPicPr>
+        <p:blipFill>
+          <a:blip r:embed="rId2"/>
+          <a:stretch>
+            <a:fillRect/>
+          </a:stretch>
+        </p:blipFill>
+        <p:spPr>
+          <a:xfrm>
+            <a:off x="1976850" y="3436366"/>
+            <a:ext cx="8238300" cy="2423313"/>
+          </a:xfrm>
+          <a:prstGeom prst="rect">
+            <a:avLst/>
+          </a:prstGeom>
+        </p:spPr>
+      </p:pic>
+      <p:sp>
+        <p:nvSpPr>
+          <p:cNvPr id="8" name="文本框 7">
+            <a:extLst>
+              <a:ext uri="{FF2B5EF4-FFF2-40B4-BE49-F238E27FC236}">
+                <a16:creationId xmlns:a16="http://schemas.microsoft.com/office/drawing/2014/main" id="{41C45459-15C8-4952-8805-F0B111662347}"/>
+              </a:ext>
+            </a:extLst>
+          </p:cNvPr>
+          <p:cNvSpPr txBox="1"/>
+          <p:nvPr/>
+        </p:nvSpPr>
+        <p:spPr>
+          <a:xfrm>
+            <a:off x="6321287" y="1683171"/>
+            <a:ext cx="3975652" cy="923330"/>
+          </a:xfrm>
+          <a:prstGeom prst="rect">
+            <a:avLst/>
+          </a:prstGeom>
+          <a:noFill/>
+        </p:spPr>
+        <p:txBody>
+          <a:bodyPr wrap="square" rtlCol="0">
+            <a:spAutoFit/>
+          </a:bodyPr>
+          <a:lstStyle/>
+          <a:p>
+            <a:r>
+              <a:rPr lang="zh-CN" altLang="en-US" b="1" dirty="0"/>
+              <a:t>输出：</a:t>
+            </a:r>
+            <a:endParaRPr lang="en-US" altLang="zh-CN" b="1" dirty="0"/>
+          </a:p>
+          <a:p>
+            <a:r>
+              <a:rPr lang="zh-CN" altLang="en-US" dirty="0"/>
+              <a:t>已训练的模型</a:t>
+            </a:r>
+            <a:endParaRPr lang="en-US" altLang="zh-CN" dirty="0"/>
+          </a:p>
+          <a:p>
+            <a:endParaRPr lang="zh-CN" altLang="en-US" dirty="0"/>
+          </a:p>
+        </p:txBody>
+      </p:sp>
+    </p:spTree>
+    <p:extLst>
+      <p:ext uri="{BB962C8B-B14F-4D97-AF65-F5344CB8AC3E}">
+        <p14:creationId xmlns:p14="http://schemas.microsoft.com/office/powerpoint/2010/main" val="986973411"/>
+      </p:ext>
+    </p:extLst>
+  </p:cSld>
+  <p:clrMapOvr>
+    <a:masterClrMapping/>
+  </p:clrMapOvr>
+</p:sld>
+</file>
+
+<file path=ppt/slides/slide17.xml><?xml version="1.0" encoding="utf-8"?>
 <p:sld xmlns:a="http://schemas.openxmlformats.org/drawingml/2006/main" xmlns:r="http://schemas.openxmlformats.org/officeDocument/2006/relationships" xmlns:p="http://schemas.openxmlformats.org/presentationml/2006/main">
   <p:cSld>
     <p:spTree>
@@ -3700,7 +5795,7 @@
 </p:sld>
 </file>
 
-<file path=ppt/slides/slide13.xml><?xml version="1.0" encoding="utf-8"?>
+<file path=ppt/slides/slide18.xml><?xml version="1.0" encoding="utf-8"?>
 <p:sld xmlns:a="http://schemas.openxmlformats.org/drawingml/2006/main" xmlns:r="http://schemas.openxmlformats.org/officeDocument/2006/relationships" xmlns:p="http://schemas.openxmlformats.org/presentationml/2006/main">
   <p:cSld>
     <p:spTree>
@@ -3738,6 +5833,11 @@
           <a:bodyPr/>
           <a:lstStyle/>
           <a:p>
+            <a:pPr>
+              <a:lnSpc>
+                <a:spcPct val="120000"/>
+              </a:lnSpc>
+            </a:pPr>
             <a:r>
               <a:rPr lang="zh-CN" altLang="en-US" dirty="0"/>
               <a:t>实验</a:t>
@@ -3771,13 +5871,33 @@
           <a:bodyPr/>
           <a:lstStyle/>
           <a:p>
+            <a:pPr>
+              <a:lnSpc>
+                <a:spcPct val="120000"/>
+              </a:lnSpc>
+              <a:spcBef>
+                <a:spcPct val="0"/>
+              </a:spcBef>
+            </a:pPr>
+            <a:r>
+              <a:rPr lang="en-US" altLang="zh-CN" dirty="0"/>
+              <a:t>RQ</a:t>
+            </a:r>
             <a:r>
               <a:rPr lang="zh-CN" altLang="en-US" dirty="0"/>
-              <a:t>基于深度学习的漏洞扫描系统是否可以降低误报率</a:t>
+              <a:t>：基于深度学习的漏洞扫描系统是否可以降低误报率</a:t>
             </a:r>
             <a:endParaRPr lang="en-US" altLang="zh-CN" dirty="0"/>
           </a:p>
           <a:p>
+            <a:pPr>
+              <a:lnSpc>
+                <a:spcPct val="120000"/>
+              </a:lnSpc>
+              <a:spcBef>
+                <a:spcPct val="0"/>
+              </a:spcBef>
+            </a:pPr>
             <a:r>
               <a:rPr lang="zh-CN" altLang="en-US" dirty="0"/>
               <a:t>数据集</a:t>
@@ -3785,31 +5905,60 @@
             <a:endParaRPr lang="en-US" altLang="zh-CN" dirty="0"/>
           </a:p>
           <a:p>
-            <a:pPr lvl="1"/>
+            <a:pPr lvl="1">
+              <a:lnSpc>
+                <a:spcPct val="120000"/>
+              </a:lnSpc>
+              <a:spcBef>
+                <a:spcPct val="0"/>
+              </a:spcBef>
+            </a:pPr>
             <a:r>
               <a:rPr lang="en-US" altLang="zh-CN" dirty="0"/>
               <a:t>OWASP Benchmark</a:t>
             </a:r>
           </a:p>
           <a:p>
-            <a:pPr lvl="1"/>
+            <a:pPr lvl="1">
+              <a:lnSpc>
+                <a:spcPct val="120000"/>
+              </a:lnSpc>
+              <a:spcBef>
+                <a:spcPct val="0"/>
+              </a:spcBef>
+            </a:pPr>
             <a:r>
               <a:rPr lang="en-US" altLang="zh-CN" dirty="0"/>
               <a:t>Real-World Benchmark</a:t>
             </a:r>
           </a:p>
           <a:p>
-            <a:pPr lvl="1"/>
+            <a:pPr lvl="1">
+              <a:lnSpc>
+                <a:spcPct val="120000"/>
+              </a:lnSpc>
+              <a:spcBef>
+                <a:spcPct val="0"/>
+              </a:spcBef>
+            </a:pPr>
             <a:r>
               <a:rPr lang="en-US" altLang="zh-CN" dirty="0" err="1"/>
               <a:t>Mooctest</a:t>
             </a:r>
             <a:r>
               <a:rPr lang="en-US" altLang="zh-CN" dirty="0"/>
-              <a:t> Data</a:t>
-            </a:r>
-          </a:p>
-          <a:p>
+              <a:t> crowdsourcing Data</a:t>
+            </a:r>
+          </a:p>
+          <a:p>
+            <a:pPr>
+              <a:lnSpc>
+                <a:spcPct val="120000"/>
+              </a:lnSpc>
+              <a:spcBef>
+                <a:spcPct val="0"/>
+              </a:spcBef>
+            </a:pPr>
             <a:r>
               <a:rPr lang="zh-CN" altLang="en-US" dirty="0"/>
               <a:t>度量</a:t>
@@ -3817,29 +5966,68 @@
             <a:endParaRPr lang="en-US" altLang="zh-CN" dirty="0"/>
           </a:p>
           <a:p>
-            <a:pPr lvl="1"/>
+            <a:pPr lvl="1">
+              <a:lnSpc>
+                <a:spcPct val="120000"/>
+              </a:lnSpc>
+              <a:spcBef>
+                <a:spcPct val="0"/>
+              </a:spcBef>
+            </a:pPr>
+            <a:r>
+              <a:rPr lang="en-US" altLang="zh-CN" dirty="0"/>
+              <a:t>FP</a:t>
+            </a:r>
+            <a:r>
+              <a:rPr lang="zh-CN" altLang="en-US" dirty="0"/>
+              <a:t>（↓）、</a:t>
+            </a:r>
+            <a:r>
+              <a:rPr lang="en-US" altLang="zh-CN" dirty="0"/>
+              <a:t>Precision</a:t>
+            </a:r>
+            <a:r>
+              <a:rPr lang="zh-CN" altLang="en-US" dirty="0"/>
+              <a:t>（↑）、</a:t>
+            </a:r>
             <a:r>
               <a:rPr lang="en-US" altLang="zh-CN" dirty="0"/>
               <a:t>Recall</a:t>
             </a:r>
             <a:r>
               <a:rPr lang="zh-CN" altLang="en-US" dirty="0"/>
-              <a:t>、</a:t>
+              <a:t> （↓） 、</a:t>
             </a:r>
             <a:r>
               <a:rPr lang="en-US" altLang="zh-CN" dirty="0"/>
-              <a:t>Precision</a:t>
+              <a:t>F1</a:t>
             </a:r>
             <a:r>
               <a:rPr lang="zh-CN" altLang="en-US" dirty="0"/>
-              <a:t>、</a:t>
-            </a:r>
-            <a:r>
-              <a:rPr lang="en-US" altLang="zh-CN" dirty="0"/>
-              <a:t>Accuracy</a:t>
-            </a:r>
-          </a:p>
-          <a:p>
+              <a:t> （？）</a:t>
+            </a:r>
+            <a:endParaRPr lang="en-US" altLang="zh-CN" dirty="0"/>
+          </a:p>
+          <a:p>
+            <a:pPr lvl="1">
+              <a:lnSpc>
+                <a:spcPct val="120000"/>
+              </a:lnSpc>
+              <a:spcBef>
+                <a:spcPct val="0"/>
+              </a:spcBef>
+            </a:pPr>
+            <a:endParaRPr lang="en-US" altLang="zh-CN" dirty="0"/>
+          </a:p>
+          <a:p>
+            <a:pPr>
+              <a:lnSpc>
+                <a:spcPct val="120000"/>
+              </a:lnSpc>
+              <a:spcBef>
+                <a:spcPct val="0"/>
+              </a:spcBef>
+            </a:pPr>
             <a:r>
               <a:rPr lang="zh-CN" altLang="en-US" dirty="0"/>
               <a:t>实验设计</a:t>
@@ -3847,45 +6035,29 @@
             <a:endParaRPr lang="en-US" altLang="zh-CN" dirty="0"/>
           </a:p>
           <a:p>
-            <a:pPr lvl="1"/>
+            <a:pPr lvl="1">
+              <a:lnSpc>
+                <a:spcPct val="120000"/>
+              </a:lnSpc>
+              <a:spcBef>
+                <a:spcPct val="0"/>
+              </a:spcBef>
+            </a:pPr>
             <a:endParaRPr lang="en-US" altLang="zh-CN" dirty="0"/>
           </a:p>
           <a:p>
-            <a:pPr lvl="1"/>
+            <a:pPr lvl="1">
+              <a:lnSpc>
+                <a:spcPct val="120000"/>
+              </a:lnSpc>
+              <a:spcBef>
+                <a:spcPct val="0"/>
+              </a:spcBef>
+            </a:pPr>
             <a:endParaRPr lang="en-US" altLang="zh-CN" dirty="0"/>
           </a:p>
         </p:txBody>
       </p:sp>
-      <p:pic>
-        <p:nvPicPr>
-          <p:cNvPr id="6" name="图片 5">
-            <a:extLst>
-              <a:ext uri="{FF2B5EF4-FFF2-40B4-BE49-F238E27FC236}">
-                <a16:creationId xmlns:a16="http://schemas.microsoft.com/office/drawing/2014/main" id="{DA5E8A56-9D91-44F4-BF3D-9841DE45CFBD}"/>
-              </a:ext>
-            </a:extLst>
-          </p:cNvPr>
-          <p:cNvPicPr>
-            <a:picLocks noChangeAspect="1"/>
-          </p:cNvPicPr>
-          <p:nvPr/>
-        </p:nvPicPr>
-        <p:blipFill>
-          <a:blip r:embed="rId2"/>
-          <a:stretch>
-            <a:fillRect/>
-          </a:stretch>
-        </p:blipFill>
-        <p:spPr>
-          <a:xfrm>
-            <a:off x="7305385" y="1144220"/>
-            <a:ext cx="3943960" cy="2492742"/>
-          </a:xfrm>
-          <a:prstGeom prst="rect">
-            <a:avLst/>
-          </a:prstGeom>
-        </p:spPr>
-      </p:pic>
       <p:graphicFrame>
         <p:nvGraphicFramePr>
           <p:cNvPr id="7" name="表格 6">
@@ -3901,13 +6073,13 @@
           <p:nvPr>
             <p:extLst>
               <p:ext uri="{D42A27DB-BD31-4B8C-83A1-F6EECF244321}">
-                <p14:modId xmlns:p14="http://schemas.microsoft.com/office/powerpoint/2010/main" val="514576347"/>
+                <p14:modId xmlns:p14="http://schemas.microsoft.com/office/powerpoint/2010/main" val="4277722038"/>
               </p:ext>
             </p:extLst>
           </p:nvPr>
         </p:nvGraphicFramePr>
         <p:xfrm>
-          <a:off x="941065" y="4121124"/>
+          <a:off x="941065" y="4382381"/>
           <a:ext cx="10308280" cy="1680716"/>
         </p:xfrm>
         <a:graphic>
@@ -3917,38 +6089,45 @@
                 <a:tableStyleId>{93296810-A885-4BE3-A3E7-6D5BEEA58F35}</a:tableStyleId>
               </a:tblPr>
               <a:tblGrid>
-                <a:gridCol w="2061656">
+                <a:gridCol w="1611635">
                   <a:extLst>
                     <a:ext uri="{9D8B030D-6E8A-4147-A177-3AD203B41FA5}">
                       <a16:colId xmlns:a16="http://schemas.microsoft.com/office/drawing/2014/main" val="2553721912"/>
                     </a:ext>
                   </a:extLst>
                 </a:gridCol>
-                <a:gridCol w="2061656">
+                <a:gridCol w="1841500">
                   <a:extLst>
                     <a:ext uri="{9D8B030D-6E8A-4147-A177-3AD203B41FA5}">
                       <a16:colId xmlns:a16="http://schemas.microsoft.com/office/drawing/2014/main" val="3124589334"/>
                     </a:ext>
                   </a:extLst>
                 </a:gridCol>
-                <a:gridCol w="2061656">
+                <a:gridCol w="1854200">
                   <a:extLst>
                     <a:ext uri="{9D8B030D-6E8A-4147-A177-3AD203B41FA5}">
                       <a16:colId xmlns:a16="http://schemas.microsoft.com/office/drawing/2014/main" val="3071728244"/>
                     </a:ext>
                   </a:extLst>
                 </a:gridCol>
-                <a:gridCol w="2061656">
+                <a:gridCol w="1701800">
                   <a:extLst>
                     <a:ext uri="{9D8B030D-6E8A-4147-A177-3AD203B41FA5}">
                       <a16:colId xmlns:a16="http://schemas.microsoft.com/office/drawing/2014/main" val="1347501409"/>
                     </a:ext>
                   </a:extLst>
                 </a:gridCol>
-                <a:gridCol w="2061656">
+                <a:gridCol w="1638300">
                   <a:extLst>
                     <a:ext uri="{9D8B030D-6E8A-4147-A177-3AD203B41FA5}">
                       <a16:colId xmlns:a16="http://schemas.microsoft.com/office/drawing/2014/main" val="2559639688"/>
+                    </a:ext>
+                  </a:extLst>
+                </a:gridCol>
+                <a:gridCol w="1660845">
+                  <a:extLst>
+                    <a:ext uri="{9D8B030D-6E8A-4147-A177-3AD203B41FA5}">
+                      <a16:colId xmlns:a16="http://schemas.microsoft.com/office/drawing/2014/main" val="954988465"/>
                     </a:ext>
                   </a:extLst>
                 </a:gridCol>
@@ -3959,6 +6138,17 @@
                     <a:bodyPr/>
                     <a:lstStyle/>
                     <a:p>
+                      <a:pPr>
+                        <a:lnSpc>
+                          <a:spcPct val="120000"/>
+                        </a:lnSpc>
+                        <a:spcBef>
+                          <a:spcPts val="0"/>
+                        </a:spcBef>
+                        <a:spcAft>
+                          <a:spcPts val="0"/>
+                        </a:spcAft>
+                      </a:pPr>
                       <a:r>
                         <a:rPr lang="en-US" altLang="zh-CN" dirty="0"/>
                         <a:t>Dataset</a:t>
@@ -3973,6 +6163,17 @@
                     <a:bodyPr/>
                     <a:lstStyle/>
                     <a:p>
+                      <a:pPr>
+                        <a:lnSpc>
+                          <a:spcPct val="120000"/>
+                        </a:lnSpc>
+                        <a:spcBef>
+                          <a:spcPts val="0"/>
+                        </a:spcBef>
+                        <a:spcAft>
+                          <a:spcPts val="0"/>
+                        </a:spcAft>
+                      </a:pPr>
                       <a:r>
                         <a:rPr lang="en-US" altLang="zh-CN" dirty="0"/>
                         <a:t>Approach</a:t>
@@ -3987,6 +6188,67 @@
                     <a:bodyPr/>
                     <a:lstStyle/>
                     <a:p>
+                      <a:pPr>
+                        <a:lnSpc>
+                          <a:spcPct val="120000"/>
+                        </a:lnSpc>
+                        <a:spcBef>
+                          <a:spcPts val="0"/>
+                        </a:spcBef>
+                        <a:spcAft>
+                          <a:spcPts val="0"/>
+                        </a:spcAft>
+                      </a:pPr>
+                      <a:r>
+                        <a:rPr lang="en-US" altLang="zh-CN" dirty="0"/>
+                        <a:t>FP</a:t>
+                      </a:r>
+                      <a:endParaRPr lang="zh-CN" altLang="en-US" dirty="0"/>
+                    </a:p>
+                  </a:txBody>
+                  <a:tcPr/>
+                </a:tc>
+                <a:tc>
+                  <a:txBody>
+                    <a:bodyPr/>
+                    <a:lstStyle/>
+                    <a:p>
+                      <a:pPr>
+                        <a:lnSpc>
+                          <a:spcPct val="120000"/>
+                        </a:lnSpc>
+                        <a:spcBef>
+                          <a:spcPts val="0"/>
+                        </a:spcBef>
+                        <a:spcAft>
+                          <a:spcPts val="0"/>
+                        </a:spcAft>
+                      </a:pPr>
+                      <a:r>
+                        <a:rPr lang="en-US" altLang="zh-CN" dirty="0"/>
+                        <a:t>Precision</a:t>
+                      </a:r>
+                      <a:endParaRPr lang="zh-CN" altLang="en-US" dirty="0"/>
+                    </a:p>
+                  </a:txBody>
+                  <a:tcPr/>
+                </a:tc>
+                <a:tc>
+                  <a:txBody>
+                    <a:bodyPr/>
+                    <a:lstStyle/>
+                    <a:p>
+                      <a:pPr>
+                        <a:lnSpc>
+                          <a:spcPct val="120000"/>
+                        </a:lnSpc>
+                        <a:spcBef>
+                          <a:spcPts val="0"/>
+                        </a:spcBef>
+                        <a:spcAft>
+                          <a:spcPts val="0"/>
+                        </a:spcAft>
+                      </a:pPr>
                       <a:r>
                         <a:rPr lang="en-US" altLang="zh-CN" dirty="0"/>
                         <a:t>Recall</a:t>
@@ -4001,23 +6263,20 @@
                     <a:bodyPr/>
                     <a:lstStyle/>
                     <a:p>
+                      <a:pPr>
+                        <a:lnSpc>
+                          <a:spcPct val="120000"/>
+                        </a:lnSpc>
+                        <a:spcBef>
+                          <a:spcPts val="0"/>
+                        </a:spcBef>
+                        <a:spcAft>
+                          <a:spcPts val="0"/>
+                        </a:spcAft>
+                      </a:pPr>
                       <a:r>
                         <a:rPr lang="en-US" altLang="zh-CN" dirty="0"/>
-                        <a:t>Precision</a:t>
-                      </a:r>
-                      <a:endParaRPr lang="zh-CN" altLang="en-US" dirty="0"/>
-                    </a:p>
-                  </a:txBody>
-                  <a:tcPr/>
-                </a:tc>
-                <a:tc>
-                  <a:txBody>
-                    <a:bodyPr/>
-                    <a:lstStyle/>
-                    <a:p>
-                      <a:r>
-                        <a:rPr lang="en-US" altLang="zh-CN" dirty="0"/>
-                        <a:t>Accuracy</a:t>
+                        <a:t>F1</a:t>
                       </a:r>
                       <a:endParaRPr lang="zh-CN" altLang="en-US" dirty="0"/>
                     </a:p>
@@ -4036,6 +6295,17 @@
                     <a:bodyPr/>
                     <a:lstStyle/>
                     <a:p>
+                      <a:pPr>
+                        <a:lnSpc>
+                          <a:spcPct val="120000"/>
+                        </a:lnSpc>
+                        <a:spcBef>
+                          <a:spcPts val="0"/>
+                        </a:spcBef>
+                        <a:spcAft>
+                          <a:spcPts val="0"/>
+                        </a:spcAft>
+                      </a:pPr>
                       <a:r>
                         <a:rPr lang="en-US" altLang="zh-CN" dirty="0"/>
                         <a:t>OWASP</a:t>
@@ -4050,6 +6320,17 @@
                     <a:bodyPr/>
                     <a:lstStyle/>
                     <a:p>
+                      <a:pPr>
+                        <a:lnSpc>
+                          <a:spcPct val="120000"/>
+                        </a:lnSpc>
+                        <a:spcBef>
+                          <a:spcPts val="0"/>
+                        </a:spcBef>
+                        <a:spcAft>
+                          <a:spcPts val="0"/>
+                        </a:spcAft>
+                      </a:pPr>
                       <a:r>
                         <a:rPr lang="en-US" altLang="zh-CN" dirty="0"/>
                         <a:t>Our Approach</a:t>
@@ -4064,6 +6345,17 @@
                     <a:bodyPr/>
                     <a:lstStyle/>
                     <a:p>
+                      <a:pPr>
+                        <a:lnSpc>
+                          <a:spcPct val="120000"/>
+                        </a:lnSpc>
+                        <a:spcBef>
+                          <a:spcPts val="0"/>
+                        </a:spcBef>
+                        <a:spcAft>
+                          <a:spcPts val="0"/>
+                        </a:spcAft>
+                      </a:pPr>
                       <a:r>
                         <a:rPr lang="en-US" altLang="zh-CN" dirty="0"/>
                         <a:t>-</a:t>
@@ -4078,6 +6370,17 @@
                     <a:bodyPr/>
                     <a:lstStyle/>
                     <a:p>
+                      <a:pPr>
+                        <a:lnSpc>
+                          <a:spcPct val="120000"/>
+                        </a:lnSpc>
+                        <a:spcBef>
+                          <a:spcPts val="0"/>
+                        </a:spcBef>
+                        <a:spcAft>
+                          <a:spcPts val="0"/>
+                        </a:spcAft>
+                      </a:pPr>
                       <a:r>
                         <a:rPr lang="en-US" altLang="zh-CN" dirty="0"/>
                         <a:t>-</a:t>
@@ -4092,6 +6395,42 @@
                     <a:bodyPr/>
                     <a:lstStyle/>
                     <a:p>
+                      <a:pPr>
+                        <a:lnSpc>
+                          <a:spcPct val="120000"/>
+                        </a:lnSpc>
+                        <a:spcBef>
+                          <a:spcPts val="0"/>
+                        </a:spcBef>
+                        <a:spcAft>
+                          <a:spcPts val="0"/>
+                        </a:spcAft>
+                      </a:pPr>
+                      <a:r>
+                        <a:rPr lang="en-US" altLang="zh-CN" dirty="0"/>
+                        <a:t>-</a:t>
+                      </a:r>
+                      <a:endParaRPr lang="zh-CN" altLang="en-US" dirty="0"/>
+                    </a:p>
+                  </a:txBody>
+                  <a:tcPr/>
+                </a:tc>
+                <a:tc>
+                  <a:txBody>
+                    <a:bodyPr/>
+                    <a:lstStyle/>
+                    <a:p>
+                      <a:pPr>
+                        <a:lnSpc>
+                          <a:spcPct val="120000"/>
+                        </a:lnSpc>
+                        <a:spcBef>
+                          <a:spcPts val="0"/>
+                        </a:spcBef>
+                        <a:spcAft>
+                          <a:spcPts val="0"/>
+                        </a:spcAft>
+                      </a:pPr>
                       <a:r>
                         <a:rPr lang="en-US" altLang="zh-CN" dirty="0"/>
                         <a:t>-</a:t>
@@ -4113,6 +6452,17 @@
                     <a:bodyPr/>
                     <a:lstStyle/>
                     <a:p>
+                      <a:pPr>
+                        <a:lnSpc>
+                          <a:spcPct val="120000"/>
+                        </a:lnSpc>
+                        <a:spcBef>
+                          <a:spcPts val="0"/>
+                        </a:spcBef>
+                        <a:spcAft>
+                          <a:spcPts val="0"/>
+                        </a:spcAft>
+                      </a:pPr>
                       <a:endParaRPr lang="zh-CN" altLang="en-US" dirty="0"/>
                     </a:p>
                   </a:txBody>
@@ -4123,6 +6473,17 @@
                     <a:bodyPr/>
                     <a:lstStyle/>
                     <a:p>
+                      <a:pPr>
+                        <a:lnSpc>
+                          <a:spcPct val="120000"/>
+                        </a:lnSpc>
+                        <a:spcBef>
+                          <a:spcPts val="0"/>
+                        </a:spcBef>
+                        <a:spcAft>
+                          <a:spcPts val="0"/>
+                        </a:spcAft>
+                      </a:pPr>
                       <a:r>
                         <a:rPr lang="en-US" altLang="zh-CN" dirty="0" err="1"/>
                         <a:t>Spotbugs</a:t>
@@ -4137,6 +6498,17 @@
                     <a:bodyPr/>
                     <a:lstStyle/>
                     <a:p>
+                      <a:pPr>
+                        <a:lnSpc>
+                          <a:spcPct val="120000"/>
+                        </a:lnSpc>
+                        <a:spcBef>
+                          <a:spcPts val="0"/>
+                        </a:spcBef>
+                        <a:spcAft>
+                          <a:spcPts val="0"/>
+                        </a:spcAft>
+                      </a:pPr>
                       <a:r>
                         <a:rPr lang="en-US" altLang="zh-CN" dirty="0"/>
                         <a:t>-</a:t>
@@ -4151,6 +6523,17 @@
                     <a:bodyPr/>
                     <a:lstStyle/>
                     <a:p>
+                      <a:pPr>
+                        <a:lnSpc>
+                          <a:spcPct val="120000"/>
+                        </a:lnSpc>
+                        <a:spcBef>
+                          <a:spcPts val="0"/>
+                        </a:spcBef>
+                        <a:spcAft>
+                          <a:spcPts val="0"/>
+                        </a:spcAft>
+                      </a:pPr>
                       <a:r>
                         <a:rPr lang="en-US" altLang="zh-CN" dirty="0"/>
                         <a:t>-</a:t>
@@ -4165,6 +6548,42 @@
                     <a:bodyPr/>
                     <a:lstStyle/>
                     <a:p>
+                      <a:pPr>
+                        <a:lnSpc>
+                          <a:spcPct val="120000"/>
+                        </a:lnSpc>
+                        <a:spcBef>
+                          <a:spcPts val="0"/>
+                        </a:spcBef>
+                        <a:spcAft>
+                          <a:spcPts val="0"/>
+                        </a:spcAft>
+                      </a:pPr>
+                      <a:r>
+                        <a:rPr lang="en-US" altLang="zh-CN" dirty="0"/>
+                        <a:t>-</a:t>
+                      </a:r>
+                      <a:endParaRPr lang="zh-CN" altLang="en-US" dirty="0"/>
+                    </a:p>
+                  </a:txBody>
+                  <a:tcPr/>
+                </a:tc>
+                <a:tc>
+                  <a:txBody>
+                    <a:bodyPr/>
+                    <a:lstStyle/>
+                    <a:p>
+                      <a:pPr>
+                        <a:lnSpc>
+                          <a:spcPct val="120000"/>
+                        </a:lnSpc>
+                        <a:spcBef>
+                          <a:spcPts val="0"/>
+                        </a:spcBef>
+                        <a:spcAft>
+                          <a:spcPts val="0"/>
+                        </a:spcAft>
+                      </a:pPr>
                       <a:r>
                         <a:rPr lang="en-US" altLang="zh-CN" dirty="0"/>
                         <a:t>-</a:t>
@@ -4186,6 +6605,17 @@
                     <a:bodyPr/>
                     <a:lstStyle/>
                     <a:p>
+                      <a:pPr>
+                        <a:lnSpc>
+                          <a:spcPct val="120000"/>
+                        </a:lnSpc>
+                        <a:spcBef>
+                          <a:spcPts val="0"/>
+                        </a:spcBef>
+                        <a:spcAft>
+                          <a:spcPts val="0"/>
+                        </a:spcAft>
+                      </a:pPr>
                       <a:r>
                         <a:rPr lang="en-US" altLang="zh-CN" dirty="0"/>
                         <a:t>…</a:t>
@@ -4200,6 +6630,17 @@
                     <a:bodyPr/>
                     <a:lstStyle/>
                     <a:p>
+                      <a:pPr>
+                        <a:lnSpc>
+                          <a:spcPct val="120000"/>
+                        </a:lnSpc>
+                        <a:spcBef>
+                          <a:spcPts val="0"/>
+                        </a:spcBef>
+                        <a:spcAft>
+                          <a:spcPts val="0"/>
+                        </a:spcAft>
+                      </a:pPr>
                       <a:r>
                         <a:rPr lang="en-US" altLang="zh-CN" dirty="0"/>
                         <a:t>…</a:t>
@@ -4214,6 +6655,17 @@
                     <a:bodyPr/>
                     <a:lstStyle/>
                     <a:p>
+                      <a:pPr>
+                        <a:lnSpc>
+                          <a:spcPct val="120000"/>
+                        </a:lnSpc>
+                        <a:spcBef>
+                          <a:spcPts val="0"/>
+                        </a:spcBef>
+                        <a:spcAft>
+                          <a:spcPts val="0"/>
+                        </a:spcAft>
+                      </a:pPr>
                       <a:r>
                         <a:rPr lang="en-US" altLang="zh-CN" dirty="0"/>
                         <a:t>…</a:t>
@@ -4228,6 +6680,17 @@
                     <a:bodyPr/>
                     <a:lstStyle/>
                     <a:p>
+                      <a:pPr>
+                        <a:lnSpc>
+                          <a:spcPct val="120000"/>
+                        </a:lnSpc>
+                        <a:spcBef>
+                          <a:spcPts val="0"/>
+                        </a:spcBef>
+                        <a:spcAft>
+                          <a:spcPts val="0"/>
+                        </a:spcAft>
+                      </a:pPr>
                       <a:r>
                         <a:rPr lang="en-US" altLang="zh-CN" dirty="0"/>
                         <a:t>…</a:t>
@@ -4242,6 +6705,42 @@
                     <a:bodyPr/>
                     <a:lstStyle/>
                     <a:p>
+                      <a:pPr>
+                        <a:lnSpc>
+                          <a:spcPct val="120000"/>
+                        </a:lnSpc>
+                        <a:spcBef>
+                          <a:spcPts val="0"/>
+                        </a:spcBef>
+                        <a:spcAft>
+                          <a:spcPts val="0"/>
+                        </a:spcAft>
+                      </a:pPr>
+                      <a:r>
+                        <a:rPr lang="en-US" altLang="zh-CN" dirty="0"/>
+                        <a:t>…</a:t>
+                      </a:r>
+                      <a:endParaRPr lang="zh-CN" altLang="en-US" dirty="0"/>
+                    </a:p>
+                  </a:txBody>
+                  <a:tcPr/>
+                </a:tc>
+                <a:tc>
+                  <a:txBody>
+                    <a:bodyPr/>
+                    <a:lstStyle/>
+                    <a:p>
+                      <a:pPr>
+                        <a:lnSpc>
+                          <a:spcPct val="120000"/>
+                        </a:lnSpc>
+                        <a:spcBef>
+                          <a:spcPts val="0"/>
+                        </a:spcBef>
+                        <a:spcAft>
+                          <a:spcPts val="0"/>
+                        </a:spcAft>
+                      </a:pPr>
                       <a:r>
                         <a:rPr lang="en-US" altLang="zh-CN" dirty="0"/>
                         <a:t>…</a:t>
@@ -4261,6 +6760,36 @@
           </a:graphicData>
         </a:graphic>
       </p:graphicFrame>
+      <p:pic>
+        <p:nvPicPr>
+          <p:cNvPr id="2" name="图片 1">
+            <a:extLst>
+              <a:ext uri="{FF2B5EF4-FFF2-40B4-BE49-F238E27FC236}">
+                <a16:creationId xmlns:a16="http://schemas.microsoft.com/office/drawing/2014/main" id="{A90C298A-115B-4467-8E7E-D4DF1C0EAF73}"/>
+              </a:ext>
+            </a:extLst>
+          </p:cNvPr>
+          <p:cNvPicPr>
+            <a:picLocks noChangeAspect="1"/>
+          </p:cNvPicPr>
+          <p:nvPr/>
+        </p:nvPicPr>
+        <p:blipFill>
+          <a:blip r:embed="rId3"/>
+          <a:stretch>
+            <a:fillRect/>
+          </a:stretch>
+        </p:blipFill>
+        <p:spPr>
+          <a:xfrm>
+            <a:off x="7486379" y="1144440"/>
+            <a:ext cx="3762966" cy="2678722"/>
+          </a:xfrm>
+          <a:prstGeom prst="rect">
+            <a:avLst/>
+          </a:prstGeom>
+        </p:spPr>
+      </p:pic>
     </p:spTree>
     <p:extLst>
       <p:ext uri="{BB962C8B-B14F-4D97-AF65-F5344CB8AC3E}">
@@ -4274,7 +6803,7 @@
 </p:sld>
 </file>
 
-<file path=ppt/slides/slide14.xml><?xml version="1.0" encoding="utf-8"?>
+<file path=ppt/slides/slide19.xml><?xml version="1.0" encoding="utf-8"?>
 <p:sld xmlns:a="http://schemas.openxmlformats.org/drawingml/2006/main" xmlns:r="http://schemas.openxmlformats.org/officeDocument/2006/relationships" xmlns:p="http://schemas.openxmlformats.org/presentationml/2006/main">
   <p:cSld>
     <p:spTree>
@@ -4373,18 +6902,29 @@
               </a:lnSpc>
             </a:pPr>
             <a:r>
-              <a:rPr lang="zh-CN" altLang="en-US" sz="2200" b="0" dirty="0">
+              <a:rPr lang="zh-CN" altLang="en-US" b="0" dirty="0">
                 <a:solidFill>
                   <a:schemeClr val="tx2"/>
                 </a:solidFill>
               </a:rPr>
-              <a:t>应用场景</a:t>
-            </a:r>
-            <a:endParaRPr lang="zh-CN" altLang="en-US" b="0" dirty="0">
-              <a:solidFill>
-                <a:schemeClr val="tx2"/>
-              </a:solidFill>
-            </a:endParaRPr>
+              <a:t>项目初步计划 </a:t>
+            </a:r>
+            <a:r>
+              <a:rPr lang="en-US" altLang="zh-CN" b="0" dirty="0">
+                <a:solidFill>
+                  <a:schemeClr val="tx2"/>
+                </a:solidFill>
+              </a:rPr>
+              <a:t>&amp; </a:t>
+            </a:r>
+            <a:r>
+              <a:rPr lang="zh-CN" altLang="en-US" b="0" dirty="0">
+                <a:solidFill>
+                  <a:schemeClr val="tx2"/>
+                </a:solidFill>
+              </a:rPr>
+              <a:t>当前进展</a:t>
+            </a:r>
           </a:p>
         </p:txBody>
       </p:sp>
@@ -4427,7 +6967,7 @@
                   </a:schemeClr>
                 </a:solidFill>
               </a:rPr>
-              <a:t>Application</a:t>
+              <a:t>Plan</a:t>
             </a:r>
             <a:endParaRPr lang="zh-CN" altLang="en-US" dirty="0">
               <a:solidFill>
@@ -4542,7 +7082,7 @@
     </p:spTree>
     <p:extLst>
       <p:ext uri="{BB962C8B-B14F-4D97-AF65-F5344CB8AC3E}">
-        <p14:creationId xmlns:p14="http://schemas.microsoft.com/office/powerpoint/2010/main" val="289322681"/>
+        <p14:creationId xmlns:p14="http://schemas.microsoft.com/office/powerpoint/2010/main" val="946973795"/>
       </p:ext>
     </p:extLst>
   </p:cSld>
@@ -4552,7 +7092,7 @@
 </p:sld>
 </file>
 
-<file path=ppt/slides/slide15.xml><?xml version="1.0" encoding="utf-8"?>
+<file path=ppt/slides/slide2.xml><?xml version="1.0" encoding="utf-8"?>
 <p:sld xmlns:a="http://schemas.openxmlformats.org/drawingml/2006/main" xmlns:r="http://schemas.openxmlformats.org/officeDocument/2006/relationships" xmlns:p="http://schemas.openxmlformats.org/presentationml/2006/main">
   <p:cSld>
     <p:spTree>
@@ -4571,6 +7111,1131 @@
       </p:grpSpPr>
       <p:sp>
         <p:nvSpPr>
+          <p:cNvPr id="8" name="矩形 7">
+            <a:extLst>
+              <a:ext uri="{FF2B5EF4-FFF2-40B4-BE49-F238E27FC236}">
+                <a16:creationId xmlns:a16="http://schemas.microsoft.com/office/drawing/2014/main" id="{D28A4DE6-CC58-47DF-A4F8-451A92F65A96}"/>
+              </a:ext>
+            </a:extLst>
+          </p:cNvPr>
+          <p:cNvSpPr/>
+          <p:nvPr/>
+        </p:nvSpPr>
+        <p:spPr>
+          <a:xfrm>
+            <a:off x="673100" y="2882900"/>
+            <a:ext cx="11518900" cy="1104900"/>
+          </a:xfrm>
+          <a:prstGeom prst="rect">
+            <a:avLst/>
+          </a:prstGeom>
+          <a:noFill/>
+          <a:ln>
+            <a:noFill/>
+          </a:ln>
+        </p:spPr>
+        <p:style>
+          <a:lnRef idx="2">
+            <a:schemeClr val="accent1">
+              <a:shade val="50000"/>
+            </a:schemeClr>
+          </a:lnRef>
+          <a:fillRef idx="1">
+            <a:schemeClr val="accent1"/>
+          </a:fillRef>
+          <a:effectRef idx="0">
+            <a:schemeClr val="accent1"/>
+          </a:effectRef>
+          <a:fontRef idx="minor">
+            <a:schemeClr val="lt1"/>
+          </a:fontRef>
+        </p:style>
+        <p:txBody>
+          <a:bodyPr rtlCol="0" anchor="ctr"/>
+          <a:lstStyle/>
+          <a:p>
+            <a:pPr algn="ctr">
+              <a:lnSpc>
+                <a:spcPct val="120000"/>
+              </a:lnSpc>
+            </a:pPr>
+            <a:endParaRPr lang="zh-CN" altLang="en-US"/>
+          </a:p>
+        </p:txBody>
+      </p:sp>
+      <p:sp>
+        <p:nvSpPr>
+          <p:cNvPr id="5" name="标题 4"/>
+          <p:cNvSpPr>
+            <a:spLocks noGrp="1"/>
+          </p:cNvSpPr>
+          <p:nvPr>
+            <p:ph type="title"/>
+          </p:nvPr>
+        </p:nvSpPr>
+        <p:spPr>
+          <a:xfrm>
+            <a:off x="4812030" y="2341043"/>
+            <a:ext cx="4535055" cy="656792"/>
+          </a:xfrm>
+        </p:spPr>
+        <p:txBody>
+          <a:bodyPr anchor="b">
+            <a:normAutofit/>
+          </a:bodyPr>
+          <a:lstStyle/>
+          <a:p>
+            <a:pPr>
+              <a:lnSpc>
+                <a:spcPct val="120000"/>
+              </a:lnSpc>
+            </a:pPr>
+            <a:r>
+              <a:rPr lang="zh-CN" altLang="en-US" sz="2200" b="0" dirty="0">
+                <a:solidFill>
+                  <a:schemeClr val="tx2"/>
+                </a:solidFill>
+              </a:rPr>
+              <a:t>系统意义</a:t>
+            </a:r>
+            <a:endParaRPr lang="zh-CN" altLang="en-US" b="0" dirty="0">
+              <a:solidFill>
+                <a:schemeClr val="tx2"/>
+              </a:solidFill>
+            </a:endParaRPr>
+          </a:p>
+        </p:txBody>
+      </p:sp>
+      <p:sp>
+        <p:nvSpPr>
+          <p:cNvPr id="6" name="文本占位符 5"/>
+          <p:cNvSpPr>
+            <a:spLocks noGrp="1"/>
+          </p:cNvSpPr>
+          <p:nvPr>
+            <p:ph type="body" idx="1"/>
+          </p:nvPr>
+        </p:nvSpPr>
+        <p:spPr>
+          <a:xfrm>
+            <a:off x="4806257" y="3115250"/>
+            <a:ext cx="4546600" cy="1015623"/>
+          </a:xfrm>
+        </p:spPr>
+        <p:txBody>
+          <a:bodyPr/>
+          <a:lstStyle/>
+          <a:p>
+            <a:pPr marL="171450" lvl="0" indent="-171450">
+              <a:lnSpc>
+                <a:spcPct val="120000"/>
+              </a:lnSpc>
+              <a:spcBef>
+                <a:spcPts val="0"/>
+              </a:spcBef>
+              <a:buFont typeface="Arial" panose="020B0604020202020204" pitchFamily="34" charset="0"/>
+              <a:buChar char="•"/>
+            </a:pPr>
+            <a:r>
+              <a:rPr lang="en-US" altLang="zh-CN" dirty="0">
+                <a:solidFill>
+                  <a:schemeClr val="tx1">
+                    <a:lumMod val="95000"/>
+                    <a:lumOff val="5000"/>
+                  </a:schemeClr>
+                </a:solidFill>
+              </a:rPr>
+              <a:t>Motivation</a:t>
+            </a:r>
+            <a:endParaRPr lang="zh-CN" altLang="en-US" dirty="0">
+              <a:solidFill>
+                <a:schemeClr val="tx1">
+                  <a:lumMod val="95000"/>
+                  <a:lumOff val="5000"/>
+                </a:schemeClr>
+              </a:solidFill>
+            </a:endParaRPr>
+          </a:p>
+        </p:txBody>
+      </p:sp>
+      <p:sp>
+        <p:nvSpPr>
+          <p:cNvPr id="17" name="文本框 16">
+            <a:extLst>
+              <a:ext uri="{FF2B5EF4-FFF2-40B4-BE49-F238E27FC236}">
+                <a16:creationId xmlns:a16="http://schemas.microsoft.com/office/drawing/2014/main" id="{18BE1EAA-DA91-4B9A-837F-78A0ED20EE18}"/>
+              </a:ext>
+            </a:extLst>
+          </p:cNvPr>
+          <p:cNvSpPr txBox="1"/>
+          <p:nvPr/>
+        </p:nvSpPr>
+        <p:spPr>
+          <a:xfrm>
+            <a:off x="3294136" y="2482121"/>
+            <a:ext cx="958620" cy="1271872"/>
+          </a:xfrm>
+          <a:prstGeom prst="rect">
+            <a:avLst/>
+          </a:prstGeom>
+          <a:noFill/>
+        </p:spPr>
+        <p:txBody>
+          <a:bodyPr wrap="none" rtlCol="0">
+            <a:prstTxWarp prst="textPlain">
+              <a:avLst/>
+            </a:prstTxWarp>
+            <a:spAutoFit/>
+          </a:bodyPr>
+          <a:lstStyle/>
+          <a:p>
+            <a:pPr>
+              <a:lnSpc>
+                <a:spcPct val="120000"/>
+              </a:lnSpc>
+            </a:pPr>
+            <a:r>
+              <a:rPr lang="en-US" altLang="zh-CN" b="1" dirty="0">
+                <a:solidFill>
+                  <a:schemeClr val="tx2"/>
+                </a:solidFill>
+                <a:latin typeface="Impact" panose="020B0806030902050204" pitchFamily="34" charset="0"/>
+                <a:ea typeface="微软雅黑" panose="020B0503020204020204" pitchFamily="34" charset="-122"/>
+              </a:rPr>
+              <a:t>01</a:t>
+            </a:r>
+            <a:endParaRPr lang="zh-CN" altLang="en-US" b="1" dirty="0">
+              <a:solidFill>
+                <a:schemeClr val="tx2"/>
+              </a:solidFill>
+              <a:latin typeface="Impact" panose="020B0806030902050204" pitchFamily="34" charset="0"/>
+              <a:ea typeface="微软雅黑" panose="020B0503020204020204" pitchFamily="34" charset="-122"/>
+            </a:endParaRPr>
+          </a:p>
+        </p:txBody>
+      </p:sp>
+      <p:cxnSp>
+        <p:nvCxnSpPr>
+          <p:cNvPr id="7" name="直接连接符 6">
+            <a:extLst>
+              <a:ext uri="{FF2B5EF4-FFF2-40B4-BE49-F238E27FC236}">
+                <a16:creationId xmlns:a16="http://schemas.microsoft.com/office/drawing/2014/main" id="{BAB374A7-46FA-4001-98D2-9D2A4E9A7A15}"/>
+              </a:ext>
+            </a:extLst>
+          </p:cNvPr>
+          <p:cNvCxnSpPr>
+            <a:cxnSpLocks/>
+          </p:cNvCxnSpPr>
+          <p:nvPr/>
+        </p:nvCxnSpPr>
+        <p:spPr>
+          <a:xfrm>
+            <a:off x="4655673" y="2543881"/>
+            <a:ext cx="0" cy="1152144"/>
+          </a:xfrm>
+          <a:prstGeom prst="line">
+            <a:avLst/>
+          </a:prstGeom>
+          <a:ln w="15875">
+            <a:solidFill>
+              <a:schemeClr val="tx2"/>
+            </a:solidFill>
+          </a:ln>
+        </p:spPr>
+        <p:style>
+          <a:lnRef idx="1">
+            <a:schemeClr val="accent1"/>
+          </a:lnRef>
+          <a:fillRef idx="0">
+            <a:schemeClr val="accent1"/>
+          </a:fillRef>
+          <a:effectRef idx="0">
+            <a:schemeClr val="accent1"/>
+          </a:effectRef>
+          <a:fontRef idx="minor">
+            <a:schemeClr val="tx1"/>
+          </a:fontRef>
+        </p:style>
+      </p:cxnSp>
+    </p:spTree>
+    <p:extLst>
+      <p:ext uri="{BB962C8B-B14F-4D97-AF65-F5344CB8AC3E}">
+        <p14:creationId xmlns:p14="http://schemas.microsoft.com/office/powerpoint/2010/main" val="2371597387"/>
+      </p:ext>
+    </p:extLst>
+  </p:cSld>
+  <p:clrMapOvr>
+    <a:masterClrMapping/>
+  </p:clrMapOvr>
+</p:sld>
+</file>
+
+<file path=ppt/slides/slide20.xml><?xml version="1.0" encoding="utf-8"?>
+<p:sld xmlns:a="http://schemas.openxmlformats.org/drawingml/2006/main" xmlns:r="http://schemas.openxmlformats.org/officeDocument/2006/relationships" xmlns:p="http://schemas.openxmlformats.org/presentationml/2006/main">
+  <p:cSld>
+    <p:spTree>
+      <p:nvGrpSpPr>
+        <p:cNvPr id="1" name=""/>
+        <p:cNvGrpSpPr/>
+        <p:nvPr/>
+      </p:nvGrpSpPr>
+      <p:grpSpPr>
+        <a:xfrm>
+          <a:off x="0" y="0"/>
+          <a:ext cx="0" cy="0"/>
+          <a:chOff x="0" y="0"/>
+          <a:chExt cx="0" cy="0"/>
+        </a:xfrm>
+      </p:grpSpPr>
+      <p:sp>
+        <p:nvSpPr>
+          <p:cNvPr id="4" name="标题 3">
+            <a:extLst>
+              <a:ext uri="{FF2B5EF4-FFF2-40B4-BE49-F238E27FC236}">
+                <a16:creationId xmlns:a16="http://schemas.microsoft.com/office/drawing/2014/main" id="{96741383-F517-4DE0-8B0A-9D8E2BA65143}"/>
+              </a:ext>
+            </a:extLst>
+          </p:cNvPr>
+          <p:cNvSpPr>
+            <a:spLocks noGrp="1"/>
+          </p:cNvSpPr>
+          <p:nvPr>
+            <p:ph type="title"/>
+          </p:nvPr>
+        </p:nvSpPr>
+        <p:spPr/>
+        <p:txBody>
+          <a:bodyPr/>
+          <a:lstStyle/>
+          <a:p>
+            <a:r>
+              <a:rPr lang="zh-CN" altLang="en-US" dirty="0"/>
+              <a:t>项目初步计划</a:t>
+            </a:r>
+          </a:p>
+        </p:txBody>
+      </p:sp>
+      <p:graphicFrame>
+        <p:nvGraphicFramePr>
+          <p:cNvPr id="6" name="内容占位符 5">
+            <a:extLst>
+              <a:ext uri="{FF2B5EF4-FFF2-40B4-BE49-F238E27FC236}">
+                <a16:creationId xmlns:a16="http://schemas.microsoft.com/office/drawing/2014/main" id="{C902E687-6398-4EB9-8970-E7AD5A74D10C}"/>
+              </a:ext>
+            </a:extLst>
+          </p:cNvPr>
+          <p:cNvGraphicFramePr>
+            <a:graphicFrameLocks noGrp="1"/>
+          </p:cNvGraphicFramePr>
+          <p:nvPr>
+            <p:ph idx="1"/>
+            <p:extLst>
+              <p:ext uri="{D42A27DB-BD31-4B8C-83A1-F6EECF244321}">
+                <p14:modId xmlns:p14="http://schemas.microsoft.com/office/powerpoint/2010/main" val="3242827004"/>
+              </p:ext>
+            </p:extLst>
+          </p:nvPr>
+        </p:nvGraphicFramePr>
+        <p:xfrm>
+          <a:off x="669924" y="2131060"/>
+          <a:ext cx="10850562" cy="2595880"/>
+        </p:xfrm>
+        <a:graphic>
+          <a:graphicData uri="http://schemas.openxmlformats.org/drawingml/2006/table">
+            <a:tbl>
+              <a:tblPr firstRow="1" bandRow="1">
+                <a:tableStyleId>{93296810-A885-4BE3-A3E7-6D5BEEA58F35}</a:tableStyleId>
+              </a:tblPr>
+              <a:tblGrid>
+                <a:gridCol w="6142858">
+                  <a:extLst>
+                    <a:ext uri="{9D8B030D-6E8A-4147-A177-3AD203B41FA5}">
+                      <a16:colId xmlns:a16="http://schemas.microsoft.com/office/drawing/2014/main" val="795565513"/>
+                    </a:ext>
+                  </a:extLst>
+                </a:gridCol>
+                <a:gridCol w="2451798">
+                  <a:extLst>
+                    <a:ext uri="{9D8B030D-6E8A-4147-A177-3AD203B41FA5}">
+                      <a16:colId xmlns:a16="http://schemas.microsoft.com/office/drawing/2014/main" val="980903849"/>
+                    </a:ext>
+                  </a:extLst>
+                </a:gridCol>
+                <a:gridCol w="2255906">
+                  <a:extLst>
+                    <a:ext uri="{9D8B030D-6E8A-4147-A177-3AD203B41FA5}">
+                      <a16:colId xmlns:a16="http://schemas.microsoft.com/office/drawing/2014/main" val="16704755"/>
+                    </a:ext>
+                  </a:extLst>
+                </a:gridCol>
+              </a:tblGrid>
+              <a:tr h="370840">
+                <a:tc>
+                  <a:txBody>
+                    <a:bodyPr/>
+                    <a:lstStyle/>
+                    <a:p>
+                      <a:r>
+                        <a:rPr lang="zh-CN" altLang="en-US" dirty="0"/>
+                        <a:t>阶段</a:t>
+                      </a:r>
+                    </a:p>
+                  </a:txBody>
+                  <a:tcPr/>
+                </a:tc>
+                <a:tc>
+                  <a:txBody>
+                    <a:bodyPr/>
+                    <a:lstStyle/>
+                    <a:p>
+                      <a:r>
+                        <a:rPr lang="zh-CN" altLang="en-US" dirty="0"/>
+                        <a:t>进度</a:t>
+                      </a:r>
+                    </a:p>
+                  </a:txBody>
+                  <a:tcPr/>
+                </a:tc>
+                <a:tc>
+                  <a:txBody>
+                    <a:bodyPr/>
+                    <a:lstStyle/>
+                    <a:p>
+                      <a:r>
+                        <a:rPr lang="zh-CN" altLang="en-US" dirty="0"/>
+                        <a:t>耗时</a:t>
+                      </a:r>
+                    </a:p>
+                  </a:txBody>
+                  <a:tcPr/>
+                </a:tc>
+                <a:extLst>
+                  <a:ext uri="{0D108BD9-81ED-4DB2-BD59-A6C34878D82A}">
+                    <a16:rowId xmlns:a16="http://schemas.microsoft.com/office/drawing/2014/main" val="1299797143"/>
+                  </a:ext>
+                </a:extLst>
+              </a:tr>
+              <a:tr h="370840">
+                <a:tc>
+                  <a:txBody>
+                    <a:bodyPr/>
+                    <a:lstStyle/>
+                    <a:p>
+                      <a:r>
+                        <a:rPr lang="zh-CN" altLang="en-US" dirty="0"/>
+                        <a:t>细化技术方案</a:t>
+                      </a:r>
+                      <a:r>
+                        <a:rPr lang="en-US" altLang="zh-CN" dirty="0"/>
+                        <a:t>(</a:t>
+                      </a:r>
+                      <a:r>
+                        <a:rPr lang="zh-CN" altLang="en-US" dirty="0"/>
+                        <a:t>确定可行性</a:t>
+                      </a:r>
+                      <a:r>
+                        <a:rPr lang="en-US" altLang="zh-CN" dirty="0"/>
+                        <a:t>)</a:t>
+                      </a:r>
+                    </a:p>
+                  </a:txBody>
+                  <a:tcPr/>
+                </a:tc>
+                <a:tc>
+                  <a:txBody>
+                    <a:bodyPr/>
+                    <a:lstStyle/>
+                    <a:p>
+                      <a:r>
+                        <a:rPr lang="en-US" altLang="zh-CN" dirty="0"/>
+                        <a:t>Doing</a:t>
+                      </a:r>
+                      <a:endParaRPr lang="zh-CN" altLang="en-US" dirty="0"/>
+                    </a:p>
+                  </a:txBody>
+                  <a:tcPr/>
+                </a:tc>
+                <a:tc>
+                  <a:txBody>
+                    <a:bodyPr/>
+                    <a:lstStyle/>
+                    <a:p>
+                      <a:r>
+                        <a:rPr lang="en-US" altLang="zh-CN" dirty="0"/>
+                        <a:t>6-9</a:t>
+                      </a:r>
+                      <a:r>
+                        <a:rPr lang="zh-CN" altLang="en-US" dirty="0"/>
+                        <a:t>月</a:t>
+                      </a:r>
+                    </a:p>
+                  </a:txBody>
+                  <a:tcPr/>
+                </a:tc>
+                <a:extLst>
+                  <a:ext uri="{0D108BD9-81ED-4DB2-BD59-A6C34878D82A}">
+                    <a16:rowId xmlns:a16="http://schemas.microsoft.com/office/drawing/2014/main" val="1728068491"/>
+                  </a:ext>
+                </a:extLst>
+              </a:tr>
+              <a:tr h="370840">
+                <a:tc>
+                  <a:txBody>
+                    <a:bodyPr/>
+                    <a:lstStyle/>
+                    <a:p>
+                      <a:r>
+                        <a:rPr lang="zh-CN" altLang="en-US" dirty="0"/>
+                        <a:t>源代码特征表示实现</a:t>
+                      </a:r>
+                      <a:endParaRPr lang="en-US" altLang="zh-CN" dirty="0"/>
+                    </a:p>
+                  </a:txBody>
+                  <a:tcPr/>
+                </a:tc>
+                <a:tc>
+                  <a:txBody>
+                    <a:bodyPr/>
+                    <a:lstStyle/>
+                    <a:p>
+                      <a:r>
+                        <a:rPr lang="en-US" altLang="zh-CN" dirty="0" err="1"/>
+                        <a:t>Todo</a:t>
+                      </a:r>
+                      <a:endParaRPr lang="zh-CN" altLang="en-US" dirty="0"/>
+                    </a:p>
+                  </a:txBody>
+                  <a:tcPr/>
+                </a:tc>
+                <a:tc>
+                  <a:txBody>
+                    <a:bodyPr/>
+                    <a:lstStyle/>
+                    <a:p>
+                      <a:r>
+                        <a:rPr lang="en-US" altLang="zh-CN" dirty="0"/>
+                        <a:t>10</a:t>
+                      </a:r>
+                      <a:r>
+                        <a:rPr lang="zh-CN" altLang="en-US" dirty="0"/>
+                        <a:t>月</a:t>
+                      </a:r>
+                    </a:p>
+                  </a:txBody>
+                  <a:tcPr/>
+                </a:tc>
+                <a:extLst>
+                  <a:ext uri="{0D108BD9-81ED-4DB2-BD59-A6C34878D82A}">
+                    <a16:rowId xmlns:a16="http://schemas.microsoft.com/office/drawing/2014/main" val="43775993"/>
+                  </a:ext>
+                </a:extLst>
+              </a:tr>
+              <a:tr h="370840">
+                <a:tc>
+                  <a:txBody>
+                    <a:bodyPr/>
+                    <a:lstStyle/>
+                    <a:p>
+                      <a:pPr marL="0" marR="0" lvl="0" indent="0" algn="l" defTabSz="914354" rtl="0" eaLnBrk="1" fontAlgn="auto" latinLnBrk="0" hangingPunct="1">
+                        <a:lnSpc>
+                          <a:spcPct val="100000"/>
+                        </a:lnSpc>
+                        <a:spcBef>
+                          <a:spcPts val="0"/>
+                        </a:spcBef>
+                        <a:spcAft>
+                          <a:spcPts val="0"/>
+                        </a:spcAft>
+                        <a:buClrTx/>
+                        <a:buSzTx/>
+                        <a:buFontTx/>
+                        <a:buNone/>
+                        <a:tabLst/>
+                        <a:defRPr/>
+                      </a:pPr>
+                      <a:r>
+                        <a:rPr lang="zh-CN" altLang="en-US" dirty="0"/>
+                        <a:t>学习模型实现</a:t>
+                      </a:r>
+                      <a:endParaRPr lang="en-US" altLang="zh-CN" dirty="0"/>
+                    </a:p>
+                  </a:txBody>
+                  <a:tcPr/>
+                </a:tc>
+                <a:tc>
+                  <a:txBody>
+                    <a:bodyPr/>
+                    <a:lstStyle/>
+                    <a:p>
+                      <a:r>
+                        <a:rPr lang="en-US" altLang="zh-CN" dirty="0" err="1"/>
+                        <a:t>Todo</a:t>
+                      </a:r>
+                      <a:endParaRPr lang="zh-CN" altLang="en-US" dirty="0"/>
+                    </a:p>
+                  </a:txBody>
+                  <a:tcPr/>
+                </a:tc>
+                <a:tc>
+                  <a:txBody>
+                    <a:bodyPr/>
+                    <a:lstStyle/>
+                    <a:p>
+                      <a:r>
+                        <a:rPr lang="en-US" altLang="zh-CN" dirty="0"/>
+                        <a:t>11</a:t>
+                      </a:r>
+                      <a:r>
+                        <a:rPr lang="zh-CN" altLang="en-US" dirty="0"/>
+                        <a:t>月</a:t>
+                      </a:r>
+                    </a:p>
+                  </a:txBody>
+                  <a:tcPr/>
+                </a:tc>
+                <a:extLst>
+                  <a:ext uri="{0D108BD9-81ED-4DB2-BD59-A6C34878D82A}">
+                    <a16:rowId xmlns:a16="http://schemas.microsoft.com/office/drawing/2014/main" val="1146345459"/>
+                  </a:ext>
+                </a:extLst>
+              </a:tr>
+              <a:tr h="370840">
+                <a:tc>
+                  <a:txBody>
+                    <a:bodyPr/>
+                    <a:lstStyle/>
+                    <a:p>
+                      <a:pPr marL="0" marR="0" lvl="0" indent="0" algn="l" defTabSz="914354" rtl="0" eaLnBrk="1" fontAlgn="auto" latinLnBrk="0" hangingPunct="1">
+                        <a:lnSpc>
+                          <a:spcPct val="100000"/>
+                        </a:lnSpc>
+                        <a:spcBef>
+                          <a:spcPts val="0"/>
+                        </a:spcBef>
+                        <a:spcAft>
+                          <a:spcPts val="0"/>
+                        </a:spcAft>
+                        <a:buClrTx/>
+                        <a:buSzTx/>
+                        <a:buFontTx/>
+                        <a:buNone/>
+                        <a:tabLst/>
+                        <a:defRPr/>
+                      </a:pPr>
+                      <a:r>
+                        <a:rPr lang="zh-CN" altLang="en-US" dirty="0"/>
+                        <a:t>数据集扩充</a:t>
+                      </a:r>
+                      <a:endParaRPr lang="en-US" altLang="zh-CN" dirty="0"/>
+                    </a:p>
+                  </a:txBody>
+                  <a:tcPr/>
+                </a:tc>
+                <a:tc>
+                  <a:txBody>
+                    <a:bodyPr/>
+                    <a:lstStyle/>
+                    <a:p>
+                      <a:r>
+                        <a:rPr lang="en-US" altLang="zh-CN" dirty="0" err="1"/>
+                        <a:t>Todo</a:t>
+                      </a:r>
+                      <a:endParaRPr lang="zh-CN" altLang="en-US" dirty="0"/>
+                    </a:p>
+                  </a:txBody>
+                  <a:tcPr/>
+                </a:tc>
+                <a:tc>
+                  <a:txBody>
+                    <a:bodyPr/>
+                    <a:lstStyle/>
+                    <a:p>
+                      <a:r>
+                        <a:rPr lang="en-US" altLang="zh-CN" dirty="0"/>
+                        <a:t>12</a:t>
+                      </a:r>
+                      <a:r>
+                        <a:rPr lang="zh-CN" altLang="en-US" dirty="0"/>
+                        <a:t>月</a:t>
+                      </a:r>
+                    </a:p>
+                  </a:txBody>
+                  <a:tcPr/>
+                </a:tc>
+                <a:extLst>
+                  <a:ext uri="{0D108BD9-81ED-4DB2-BD59-A6C34878D82A}">
+                    <a16:rowId xmlns:a16="http://schemas.microsoft.com/office/drawing/2014/main" val="2959676109"/>
+                  </a:ext>
+                </a:extLst>
+              </a:tr>
+              <a:tr h="370840">
+                <a:tc>
+                  <a:txBody>
+                    <a:bodyPr/>
+                    <a:lstStyle/>
+                    <a:p>
+                      <a:pPr marL="0" marR="0" lvl="0" indent="0" algn="l" defTabSz="914354" rtl="0" eaLnBrk="1" fontAlgn="auto" latinLnBrk="0" hangingPunct="1">
+                        <a:lnSpc>
+                          <a:spcPct val="100000"/>
+                        </a:lnSpc>
+                        <a:spcBef>
+                          <a:spcPts val="0"/>
+                        </a:spcBef>
+                        <a:spcAft>
+                          <a:spcPts val="0"/>
+                        </a:spcAft>
+                        <a:buClrTx/>
+                        <a:buSzTx/>
+                        <a:buFontTx/>
+                        <a:buNone/>
+                        <a:tabLst/>
+                        <a:defRPr/>
+                      </a:pPr>
+                      <a:r>
+                        <a:rPr lang="zh-CN" altLang="en-US" dirty="0"/>
+                        <a:t>实验</a:t>
+                      </a:r>
+                      <a:endParaRPr lang="en-US" altLang="zh-CN" dirty="0"/>
+                    </a:p>
+                  </a:txBody>
+                  <a:tcPr/>
+                </a:tc>
+                <a:tc>
+                  <a:txBody>
+                    <a:bodyPr/>
+                    <a:lstStyle/>
+                    <a:p>
+                      <a:r>
+                        <a:rPr lang="en-US" altLang="zh-CN" dirty="0" err="1"/>
+                        <a:t>Todo</a:t>
+                      </a:r>
+                      <a:endParaRPr lang="zh-CN" altLang="en-US" dirty="0"/>
+                    </a:p>
+                  </a:txBody>
+                  <a:tcPr/>
+                </a:tc>
+                <a:tc>
+                  <a:txBody>
+                    <a:bodyPr/>
+                    <a:lstStyle/>
+                    <a:p>
+                      <a:r>
+                        <a:rPr lang="en-US" altLang="zh-CN" dirty="0"/>
+                        <a:t>1</a:t>
+                      </a:r>
+                      <a:r>
+                        <a:rPr lang="zh-CN" altLang="en-US" dirty="0"/>
+                        <a:t>月</a:t>
+                      </a:r>
+                    </a:p>
+                  </a:txBody>
+                  <a:tcPr/>
+                </a:tc>
+                <a:extLst>
+                  <a:ext uri="{0D108BD9-81ED-4DB2-BD59-A6C34878D82A}">
+                    <a16:rowId xmlns:a16="http://schemas.microsoft.com/office/drawing/2014/main" val="2941396842"/>
+                  </a:ext>
+                </a:extLst>
+              </a:tr>
+              <a:tr h="370840">
+                <a:tc>
+                  <a:txBody>
+                    <a:bodyPr/>
+                    <a:lstStyle/>
+                    <a:p>
+                      <a:pPr marL="0" marR="0" lvl="0" indent="0" algn="l" defTabSz="914354" rtl="0" eaLnBrk="1" fontAlgn="auto" latinLnBrk="0" hangingPunct="1">
+                        <a:lnSpc>
+                          <a:spcPct val="100000"/>
+                        </a:lnSpc>
+                        <a:spcBef>
+                          <a:spcPts val="0"/>
+                        </a:spcBef>
+                        <a:spcAft>
+                          <a:spcPts val="0"/>
+                        </a:spcAft>
+                        <a:buClrTx/>
+                        <a:buSzTx/>
+                        <a:buFontTx/>
+                        <a:buNone/>
+                        <a:tabLst/>
+                        <a:defRPr/>
+                      </a:pPr>
+                      <a:r>
+                        <a:rPr lang="zh-CN" altLang="en-US" dirty="0"/>
+                        <a:t>慕测对接</a:t>
+                      </a:r>
+                      <a:endParaRPr lang="en-US" altLang="zh-CN" dirty="0"/>
+                    </a:p>
+                  </a:txBody>
+                  <a:tcPr/>
+                </a:tc>
+                <a:tc>
+                  <a:txBody>
+                    <a:bodyPr/>
+                    <a:lstStyle/>
+                    <a:p>
+                      <a:r>
+                        <a:rPr lang="en-US" altLang="zh-CN" dirty="0" err="1"/>
+                        <a:t>Todo</a:t>
+                      </a:r>
+                      <a:endParaRPr lang="zh-CN" altLang="en-US" dirty="0"/>
+                    </a:p>
+                  </a:txBody>
+                  <a:tcPr/>
+                </a:tc>
+                <a:tc>
+                  <a:txBody>
+                    <a:bodyPr/>
+                    <a:lstStyle/>
+                    <a:p>
+                      <a:r>
+                        <a:rPr lang="en-US" altLang="zh-CN" dirty="0"/>
+                        <a:t>2</a:t>
+                      </a:r>
+                      <a:r>
+                        <a:rPr lang="zh-CN" altLang="en-US" dirty="0"/>
+                        <a:t>月</a:t>
+                      </a:r>
+                      <a:r>
+                        <a:rPr lang="en-US" altLang="zh-CN" dirty="0"/>
+                        <a:t>~</a:t>
+                      </a:r>
+                      <a:endParaRPr lang="zh-CN" altLang="en-US" dirty="0"/>
+                    </a:p>
+                  </a:txBody>
+                  <a:tcPr/>
+                </a:tc>
+                <a:extLst>
+                  <a:ext uri="{0D108BD9-81ED-4DB2-BD59-A6C34878D82A}">
+                    <a16:rowId xmlns:a16="http://schemas.microsoft.com/office/drawing/2014/main" val="999660938"/>
+                  </a:ext>
+                </a:extLst>
+              </a:tr>
+            </a:tbl>
+          </a:graphicData>
+        </a:graphic>
+      </p:graphicFrame>
+    </p:spTree>
+    <p:extLst>
+      <p:ext uri="{BB962C8B-B14F-4D97-AF65-F5344CB8AC3E}">
+        <p14:creationId xmlns:p14="http://schemas.microsoft.com/office/powerpoint/2010/main" val="3645915088"/>
+      </p:ext>
+    </p:extLst>
+  </p:cSld>
+  <p:clrMapOvr>
+    <a:masterClrMapping/>
+  </p:clrMapOvr>
+</p:sld>
+</file>
+
+<file path=ppt/slides/slide21.xml><?xml version="1.0" encoding="utf-8"?>
+<p:sld xmlns:a="http://schemas.openxmlformats.org/drawingml/2006/main" xmlns:r="http://schemas.openxmlformats.org/officeDocument/2006/relationships" xmlns:p="http://schemas.openxmlformats.org/presentationml/2006/main">
+  <p:cSld>
+    <p:spTree>
+      <p:nvGrpSpPr>
+        <p:cNvPr id="1" name=""/>
+        <p:cNvGrpSpPr/>
+        <p:nvPr/>
+      </p:nvGrpSpPr>
+      <p:grpSpPr>
+        <a:xfrm>
+          <a:off x="0" y="0"/>
+          <a:ext cx="0" cy="0"/>
+          <a:chOff x="0" y="0"/>
+          <a:chExt cx="0" cy="0"/>
+        </a:xfrm>
+      </p:grpSpPr>
+      <p:sp>
+        <p:nvSpPr>
+          <p:cNvPr id="8" name="矩形 7">
+            <a:extLst>
+              <a:ext uri="{FF2B5EF4-FFF2-40B4-BE49-F238E27FC236}">
+                <a16:creationId xmlns:a16="http://schemas.microsoft.com/office/drawing/2014/main" id="{D28A4DE6-CC58-47DF-A4F8-451A92F65A96}"/>
+              </a:ext>
+            </a:extLst>
+          </p:cNvPr>
+          <p:cNvSpPr/>
+          <p:nvPr/>
+        </p:nvSpPr>
+        <p:spPr>
+          <a:xfrm>
+            <a:off x="673100" y="2882900"/>
+            <a:ext cx="11518900" cy="1104900"/>
+          </a:xfrm>
+          <a:prstGeom prst="rect">
+            <a:avLst/>
+          </a:prstGeom>
+          <a:noFill/>
+          <a:ln>
+            <a:noFill/>
+          </a:ln>
+        </p:spPr>
+        <p:style>
+          <a:lnRef idx="2">
+            <a:schemeClr val="accent1">
+              <a:shade val="50000"/>
+            </a:schemeClr>
+          </a:lnRef>
+          <a:fillRef idx="1">
+            <a:schemeClr val="accent1"/>
+          </a:fillRef>
+          <a:effectRef idx="0">
+            <a:schemeClr val="accent1"/>
+          </a:effectRef>
+          <a:fontRef idx="minor">
+            <a:schemeClr val="lt1"/>
+          </a:fontRef>
+        </p:style>
+        <p:txBody>
+          <a:bodyPr rtlCol="0" anchor="ctr"/>
+          <a:lstStyle/>
+          <a:p>
+            <a:pPr algn="ctr">
+              <a:lnSpc>
+                <a:spcPct val="120000"/>
+              </a:lnSpc>
+            </a:pPr>
+            <a:endParaRPr lang="zh-CN" altLang="en-US"/>
+          </a:p>
+        </p:txBody>
+      </p:sp>
+      <p:sp>
+        <p:nvSpPr>
+          <p:cNvPr id="5" name="标题 4"/>
+          <p:cNvSpPr>
+            <a:spLocks noGrp="1"/>
+          </p:cNvSpPr>
+          <p:nvPr>
+            <p:ph type="title"/>
+          </p:nvPr>
+        </p:nvSpPr>
+        <p:spPr>
+          <a:xfrm>
+            <a:off x="4812030" y="2341043"/>
+            <a:ext cx="4535055" cy="656792"/>
+          </a:xfrm>
+        </p:spPr>
+        <p:txBody>
+          <a:bodyPr anchor="b">
+            <a:normAutofit/>
+          </a:bodyPr>
+          <a:lstStyle/>
+          <a:p>
+            <a:pPr>
+              <a:lnSpc>
+                <a:spcPct val="120000"/>
+              </a:lnSpc>
+            </a:pPr>
+            <a:r>
+              <a:rPr lang="zh-CN" altLang="en-US" b="0" dirty="0">
+                <a:solidFill>
+                  <a:schemeClr val="tx2"/>
+                </a:solidFill>
+              </a:rPr>
+              <a:t>优势</a:t>
+            </a:r>
+            <a:r>
+              <a:rPr lang="en-US" altLang="zh-CN" b="0" dirty="0">
+                <a:solidFill>
+                  <a:schemeClr val="tx2"/>
+                </a:solidFill>
+              </a:rPr>
+              <a:t>&amp;</a:t>
+            </a:r>
+            <a:r>
+              <a:rPr lang="zh-CN" altLang="en-US" b="0" dirty="0">
+                <a:solidFill>
+                  <a:schemeClr val="tx2"/>
+                </a:solidFill>
+              </a:rPr>
+              <a:t>潜在技术风险</a:t>
+            </a:r>
+          </a:p>
+        </p:txBody>
+      </p:sp>
+      <p:sp>
+        <p:nvSpPr>
+          <p:cNvPr id="6" name="文本占位符 5"/>
+          <p:cNvSpPr>
+            <a:spLocks noGrp="1"/>
+          </p:cNvSpPr>
+          <p:nvPr>
+            <p:ph type="body" idx="1"/>
+          </p:nvPr>
+        </p:nvSpPr>
+        <p:spPr>
+          <a:xfrm>
+            <a:off x="4806257" y="3115250"/>
+            <a:ext cx="4546600" cy="1015623"/>
+          </a:xfrm>
+        </p:spPr>
+        <p:txBody>
+          <a:bodyPr/>
+          <a:lstStyle/>
+          <a:p>
+            <a:pPr marL="171450" lvl="0" indent="-171450">
+              <a:lnSpc>
+                <a:spcPct val="120000"/>
+              </a:lnSpc>
+              <a:spcBef>
+                <a:spcPts val="0"/>
+              </a:spcBef>
+              <a:buFont typeface="Arial" panose="020B0604020202020204" pitchFamily="34" charset="0"/>
+              <a:buChar char="•"/>
+            </a:pPr>
+            <a:r>
+              <a:rPr lang="en-US" altLang="zh-CN" dirty="0">
+                <a:solidFill>
+                  <a:schemeClr val="tx1">
+                    <a:lumMod val="95000"/>
+                    <a:lumOff val="5000"/>
+                  </a:schemeClr>
+                </a:solidFill>
+              </a:rPr>
+              <a:t>Advantage &amp; Problems</a:t>
+            </a:r>
+            <a:endParaRPr lang="zh-CN" altLang="en-US" dirty="0">
+              <a:solidFill>
+                <a:schemeClr val="tx1">
+                  <a:lumMod val="95000"/>
+                  <a:lumOff val="5000"/>
+                </a:schemeClr>
+              </a:solidFill>
+            </a:endParaRPr>
+          </a:p>
+        </p:txBody>
+      </p:sp>
+      <p:sp>
+        <p:nvSpPr>
+          <p:cNvPr id="17" name="文本框 16">
+            <a:extLst>
+              <a:ext uri="{FF2B5EF4-FFF2-40B4-BE49-F238E27FC236}">
+                <a16:creationId xmlns:a16="http://schemas.microsoft.com/office/drawing/2014/main" id="{18BE1EAA-DA91-4B9A-837F-78A0ED20EE18}"/>
+              </a:ext>
+            </a:extLst>
+          </p:cNvPr>
+          <p:cNvSpPr txBox="1"/>
+          <p:nvPr/>
+        </p:nvSpPr>
+        <p:spPr>
+          <a:xfrm>
+            <a:off x="3294136" y="2482121"/>
+            <a:ext cx="958620" cy="1271872"/>
+          </a:xfrm>
+          <a:prstGeom prst="rect">
+            <a:avLst/>
+          </a:prstGeom>
+          <a:noFill/>
+        </p:spPr>
+        <p:txBody>
+          <a:bodyPr wrap="none" rtlCol="0">
+            <a:prstTxWarp prst="textPlain">
+              <a:avLst/>
+            </a:prstTxWarp>
+            <a:spAutoFit/>
+          </a:bodyPr>
+          <a:lstStyle/>
+          <a:p>
+            <a:pPr>
+              <a:lnSpc>
+                <a:spcPct val="120000"/>
+              </a:lnSpc>
+            </a:pPr>
+            <a:r>
+              <a:rPr lang="en-US" altLang="zh-CN" b="1" dirty="0">
+                <a:solidFill>
+                  <a:schemeClr val="tx2"/>
+                </a:solidFill>
+                <a:latin typeface="Impact" panose="020B0806030902050204" pitchFamily="34" charset="0"/>
+                <a:ea typeface="微软雅黑" panose="020B0503020204020204" pitchFamily="34" charset="-122"/>
+              </a:rPr>
+              <a:t>07</a:t>
+            </a:r>
+            <a:endParaRPr lang="zh-CN" altLang="en-US" b="1" dirty="0">
+              <a:solidFill>
+                <a:schemeClr val="tx2"/>
+              </a:solidFill>
+              <a:latin typeface="Impact" panose="020B0806030902050204" pitchFamily="34" charset="0"/>
+              <a:ea typeface="微软雅黑" panose="020B0503020204020204" pitchFamily="34" charset="-122"/>
+            </a:endParaRPr>
+          </a:p>
+        </p:txBody>
+      </p:sp>
+      <p:cxnSp>
+        <p:nvCxnSpPr>
+          <p:cNvPr id="7" name="直接连接符 6">
+            <a:extLst>
+              <a:ext uri="{FF2B5EF4-FFF2-40B4-BE49-F238E27FC236}">
+                <a16:creationId xmlns:a16="http://schemas.microsoft.com/office/drawing/2014/main" id="{BAB374A7-46FA-4001-98D2-9D2A4E9A7A15}"/>
+              </a:ext>
+            </a:extLst>
+          </p:cNvPr>
+          <p:cNvCxnSpPr>
+            <a:cxnSpLocks/>
+          </p:cNvCxnSpPr>
+          <p:nvPr/>
+        </p:nvCxnSpPr>
+        <p:spPr>
+          <a:xfrm>
+            <a:off x="4655673" y="2543881"/>
+            <a:ext cx="0" cy="1152144"/>
+          </a:xfrm>
+          <a:prstGeom prst="line">
+            <a:avLst/>
+          </a:prstGeom>
+          <a:ln w="15875">
+            <a:solidFill>
+              <a:schemeClr val="tx2"/>
+            </a:solidFill>
+          </a:ln>
+        </p:spPr>
+        <p:style>
+          <a:lnRef idx="1">
+            <a:schemeClr val="accent1"/>
+          </a:lnRef>
+          <a:fillRef idx="0">
+            <a:schemeClr val="accent1"/>
+          </a:fillRef>
+          <a:effectRef idx="0">
+            <a:schemeClr val="accent1"/>
+          </a:effectRef>
+          <a:fontRef idx="minor">
+            <a:schemeClr val="tx1"/>
+          </a:fontRef>
+        </p:style>
+      </p:cxnSp>
+    </p:spTree>
+    <p:extLst>
+      <p:ext uri="{BB962C8B-B14F-4D97-AF65-F5344CB8AC3E}">
+        <p14:creationId xmlns:p14="http://schemas.microsoft.com/office/powerpoint/2010/main" val="2816550468"/>
+      </p:ext>
+    </p:extLst>
+  </p:cSld>
+  <p:clrMapOvr>
+    <a:masterClrMapping/>
+  </p:clrMapOvr>
+</p:sld>
+</file>
+
+<file path=ppt/slides/slide22.xml><?xml version="1.0" encoding="utf-8"?>
+<p:sld xmlns:a="http://schemas.openxmlformats.org/drawingml/2006/main" xmlns:r="http://schemas.openxmlformats.org/officeDocument/2006/relationships" xmlns:p="http://schemas.openxmlformats.org/presentationml/2006/main">
+  <p:cSld>
+    <p:spTree>
+      <p:nvGrpSpPr>
+        <p:cNvPr id="1" name=""/>
+        <p:cNvGrpSpPr/>
+        <p:nvPr/>
+      </p:nvGrpSpPr>
+      <p:grpSpPr>
+        <a:xfrm>
+          <a:off x="0" y="0"/>
+          <a:ext cx="0" cy="0"/>
+          <a:chOff x="0" y="0"/>
+          <a:chExt cx="0" cy="0"/>
+        </a:xfrm>
+      </p:grpSpPr>
+      <p:sp>
+        <p:nvSpPr>
           <p:cNvPr id="4" name="标题 3">
             <a:extLst>
               <a:ext uri="{FF2B5EF4-FFF2-40B4-BE49-F238E27FC236}">
@@ -4590,17 +8255,22 @@
           <a:bodyPr/>
           <a:lstStyle/>
           <a:p>
+            <a:pPr>
+              <a:lnSpc>
+                <a:spcPct val="120000"/>
+              </a:lnSpc>
+            </a:pPr>
             <a:r>
               <a:rPr lang="zh-CN" altLang="en-US" dirty="0"/>
-              <a:t>应用场景</a:t>
+              <a:t>优势</a:t>
             </a:r>
             <a:r>
               <a:rPr lang="en-US" altLang="zh-CN" dirty="0"/>
-              <a:t>——</a:t>
+              <a:t>&amp;</a:t>
             </a:r>
             <a:r>
               <a:rPr lang="zh-CN" altLang="en-US" dirty="0"/>
-              <a:t>与企业版结合</a:t>
+              <a:t>潜在技术风险</a:t>
             </a:r>
           </a:p>
         </p:txBody>
@@ -4621,11 +8291,209 @@
             <p:ph idx="1"/>
           </p:nvPr>
         </p:nvSpPr>
-        <p:spPr/>
-        <p:txBody>
-          <a:bodyPr/>
+        <p:spPr>
+          <a:xfrm>
+            <a:off x="670718" y="1639765"/>
+            <a:ext cx="10850563" cy="4410161"/>
+          </a:xfrm>
+        </p:spPr>
+        <p:txBody>
+          <a:bodyPr>
+            <a:normAutofit/>
+          </a:bodyPr>
           <a:lstStyle/>
           <a:p>
+            <a:pPr>
+              <a:lnSpc>
+                <a:spcPct val="120000"/>
+              </a:lnSpc>
+              <a:spcBef>
+                <a:spcPct val="0"/>
+              </a:spcBef>
+            </a:pPr>
+            <a:r>
+              <a:rPr lang="zh-CN" altLang="en-US" dirty="0"/>
+              <a:t>优势</a:t>
+            </a:r>
+            <a:endParaRPr lang="en-US" altLang="zh-CN" dirty="0"/>
+          </a:p>
+          <a:p>
+            <a:pPr lvl="1">
+              <a:lnSpc>
+                <a:spcPct val="120000"/>
+              </a:lnSpc>
+              <a:spcBef>
+                <a:spcPct val="0"/>
+              </a:spcBef>
+            </a:pPr>
+            <a:r>
+              <a:rPr lang="zh-CN" altLang="en-US" dirty="0"/>
+              <a:t>通过机器学习的泛化能力解决目前技术存在的误报</a:t>
+            </a:r>
+            <a:endParaRPr lang="en-US" altLang="zh-CN" dirty="0"/>
+          </a:p>
+          <a:p>
+            <a:pPr lvl="1">
+              <a:lnSpc>
+                <a:spcPct val="120000"/>
+              </a:lnSpc>
+              <a:spcBef>
+                <a:spcPct val="0"/>
+              </a:spcBef>
+            </a:pPr>
+            <a:r>
+              <a:rPr lang="zh-CN" altLang="en-US" dirty="0"/>
+              <a:t>与众测结合形成闭环，为版本迭代提供持续有针对性的安全扫描</a:t>
+            </a:r>
+            <a:endParaRPr lang="en-US" altLang="zh-CN" dirty="0"/>
+          </a:p>
+          <a:p>
+            <a:pPr lvl="1">
+              <a:lnSpc>
+                <a:spcPct val="120000"/>
+              </a:lnSpc>
+              <a:spcBef>
+                <a:spcPct val="0"/>
+              </a:spcBef>
+            </a:pPr>
+            <a:endParaRPr lang="en-US" altLang="zh-CN" dirty="0"/>
+          </a:p>
+          <a:p>
+            <a:pPr>
+              <a:lnSpc>
+                <a:spcPct val="120000"/>
+              </a:lnSpc>
+              <a:spcBef>
+                <a:spcPct val="0"/>
+              </a:spcBef>
+            </a:pPr>
+            <a:r>
+              <a:rPr lang="zh-CN" altLang="en-US" dirty="0"/>
+              <a:t>潜在技术风险</a:t>
+            </a:r>
+            <a:endParaRPr lang="en-US" altLang="zh-CN" dirty="0"/>
+          </a:p>
+          <a:p>
+            <a:pPr lvl="1">
+              <a:lnSpc>
+                <a:spcPct val="120000"/>
+              </a:lnSpc>
+              <a:spcBef>
+                <a:spcPct val="0"/>
+              </a:spcBef>
+            </a:pPr>
+            <a:r>
+              <a:rPr lang="zh-CN" altLang="en-US" dirty="0"/>
+              <a:t>学术研究不一定适用于实际生产，</a:t>
+            </a:r>
+            <a:r>
+              <a:rPr lang="en-US" altLang="zh-CN" dirty="0"/>
+              <a:t>e.g.,</a:t>
+            </a:r>
+          </a:p>
+          <a:p>
+            <a:pPr lvl="2">
+              <a:lnSpc>
+                <a:spcPct val="120000"/>
+              </a:lnSpc>
+              <a:spcBef>
+                <a:spcPct val="0"/>
+              </a:spcBef>
+            </a:pPr>
+            <a:r>
+              <a:rPr lang="zh-CN" altLang="en-US" dirty="0"/>
+              <a:t>当前算法只针对简单</a:t>
+            </a:r>
+            <a:r>
+              <a:rPr lang="en-US" altLang="zh-CN" dirty="0"/>
+              <a:t>Web</a:t>
+            </a:r>
+            <a:r>
+              <a:rPr lang="zh-CN" altLang="en-US" dirty="0"/>
+              <a:t>漏洞，而当前软件开发者不再会犯简单的错误</a:t>
+            </a:r>
+            <a:endParaRPr lang="en-US" altLang="zh-CN" dirty="0"/>
+          </a:p>
+          <a:p>
+            <a:pPr lvl="2">
+              <a:lnSpc>
+                <a:spcPct val="120000"/>
+              </a:lnSpc>
+              <a:spcBef>
+                <a:spcPct val="0"/>
+              </a:spcBef>
+            </a:pPr>
+            <a:r>
+              <a:rPr lang="zh-CN" altLang="en-US" dirty="0"/>
+              <a:t>优化程序切片使之适应有一定规模的程序</a:t>
+            </a:r>
+            <a:endParaRPr lang="en-US" altLang="zh-CN" dirty="0"/>
+          </a:p>
+          <a:p>
+            <a:pPr lvl="1">
+              <a:lnSpc>
+                <a:spcPct val="120000"/>
+              </a:lnSpc>
+              <a:spcBef>
+                <a:spcPct val="0"/>
+              </a:spcBef>
+            </a:pPr>
+            <a:r>
+              <a:rPr lang="zh-CN" altLang="en-US" dirty="0"/>
+              <a:t>数据集太少</a:t>
+            </a:r>
+            <a:endParaRPr lang="en-US" altLang="zh-CN" dirty="0"/>
+          </a:p>
+          <a:p>
+            <a:pPr lvl="1">
+              <a:lnSpc>
+                <a:spcPct val="120000"/>
+              </a:lnSpc>
+              <a:spcBef>
+                <a:spcPct val="0"/>
+              </a:spcBef>
+            </a:pPr>
+            <a:r>
+              <a:rPr lang="zh-CN" altLang="en-US" dirty="0"/>
+              <a:t>正反例不均衡导致学习效果变差</a:t>
+            </a:r>
+            <a:endParaRPr lang="en-US" altLang="zh-CN" dirty="0"/>
+          </a:p>
+          <a:p>
+            <a:pPr lvl="1">
+              <a:lnSpc>
+                <a:spcPct val="120000"/>
+              </a:lnSpc>
+              <a:spcBef>
+                <a:spcPct val="0"/>
+              </a:spcBef>
+            </a:pPr>
+            <a:r>
+              <a:rPr lang="zh-CN" altLang="en-US" dirty="0"/>
+              <a:t>学习模块和检测模块分离带来的数据交换问题</a:t>
+            </a:r>
+            <a:endParaRPr lang="en-US" altLang="zh-CN" dirty="0"/>
+          </a:p>
+          <a:p>
+            <a:pPr lvl="1">
+              <a:lnSpc>
+                <a:spcPct val="120000"/>
+              </a:lnSpc>
+              <a:spcBef>
+                <a:spcPct val="0"/>
+              </a:spcBef>
+            </a:pPr>
+            <a:endParaRPr lang="en-US" altLang="zh-CN" dirty="0"/>
+          </a:p>
+          <a:p>
+            <a:pPr>
+              <a:lnSpc>
+                <a:spcPct val="120000"/>
+              </a:lnSpc>
+              <a:spcBef>
+                <a:spcPct val="0"/>
+              </a:spcBef>
+            </a:pPr>
             <a:endParaRPr lang="zh-CN" altLang="en-US" dirty="0"/>
           </a:p>
         </p:txBody>
@@ -4633,7 +8501,7 @@
     </p:spTree>
     <p:extLst>
       <p:ext uri="{BB962C8B-B14F-4D97-AF65-F5344CB8AC3E}">
-        <p14:creationId xmlns:p14="http://schemas.microsoft.com/office/powerpoint/2010/main" val="3304309786"/>
+        <p14:creationId xmlns:p14="http://schemas.microsoft.com/office/powerpoint/2010/main" val="833563403"/>
       </p:ext>
     </p:extLst>
   </p:cSld>
@@ -4643,7 +8511,7 @@
 </p:sld>
 </file>
 
-<file path=ppt/slides/slide16.xml><?xml version="1.0" encoding="utf-8"?>
+<file path=ppt/slides/slide23.xml><?xml version="1.0" encoding="utf-8"?>
 <p:sld xmlns:a="http://schemas.openxmlformats.org/drawingml/2006/main" xmlns:r="http://schemas.openxmlformats.org/officeDocument/2006/relationships" xmlns:p="http://schemas.openxmlformats.org/presentationml/2006/main">
   <p:cSld>
     <p:spTree>
@@ -4826,284 +8694,6 @@
 </p:sld>
 </file>
 
-<file path=ppt/slides/slide2.xml><?xml version="1.0" encoding="utf-8"?>
-<p:sld xmlns:a="http://schemas.openxmlformats.org/drawingml/2006/main" xmlns:r="http://schemas.openxmlformats.org/officeDocument/2006/relationships" xmlns:p="http://schemas.openxmlformats.org/presentationml/2006/main">
-  <p:cSld>
-    <p:spTree>
-      <p:nvGrpSpPr>
-        <p:cNvPr id="1" name=""/>
-        <p:cNvGrpSpPr/>
-        <p:nvPr/>
-      </p:nvGrpSpPr>
-      <p:grpSpPr>
-        <a:xfrm>
-          <a:off x="0" y="0"/>
-          <a:ext cx="0" cy="0"/>
-          <a:chOff x="0" y="0"/>
-          <a:chExt cx="0" cy="0"/>
-        </a:xfrm>
-      </p:grpSpPr>
-      <p:sp>
-        <p:nvSpPr>
-          <p:cNvPr id="8" name="矩形 7">
-            <a:extLst>
-              <a:ext uri="{FF2B5EF4-FFF2-40B4-BE49-F238E27FC236}">
-                <a16:creationId xmlns:a16="http://schemas.microsoft.com/office/drawing/2014/main" id="{D28A4DE6-CC58-47DF-A4F8-451A92F65A96}"/>
-              </a:ext>
-            </a:extLst>
-          </p:cNvPr>
-          <p:cNvSpPr/>
-          <p:nvPr/>
-        </p:nvSpPr>
-        <p:spPr>
-          <a:xfrm>
-            <a:off x="673100" y="2882900"/>
-            <a:ext cx="11518900" cy="1104900"/>
-          </a:xfrm>
-          <a:prstGeom prst="rect">
-            <a:avLst/>
-          </a:prstGeom>
-          <a:noFill/>
-          <a:ln>
-            <a:noFill/>
-          </a:ln>
-        </p:spPr>
-        <p:style>
-          <a:lnRef idx="2">
-            <a:schemeClr val="accent1">
-              <a:shade val="50000"/>
-            </a:schemeClr>
-          </a:lnRef>
-          <a:fillRef idx="1">
-            <a:schemeClr val="accent1"/>
-          </a:fillRef>
-          <a:effectRef idx="0">
-            <a:schemeClr val="accent1"/>
-          </a:effectRef>
-          <a:fontRef idx="minor">
-            <a:schemeClr val="lt1"/>
-          </a:fontRef>
-        </p:style>
-        <p:txBody>
-          <a:bodyPr rtlCol="0" anchor="ctr"/>
-          <a:lstStyle/>
-          <a:p>
-            <a:pPr algn="ctr">
-              <a:lnSpc>
-                <a:spcPct val="120000"/>
-              </a:lnSpc>
-            </a:pPr>
-            <a:endParaRPr lang="zh-CN" altLang="en-US"/>
-          </a:p>
-        </p:txBody>
-      </p:sp>
-      <p:sp>
-        <p:nvSpPr>
-          <p:cNvPr id="5" name="标题 4"/>
-          <p:cNvSpPr>
-            <a:spLocks noGrp="1"/>
-          </p:cNvSpPr>
-          <p:nvPr>
-            <p:ph type="title"/>
-          </p:nvPr>
-        </p:nvSpPr>
-        <p:spPr>
-          <a:xfrm>
-            <a:off x="4812030" y="2341043"/>
-            <a:ext cx="4535055" cy="656792"/>
-          </a:xfrm>
-        </p:spPr>
-        <p:txBody>
-          <a:bodyPr anchor="b">
-            <a:normAutofit/>
-          </a:bodyPr>
-          <a:lstStyle/>
-          <a:p>
-            <a:pPr>
-              <a:lnSpc>
-                <a:spcPct val="120000"/>
-              </a:lnSpc>
-            </a:pPr>
-            <a:r>
-              <a:rPr lang="zh-CN" altLang="en-US" sz="2200" b="0" dirty="0">
-                <a:solidFill>
-                  <a:schemeClr val="tx2"/>
-                </a:solidFill>
-              </a:rPr>
-              <a:t>研究意义</a:t>
-            </a:r>
-            <a:endParaRPr lang="zh-CN" altLang="en-US" b="0" dirty="0">
-              <a:solidFill>
-                <a:schemeClr val="tx2"/>
-              </a:solidFill>
-            </a:endParaRPr>
-          </a:p>
-        </p:txBody>
-      </p:sp>
-      <p:sp>
-        <p:nvSpPr>
-          <p:cNvPr id="6" name="文本占位符 5"/>
-          <p:cNvSpPr>
-            <a:spLocks noGrp="1"/>
-          </p:cNvSpPr>
-          <p:nvPr>
-            <p:ph type="body" idx="1"/>
-          </p:nvPr>
-        </p:nvSpPr>
-        <p:spPr>
-          <a:xfrm>
-            <a:off x="4806257" y="3115250"/>
-            <a:ext cx="4546600" cy="1015623"/>
-          </a:xfrm>
-        </p:spPr>
-        <p:txBody>
-          <a:bodyPr/>
-          <a:lstStyle/>
-          <a:p>
-            <a:pPr marL="171450" lvl="0" indent="-171450">
-              <a:lnSpc>
-                <a:spcPct val="120000"/>
-              </a:lnSpc>
-              <a:spcBef>
-                <a:spcPts val="0"/>
-              </a:spcBef>
-              <a:buFont typeface="Arial" panose="020B0604020202020204" pitchFamily="34" charset="0"/>
-              <a:buChar char="•"/>
-            </a:pPr>
-            <a:r>
-              <a:rPr lang="en-US" altLang="zh-CN" dirty="0">
-                <a:solidFill>
-                  <a:schemeClr val="tx1">
-                    <a:lumMod val="95000"/>
-                    <a:lumOff val="5000"/>
-                  </a:schemeClr>
-                </a:solidFill>
-              </a:rPr>
-              <a:t>Motivation</a:t>
-            </a:r>
-            <a:endParaRPr lang="zh-CN" altLang="en-US" dirty="0">
-              <a:solidFill>
-                <a:schemeClr val="tx1">
-                  <a:lumMod val="95000"/>
-                  <a:lumOff val="5000"/>
-                </a:schemeClr>
-              </a:solidFill>
-            </a:endParaRPr>
-          </a:p>
-        </p:txBody>
-      </p:sp>
-      <p:sp>
-        <p:nvSpPr>
-          <p:cNvPr id="17" name="文本框 16">
-            <a:extLst>
-              <a:ext uri="{FF2B5EF4-FFF2-40B4-BE49-F238E27FC236}">
-                <a16:creationId xmlns:a16="http://schemas.microsoft.com/office/drawing/2014/main" id="{18BE1EAA-DA91-4B9A-837F-78A0ED20EE18}"/>
-              </a:ext>
-            </a:extLst>
-          </p:cNvPr>
-          <p:cNvSpPr txBox="1"/>
-          <p:nvPr/>
-        </p:nvSpPr>
-        <p:spPr>
-          <a:xfrm>
-            <a:off x="3294136" y="2482121"/>
-            <a:ext cx="958620" cy="1271872"/>
-          </a:xfrm>
-          <a:prstGeom prst="rect">
-            <a:avLst/>
-          </a:prstGeom>
-          <a:noFill/>
-        </p:spPr>
-        <p:txBody>
-          <a:bodyPr wrap="none" rtlCol="0">
-            <a:prstTxWarp prst="textPlain">
-              <a:avLst/>
-            </a:prstTxWarp>
-            <a:spAutoFit/>
-          </a:bodyPr>
-          <a:lstStyle/>
-          <a:p>
-            <a:pPr>
-              <a:lnSpc>
-                <a:spcPct val="120000"/>
-              </a:lnSpc>
-            </a:pPr>
-            <a:r>
-              <a:rPr lang="en-US" altLang="zh-CN" b="1" dirty="0">
-                <a:solidFill>
-                  <a:schemeClr val="tx2"/>
-                </a:solidFill>
-                <a:latin typeface="Impact" panose="020B0806030902050204" pitchFamily="34" charset="0"/>
-                <a:ea typeface="微软雅黑" panose="020B0503020204020204" pitchFamily="34" charset="-122"/>
-              </a:rPr>
-              <a:t>01</a:t>
-            </a:r>
-            <a:endParaRPr lang="zh-CN" altLang="en-US" b="1" dirty="0">
-              <a:solidFill>
-                <a:schemeClr val="tx2"/>
-              </a:solidFill>
-              <a:latin typeface="Impact" panose="020B0806030902050204" pitchFamily="34" charset="0"/>
-              <a:ea typeface="微软雅黑" panose="020B0503020204020204" pitchFamily="34" charset="-122"/>
-            </a:endParaRPr>
-          </a:p>
-        </p:txBody>
-      </p:sp>
-      <p:cxnSp>
-        <p:nvCxnSpPr>
-          <p:cNvPr id="7" name="直接连接符 6">
-            <a:extLst>
-              <a:ext uri="{FF2B5EF4-FFF2-40B4-BE49-F238E27FC236}">
-                <a16:creationId xmlns:a16="http://schemas.microsoft.com/office/drawing/2014/main" id="{BAB374A7-46FA-4001-98D2-9D2A4E9A7A15}"/>
-              </a:ext>
-            </a:extLst>
-          </p:cNvPr>
-          <p:cNvCxnSpPr>
-            <a:cxnSpLocks/>
-          </p:cNvCxnSpPr>
-          <p:nvPr/>
-        </p:nvCxnSpPr>
-        <p:spPr>
-          <a:xfrm>
-            <a:off x="4655673" y="2543881"/>
-            <a:ext cx="0" cy="1152144"/>
-          </a:xfrm>
-          <a:prstGeom prst="line">
-            <a:avLst/>
-          </a:prstGeom>
-          <a:ln w="15875">
-            <a:solidFill>
-              <a:schemeClr val="tx2"/>
-            </a:solidFill>
-          </a:ln>
-        </p:spPr>
-        <p:style>
-          <a:lnRef idx="1">
-            <a:schemeClr val="accent1"/>
-          </a:lnRef>
-          <a:fillRef idx="0">
-            <a:schemeClr val="accent1"/>
-          </a:fillRef>
-          <a:effectRef idx="0">
-            <a:schemeClr val="accent1"/>
-          </a:effectRef>
-          <a:fontRef idx="minor">
-            <a:schemeClr val="tx1"/>
-          </a:fontRef>
-        </p:style>
-      </p:cxnSp>
-    </p:spTree>
-    <p:extLst>
-      <p:ext uri="{BB962C8B-B14F-4D97-AF65-F5344CB8AC3E}">
-        <p14:creationId xmlns:p14="http://schemas.microsoft.com/office/powerpoint/2010/main" val="2371597387"/>
-      </p:ext>
-    </p:extLst>
-  </p:cSld>
-  <p:clrMapOvr>
-    <a:masterClrMapping/>
-  </p:clrMapOvr>
-</p:sld>
-</file>
-
 <file path=ppt/slides/slide3.xml><?xml version="1.0" encoding="utf-8"?>
 <p:sld xmlns:a="http://schemas.openxmlformats.org/drawingml/2006/main" xmlns:r="http://schemas.openxmlformats.org/officeDocument/2006/relationships" xmlns:p="http://schemas.openxmlformats.org/presentationml/2006/main">
   <p:cSld>
@@ -5168,10 +8758,6 @@
                 <a:spcPct val="120000"/>
               </a:lnSpc>
             </a:pPr>
-            <a:r>
-              <a:rPr lang="en-US" altLang="zh-CN"/>
-              <a:t>www.islide.cc </a:t>
-            </a:r>
             <a:endParaRPr lang="zh-CN" altLang="en-US" dirty="0"/>
           </a:p>
         </p:txBody>
@@ -5224,7 +8810,7 @@
         <p:spPr>
           <a:xfrm>
             <a:off x="669926" y="1131888"/>
-            <a:ext cx="10850562" cy="728533"/>
+            <a:ext cx="9143925" cy="728533"/>
           </a:xfrm>
           <a:prstGeom prst="rect">
             <a:avLst/>
@@ -5244,7 +8830,7 @@
             </a:pPr>
             <a:r>
               <a:rPr lang="zh-CN" altLang="en-US" dirty="0"/>
-              <a:t>现有技术需要大量人工写规则，该工作是枯燥且困难的</a:t>
+              <a:t>现有工具需要大量人工写规则，该工作是枯燥且困难的</a:t>
             </a:r>
             <a:r>
               <a:rPr lang="en-US" altLang="zh-CN" dirty="0"/>
@@ -5259,7 +8845,7 @@
             </a:pPr>
             <a:r>
               <a:rPr lang="zh-CN" altLang="en-US" dirty="0"/>
-              <a:t>现有技术存在漏报（少量）和误报（大量）</a:t>
+              <a:t>现有工具存在漏报（少量）和误报（大量）</a:t>
             </a:r>
             <a:r>
               <a:rPr lang="en-US" altLang="zh-CN" dirty="0"/>
@@ -5385,8 +8971,8 @@
         </p:nvSpPr>
         <p:spPr>
           <a:xfrm>
-            <a:off x="669130" y="1860421"/>
-            <a:ext cx="10849768" cy="3360920"/>
+            <a:off x="777045" y="1901948"/>
+            <a:ext cx="9036806" cy="3385799"/>
           </a:xfrm>
           <a:prstGeom prst="rect">
             <a:avLst/>
@@ -5394,7 +8980,7 @@
           <a:noFill/>
         </p:spPr>
         <p:txBody>
-          <a:bodyPr wrap="square" rtlCol="0">
+          <a:bodyPr wrap="square" numCol="1" rtlCol="0">
             <a:spAutoFit/>
           </a:bodyPr>
           <a:lstStyle/>
@@ -5406,7 +8992,23 @@
             </a:pPr>
             <a:r>
               <a:rPr lang="zh-CN" altLang="en-US" dirty="0"/>
-              <a:t>基于模式匹配的检测工具：</a:t>
+              <a:t>基于模式匹配的检测工具</a:t>
+            </a:r>
+            <a:r>
+              <a:rPr lang="en-US" altLang="zh-CN" dirty="0"/>
+              <a:t>(</a:t>
+            </a:r>
+            <a:r>
+              <a:rPr lang="zh-CN" altLang="en-US" dirty="0"/>
+              <a:t>词法分析技术</a:t>
+            </a:r>
+            <a:r>
+              <a:rPr lang="en-US" altLang="zh-CN" dirty="0"/>
+              <a:t>)</a:t>
+            </a:r>
+            <a:r>
+              <a:rPr lang="zh-CN" altLang="en-US" dirty="0"/>
+              <a:t>：</a:t>
             </a:r>
             <a:endParaRPr lang="en-US" altLang="zh-CN" dirty="0"/>
           </a:p>
@@ -5430,14 +9032,6 @@
                 <a:spcPct val="120000"/>
               </a:lnSpc>
             </a:pPr>
-            <a:endParaRPr lang="en-US" altLang="zh-CN" dirty="0"/>
-          </a:p>
-          <a:p>
-            <a:pPr>
-              <a:lnSpc>
-                <a:spcPct val="120000"/>
-              </a:lnSpc>
-            </a:pPr>
             <a:r>
               <a:rPr lang="zh-CN" altLang="en-US" dirty="0"/>
               <a:t>基于数据流</a:t>
@@ -5452,7 +9046,15 @@
             </a:r>
             <a:r>
               <a:rPr lang="en-US" altLang="zh-CN" dirty="0"/>
-              <a:t>[3]</a:t>
+              <a:t>[3](</a:t>
+            </a:r>
+            <a:r>
+              <a:rPr lang="zh-CN" altLang="en-US" dirty="0"/>
+              <a:t>程序模拟技术</a:t>
+            </a:r>
+            <a:r>
+              <a:rPr lang="en-US" altLang="zh-CN" dirty="0"/>
+              <a:t>)</a:t>
             </a:r>
             <a:r>
               <a:rPr lang="zh-CN" altLang="en-US" dirty="0"/>
@@ -5552,12 +9154,56 @@
               <a:rPr lang="zh-CN" altLang="en-US" dirty="0"/>
               <a:t>污染源实际上没有被污染</a:t>
             </a:r>
-          </a:p>
-          <a:p>
+            <a:endParaRPr lang="en-US" altLang="zh-CN" dirty="0"/>
+          </a:p>
+          <a:p>
+            <a:pPr>
+              <a:lnSpc>
+                <a:spcPct val="120000"/>
+              </a:lnSpc>
+            </a:pPr>
+            <a:endParaRPr lang="en-US" altLang="zh-CN" dirty="0"/>
+          </a:p>
+          <a:p>
+            <a:pPr>
+              <a:lnSpc>
+                <a:spcPct val="120000"/>
+              </a:lnSpc>
+            </a:pPr>
             <a:endParaRPr lang="zh-CN" altLang="en-US" dirty="0"/>
           </a:p>
         </p:txBody>
       </p:sp>
+      <p:pic>
+        <p:nvPicPr>
+          <p:cNvPr id="6" name="图片 5">
+            <a:extLst>
+              <a:ext uri="{FF2B5EF4-FFF2-40B4-BE49-F238E27FC236}">
+                <a16:creationId xmlns:a16="http://schemas.microsoft.com/office/drawing/2014/main" id="{CF1FD6A5-9419-431A-8BA6-161B78348A4B}"/>
+              </a:ext>
+            </a:extLst>
+          </p:cNvPr>
+          <p:cNvPicPr>
+            <a:picLocks noChangeAspect="1"/>
+          </p:cNvPicPr>
+          <p:nvPr/>
+        </p:nvPicPr>
+        <p:blipFill>
+          <a:blip r:embed="rId3"/>
+          <a:stretch>
+            <a:fillRect/>
+          </a:stretch>
+        </p:blipFill>
+        <p:spPr>
+          <a:xfrm>
+            <a:off x="6527055" y="1608438"/>
+            <a:ext cx="4887900" cy="2769095"/>
+          </a:xfrm>
+          <a:prstGeom prst="rect">
+            <a:avLst/>
+          </a:prstGeom>
+        </p:spPr>
+      </p:pic>
     </p:spTree>
     <p:extLst>
       <p:ext uri="{BB962C8B-B14F-4D97-AF65-F5344CB8AC3E}">
@@ -5590,6 +9236,351 @@
       </p:grpSpPr>
       <p:sp>
         <p:nvSpPr>
+          <p:cNvPr id="2" name="标题 1"/>
+          <p:cNvSpPr>
+            <a:spLocks noGrp="1"/>
+          </p:cNvSpPr>
+          <p:nvPr>
+            <p:ph type="title"/>
+          </p:nvPr>
+        </p:nvSpPr>
+        <p:spPr/>
+        <p:txBody>
+          <a:bodyPr/>
+          <a:lstStyle/>
+          <a:p>
+            <a:pPr>
+              <a:lnSpc>
+                <a:spcPct val="120000"/>
+              </a:lnSpc>
+            </a:pPr>
+            <a:r>
+              <a:rPr lang="zh-CN" altLang="en-US" dirty="0"/>
+              <a:t>工程意义</a:t>
+            </a:r>
+          </a:p>
+        </p:txBody>
+      </p:sp>
+      <p:sp>
+        <p:nvSpPr>
+          <p:cNvPr id="3" name="页脚占位符 2"/>
+          <p:cNvSpPr>
+            <a:spLocks noGrp="1"/>
+          </p:cNvSpPr>
+          <p:nvPr>
+            <p:ph type="ftr" sz="quarter" idx="11"/>
+          </p:nvPr>
+        </p:nvSpPr>
+        <p:spPr/>
+        <p:txBody>
+          <a:bodyPr/>
+          <a:lstStyle/>
+          <a:p>
+            <a:pPr>
+              <a:lnSpc>
+                <a:spcPct val="120000"/>
+              </a:lnSpc>
+            </a:pPr>
+            <a:endParaRPr lang="zh-CN" altLang="en-US" dirty="0"/>
+          </a:p>
+        </p:txBody>
+      </p:sp>
+      <p:sp>
+        <p:nvSpPr>
+          <p:cNvPr id="4" name="灯片编号占位符 3"/>
+          <p:cNvSpPr>
+            <a:spLocks noGrp="1"/>
+          </p:cNvSpPr>
+          <p:nvPr>
+            <p:ph type="sldNum" sz="quarter" idx="12"/>
+          </p:nvPr>
+        </p:nvSpPr>
+        <p:spPr/>
+        <p:txBody>
+          <a:bodyPr/>
+          <a:lstStyle/>
+          <a:p>
+            <a:pPr>
+              <a:lnSpc>
+                <a:spcPct val="120000"/>
+              </a:lnSpc>
+            </a:pPr>
+            <a:fld id="{5DD3DB80-B894-403A-B48E-6FDC1A72010E}" type="slidenum">
+              <a:rPr lang="zh-CN" altLang="en-US" smtClean="0"/>
+              <a:pPr>
+                <a:lnSpc>
+                  <a:spcPct val="120000"/>
+                </a:lnSpc>
+              </a:pPr>
+              <a:t>4</a:t>
+            </a:fld>
+            <a:endParaRPr lang="zh-CN" altLang="en-US"/>
+          </a:p>
+        </p:txBody>
+      </p:sp>
+      <p:sp>
+        <p:nvSpPr>
+          <p:cNvPr id="5" name="文本框 4">
+            <a:extLst>
+              <a:ext uri="{FF2B5EF4-FFF2-40B4-BE49-F238E27FC236}">
+                <a16:creationId xmlns:a16="http://schemas.microsoft.com/office/drawing/2014/main" id="{4A13CD40-387B-44A2-A4E5-6CD812F202CC}"/>
+              </a:ext>
+            </a:extLst>
+          </p:cNvPr>
+          <p:cNvSpPr txBox="1"/>
+          <p:nvPr/>
+        </p:nvSpPr>
+        <p:spPr>
+          <a:xfrm>
+            <a:off x="669925" y="2324007"/>
+            <a:ext cx="4869638" cy="1059008"/>
+          </a:xfrm>
+          <a:prstGeom prst="rect">
+            <a:avLst/>
+          </a:prstGeom>
+          <a:noFill/>
+        </p:spPr>
+        <p:txBody>
+          <a:bodyPr wrap="square" rtlCol="0">
+            <a:spAutoFit/>
+          </a:bodyPr>
+          <a:lstStyle/>
+          <a:p>
+            <a:pPr>
+              <a:lnSpc>
+                <a:spcPct val="120000"/>
+              </a:lnSpc>
+            </a:pPr>
+            <a:r>
+              <a:rPr lang="zh-CN" altLang="en-US" dirty="0"/>
+              <a:t>市场上没有基于深度学习的漏洞扫描系统</a:t>
+            </a:r>
+            <a:endParaRPr lang="en-US" altLang="zh-CN" dirty="0"/>
+          </a:p>
+          <a:p>
+            <a:pPr marL="342900" indent="-342900">
+              <a:lnSpc>
+                <a:spcPct val="120000"/>
+              </a:lnSpc>
+              <a:buAutoNum type="arabicPeriod"/>
+            </a:pPr>
+            <a:r>
+              <a:rPr lang="zh-CN" altLang="en-US" dirty="0"/>
+              <a:t>没有大量数据集，无法训练出稳定的模型</a:t>
+            </a:r>
+            <a:endParaRPr lang="en-US" altLang="zh-CN" dirty="0"/>
+          </a:p>
+          <a:p>
+            <a:pPr marL="342900" indent="-342900">
+              <a:lnSpc>
+                <a:spcPct val="120000"/>
+              </a:lnSpc>
+              <a:buAutoNum type="arabicPeriod"/>
+            </a:pPr>
+            <a:r>
+              <a:rPr lang="zh-CN" altLang="en-US" dirty="0"/>
+              <a:t>检测效果不稳定</a:t>
+            </a:r>
+            <a:endParaRPr lang="en-US" altLang="zh-CN" dirty="0"/>
+          </a:p>
+        </p:txBody>
+      </p:sp>
+      <p:pic>
+        <p:nvPicPr>
+          <p:cNvPr id="6" name="图片 5">
+            <a:extLst>
+              <a:ext uri="{FF2B5EF4-FFF2-40B4-BE49-F238E27FC236}">
+                <a16:creationId xmlns:a16="http://schemas.microsoft.com/office/drawing/2014/main" id="{54EB5606-D7E2-44B9-A7A3-80FAE480DF17}"/>
+              </a:ext>
+            </a:extLst>
+          </p:cNvPr>
+          <p:cNvPicPr>
+            <a:picLocks noChangeAspect="1"/>
+          </p:cNvPicPr>
+          <p:nvPr/>
+        </p:nvPicPr>
+        <p:blipFill>
+          <a:blip r:embed="rId3">
+            <a:clrChange>
+              <a:clrFrom>
+                <a:srgbClr val="E8EBEE"/>
+              </a:clrFrom>
+              <a:clrTo>
+                <a:srgbClr val="E8EBEE">
+                  <a:alpha val="0"/>
+                </a:srgbClr>
+              </a:clrTo>
+            </a:clrChange>
+          </a:blip>
+          <a:stretch>
+            <a:fillRect/>
+          </a:stretch>
+        </p:blipFill>
+        <p:spPr>
+          <a:xfrm>
+            <a:off x="4810125" y="5105645"/>
+            <a:ext cx="5900771" cy="703343"/>
+          </a:xfrm>
+          <a:prstGeom prst="rect">
+            <a:avLst/>
+          </a:prstGeom>
+        </p:spPr>
+      </p:pic>
+      <p:pic>
+        <p:nvPicPr>
+          <p:cNvPr id="7" name="图片 6">
+            <a:extLst>
+              <a:ext uri="{FF2B5EF4-FFF2-40B4-BE49-F238E27FC236}">
+                <a16:creationId xmlns:a16="http://schemas.microsoft.com/office/drawing/2014/main" id="{EAC96368-C86F-452C-BB97-CA7E4AC6C4ED}"/>
+              </a:ext>
+            </a:extLst>
+          </p:cNvPr>
+          <p:cNvPicPr>
+            <a:picLocks noChangeAspect="1"/>
+          </p:cNvPicPr>
+          <p:nvPr/>
+        </p:nvPicPr>
+        <p:blipFill>
+          <a:blip r:embed="rId4">
+            <a:clrChange>
+              <a:clrFrom>
+                <a:srgbClr val="FFFFFF"/>
+              </a:clrFrom>
+              <a:clrTo>
+                <a:srgbClr val="FFFFFF">
+                  <a:alpha val="0"/>
+                </a:srgbClr>
+              </a:clrTo>
+            </a:clrChange>
+          </a:blip>
+          <a:stretch>
+            <a:fillRect/>
+          </a:stretch>
+        </p:blipFill>
+        <p:spPr>
+          <a:xfrm>
+            <a:off x="7070651" y="3527265"/>
+            <a:ext cx="4359154" cy="1056848"/>
+          </a:xfrm>
+          <a:prstGeom prst="rect">
+            <a:avLst/>
+          </a:prstGeom>
+        </p:spPr>
+      </p:pic>
+      <p:pic>
+        <p:nvPicPr>
+          <p:cNvPr id="8" name="图片 7">
+            <a:extLst>
+              <a:ext uri="{FF2B5EF4-FFF2-40B4-BE49-F238E27FC236}">
+                <a16:creationId xmlns:a16="http://schemas.microsoft.com/office/drawing/2014/main" id="{686B9613-BD80-416E-B1E6-1CC971CB69AD}"/>
+              </a:ext>
+            </a:extLst>
+          </p:cNvPr>
+          <p:cNvPicPr>
+            <a:picLocks noChangeAspect="1"/>
+          </p:cNvPicPr>
+          <p:nvPr/>
+        </p:nvPicPr>
+        <p:blipFill>
+          <a:blip r:embed="rId5">
+            <a:clrChange>
+              <a:clrFrom>
+                <a:srgbClr val="FFFFFF"/>
+              </a:clrFrom>
+              <a:clrTo>
+                <a:srgbClr val="FFFFFF">
+                  <a:alpha val="0"/>
+                </a:srgbClr>
+              </a:clrTo>
+            </a:clrChange>
+          </a:blip>
+          <a:stretch>
+            <a:fillRect/>
+          </a:stretch>
+        </p:blipFill>
+        <p:spPr>
+          <a:xfrm>
+            <a:off x="5617339" y="2213156"/>
+            <a:ext cx="5514753" cy="1276825"/>
+          </a:xfrm>
+          <a:prstGeom prst="rect">
+            <a:avLst/>
+          </a:prstGeom>
+        </p:spPr>
+      </p:pic>
+      <p:pic>
+        <p:nvPicPr>
+          <p:cNvPr id="9" name="图片 8">
+            <a:extLst>
+              <a:ext uri="{FF2B5EF4-FFF2-40B4-BE49-F238E27FC236}">
+                <a16:creationId xmlns:a16="http://schemas.microsoft.com/office/drawing/2014/main" id="{5CA05938-8203-4CB8-B566-5C9D7E436E31}"/>
+              </a:ext>
+            </a:extLst>
+          </p:cNvPr>
+          <p:cNvPicPr>
+            <a:picLocks noChangeAspect="1"/>
+          </p:cNvPicPr>
+          <p:nvPr/>
+        </p:nvPicPr>
+        <p:blipFill>
+          <a:blip r:embed="rId6">
+            <a:clrChange>
+              <a:clrFrom>
+                <a:srgbClr val="FFFFFF"/>
+              </a:clrFrom>
+              <a:clrTo>
+                <a:srgbClr val="FFFFFF">
+                  <a:alpha val="0"/>
+                </a:srgbClr>
+              </a:clrTo>
+            </a:clrChange>
+          </a:blip>
+          <a:stretch>
+            <a:fillRect/>
+          </a:stretch>
+        </p:blipFill>
+        <p:spPr>
+          <a:xfrm>
+            <a:off x="2314549" y="4084290"/>
+            <a:ext cx="4359154" cy="653236"/>
+          </a:xfrm>
+          <a:prstGeom prst="rect">
+            <a:avLst/>
+          </a:prstGeom>
+        </p:spPr>
+      </p:pic>
+    </p:spTree>
+    <p:extLst>
+      <p:ext uri="{BB962C8B-B14F-4D97-AF65-F5344CB8AC3E}">
+        <p14:creationId xmlns:p14="http://schemas.microsoft.com/office/powerpoint/2010/main" val="2677631514"/>
+      </p:ext>
+    </p:extLst>
+  </p:cSld>
+  <p:clrMapOvr>
+    <a:masterClrMapping/>
+  </p:clrMapOvr>
+</p:sld>
+</file>
+
+<file path=ppt/slides/slide5.xml><?xml version="1.0" encoding="utf-8"?>
+<p:sld xmlns:a="http://schemas.openxmlformats.org/drawingml/2006/main" xmlns:r="http://schemas.openxmlformats.org/officeDocument/2006/relationships" xmlns:p="http://schemas.openxmlformats.org/presentationml/2006/main">
+  <p:cSld>
+    <p:spTree>
+      <p:nvGrpSpPr>
+        <p:cNvPr id="1" name=""/>
+        <p:cNvGrpSpPr/>
+        <p:nvPr/>
+      </p:nvGrpSpPr>
+      <p:grpSpPr>
+        <a:xfrm>
+          <a:off x="0" y="0"/>
+          <a:ext cx="0" cy="0"/>
+          <a:chOff x="0" y="0"/>
+          <a:chExt cx="0" cy="0"/>
+        </a:xfrm>
+      </p:grpSpPr>
+      <p:sp>
+        <p:nvSpPr>
           <p:cNvPr id="2" name="标题 1">
             <a:extLst>
               <a:ext uri="{FF2B5EF4-FFF2-40B4-BE49-F238E27FC236}">
@@ -5647,10 +9638,6 @@
                 <a:spcPct val="120000"/>
               </a:lnSpc>
             </a:pPr>
-            <a:r>
-              <a:rPr lang="en-US" altLang="zh-CN"/>
-              <a:t>www.islide.cc </a:t>
-            </a:r>
             <a:endParaRPr lang="zh-CN" altLang="en-US" dirty="0"/>
           </a:p>
         </p:txBody>
@@ -5688,7 +9675,7 @@
                   <a:spcPct val="120000"/>
                 </a:lnSpc>
               </a:pPr>
-              <a:t>4</a:t>
+              <a:t>5</a:t>
             </a:fld>
             <a:endParaRPr lang="zh-CN" altLang="en-US"/>
           </a:p>
@@ -5810,7 +9797,743 @@
 </p:sld>
 </file>
 
-<file path=ppt/slides/slide5.xml><?xml version="1.0" encoding="utf-8"?>
+<file path=ppt/slides/slide6.xml><?xml version="1.0" encoding="utf-8"?>
+<p:sld xmlns:a="http://schemas.openxmlformats.org/drawingml/2006/main" xmlns:r="http://schemas.openxmlformats.org/officeDocument/2006/relationships" xmlns:p="http://schemas.openxmlformats.org/presentationml/2006/main">
+  <p:cSld>
+    <p:spTree>
+      <p:nvGrpSpPr>
+        <p:cNvPr id="1" name=""/>
+        <p:cNvGrpSpPr/>
+        <p:nvPr/>
+      </p:nvGrpSpPr>
+      <p:grpSpPr>
+        <a:xfrm>
+          <a:off x="0" y="0"/>
+          <a:ext cx="0" cy="0"/>
+          <a:chOff x="0" y="0"/>
+          <a:chExt cx="0" cy="0"/>
+        </a:xfrm>
+      </p:grpSpPr>
+      <p:sp>
+        <p:nvSpPr>
+          <p:cNvPr id="2" name="标题 1">
+            <a:extLst>
+              <a:ext uri="{FF2B5EF4-FFF2-40B4-BE49-F238E27FC236}">
+                <a16:creationId xmlns:a16="http://schemas.microsoft.com/office/drawing/2014/main" id="{5B84DEC5-520C-47D3-930E-67AEC855DFE2}"/>
+              </a:ext>
+            </a:extLst>
+          </p:cNvPr>
+          <p:cNvSpPr>
+            <a:spLocks noGrp="1"/>
+          </p:cNvSpPr>
+          <p:nvPr>
+            <p:ph type="title"/>
+          </p:nvPr>
+        </p:nvSpPr>
+        <p:spPr/>
+        <p:txBody>
+          <a:bodyPr/>
+          <a:lstStyle/>
+          <a:p>
+            <a:pPr>
+              <a:lnSpc>
+                <a:spcPct val="120000"/>
+              </a:lnSpc>
+            </a:pPr>
+            <a:r>
+              <a:rPr lang="zh-CN" altLang="en-US" dirty="0"/>
+              <a:t>举个例子</a:t>
+            </a:r>
+            <a:r>
+              <a:rPr lang="en-US" altLang="zh-CN" dirty="0"/>
+              <a:t>2</a:t>
+            </a:r>
+            <a:endParaRPr lang="zh-CN" altLang="en-US" dirty="0"/>
+          </a:p>
+        </p:txBody>
+      </p:sp>
+      <p:sp>
+        <p:nvSpPr>
+          <p:cNvPr id="3" name="页脚占位符 2">
+            <a:extLst>
+              <a:ext uri="{FF2B5EF4-FFF2-40B4-BE49-F238E27FC236}">
+                <a16:creationId xmlns:a16="http://schemas.microsoft.com/office/drawing/2014/main" id="{81FFF01B-E510-44F4-BF8E-A66E7CBFF988}"/>
+              </a:ext>
+            </a:extLst>
+          </p:cNvPr>
+          <p:cNvSpPr>
+            <a:spLocks noGrp="1"/>
+          </p:cNvSpPr>
+          <p:nvPr>
+            <p:ph type="ftr" sz="quarter" idx="11"/>
+          </p:nvPr>
+        </p:nvSpPr>
+        <p:spPr/>
+        <p:txBody>
+          <a:bodyPr/>
+          <a:lstStyle/>
+          <a:p>
+            <a:pPr>
+              <a:lnSpc>
+                <a:spcPct val="120000"/>
+              </a:lnSpc>
+            </a:pPr>
+            <a:endParaRPr lang="zh-CN" altLang="en-US" dirty="0"/>
+          </a:p>
+        </p:txBody>
+      </p:sp>
+      <p:sp>
+        <p:nvSpPr>
+          <p:cNvPr id="4" name="灯片编号占位符 3">
+            <a:extLst>
+              <a:ext uri="{FF2B5EF4-FFF2-40B4-BE49-F238E27FC236}">
+                <a16:creationId xmlns:a16="http://schemas.microsoft.com/office/drawing/2014/main" id="{85CCE5AC-52DF-4D9F-B487-75CB8811EF8A}"/>
+              </a:ext>
+            </a:extLst>
+          </p:cNvPr>
+          <p:cNvSpPr>
+            <a:spLocks noGrp="1"/>
+          </p:cNvSpPr>
+          <p:nvPr>
+            <p:ph type="sldNum" sz="quarter" idx="12"/>
+          </p:nvPr>
+        </p:nvSpPr>
+        <p:spPr/>
+        <p:txBody>
+          <a:bodyPr/>
+          <a:lstStyle/>
+          <a:p>
+            <a:pPr>
+              <a:lnSpc>
+                <a:spcPct val="120000"/>
+              </a:lnSpc>
+            </a:pPr>
+            <a:fld id="{5DD3DB80-B894-403A-B48E-6FDC1A72010E}" type="slidenum">
+              <a:rPr lang="zh-CN" altLang="en-US" smtClean="0"/>
+              <a:pPr>
+                <a:lnSpc>
+                  <a:spcPct val="120000"/>
+                </a:lnSpc>
+              </a:pPr>
+              <a:t>6</a:t>
+            </a:fld>
+            <a:endParaRPr lang="zh-CN" altLang="en-US"/>
+          </a:p>
+        </p:txBody>
+      </p:sp>
+      <p:sp>
+        <p:nvSpPr>
+          <p:cNvPr id="15" name="矩形 14">
+            <a:extLst>
+              <a:ext uri="{FF2B5EF4-FFF2-40B4-BE49-F238E27FC236}">
+                <a16:creationId xmlns:a16="http://schemas.microsoft.com/office/drawing/2014/main" id="{7BCCFD93-57EF-4F08-A198-89561E85CF7D}"/>
+              </a:ext>
+            </a:extLst>
+          </p:cNvPr>
+          <p:cNvSpPr/>
+          <p:nvPr/>
+        </p:nvSpPr>
+        <p:spPr>
+          <a:xfrm>
+            <a:off x="1088571" y="2274838"/>
+            <a:ext cx="5007429" cy="2308324"/>
+          </a:xfrm>
+          <a:prstGeom prst="rect">
+            <a:avLst/>
+          </a:prstGeom>
+        </p:spPr>
+        <p:txBody>
+          <a:bodyPr wrap="square">
+            <a:spAutoFit/>
+          </a:bodyPr>
+          <a:lstStyle/>
+          <a:p>
+            <a:pPr lvl="0" eaLnBrk="0" fontAlgn="base" hangingPunct="0">
+              <a:spcBef>
+                <a:spcPct val="0"/>
+              </a:spcBef>
+              <a:spcAft>
+                <a:spcPct val="0"/>
+              </a:spcAft>
+            </a:pPr>
+            <a:r>
+              <a:rPr lang="zh-CN" altLang="zh-CN" b="1" dirty="0">
+                <a:solidFill>
+                  <a:srgbClr val="008000"/>
+                </a:solidFill>
+                <a:latin typeface="Arial Unicode MS"/>
+              </a:rPr>
+              <a:t>function</a:t>
+            </a:r>
+            <a:r>
+              <a:rPr lang="zh-CN" altLang="zh-CN" dirty="0">
+                <a:solidFill>
+                  <a:srgbClr val="333333"/>
+                </a:solidFill>
+                <a:latin typeface="Arial Unicode MS"/>
+              </a:rPr>
+              <a:t> escapeHTML(t) { </a:t>
+            </a:r>
+            <a:endParaRPr lang="en-US" altLang="zh-CN" dirty="0">
+              <a:solidFill>
+                <a:srgbClr val="333333"/>
+              </a:solidFill>
+              <a:latin typeface="Arial Unicode MS"/>
+            </a:endParaRPr>
+          </a:p>
+          <a:p>
+            <a:pPr lvl="0" eaLnBrk="0" fontAlgn="base" hangingPunct="0">
+              <a:spcBef>
+                <a:spcPct val="0"/>
+              </a:spcBef>
+              <a:spcAft>
+                <a:spcPct val="0"/>
+              </a:spcAft>
+            </a:pPr>
+            <a:r>
+              <a:rPr lang="en-US" altLang="zh-CN" dirty="0">
+                <a:solidFill>
+                  <a:srgbClr val="333333"/>
+                </a:solidFill>
+                <a:latin typeface="Arial Unicode MS"/>
+              </a:rPr>
+              <a:t>    </a:t>
+            </a:r>
+            <a:r>
+              <a:rPr lang="zh-CN" altLang="zh-CN" b="1" dirty="0">
+                <a:solidFill>
+                  <a:srgbClr val="008000"/>
+                </a:solidFill>
+                <a:latin typeface="Arial Unicode MS"/>
+              </a:rPr>
+              <a:t>return</a:t>
+            </a:r>
+            <a:r>
+              <a:rPr lang="zh-CN" altLang="zh-CN" dirty="0">
+                <a:solidFill>
+                  <a:srgbClr val="333333"/>
+                </a:solidFill>
+                <a:latin typeface="Arial Unicode MS"/>
+              </a:rPr>
+              <a:t> t.replace(</a:t>
+            </a:r>
+            <a:r>
+              <a:rPr lang="zh-CN" altLang="zh-CN" dirty="0">
+                <a:solidFill>
+                  <a:srgbClr val="BB6688"/>
+                </a:solidFill>
+                <a:latin typeface="Arial Unicode MS"/>
+              </a:rPr>
+              <a:t>/&amp;/g</a:t>
+            </a:r>
+            <a:r>
+              <a:rPr lang="zh-CN" altLang="zh-CN" dirty="0">
+                <a:solidFill>
+                  <a:srgbClr val="333333"/>
+                </a:solidFill>
+                <a:latin typeface="Arial Unicode MS"/>
+              </a:rPr>
+              <a:t>, </a:t>
+            </a:r>
+            <a:r>
+              <a:rPr lang="zh-CN" altLang="zh-CN" dirty="0">
+                <a:solidFill>
+                  <a:srgbClr val="BA2121"/>
+                </a:solidFill>
+                <a:latin typeface="Arial Unicode MS"/>
+              </a:rPr>
+              <a:t>"&amp;amp;"</a:t>
+            </a:r>
+            <a:r>
+              <a:rPr lang="zh-CN" altLang="zh-CN" dirty="0">
+                <a:solidFill>
+                  <a:srgbClr val="333333"/>
+                </a:solidFill>
+                <a:latin typeface="Arial Unicode MS"/>
+              </a:rPr>
+              <a:t>) </a:t>
+            </a:r>
+            <a:endParaRPr lang="en-US" altLang="zh-CN" dirty="0">
+              <a:solidFill>
+                <a:srgbClr val="333333"/>
+              </a:solidFill>
+              <a:latin typeface="Arial Unicode MS"/>
+            </a:endParaRPr>
+          </a:p>
+          <a:p>
+            <a:pPr lvl="0" eaLnBrk="0" fontAlgn="base" hangingPunct="0">
+              <a:spcBef>
+                <a:spcPct val="0"/>
+              </a:spcBef>
+              <a:spcAft>
+                <a:spcPct val="0"/>
+              </a:spcAft>
+            </a:pPr>
+            <a:r>
+              <a:rPr lang="en-US" altLang="zh-CN" dirty="0">
+                <a:solidFill>
+                  <a:srgbClr val="333333"/>
+                </a:solidFill>
+                <a:latin typeface="Arial Unicode MS"/>
+              </a:rPr>
+              <a:t>                </a:t>
+            </a:r>
+            <a:r>
+              <a:rPr lang="zh-CN" altLang="zh-CN" dirty="0">
+                <a:solidFill>
+                  <a:srgbClr val="333333"/>
+                </a:solidFill>
+                <a:latin typeface="Arial Unicode MS"/>
+              </a:rPr>
+              <a:t>.replace(</a:t>
+            </a:r>
+            <a:r>
+              <a:rPr lang="zh-CN" altLang="zh-CN" dirty="0">
+                <a:solidFill>
+                  <a:srgbClr val="BB6688"/>
+                </a:solidFill>
+                <a:latin typeface="Arial Unicode MS"/>
+              </a:rPr>
+              <a:t>/&lt;/g</a:t>
+            </a:r>
+            <a:r>
+              <a:rPr lang="zh-CN" altLang="zh-CN" dirty="0">
+                <a:solidFill>
+                  <a:srgbClr val="333333"/>
+                </a:solidFill>
+                <a:latin typeface="Arial Unicode MS"/>
+              </a:rPr>
+              <a:t>, </a:t>
+            </a:r>
+            <a:r>
+              <a:rPr lang="zh-CN" altLang="zh-CN" dirty="0">
+                <a:solidFill>
+                  <a:srgbClr val="BA2121"/>
+                </a:solidFill>
+                <a:latin typeface="Arial Unicode MS"/>
+              </a:rPr>
+              <a:t>"&amp;lt;"</a:t>
+            </a:r>
+            <a:r>
+              <a:rPr lang="zh-CN" altLang="zh-CN" dirty="0">
+                <a:solidFill>
+                  <a:srgbClr val="333333"/>
+                </a:solidFill>
+                <a:latin typeface="Arial Unicode MS"/>
+              </a:rPr>
+              <a:t>)</a:t>
+            </a:r>
+            <a:endParaRPr lang="en-US" altLang="zh-CN" dirty="0">
+              <a:solidFill>
+                <a:srgbClr val="333333"/>
+              </a:solidFill>
+              <a:latin typeface="Arial Unicode MS"/>
+            </a:endParaRPr>
+          </a:p>
+          <a:p>
+            <a:pPr lvl="0" eaLnBrk="0" fontAlgn="base" hangingPunct="0">
+              <a:spcBef>
+                <a:spcPct val="0"/>
+              </a:spcBef>
+              <a:spcAft>
+                <a:spcPct val="0"/>
+              </a:spcAft>
+            </a:pPr>
+            <a:r>
+              <a:rPr lang="en-US" altLang="zh-CN" dirty="0">
+                <a:solidFill>
+                  <a:srgbClr val="333333"/>
+                </a:solidFill>
+                <a:latin typeface="Arial Unicode MS"/>
+              </a:rPr>
+              <a:t>                </a:t>
+            </a:r>
+            <a:r>
+              <a:rPr lang="zh-CN" altLang="zh-CN" dirty="0">
+                <a:solidFill>
+                  <a:srgbClr val="333333"/>
+                </a:solidFill>
+                <a:latin typeface="Arial Unicode MS"/>
+              </a:rPr>
+              <a:t>.replace(</a:t>
+            </a:r>
+            <a:r>
+              <a:rPr lang="zh-CN" altLang="zh-CN" dirty="0">
+                <a:solidFill>
+                  <a:srgbClr val="BB6688"/>
+                </a:solidFill>
+                <a:latin typeface="Arial Unicode MS"/>
+              </a:rPr>
+              <a:t>/&gt;/g</a:t>
+            </a:r>
+            <a:r>
+              <a:rPr lang="zh-CN" altLang="zh-CN" dirty="0">
+                <a:solidFill>
+                  <a:srgbClr val="333333"/>
+                </a:solidFill>
+                <a:latin typeface="Arial Unicode MS"/>
+              </a:rPr>
+              <a:t>, </a:t>
+            </a:r>
+            <a:r>
+              <a:rPr lang="zh-CN" altLang="zh-CN" dirty="0">
+                <a:solidFill>
+                  <a:srgbClr val="BA2121"/>
+                </a:solidFill>
+                <a:latin typeface="Arial Unicode MS"/>
+              </a:rPr>
+              <a:t>"&amp;gt;"</a:t>
+            </a:r>
+            <a:r>
+              <a:rPr lang="zh-CN" altLang="zh-CN" dirty="0">
+                <a:solidFill>
+                  <a:srgbClr val="333333"/>
+                </a:solidFill>
+                <a:latin typeface="Arial Unicode MS"/>
+              </a:rPr>
+              <a:t>)</a:t>
+            </a:r>
+            <a:endParaRPr lang="en-US" altLang="zh-CN" dirty="0">
+              <a:solidFill>
+                <a:srgbClr val="333333"/>
+              </a:solidFill>
+              <a:latin typeface="Arial Unicode MS"/>
+            </a:endParaRPr>
+          </a:p>
+          <a:p>
+            <a:pPr lvl="0" eaLnBrk="0" fontAlgn="base" hangingPunct="0">
+              <a:spcBef>
+                <a:spcPct val="0"/>
+              </a:spcBef>
+              <a:spcAft>
+                <a:spcPct val="0"/>
+              </a:spcAft>
+            </a:pPr>
+            <a:r>
+              <a:rPr lang="en-US" altLang="zh-CN" dirty="0">
+                <a:solidFill>
+                  <a:srgbClr val="333333"/>
+                </a:solidFill>
+                <a:latin typeface="Arial Unicode MS"/>
+              </a:rPr>
+              <a:t>                </a:t>
+            </a:r>
+            <a:r>
+              <a:rPr lang="zh-CN" altLang="zh-CN" dirty="0">
+                <a:solidFill>
+                  <a:srgbClr val="333333"/>
+                </a:solidFill>
+                <a:latin typeface="Arial Unicode MS"/>
+              </a:rPr>
+              <a:t>.replace(</a:t>
+            </a:r>
+            <a:r>
+              <a:rPr lang="zh-CN" altLang="zh-CN" dirty="0">
+                <a:solidFill>
+                  <a:srgbClr val="BB6688"/>
+                </a:solidFill>
+                <a:latin typeface="Arial Unicode MS"/>
+              </a:rPr>
+              <a:t>/ /g</a:t>
+            </a:r>
+            <a:r>
+              <a:rPr lang="zh-CN" altLang="zh-CN" dirty="0">
+                <a:solidFill>
+                  <a:srgbClr val="333333"/>
+                </a:solidFill>
+                <a:latin typeface="Arial Unicode MS"/>
+              </a:rPr>
+              <a:t>, </a:t>
+            </a:r>
+            <a:r>
+              <a:rPr lang="zh-CN" altLang="zh-CN" dirty="0">
+                <a:solidFill>
+                  <a:srgbClr val="BA2121"/>
+                </a:solidFill>
+                <a:latin typeface="Arial Unicode MS"/>
+              </a:rPr>
+              <a:t>"&amp;nbsp;"</a:t>
+            </a:r>
+            <a:r>
+              <a:rPr lang="zh-CN" altLang="zh-CN" dirty="0">
+                <a:solidFill>
+                  <a:srgbClr val="333333"/>
+                </a:solidFill>
+                <a:latin typeface="Arial Unicode MS"/>
+              </a:rPr>
+              <a:t>)</a:t>
+            </a:r>
+            <a:endParaRPr lang="en-US" altLang="zh-CN" dirty="0">
+              <a:solidFill>
+                <a:srgbClr val="333333"/>
+              </a:solidFill>
+              <a:latin typeface="Arial Unicode MS"/>
+            </a:endParaRPr>
+          </a:p>
+          <a:p>
+            <a:pPr lvl="0" eaLnBrk="0" fontAlgn="base" hangingPunct="0">
+              <a:spcBef>
+                <a:spcPct val="0"/>
+              </a:spcBef>
+              <a:spcAft>
+                <a:spcPct val="0"/>
+              </a:spcAft>
+            </a:pPr>
+            <a:r>
+              <a:rPr lang="en-US" altLang="zh-CN" dirty="0">
+                <a:solidFill>
+                  <a:srgbClr val="333333"/>
+                </a:solidFill>
+                <a:latin typeface="Arial Unicode MS"/>
+              </a:rPr>
+              <a:t>                </a:t>
+            </a:r>
+            <a:r>
+              <a:rPr lang="zh-CN" altLang="zh-CN" dirty="0">
+                <a:solidFill>
+                  <a:srgbClr val="333333"/>
+                </a:solidFill>
+                <a:latin typeface="Arial Unicode MS"/>
+              </a:rPr>
+              <a:t>.replace(</a:t>
+            </a:r>
+            <a:r>
+              <a:rPr lang="zh-CN" altLang="zh-CN" dirty="0">
+                <a:solidFill>
+                  <a:srgbClr val="BB6688"/>
+                </a:solidFill>
+                <a:latin typeface="Arial Unicode MS"/>
+              </a:rPr>
+              <a:t>/"/g</a:t>
+            </a:r>
+            <a:r>
+              <a:rPr lang="zh-CN" altLang="zh-CN" dirty="0">
+                <a:solidFill>
+                  <a:srgbClr val="333333"/>
+                </a:solidFill>
+                <a:latin typeface="Arial Unicode MS"/>
+              </a:rPr>
+              <a:t>, </a:t>
+            </a:r>
+            <a:r>
+              <a:rPr lang="zh-CN" altLang="zh-CN" dirty="0">
+                <a:solidFill>
+                  <a:srgbClr val="BA2121"/>
+                </a:solidFill>
+                <a:latin typeface="Arial Unicode MS"/>
+              </a:rPr>
+              <a:t>"&amp;#34;"</a:t>
+            </a:r>
+            <a:r>
+              <a:rPr lang="zh-CN" altLang="zh-CN" dirty="0">
+                <a:solidFill>
+                  <a:srgbClr val="333333"/>
+                </a:solidFill>
+                <a:latin typeface="Arial Unicode MS"/>
+              </a:rPr>
+              <a:t>)</a:t>
+            </a:r>
+            <a:endParaRPr lang="en-US" altLang="zh-CN" dirty="0">
+              <a:solidFill>
+                <a:srgbClr val="333333"/>
+              </a:solidFill>
+              <a:latin typeface="Arial Unicode MS"/>
+            </a:endParaRPr>
+          </a:p>
+          <a:p>
+            <a:pPr lvl="0" eaLnBrk="0" fontAlgn="base" hangingPunct="0">
+              <a:spcBef>
+                <a:spcPct val="0"/>
+              </a:spcBef>
+              <a:spcAft>
+                <a:spcPct val="0"/>
+              </a:spcAft>
+            </a:pPr>
+            <a:r>
+              <a:rPr lang="en-US" altLang="zh-CN" dirty="0">
+                <a:solidFill>
+                  <a:srgbClr val="333333"/>
+                </a:solidFill>
+                <a:latin typeface="Arial Unicode MS"/>
+              </a:rPr>
+              <a:t>                </a:t>
+            </a:r>
+            <a:r>
+              <a:rPr lang="zh-CN" altLang="zh-CN" dirty="0">
+                <a:solidFill>
+                  <a:srgbClr val="333333"/>
+                </a:solidFill>
+                <a:latin typeface="Arial Unicode MS"/>
+              </a:rPr>
+              <a:t>.replace(</a:t>
+            </a:r>
+            <a:r>
+              <a:rPr lang="zh-CN" altLang="zh-CN" dirty="0">
+                <a:solidFill>
+                  <a:srgbClr val="BB6688"/>
+                </a:solidFill>
+                <a:latin typeface="Arial Unicode MS"/>
+              </a:rPr>
+              <a:t>/'/g</a:t>
+            </a:r>
+            <a:r>
+              <a:rPr lang="zh-CN" altLang="zh-CN" dirty="0">
+                <a:solidFill>
+                  <a:srgbClr val="333333"/>
+                </a:solidFill>
+                <a:latin typeface="Arial Unicode MS"/>
+              </a:rPr>
+              <a:t>, </a:t>
+            </a:r>
+            <a:r>
+              <a:rPr lang="zh-CN" altLang="zh-CN" dirty="0">
+                <a:solidFill>
+                  <a:srgbClr val="BA2121"/>
+                </a:solidFill>
+                <a:latin typeface="Arial Unicode MS"/>
+              </a:rPr>
+              <a:t>"&amp;#39;"</a:t>
+            </a:r>
+            <a:r>
+              <a:rPr lang="zh-CN" altLang="zh-CN" dirty="0">
+                <a:solidFill>
+                  <a:srgbClr val="333333"/>
+                </a:solidFill>
+                <a:latin typeface="Arial Unicode MS"/>
+              </a:rPr>
+              <a:t>) </a:t>
+            </a:r>
+            <a:endParaRPr lang="en-US" altLang="zh-CN" dirty="0">
+              <a:solidFill>
+                <a:srgbClr val="333333"/>
+              </a:solidFill>
+              <a:latin typeface="Arial Unicode MS"/>
+            </a:endParaRPr>
+          </a:p>
+          <a:p>
+            <a:pPr lvl="0" eaLnBrk="0" fontAlgn="base" hangingPunct="0">
+              <a:spcBef>
+                <a:spcPct val="0"/>
+              </a:spcBef>
+              <a:spcAft>
+                <a:spcPct val="0"/>
+              </a:spcAft>
+            </a:pPr>
+            <a:r>
+              <a:rPr lang="zh-CN" altLang="zh-CN" dirty="0">
+                <a:solidFill>
+                  <a:srgbClr val="333333"/>
+                </a:solidFill>
+                <a:latin typeface="Arial Unicode MS"/>
+              </a:rPr>
+              <a:t>}</a:t>
+            </a:r>
+            <a:r>
+              <a:rPr lang="zh-CN" altLang="zh-CN" dirty="0"/>
+              <a:t> </a:t>
+            </a:r>
+            <a:endParaRPr lang="en-US" altLang="zh-CN" dirty="0"/>
+          </a:p>
+        </p:txBody>
+      </p:sp>
+      <p:sp>
+        <p:nvSpPr>
+          <p:cNvPr id="16" name="文本框 15">
+            <a:extLst>
+              <a:ext uri="{FF2B5EF4-FFF2-40B4-BE49-F238E27FC236}">
+                <a16:creationId xmlns:a16="http://schemas.microsoft.com/office/drawing/2014/main" id="{5E9289C2-7775-4811-BA5A-5F30219E9AF2}"/>
+              </a:ext>
+            </a:extLst>
+          </p:cNvPr>
+          <p:cNvSpPr txBox="1"/>
+          <p:nvPr/>
+        </p:nvSpPr>
+        <p:spPr>
+          <a:xfrm>
+            <a:off x="6095204" y="2274838"/>
+            <a:ext cx="4927837" cy="2031325"/>
+          </a:xfrm>
+          <a:prstGeom prst="rect">
+            <a:avLst/>
+          </a:prstGeom>
+          <a:noFill/>
+        </p:spPr>
+        <p:txBody>
+          <a:bodyPr wrap="square" rtlCol="0">
+            <a:spAutoFit/>
+          </a:bodyPr>
+          <a:lstStyle/>
+          <a:p>
+            <a:r>
+              <a:rPr lang="en-US" altLang="zh-CN" dirty="0" err="1"/>
+              <a:t>escapeHTML</a:t>
+            </a:r>
+            <a:r>
+              <a:rPr lang="zh-CN" altLang="en-US" dirty="0"/>
+              <a:t>函数为用户自己写的编码函数，以此解决</a:t>
+            </a:r>
+            <a:r>
+              <a:rPr lang="en-US" altLang="zh-CN" dirty="0"/>
+              <a:t>XSS</a:t>
+            </a:r>
+            <a:r>
+              <a:rPr lang="zh-CN" altLang="en-US" dirty="0"/>
+              <a:t>问题，但是现有工具无法识别导致误报</a:t>
+            </a:r>
+            <a:endParaRPr lang="en-US" altLang="zh-CN" dirty="0"/>
+          </a:p>
+          <a:p>
+            <a:endParaRPr lang="en-US" altLang="zh-CN" dirty="0"/>
+          </a:p>
+          <a:p>
+            <a:r>
+              <a:rPr lang="zh-CN" altLang="en-US" dirty="0"/>
+              <a:t>类似的情况还有：</a:t>
+            </a:r>
+            <a:endParaRPr lang="en-US" altLang="zh-CN" dirty="0"/>
+          </a:p>
+          <a:p>
+            <a:pPr marL="285750" indent="-285750">
+              <a:buFont typeface="Arial" panose="020B0604020202020204" pitchFamily="34" charset="0"/>
+              <a:buChar char="•"/>
+            </a:pPr>
+            <a:r>
+              <a:rPr lang="en-US" altLang="zh-CN" dirty="0"/>
+              <a:t>Java</a:t>
+            </a:r>
+            <a:r>
+              <a:rPr lang="zh-CN" altLang="en-US" dirty="0"/>
+              <a:t>反射机制</a:t>
+            </a:r>
+            <a:endParaRPr lang="en-US" altLang="zh-CN" dirty="0"/>
+          </a:p>
+          <a:p>
+            <a:pPr marL="285750" indent="-285750">
+              <a:buFont typeface="Arial" panose="020B0604020202020204" pitchFamily="34" charset="0"/>
+              <a:buChar char="•"/>
+            </a:pPr>
+            <a:r>
+              <a:rPr lang="zh-CN" altLang="en-US"/>
+              <a:t>不安全的配置</a:t>
+            </a:r>
+            <a:endParaRPr lang="zh-CN" altLang="en-US" dirty="0"/>
+          </a:p>
+        </p:txBody>
+      </p:sp>
+    </p:spTree>
+    <p:extLst>
+      <p:ext uri="{BB962C8B-B14F-4D97-AF65-F5344CB8AC3E}">
+        <p14:creationId xmlns:p14="http://schemas.microsoft.com/office/powerpoint/2010/main" val="3880814404"/>
+      </p:ext>
+    </p:extLst>
+  </p:cSld>
+  <p:clrMapOvr>
+    <a:masterClrMapping/>
+  </p:clrMapOvr>
+</p:sld>
+</file>
+
+<file path=ppt/slides/slide7.xml><?xml version="1.0" encoding="utf-8"?>
 <p:sld xmlns:a="http://schemas.openxmlformats.org/drawingml/2006/main" xmlns:r="http://schemas.openxmlformats.org/officeDocument/2006/relationships" xmlns:p="http://schemas.openxmlformats.org/presentationml/2006/main">
   <p:cSld>
     <p:spTree>
@@ -6088,7 +10811,7 @@
 </p:sld>
 </file>
 
-<file path=ppt/slides/slide6.xml><?xml version="1.0" encoding="utf-8"?>
+<file path=ppt/slides/slide8.xml><?xml version="1.0" encoding="utf-8"?>
 <p:sld xmlns:a="http://schemas.openxmlformats.org/drawingml/2006/main" xmlns:r="http://schemas.openxmlformats.org/officeDocument/2006/relationships" xmlns:p="http://schemas.openxmlformats.org/presentationml/2006/main">
   <p:cSld>
     <p:spTree>
@@ -6126,6 +10849,11 @@
           <a:bodyPr/>
           <a:lstStyle/>
           <a:p>
+            <a:pPr>
+              <a:lnSpc>
+                <a:spcPct val="120000"/>
+              </a:lnSpc>
+            </a:pPr>
             <a:r>
               <a:rPr lang="zh-CN" altLang="en-US" dirty="0"/>
               <a:t>研究目的</a:t>
@@ -6151,14 +10879,24 @@
         </p:nvSpPr>
         <p:spPr>
           <a:xfrm>
-            <a:off x="669924" y="2279650"/>
-            <a:ext cx="10850563" cy="2114071"/>
+            <a:off x="669923" y="1815576"/>
+            <a:ext cx="10850563" cy="3588587"/>
           </a:xfrm>
         </p:spPr>
         <p:txBody>
-          <a:bodyPr/>
+          <a:bodyPr>
+            <a:normAutofit/>
+          </a:bodyPr>
           <a:lstStyle/>
           <a:p>
+            <a:pPr>
+              <a:lnSpc>
+                <a:spcPct val="120000"/>
+              </a:lnSpc>
+              <a:spcBef>
+                <a:spcPct val="0"/>
+              </a:spcBef>
+            </a:pPr>
             <a:r>
               <a:rPr lang="zh-CN" altLang="en-US" dirty="0"/>
               <a:t>运用机器学习，代码相似度等技术实现基于机器学习的源代码漏洞检测工具</a:t>
@@ -6166,6 +10904,14 @@
             <a:endParaRPr lang="en-US" altLang="zh-CN" dirty="0"/>
           </a:p>
           <a:p>
+            <a:pPr>
+              <a:lnSpc>
+                <a:spcPct val="120000"/>
+              </a:lnSpc>
+              <a:spcBef>
+                <a:spcPct val="0"/>
+              </a:spcBef>
+            </a:pPr>
             <a:r>
               <a:rPr lang="zh-CN" altLang="en-US" dirty="0"/>
               <a:t>针对于</a:t>
@@ -6189,6 +10935,14 @@
             <a:endParaRPr lang="en-US" altLang="zh-CN" dirty="0"/>
           </a:p>
           <a:p>
+            <a:pPr>
+              <a:lnSpc>
+                <a:spcPct val="120000"/>
+              </a:lnSpc>
+              <a:spcBef>
+                <a:spcPct val="0"/>
+              </a:spcBef>
+            </a:pPr>
             <a:r>
               <a:rPr lang="zh-CN" altLang="en-US" dirty="0"/>
               <a:t>提高现有技术的检测准确率</a:t>
@@ -6196,7 +10950,14 @@
             <a:endParaRPr lang="en-US" altLang="zh-CN" dirty="0"/>
           </a:p>
           <a:p>
-            <a:pPr lvl="1"/>
+            <a:pPr lvl="1">
+              <a:lnSpc>
+                <a:spcPct val="120000"/>
+              </a:lnSpc>
+              <a:spcBef>
+                <a:spcPct val="0"/>
+              </a:spcBef>
+            </a:pPr>
             <a:r>
               <a:rPr lang="zh-CN" altLang="en-US" dirty="0"/>
               <a:t>在保持可接受漏报率的情况下降低误报率</a:t>
@@ -6204,10 +10965,104 @@
             <a:endParaRPr lang="en-US" altLang="zh-CN" dirty="0"/>
           </a:p>
           <a:p>
+            <a:pPr>
+              <a:lnSpc>
+                <a:spcPct val="120000"/>
+              </a:lnSpc>
+              <a:spcBef>
+                <a:spcPct val="0"/>
+              </a:spcBef>
+            </a:pPr>
             <a:r>
               <a:rPr lang="zh-CN" altLang="en-US" dirty="0"/>
               <a:t>检测精度：最好情况可至代码行，最差情况可至函数级别</a:t>
             </a:r>
+            <a:endParaRPr lang="en-US" altLang="zh-CN" dirty="0"/>
+          </a:p>
+          <a:p>
+            <a:pPr>
+              <a:lnSpc>
+                <a:spcPct val="120000"/>
+              </a:lnSpc>
+              <a:spcBef>
+                <a:spcPct val="0"/>
+              </a:spcBef>
+            </a:pPr>
+            <a:r>
+              <a:rPr lang="zh-CN" altLang="en-US" dirty="0"/>
+              <a:t>输入：</a:t>
+            </a:r>
+            <a:r>
+              <a:rPr lang="en-US" altLang="zh-CN" dirty="0"/>
+              <a:t>Java</a:t>
+            </a:r>
+            <a:r>
+              <a:rPr lang="zh-CN" altLang="en-US" dirty="0"/>
+              <a:t>源代码</a:t>
+            </a:r>
+            <a:r>
+              <a:rPr lang="en-US" altLang="zh-CN" dirty="0"/>
+              <a:t>/</a:t>
+            </a:r>
+            <a:r>
+              <a:rPr lang="zh-CN" altLang="en-US" dirty="0"/>
+              <a:t>字节码、标记数据</a:t>
+            </a:r>
+            <a:endParaRPr lang="en-US" altLang="zh-CN" dirty="0"/>
+          </a:p>
+          <a:p>
+            <a:pPr>
+              <a:lnSpc>
+                <a:spcPct val="120000"/>
+              </a:lnSpc>
+              <a:spcBef>
+                <a:spcPct val="0"/>
+              </a:spcBef>
+            </a:pPr>
+            <a:r>
+              <a:rPr lang="zh-CN" altLang="en-US" dirty="0"/>
+              <a:t>输出：检测报告、模型</a:t>
+            </a:r>
+            <a:endParaRPr lang="en-US" altLang="zh-CN" dirty="0"/>
+          </a:p>
+          <a:p>
+            <a:pPr>
+              <a:lnSpc>
+                <a:spcPct val="120000"/>
+              </a:lnSpc>
+              <a:spcBef>
+                <a:spcPct val="0"/>
+              </a:spcBef>
+            </a:pPr>
+            <a:r>
+              <a:rPr lang="zh-CN" altLang="en-US" dirty="0"/>
+              <a:t>检测项：</a:t>
+            </a:r>
+            <a:r>
+              <a:rPr lang="zh-CN" altLang="en-US" b="1" dirty="0"/>
+              <a:t>注入、</a:t>
+            </a:r>
+            <a:r>
+              <a:rPr lang="en-US" altLang="zh-CN" b="1" dirty="0"/>
+              <a:t>XSS</a:t>
+            </a:r>
+            <a:r>
+              <a:rPr lang="zh-CN" altLang="en-US" b="1" dirty="0"/>
+              <a:t>、</a:t>
+            </a:r>
+            <a:r>
+              <a:rPr lang="en-US" altLang="zh-CN" b="1" dirty="0"/>
+              <a:t>RCE</a:t>
+            </a:r>
+            <a:r>
+              <a:rPr lang="zh-CN" altLang="en-US" dirty="0"/>
+              <a:t>、</a:t>
+            </a:r>
+            <a:r>
+              <a:rPr lang="en-US" altLang="zh-CN" dirty="0"/>
+              <a:t>SPEL…</a:t>
+            </a:r>
+            <a:endParaRPr lang="zh-CN" altLang="en-US" dirty="0"/>
           </a:p>
         </p:txBody>
       </p:sp>
@@ -6224,7 +11079,7 @@
 </p:sld>
 </file>
 
-<file path=ppt/slides/slide7.xml><?xml version="1.0" encoding="utf-8"?>
+<file path=ppt/slides/slide9.xml><?xml version="1.0" encoding="utf-8"?>
 <p:sld xmlns:a="http://schemas.openxmlformats.org/drawingml/2006/main" xmlns:r="http://schemas.openxmlformats.org/officeDocument/2006/relationships" xmlns:p="http://schemas.openxmlformats.org/presentationml/2006/main">
   <p:cSld>
     <p:spTree>
@@ -6502,442 +11357,11 @@
 </p:sld>
 </file>
 
-<file path=ppt/slides/slide8.xml><?xml version="1.0" encoding="utf-8"?>
-<p:sld xmlns:a="http://schemas.openxmlformats.org/drawingml/2006/main" xmlns:r="http://schemas.openxmlformats.org/officeDocument/2006/relationships" xmlns:p="http://schemas.openxmlformats.org/presentationml/2006/main">
-  <p:cSld>
-    <p:spTree>
-      <p:nvGrpSpPr>
-        <p:cNvPr id="1" name=""/>
-        <p:cNvGrpSpPr/>
-        <p:nvPr/>
-      </p:nvGrpSpPr>
-      <p:grpSpPr>
-        <a:xfrm>
-          <a:off x="0" y="0"/>
-          <a:ext cx="0" cy="0"/>
-          <a:chOff x="0" y="0"/>
-          <a:chExt cx="0" cy="0"/>
-        </a:xfrm>
-      </p:grpSpPr>
-      <p:sp>
-        <p:nvSpPr>
-          <p:cNvPr id="4" name="标题 3">
-            <a:extLst>
-              <a:ext uri="{FF2B5EF4-FFF2-40B4-BE49-F238E27FC236}">
-                <a16:creationId xmlns:a16="http://schemas.microsoft.com/office/drawing/2014/main" id="{58AA1705-F930-4914-A329-6E6609D770D3}"/>
-              </a:ext>
-            </a:extLst>
-          </p:cNvPr>
-          <p:cNvSpPr>
-            <a:spLocks noGrp="1"/>
-          </p:cNvSpPr>
-          <p:nvPr>
-            <p:ph type="title"/>
-          </p:nvPr>
-        </p:nvSpPr>
-        <p:spPr/>
-        <p:txBody>
-          <a:bodyPr/>
-          <a:lstStyle/>
-          <a:p>
-            <a:r>
-              <a:rPr lang="zh-CN" altLang="en-US" dirty="0"/>
-              <a:t>国内外研究现状</a:t>
-            </a:r>
-            <a:r>
-              <a:rPr lang="en-US" altLang="zh-CN" dirty="0"/>
-              <a:t>——C/C++</a:t>
-            </a:r>
-            <a:endParaRPr lang="zh-CN" altLang="en-US" dirty="0"/>
-          </a:p>
-        </p:txBody>
-      </p:sp>
-      <p:sp>
-        <p:nvSpPr>
-          <p:cNvPr id="5" name="内容占位符 4">
-            <a:extLst>
-              <a:ext uri="{FF2B5EF4-FFF2-40B4-BE49-F238E27FC236}">
-                <a16:creationId xmlns:a16="http://schemas.microsoft.com/office/drawing/2014/main" id="{3B580948-92C3-48BD-A405-596C7FF5CF72}"/>
-              </a:ext>
-            </a:extLst>
-          </p:cNvPr>
-          <p:cNvSpPr>
-            <a:spLocks noGrp="1"/>
-          </p:cNvSpPr>
-          <p:nvPr>
-            <p:ph idx="1"/>
-          </p:nvPr>
-        </p:nvSpPr>
-        <p:spPr/>
-        <p:txBody>
-          <a:bodyPr/>
-          <a:lstStyle/>
-          <a:p>
-            <a:r>
-              <a:rPr lang="en-US" altLang="zh-CN" dirty="0" err="1"/>
-              <a:t>VulPecker</a:t>
-            </a:r>
-            <a:r>
-              <a:rPr lang="en-US" altLang="zh-CN" dirty="0"/>
-              <a:t>: An Automated Vulnerability Detection System Based on Code Similarity Analysis</a:t>
-            </a:r>
-          </a:p>
-          <a:p>
-            <a:pPr marL="0" indent="0">
-              <a:buNone/>
-            </a:pPr>
-            <a:r>
-              <a:rPr lang="zh-CN" altLang="en-US" dirty="0"/>
-              <a:t>   文中为函数定义了六组特征和多组相似度比较方法，通过投票机制提高了漏洞检测效率</a:t>
-            </a:r>
-            <a:endParaRPr lang="en-US" altLang="zh-CN" dirty="0"/>
-          </a:p>
-          <a:p>
-            <a:pPr marL="0" indent="0">
-              <a:buNone/>
-            </a:pPr>
-            <a:endParaRPr lang="en-US" altLang="zh-CN" dirty="0"/>
-          </a:p>
-          <a:p>
-            <a:r>
-              <a:rPr lang="en-US" altLang="zh-CN" dirty="0"/>
-              <a:t>Li Z, Zou D, Xu S, et al. </a:t>
-            </a:r>
-            <a:r>
-              <a:rPr lang="en-US" altLang="zh-CN" dirty="0" err="1"/>
-              <a:t>VulDeePecker</a:t>
-            </a:r>
-            <a:r>
-              <a:rPr lang="en-US" altLang="zh-CN" dirty="0"/>
-              <a:t>: A deep learning-based system for vulnerability detection[J]</a:t>
-            </a:r>
-          </a:p>
-          <a:p>
-            <a:pPr marL="0" indent="0">
-              <a:buNone/>
-            </a:pPr>
-            <a:r>
-              <a:rPr lang="en-US" altLang="zh-CN" dirty="0"/>
-              <a:t>   </a:t>
-            </a:r>
-            <a:r>
-              <a:rPr lang="zh-CN" altLang="en-US" dirty="0"/>
-              <a:t>文中使用了程序切片和深度神经网络（</a:t>
-            </a:r>
-            <a:r>
-              <a:rPr lang="en-US" altLang="zh-CN" dirty="0"/>
-              <a:t>BLSTM</a:t>
-            </a:r>
-            <a:r>
-              <a:rPr lang="zh-CN" altLang="en-US" dirty="0"/>
-              <a:t>）构建了一套检测缓冲区溢出和资源管理漏洞的工具，作者认为使用该工具检测</a:t>
-            </a:r>
-            <a:r>
-              <a:rPr lang="en-US" altLang="zh-CN" dirty="0"/>
-              <a:t>0day</a:t>
-            </a:r>
-            <a:r>
-              <a:rPr lang="zh-CN" altLang="en-US" dirty="0"/>
-              <a:t>漏洞是可行的，并且未来可以将该方法推广到其他语言。</a:t>
-            </a:r>
-            <a:endParaRPr lang="en-US" altLang="zh-CN" dirty="0"/>
-          </a:p>
-          <a:p>
-            <a:pPr marL="0" indent="0">
-              <a:buNone/>
-            </a:pPr>
-            <a:endParaRPr lang="en-US" altLang="zh-CN" dirty="0"/>
-          </a:p>
-          <a:p>
-            <a:r>
-              <a:rPr lang="en-US" altLang="zh-CN" dirty="0"/>
-              <a:t>Du X, Chen B, Li Y, et al. LEOPARD: Identifying Vulnerable Code for Vulnerability Assessment through Program Metrics[J]</a:t>
-            </a:r>
-          </a:p>
-          <a:p>
-            <a:pPr marL="0" indent="0">
-              <a:buNone/>
-            </a:pPr>
-            <a:r>
-              <a:rPr lang="zh-CN" altLang="en-US" dirty="0"/>
-              <a:t>   文中提到了漏洞样本中的数据不平衡问题，针对该问题设计了一组程序特征表示方法，并使用两个阶段预测有漏洞的函数：在第一步中，使用</a:t>
-            </a:r>
-            <a:r>
-              <a:rPr lang="zh-CN" altLang="en-US" b="1" dirty="0"/>
-              <a:t>复杂度指标</a:t>
-            </a:r>
-            <a:r>
-              <a:rPr lang="zh-CN" altLang="en-US" dirty="0"/>
-              <a:t>将目标应用程序中的所有函数分组，第二步中，使用</a:t>
-            </a:r>
-            <a:r>
-              <a:rPr lang="zh-CN" altLang="en-US" b="1" dirty="0"/>
-              <a:t>漏洞度量标准</a:t>
-            </a:r>
-            <a:r>
-              <a:rPr lang="zh-CN" altLang="en-US" dirty="0"/>
-              <a:t>对每个集合中的函数进行排名，以便将每个集合中的排名靠前的函数标识为可能存在漏洞。</a:t>
-            </a:r>
-            <a:endParaRPr lang="en-US" altLang="zh-CN" dirty="0"/>
-          </a:p>
-        </p:txBody>
-      </p:sp>
-    </p:spTree>
-    <p:extLst>
-      <p:ext uri="{BB962C8B-B14F-4D97-AF65-F5344CB8AC3E}">
-        <p14:creationId xmlns:p14="http://schemas.microsoft.com/office/powerpoint/2010/main" val="3965284701"/>
-      </p:ext>
-    </p:extLst>
-  </p:cSld>
-  <p:clrMapOvr>
-    <a:masterClrMapping/>
-  </p:clrMapOvr>
-</p:sld>
-</file>
-
-<file path=ppt/slides/slide9.xml><?xml version="1.0" encoding="utf-8"?>
-<p:sld xmlns:a="http://schemas.openxmlformats.org/drawingml/2006/main" xmlns:r="http://schemas.openxmlformats.org/officeDocument/2006/relationships" xmlns:p="http://schemas.openxmlformats.org/presentationml/2006/main">
-  <p:cSld>
-    <p:spTree>
-      <p:nvGrpSpPr>
-        <p:cNvPr id="1" name=""/>
-        <p:cNvGrpSpPr/>
-        <p:nvPr/>
-      </p:nvGrpSpPr>
-      <p:grpSpPr>
-        <a:xfrm>
-          <a:off x="0" y="0"/>
-          <a:ext cx="0" cy="0"/>
-          <a:chOff x="0" y="0"/>
-          <a:chExt cx="0" cy="0"/>
-        </a:xfrm>
-      </p:grpSpPr>
-      <p:sp>
-        <p:nvSpPr>
-          <p:cNvPr id="2" name="标题 1">
-            <a:extLst>
-              <a:ext uri="{FF2B5EF4-FFF2-40B4-BE49-F238E27FC236}">
-                <a16:creationId xmlns:a16="http://schemas.microsoft.com/office/drawing/2014/main" id="{90534DB0-0718-40A2-9970-E2A769C0C7B5}"/>
-              </a:ext>
-            </a:extLst>
-          </p:cNvPr>
-          <p:cNvSpPr>
-            <a:spLocks noGrp="1"/>
-          </p:cNvSpPr>
-          <p:nvPr>
-            <p:ph type="title"/>
-          </p:nvPr>
-        </p:nvSpPr>
-        <p:spPr/>
-        <p:txBody>
-          <a:bodyPr/>
-          <a:lstStyle/>
-          <a:p>
-            <a:r>
-              <a:rPr lang="zh-CN" altLang="en-US" dirty="0"/>
-              <a:t>国内外研究现状</a:t>
-            </a:r>
-            <a:r>
-              <a:rPr lang="en-US" altLang="zh-CN" dirty="0"/>
-              <a:t>——Java</a:t>
-            </a:r>
-            <a:endParaRPr lang="zh-CN" altLang="en-US" dirty="0"/>
-          </a:p>
-        </p:txBody>
-      </p:sp>
-      <p:sp>
-        <p:nvSpPr>
-          <p:cNvPr id="3" name="内容占位符 2">
-            <a:extLst>
-              <a:ext uri="{FF2B5EF4-FFF2-40B4-BE49-F238E27FC236}">
-                <a16:creationId xmlns:a16="http://schemas.microsoft.com/office/drawing/2014/main" id="{507E824E-8FEB-4A3E-8696-55FA9CC5E3B7}"/>
-              </a:ext>
-            </a:extLst>
-          </p:cNvPr>
-          <p:cNvSpPr>
-            <a:spLocks noGrp="1"/>
-          </p:cNvSpPr>
-          <p:nvPr>
-            <p:ph idx="1"/>
-          </p:nvPr>
-        </p:nvSpPr>
-        <p:spPr/>
-        <p:txBody>
-          <a:bodyPr/>
-          <a:lstStyle/>
-          <a:p>
-            <a:r>
-              <a:rPr lang="en-US" altLang="zh-CN" dirty="0" err="1"/>
-              <a:t>Koc</a:t>
-            </a:r>
-            <a:r>
-              <a:rPr lang="en-US" altLang="zh-CN" dirty="0"/>
-              <a:t> U, </a:t>
-            </a:r>
-            <a:r>
-              <a:rPr lang="en-US" altLang="zh-CN" dirty="0" err="1"/>
-              <a:t>Saadatpanah</a:t>
-            </a:r>
-            <a:r>
-              <a:rPr lang="en-US" altLang="zh-CN" dirty="0"/>
-              <a:t> P, Foster J S, et al. Learning a classifier for false positive error reports emitted by static code analysis tools[C]</a:t>
-            </a:r>
-          </a:p>
-          <a:p>
-            <a:pPr marL="0" indent="0">
-              <a:buNone/>
-            </a:pPr>
-            <a:r>
-              <a:rPr lang="en-US" altLang="zh-CN" dirty="0"/>
-              <a:t>   </a:t>
-            </a:r>
-            <a:r>
-              <a:rPr lang="zh-CN" altLang="en-US" dirty="0"/>
-              <a:t>文中总结了</a:t>
-            </a:r>
-            <a:r>
-              <a:rPr lang="en-US" altLang="zh-CN" dirty="0"/>
-              <a:t>Java</a:t>
-            </a:r>
-            <a:r>
-              <a:rPr lang="zh-CN" altLang="en-US" dirty="0"/>
-              <a:t>中误报产生的模式，并且考虑用方法体</a:t>
-            </a:r>
-            <a:r>
-              <a:rPr lang="en-US" altLang="zh-CN" dirty="0"/>
-              <a:t>/</a:t>
-            </a:r>
-            <a:r>
-              <a:rPr lang="zh-CN" altLang="en-US" dirty="0"/>
-              <a:t>程序切片技术和机器学习降低误报率</a:t>
-            </a:r>
-            <a:endParaRPr lang="en-US" altLang="zh-CN" dirty="0"/>
-          </a:p>
-          <a:p>
-            <a:pPr marL="0" indent="0">
-              <a:buNone/>
-            </a:pPr>
-            <a:endParaRPr lang="en-US" altLang="zh-CN" dirty="0"/>
-          </a:p>
-          <a:p>
-            <a:r>
-              <a:rPr lang="en-US" altLang="zh-CN" dirty="0" err="1"/>
-              <a:t>Koc</a:t>
-            </a:r>
-            <a:r>
-              <a:rPr lang="en-US" altLang="zh-CN" dirty="0"/>
-              <a:t> U, Wei S, Foster J S, et al. An Empirical Assessment of Machine Learning Approaches for Triaging Reports of a Java Static Analysis Tool[C]</a:t>
-            </a:r>
-          </a:p>
-          <a:p>
-            <a:r>
-              <a:rPr lang="zh-CN" altLang="en-US" dirty="0"/>
-              <a:t>上文的后续工作，展开实证研究，比较手工设计特征，词袋，</a:t>
-            </a:r>
-            <a:r>
-              <a:rPr lang="en-US" altLang="zh-CN" dirty="0"/>
-              <a:t>RNN</a:t>
-            </a:r>
-            <a:r>
-              <a:rPr lang="zh-CN" altLang="en-US" dirty="0"/>
-              <a:t>和</a:t>
-            </a:r>
-            <a:r>
-              <a:rPr lang="en-US" altLang="zh-CN" dirty="0"/>
-              <a:t>GNN</a:t>
-            </a:r>
-            <a:r>
-              <a:rPr lang="zh-CN" altLang="en-US" dirty="0"/>
-              <a:t>，使用真实程序集来测试他们的效果，其中发现</a:t>
-            </a:r>
-            <a:r>
-              <a:rPr lang="en-US" altLang="zh-CN" dirty="0"/>
-              <a:t>LSTM</a:t>
-            </a:r>
-            <a:r>
-              <a:rPr lang="zh-CN" altLang="en-US" dirty="0"/>
-              <a:t>效果最好，并且不同的算法的检测能力不重叠，因此提出未来工作可以融合不同的检测手段达到更好效果</a:t>
-            </a:r>
-          </a:p>
-        </p:txBody>
-      </p:sp>
-      <p:sp>
-        <p:nvSpPr>
-          <p:cNvPr id="4" name="页脚占位符 3">
-            <a:extLst>
-              <a:ext uri="{FF2B5EF4-FFF2-40B4-BE49-F238E27FC236}">
-                <a16:creationId xmlns:a16="http://schemas.microsoft.com/office/drawing/2014/main" id="{12281555-5D92-47B1-A247-506E29DB6A5B}"/>
-              </a:ext>
-            </a:extLst>
-          </p:cNvPr>
-          <p:cNvSpPr>
-            <a:spLocks noGrp="1"/>
-          </p:cNvSpPr>
-          <p:nvPr>
-            <p:ph type="ftr" sz="quarter" idx="11"/>
-          </p:nvPr>
-        </p:nvSpPr>
-        <p:spPr/>
-        <p:txBody>
-          <a:bodyPr/>
-          <a:lstStyle/>
-          <a:p>
-            <a:r>
-              <a:rPr lang="en-US" altLang="zh-CN"/>
-              <a:t>www.islide.cc</a:t>
-            </a:r>
-            <a:endParaRPr lang="zh-CN" altLang="en-US" dirty="0"/>
-          </a:p>
-        </p:txBody>
-      </p:sp>
-      <p:sp>
-        <p:nvSpPr>
-          <p:cNvPr id="5" name="灯片编号占位符 4">
-            <a:extLst>
-              <a:ext uri="{FF2B5EF4-FFF2-40B4-BE49-F238E27FC236}">
-                <a16:creationId xmlns:a16="http://schemas.microsoft.com/office/drawing/2014/main" id="{7E8E3D5B-4F50-4D71-AB0A-3DB9E66413E2}"/>
-              </a:ext>
-            </a:extLst>
-          </p:cNvPr>
-          <p:cNvSpPr>
-            <a:spLocks noGrp="1"/>
-          </p:cNvSpPr>
-          <p:nvPr>
-            <p:ph type="sldNum" sz="quarter" idx="12"/>
-          </p:nvPr>
-        </p:nvSpPr>
-        <p:spPr/>
-        <p:txBody>
-          <a:bodyPr/>
-          <a:lstStyle/>
-          <a:p>
-            <a:fld id="{5DD3DB80-B894-403A-B48E-6FDC1A72010E}" type="slidenum">
-              <a:rPr lang="zh-CN" altLang="en-US" smtClean="0"/>
-              <a:pPr/>
-              <a:t>9</a:t>
-            </a:fld>
-            <a:endParaRPr lang="zh-CN" altLang="en-US"/>
-          </a:p>
-        </p:txBody>
-      </p:sp>
-    </p:spTree>
-    <p:extLst>
-      <p:ext uri="{BB962C8B-B14F-4D97-AF65-F5344CB8AC3E}">
-        <p14:creationId xmlns:p14="http://schemas.microsoft.com/office/powerpoint/2010/main" val="3399625386"/>
-      </p:ext>
-    </p:extLst>
-  </p:cSld>
-  <p:clrMapOvr>
-    <a:masterClrMapping/>
-  </p:clrMapOvr>
-</p:sld>
-</file>
-
 <file path=ppt/tags/tag1.xml><?xml version="1.0" encoding="utf-8"?>
 <p:tagLst xmlns:a="http://schemas.openxmlformats.org/drawingml/2006/main" xmlns:r="http://schemas.openxmlformats.org/officeDocument/2006/relationships" xmlns:p="http://schemas.openxmlformats.org/presentationml/2006/main">
   <p:tag name="ISLIDE TOOLS.GUIDESSETTING" val="{&quot;Id&quot;:&quot;2d4375ee-8516-45e0-8956-45702a61a9b6&quot;,&quot;Name&quot;:&quot;iSlide&quot;,&quot;HeaderHeight&quot;:15.0,&quot;FooterHeight&quot;:9.0000000000000036,&quot;SideMargin&quot;:5.4999999999999982,&quot;TopMargin&quot;:0.0,&quot;BottomMargin&quot;:0.0,&quot;IntervalMargin&quot;:1.3999999999999997}"/>
-  <p:tag name="ISLIDE.GUIDESSETTING" val="{&quot;Id&quot;:&quot;GuidesStyle_Normal&quot;,&quot;Name&quot;:&quot;正常&quot;,&quot;HeaderHeight&quot;:15.0,&quot;FooterHeight&quot;:9.0,&quot;SideMargin&quot;:5.5,&quot;TopMargin&quot;:0.0,&quot;BottomMargin&quot;:0.0,&quot;IntervalMargin&quot;:1.5}"/>
   <p:tag name="ISLIDE.THEME" val="adb7b82f-fffe-4569-b84a-2f8768b349b1"/>
+  <p:tag name="ISLIDE.GUIDESSETTING" val="{&quot;Id&quot;:null,&quot;Name&quot;:&quot;正常&quot;,&quot;HeaderHeight&quot;:15.0,&quot;FooterHeight&quot;:9.0,&quot;SideMargin&quot;:5.5,&quot;TopMargin&quot;:0.0,&quot;BottomMargin&quot;:0.0,&quot;IntervalMargin&quot;:1.5,&quot;SettingType&quot;:&quot;System&quot;}"/>
 </p:tagLst>
 </file>
 

--- a/开题/基于深度学习的漏洞扫描系统.pptx
+++ b/开题/基于深度学习的漏洞扫描系统.pptx
@@ -5,40 +5,41 @@
     <p:sldMasterId id="2147483648" r:id="rId1"/>
   </p:sldMasterIdLst>
   <p:notesMasterIdLst>
-    <p:notesMasterId r:id="rId25"/>
+    <p:notesMasterId r:id="rId26"/>
   </p:notesMasterIdLst>
   <p:handoutMasterIdLst>
-    <p:handoutMasterId r:id="rId26"/>
+    <p:handoutMasterId r:id="rId27"/>
   </p:handoutMasterIdLst>
   <p:sldIdLst>
     <p:sldId id="256" r:id="rId2"/>
     <p:sldId id="258" r:id="rId3"/>
     <p:sldId id="262" r:id="rId4"/>
-    <p:sldId id="285" r:id="rId5"/>
-    <p:sldId id="272" r:id="rId6"/>
-    <p:sldId id="284" r:id="rId7"/>
+    <p:sldId id="272" r:id="rId5"/>
+    <p:sldId id="284" r:id="rId6"/>
+    <p:sldId id="285" r:id="rId7"/>
     <p:sldId id="266" r:id="rId8"/>
     <p:sldId id="273" r:id="rId9"/>
     <p:sldId id="267" r:id="rId10"/>
-    <p:sldId id="274" r:id="rId11"/>
-    <p:sldId id="275" r:id="rId12"/>
-    <p:sldId id="283" r:id="rId13"/>
-    <p:sldId id="268" r:id="rId14"/>
-    <p:sldId id="277" r:id="rId15"/>
-    <p:sldId id="286" r:id="rId16"/>
-    <p:sldId id="287" r:id="rId17"/>
-    <p:sldId id="271" r:id="rId18"/>
-    <p:sldId id="276" r:id="rId19"/>
-    <p:sldId id="288" r:id="rId20"/>
-    <p:sldId id="289" r:id="rId21"/>
-    <p:sldId id="279" r:id="rId22"/>
-    <p:sldId id="280" r:id="rId23"/>
-    <p:sldId id="261" r:id="rId24"/>
+    <p:sldId id="290" r:id="rId11"/>
+    <p:sldId id="274" r:id="rId12"/>
+    <p:sldId id="275" r:id="rId13"/>
+    <p:sldId id="283" r:id="rId14"/>
+    <p:sldId id="268" r:id="rId15"/>
+    <p:sldId id="277" r:id="rId16"/>
+    <p:sldId id="286" r:id="rId17"/>
+    <p:sldId id="287" r:id="rId18"/>
+    <p:sldId id="271" r:id="rId19"/>
+    <p:sldId id="276" r:id="rId20"/>
+    <p:sldId id="288" r:id="rId21"/>
+    <p:sldId id="289" r:id="rId22"/>
+    <p:sldId id="279" r:id="rId23"/>
+    <p:sldId id="280" r:id="rId24"/>
+    <p:sldId id="261" r:id="rId25"/>
   </p:sldIdLst>
   <p:sldSz cx="12192000" cy="6858000"/>
   <p:notesSz cx="6858000" cy="9144000"/>
   <p:custDataLst>
-    <p:tags r:id="rId27"/>
+    <p:tags r:id="rId28"/>
   </p:custDataLst>
   <p:defaultTextStyle>
     <a:defPPr>
@@ -228,7 +229,7 @@
           <a:p>
             <a:fld id="{437C49B2-44E8-4EFD-A97B-B11A258AE913}" type="datetimeFigureOut">
               <a:rPr lang="zh-CN" altLang="en-US" smtClean="0"/>
-              <a:t>2019/6/22</a:t>
+              <a:t>2019/10/8</a:t>
             </a:fld>
             <a:endParaRPr lang="zh-CN" altLang="en-US"/>
           </a:p>
@@ -393,7 +394,7 @@
           <a:p>
             <a:fld id="{E86D8963-CFCD-4740-AF60-049850373CDF}" type="datetimeFigureOut">
               <a:rPr lang="zh-CN" altLang="en-US" smtClean="0"/>
-              <a:t>2019/6/22</a:t>
+              <a:t>2019/10/8</a:t>
             </a:fld>
             <a:endParaRPr lang="zh-CN" altLang="en-US"/>
           </a:p>
@@ -744,6 +745,90 @@
 </p:notes>
 </file>
 
+<file path=ppt/notesSlides/notesSlide10.xml><?xml version="1.0" encoding="utf-8"?>
+<p:notes xmlns:a="http://schemas.openxmlformats.org/drawingml/2006/main" xmlns:r="http://schemas.openxmlformats.org/officeDocument/2006/relationships" xmlns:p="http://schemas.openxmlformats.org/presentationml/2006/main">
+  <p:cSld>
+    <p:spTree>
+      <p:nvGrpSpPr>
+        <p:cNvPr id="1" name=""/>
+        <p:cNvGrpSpPr/>
+        <p:nvPr/>
+      </p:nvGrpSpPr>
+      <p:grpSpPr>
+        <a:xfrm>
+          <a:off x="0" y="0"/>
+          <a:ext cx="0" cy="0"/>
+          <a:chOff x="0" y="0"/>
+          <a:chExt cx="0" cy="0"/>
+        </a:xfrm>
+      </p:grpSpPr>
+      <p:sp>
+        <p:nvSpPr>
+          <p:cNvPr id="2" name="幻灯片图像占位符 1"/>
+          <p:cNvSpPr>
+            <a:spLocks noGrp="1" noRot="1" noChangeAspect="1"/>
+          </p:cNvSpPr>
+          <p:nvPr>
+            <p:ph type="sldImg"/>
+          </p:nvPr>
+        </p:nvSpPr>
+        <p:spPr/>
+      </p:sp>
+      <p:sp>
+        <p:nvSpPr>
+          <p:cNvPr id="3" name="备注占位符 2"/>
+          <p:cNvSpPr>
+            <a:spLocks noGrp="1"/>
+          </p:cNvSpPr>
+          <p:nvPr>
+            <p:ph type="body" idx="1"/>
+          </p:nvPr>
+        </p:nvSpPr>
+        <p:spPr/>
+        <p:txBody>
+          <a:bodyPr/>
+          <a:lstStyle/>
+          <a:p>
+            <a:endParaRPr lang="zh-CN" altLang="en-US" dirty="0"/>
+          </a:p>
+        </p:txBody>
+      </p:sp>
+      <p:sp>
+        <p:nvSpPr>
+          <p:cNvPr id="4" name="灯片编号占位符 3"/>
+          <p:cNvSpPr>
+            <a:spLocks noGrp="1"/>
+          </p:cNvSpPr>
+          <p:nvPr>
+            <p:ph type="sldNum" sz="quarter" idx="5"/>
+          </p:nvPr>
+        </p:nvSpPr>
+        <p:spPr/>
+        <p:txBody>
+          <a:bodyPr/>
+          <a:lstStyle/>
+          <a:p>
+            <a:fld id="{E9E6FDB6-6D2B-46C1-9FA1-D82906A37C3A}" type="slidenum">
+              <a:rPr lang="zh-CN" altLang="en-US" smtClean="0"/>
+              <a:t>24</a:t>
+            </a:fld>
+            <a:endParaRPr lang="zh-CN" altLang="en-US"/>
+          </a:p>
+        </p:txBody>
+      </p:sp>
+    </p:spTree>
+    <p:extLst>
+      <p:ext uri="{BB962C8B-B14F-4D97-AF65-F5344CB8AC3E}">
+        <p14:creationId xmlns:p14="http://schemas.microsoft.com/office/powerpoint/2010/main" val="3122866370"/>
+      </p:ext>
+    </p:extLst>
+  </p:cSld>
+  <p:clrMapOvr>
+    <a:masterClrMapping/>
+  </p:clrMapOvr>
+</p:notes>
+</file>
+
 <file path=ppt/notesSlides/notesSlide2.xml><?xml version="1.0" encoding="utf-8"?>
 <p:notes xmlns:a="http://schemas.openxmlformats.org/drawingml/2006/main" xmlns:r="http://schemas.openxmlformats.org/officeDocument/2006/relationships" xmlns:p="http://schemas.openxmlformats.org/presentationml/2006/main">
   <p:cSld>
@@ -809,7 +894,7 @@
           <a:p>
             <a:fld id="{E9E6FDB6-6D2B-46C1-9FA1-D82906A37C3A}" type="slidenum">
               <a:rPr lang="zh-CN" altLang="en-US" smtClean="0"/>
-              <a:t>4</a:t>
+              <a:t>5</a:t>
             </a:fld>
             <a:endParaRPr lang="zh-CN" altLang="en-US"/>
           </a:p>
@@ -818,7 +903,7 @@
     </p:spTree>
     <p:extLst>
       <p:ext uri="{BB962C8B-B14F-4D97-AF65-F5344CB8AC3E}">
-        <p14:creationId xmlns:p14="http://schemas.microsoft.com/office/powerpoint/2010/main" val="569999232"/>
+        <p14:creationId xmlns:p14="http://schemas.microsoft.com/office/powerpoint/2010/main" val="3399603065"/>
       </p:ext>
     </p:extLst>
   </p:cSld>
@@ -902,7 +987,7 @@
     </p:spTree>
     <p:extLst>
       <p:ext uri="{BB962C8B-B14F-4D97-AF65-F5344CB8AC3E}">
-        <p14:creationId xmlns:p14="http://schemas.microsoft.com/office/powerpoint/2010/main" val="3399603065"/>
+        <p14:creationId xmlns:p14="http://schemas.microsoft.com/office/powerpoint/2010/main" val="569999232"/>
       </p:ext>
     </p:extLst>
   </p:cSld>
@@ -977,7 +1062,7 @@
           <a:p>
             <a:fld id="{E9E6FDB6-6D2B-46C1-9FA1-D82906A37C3A}" type="slidenum">
               <a:rPr lang="zh-CN" altLang="en-US" smtClean="0"/>
-              <a:t>9</a:t>
+              <a:t>7</a:t>
             </a:fld>
             <a:endParaRPr lang="zh-CN" altLang="en-US"/>
           </a:p>
@@ -986,7 +1071,7 @@
     </p:spTree>
     <p:extLst>
       <p:ext uri="{BB962C8B-B14F-4D97-AF65-F5344CB8AC3E}">
-        <p14:creationId xmlns:p14="http://schemas.microsoft.com/office/powerpoint/2010/main" val="4136451131"/>
+        <p14:creationId xmlns:p14="http://schemas.microsoft.com/office/powerpoint/2010/main" val="3738659877"/>
       </p:ext>
     </p:extLst>
   </p:cSld>
@@ -1061,7 +1146,7 @@
           <a:p>
             <a:fld id="{E9E6FDB6-6D2B-46C1-9FA1-D82906A37C3A}" type="slidenum">
               <a:rPr lang="zh-CN" altLang="en-US" smtClean="0"/>
-              <a:t>13</a:t>
+              <a:t>9</a:t>
             </a:fld>
             <a:endParaRPr lang="zh-CN" altLang="en-US"/>
           </a:p>
@@ -1070,7 +1155,7 @@
     </p:spTree>
     <p:extLst>
       <p:ext uri="{BB962C8B-B14F-4D97-AF65-F5344CB8AC3E}">
-        <p14:creationId xmlns:p14="http://schemas.microsoft.com/office/powerpoint/2010/main" val="243792248"/>
+        <p14:creationId xmlns:p14="http://schemas.microsoft.com/office/powerpoint/2010/main" val="4136451131"/>
       </p:ext>
     </p:extLst>
   </p:cSld>
@@ -1154,7 +1239,7 @@
     </p:spTree>
     <p:extLst>
       <p:ext uri="{BB962C8B-B14F-4D97-AF65-F5344CB8AC3E}">
-        <p14:creationId xmlns:p14="http://schemas.microsoft.com/office/powerpoint/2010/main" val="350807330"/>
+        <p14:creationId xmlns:p14="http://schemas.microsoft.com/office/powerpoint/2010/main" val="243792248"/>
       </p:ext>
     </p:extLst>
   </p:cSld>
@@ -1208,18 +1293,7 @@
           <a:bodyPr/>
           <a:lstStyle/>
           <a:p>
-            <a:r>
-              <a:rPr lang="zh-CN" altLang="en-US" dirty="0"/>
-              <a:t>即使</a:t>
-            </a:r>
-            <a:r>
-              <a:rPr lang="en-US" altLang="zh-CN" dirty="0"/>
-              <a:t>F1</a:t>
-            </a:r>
-            <a:r>
-              <a:rPr lang="zh-CN" altLang="en-US" dirty="0"/>
-              <a:t>没有提升我们也可以说我们可以优先筛选出最有可能是漏洞的代码供安全人员审计</a:t>
-            </a:r>
+            <a:endParaRPr lang="zh-CN" altLang="en-US" dirty="0"/>
           </a:p>
         </p:txBody>
       </p:sp>
@@ -1240,7 +1314,7 @@
           <a:p>
             <a:fld id="{E9E6FDB6-6D2B-46C1-9FA1-D82906A37C3A}" type="slidenum">
               <a:rPr lang="zh-CN" altLang="en-US" smtClean="0"/>
-              <a:t>18</a:t>
+              <a:t>15</a:t>
             </a:fld>
             <a:endParaRPr lang="zh-CN" altLang="en-US"/>
           </a:p>
@@ -1249,7 +1323,7 @@
     </p:spTree>
     <p:extLst>
       <p:ext uri="{BB962C8B-B14F-4D97-AF65-F5344CB8AC3E}">
-        <p14:creationId xmlns:p14="http://schemas.microsoft.com/office/powerpoint/2010/main" val="1905620824"/>
+        <p14:creationId xmlns:p14="http://schemas.microsoft.com/office/powerpoint/2010/main" val="350807330"/>
       </p:ext>
     </p:extLst>
   </p:cSld>
@@ -1305,15 +1379,15 @@
           <a:p>
             <a:r>
               <a:rPr lang="zh-CN" altLang="en-US" dirty="0"/>
-              <a:t>需要解决的问题可以转化为研究的</a:t>
+              <a:t>即使</a:t>
             </a:r>
             <a:r>
               <a:rPr lang="en-US" altLang="zh-CN" dirty="0"/>
-              <a:t>Limitations</a:t>
+              <a:t>F1</a:t>
             </a:r>
             <a:r>
               <a:rPr lang="zh-CN" altLang="en-US" dirty="0"/>
-              <a:t>，但是有的问题亟待解决</a:t>
+              <a:t>没有提升我们也可以说我们可以优先筛选出最有可能是漏洞的代码供安全人员审计</a:t>
             </a:r>
           </a:p>
         </p:txBody>
@@ -1335,7 +1409,7 @@
           <a:p>
             <a:fld id="{E9E6FDB6-6D2B-46C1-9FA1-D82906A37C3A}" type="slidenum">
               <a:rPr lang="zh-CN" altLang="en-US" smtClean="0"/>
-              <a:t>22</a:t>
+              <a:t>19</a:t>
             </a:fld>
             <a:endParaRPr lang="zh-CN" altLang="en-US"/>
           </a:p>
@@ -1344,7 +1418,7 @@
     </p:spTree>
     <p:extLst>
       <p:ext uri="{BB962C8B-B14F-4D97-AF65-F5344CB8AC3E}">
-        <p14:creationId xmlns:p14="http://schemas.microsoft.com/office/powerpoint/2010/main" val="1531218954"/>
+        <p14:creationId xmlns:p14="http://schemas.microsoft.com/office/powerpoint/2010/main" val="1905620824"/>
       </p:ext>
     </p:extLst>
   </p:cSld>
@@ -1398,7 +1472,18 @@
           <a:bodyPr/>
           <a:lstStyle/>
           <a:p>
-            <a:endParaRPr lang="zh-CN" altLang="en-US" dirty="0"/>
+            <a:r>
+              <a:rPr lang="zh-CN" altLang="en-US" dirty="0"/>
+              <a:t>需要解决的问题可以转化为研究的</a:t>
+            </a:r>
+            <a:r>
+              <a:rPr lang="en-US" altLang="zh-CN" dirty="0"/>
+              <a:t>Limitations</a:t>
+            </a:r>
+            <a:r>
+              <a:rPr lang="zh-CN" altLang="en-US" dirty="0"/>
+              <a:t>，但是有的问题亟待解决</a:t>
+            </a:r>
           </a:p>
         </p:txBody>
       </p:sp>
@@ -1428,7 +1513,7 @@
     </p:spTree>
     <p:extLst>
       <p:ext uri="{BB962C8B-B14F-4D97-AF65-F5344CB8AC3E}">
-        <p14:creationId xmlns:p14="http://schemas.microsoft.com/office/powerpoint/2010/main" val="3122866370"/>
+        <p14:creationId xmlns:p14="http://schemas.microsoft.com/office/powerpoint/2010/main" val="1531218954"/>
       </p:ext>
     </p:extLst>
   </p:cSld>
@@ -2143,7 +2228,7 @@
             <a:fld id="{6489D9C7-5DC6-4263-87FF-7C99F6FB63C3}" type="datetime1">
               <a:rPr lang="zh-CN" altLang="en-US" smtClean="0"/>
               <a:pPr/>
-              <a:t>2019/6/22</a:t>
+              <a:t>2019/10/8</a:t>
             </a:fld>
             <a:endParaRPr lang="zh-CN" altLang="en-US"/>
           </a:p>
@@ -2300,7 +2385,7 @@
             <a:fld id="{6489D9C7-5DC6-4263-87FF-7C99F6FB63C3}" type="datetime1">
               <a:rPr lang="zh-CN" altLang="en-US" smtClean="0"/>
               <a:pPr/>
-              <a:t>2019/6/22</a:t>
+              <a:t>2019/10/8</a:t>
             </a:fld>
             <a:endParaRPr lang="zh-CN" altLang="en-US"/>
           </a:p>
@@ -2686,7 +2771,7 @@
             <a:fld id="{6489D9C7-5DC6-4263-87FF-7C99F6FB63C3}" type="datetime1">
               <a:rPr lang="zh-CN" altLang="en-US" smtClean="0"/>
               <a:pPr/>
-              <a:t>2019/6/22</a:t>
+              <a:t>2019/10/8</a:t>
             </a:fld>
             <a:endParaRPr lang="zh-CN" altLang="en-US"/>
           </a:p>
@@ -2906,7 +2991,7 @@
             <a:fld id="{6489D9C7-5DC6-4263-87FF-7C99F6FB63C3}" type="datetime1">
               <a:rPr lang="zh-CN" altLang="en-US" smtClean="0"/>
               <a:pPr/>
-              <a:t>2019/6/22</a:t>
+              <a:t>2019/10/8</a:t>
             </a:fld>
             <a:endParaRPr lang="zh-CN" altLang="en-US"/>
           </a:p>
@@ -3868,6 +3953,2714 @@
       </p:grpSpPr>
       <p:sp>
         <p:nvSpPr>
+          <p:cNvPr id="2" name="标题 1">
+            <a:extLst>
+              <a:ext uri="{FF2B5EF4-FFF2-40B4-BE49-F238E27FC236}">
+                <a16:creationId xmlns:a16="http://schemas.microsoft.com/office/drawing/2014/main" id="{1F74C134-072D-4F8B-ABED-0599357BDDE5}"/>
+              </a:ext>
+            </a:extLst>
+          </p:cNvPr>
+          <p:cNvSpPr>
+            <a:spLocks noGrp="1"/>
+          </p:cNvSpPr>
+          <p:nvPr>
+            <p:ph type="title"/>
+          </p:nvPr>
+        </p:nvSpPr>
+        <p:spPr/>
+        <p:txBody>
+          <a:bodyPr/>
+          <a:lstStyle/>
+          <a:p>
+            <a:r>
+              <a:rPr lang="zh-CN" altLang="en-US" dirty="0"/>
+              <a:t>国内外研究现状</a:t>
+            </a:r>
+            <a:r>
+              <a:rPr lang="en-US" altLang="zh-CN" dirty="0"/>
+              <a:t>——</a:t>
+            </a:r>
+            <a:r>
+              <a:rPr lang="zh-CN" altLang="en-US" dirty="0"/>
+              <a:t>相似度</a:t>
+            </a:r>
+            <a:r>
+              <a:rPr lang="en-US" altLang="zh-CN" dirty="0"/>
+              <a:t>vs</a:t>
+            </a:r>
+            <a:r>
+              <a:rPr lang="zh-CN" altLang="en-US" dirty="0"/>
+              <a:t>漏洞特征</a:t>
+            </a:r>
+          </a:p>
+        </p:txBody>
+      </p:sp>
+      <p:sp>
+        <p:nvSpPr>
+          <p:cNvPr id="4" name="页脚占位符 3">
+            <a:extLst>
+              <a:ext uri="{FF2B5EF4-FFF2-40B4-BE49-F238E27FC236}">
+                <a16:creationId xmlns:a16="http://schemas.microsoft.com/office/drawing/2014/main" id="{9BC88DBA-F904-44E8-8B4F-7A8DBD929C44}"/>
+              </a:ext>
+            </a:extLst>
+          </p:cNvPr>
+          <p:cNvSpPr>
+            <a:spLocks noGrp="1"/>
+          </p:cNvSpPr>
+          <p:nvPr>
+            <p:ph type="ftr" sz="quarter" idx="11"/>
+          </p:nvPr>
+        </p:nvSpPr>
+        <p:spPr/>
+        <p:txBody>
+          <a:bodyPr/>
+          <a:lstStyle/>
+          <a:p>
+            <a:r>
+              <a:rPr lang="en-US" altLang="zh-CN"/>
+              <a:t>www.islide.cc</a:t>
+            </a:r>
+            <a:endParaRPr lang="zh-CN" altLang="en-US" dirty="0"/>
+          </a:p>
+        </p:txBody>
+      </p:sp>
+      <p:sp>
+        <p:nvSpPr>
+          <p:cNvPr id="5" name="灯片编号占位符 4">
+            <a:extLst>
+              <a:ext uri="{FF2B5EF4-FFF2-40B4-BE49-F238E27FC236}">
+                <a16:creationId xmlns:a16="http://schemas.microsoft.com/office/drawing/2014/main" id="{6D1AB4C5-4D08-4178-8DE2-8834EA882044}"/>
+              </a:ext>
+            </a:extLst>
+          </p:cNvPr>
+          <p:cNvSpPr>
+            <a:spLocks noGrp="1"/>
+          </p:cNvSpPr>
+          <p:nvPr>
+            <p:ph type="sldNum" sz="quarter" idx="12"/>
+          </p:nvPr>
+        </p:nvSpPr>
+        <p:spPr/>
+        <p:txBody>
+          <a:bodyPr/>
+          <a:lstStyle/>
+          <a:p>
+            <a:fld id="{5DD3DB80-B894-403A-B48E-6FDC1A72010E}" type="slidenum">
+              <a:rPr lang="zh-CN" altLang="en-US" smtClean="0"/>
+              <a:pPr/>
+              <a:t>10</a:t>
+            </a:fld>
+            <a:endParaRPr lang="zh-CN" altLang="en-US"/>
+          </a:p>
+        </p:txBody>
+      </p:sp>
+      <p:grpSp>
+        <p:nvGrpSpPr>
+          <p:cNvPr id="6" name="3251" descr="本素材由iSlide™ 提供&#10;iSlide™尊重知识产权并注重保护用户享有的各项权利。郑重提醒您：&#10;iSlide™插件中提供的任何信息内容的所有权、知识产权归其原始权利人或权利受让人所有，您免费/购买获得的是信息内容的使用权，并受下述条款的约束；&#10;1. 您仅可以个人非商业用途使用该等信息内容，不可将信息内容的全部或部分用于出售，或以出租、出借、转让、分销、发布等其他任何方式供他人使用；&#10;2. 禁止在接入互联网或移动互联网的任何网站、平台、应用或程序上以任何方式为他人提供iSlide™插件资源内容的下载。&#10;The resource is supplied by iSlide™.&#10;iSlide™ respects all intellectual property rights and protects all the rights its users acquired.Solemnly remind you:&#10;The ownership and intellectual property of the resources supplied in iSlide Add-in belongs to its owner or the assignee of this ownership.you only acquired the usage of the resources supplied in iSlide Add-in, as well as respected the following restrain terms:&#10;1.You are only allowed to use such resource for personal and non-commercial aim, not allowed to use such resource or part of it for the sale; or rent, lend, transfer to others; or distribution or release it in any way.&#10;2.You are not permitted to provide the resource of iSlide Add-in in any website, platform, application access to the Internet or mobile Internet." title="iSlide™ 版权声明  COPYRIGHT NOTICE">
+            <a:extLst>
+              <a:ext uri="{FF2B5EF4-FFF2-40B4-BE49-F238E27FC236}">
+                <a16:creationId xmlns:a16="http://schemas.microsoft.com/office/drawing/2014/main" id="{E7E4F435-08B7-4359-AE9E-AE259BE27322}"/>
+              </a:ext>
+            </a:extLst>
+          </p:cNvPr>
+          <p:cNvGrpSpPr>
+            <a:grpSpLocks noChangeAspect="1"/>
+          </p:cNvGrpSpPr>
+          <p:nvPr>
+            <p:custDataLst>
+              <p:tags r:id="rId1"/>
+            </p:custDataLst>
+          </p:nvPr>
+        </p:nvGrpSpPr>
+        <p:grpSpPr>
+          <a:xfrm>
+            <a:off x="669924" y="1749258"/>
+            <a:ext cx="10749437" cy="3613065"/>
+            <a:chOff x="662014" y="1687952"/>
+            <a:chExt cx="10860539" cy="3650408"/>
+          </a:xfrm>
+        </p:grpSpPr>
+        <p:grpSp>
+          <p:nvGrpSpPr>
+            <p:cNvPr id="7" name="ï$ľïḋê">
+              <a:extLst>
+                <a:ext uri="{FF2B5EF4-FFF2-40B4-BE49-F238E27FC236}">
+                  <a16:creationId xmlns:a16="http://schemas.microsoft.com/office/drawing/2014/main" id="{9EF6A539-CB28-4191-9785-67816B4283F8}"/>
+                </a:ext>
+              </a:extLst>
+            </p:cNvPr>
+            <p:cNvGrpSpPr/>
+            <p:nvPr/>
+          </p:nvGrpSpPr>
+          <p:grpSpPr>
+            <a:xfrm>
+              <a:off x="4394200" y="2373317"/>
+              <a:ext cx="3403603" cy="2475425"/>
+              <a:chOff x="4379297" y="1952067"/>
+              <a:chExt cx="3054959" cy="2221859"/>
+            </a:xfrm>
+          </p:grpSpPr>
+          <p:sp>
+            <p:nvSpPr>
+              <p:cNvPr id="26" name="îśḷíḍê">
+                <a:extLst>
+                  <a:ext uri="{FF2B5EF4-FFF2-40B4-BE49-F238E27FC236}">
+                    <a16:creationId xmlns:a16="http://schemas.microsoft.com/office/drawing/2014/main" id="{EEB1B6EC-C4FE-4C80-97F8-CA1029115AFE}"/>
+                  </a:ext>
+                </a:extLst>
+              </p:cNvPr>
+              <p:cNvSpPr/>
+              <p:nvPr/>
+            </p:nvSpPr>
+            <p:spPr>
+              <a:xfrm rot="10800000">
+                <a:off x="5947546" y="1952067"/>
+                <a:ext cx="1486710" cy="1486710"/>
+              </a:xfrm>
+              <a:prstGeom prst="teardrop">
+                <a:avLst/>
+              </a:prstGeom>
+              <a:solidFill>
+                <a:schemeClr val="bg1">
+                  <a:lumMod val="50000"/>
+                </a:schemeClr>
+              </a:solidFill>
+              <a:ln>
+                <a:noFill/>
+              </a:ln>
+            </p:spPr>
+            <p:style>
+              <a:lnRef idx="2">
+                <a:schemeClr val="accent1">
+                  <a:shade val="50000"/>
+                </a:schemeClr>
+              </a:lnRef>
+              <a:fillRef idx="1">
+                <a:schemeClr val="accent1"/>
+              </a:fillRef>
+              <a:effectRef idx="0">
+                <a:schemeClr val="accent1"/>
+              </a:effectRef>
+              <a:fontRef idx="minor">
+                <a:schemeClr val="lt1"/>
+              </a:fontRef>
+            </p:style>
+            <p:txBody>
+              <a:bodyPr wrap="square" lIns="91440" tIns="45720" rIns="91440" bIns="45720" anchor="ctr">
+                <a:normAutofit/>
+              </a:bodyPr>
+              <a:lstStyle/>
+              <a:p>
+                <a:pPr algn="ctr"/>
+                <a:endParaRPr/>
+              </a:p>
+            </p:txBody>
+          </p:sp>
+          <p:sp>
+            <p:nvSpPr>
+              <p:cNvPr id="27" name="îŝ1íḑè">
+                <a:extLst>
+                  <a:ext uri="{FF2B5EF4-FFF2-40B4-BE49-F238E27FC236}">
+                    <a16:creationId xmlns:a16="http://schemas.microsoft.com/office/drawing/2014/main" id="{EAA9BD3C-FFFF-4467-9C7A-255265BE30F3}"/>
+                  </a:ext>
+                </a:extLst>
+              </p:cNvPr>
+              <p:cNvSpPr/>
+              <p:nvPr/>
+            </p:nvSpPr>
+            <p:spPr>
+              <a:xfrm>
+                <a:off x="4379297" y="2687216"/>
+                <a:ext cx="1486710" cy="1486710"/>
+              </a:xfrm>
+              <a:prstGeom prst="teardrop">
+                <a:avLst/>
+              </a:prstGeom>
+              <a:solidFill>
+                <a:schemeClr val="accent1"/>
+              </a:solidFill>
+              <a:ln>
+                <a:noFill/>
+              </a:ln>
+            </p:spPr>
+            <p:style>
+              <a:lnRef idx="2">
+                <a:schemeClr val="accent1">
+                  <a:shade val="50000"/>
+                </a:schemeClr>
+              </a:lnRef>
+              <a:fillRef idx="1">
+                <a:schemeClr val="accent1"/>
+              </a:fillRef>
+              <a:effectRef idx="0">
+                <a:schemeClr val="accent1"/>
+              </a:effectRef>
+              <a:fontRef idx="minor">
+                <a:schemeClr val="lt1"/>
+              </a:fontRef>
+            </p:style>
+            <p:txBody>
+              <a:bodyPr wrap="square" lIns="91440" tIns="45720" rIns="91440" bIns="45720" anchor="ctr">
+                <a:normAutofit/>
+              </a:bodyPr>
+              <a:lstStyle/>
+              <a:p>
+                <a:pPr algn="ctr"/>
+                <a:endParaRPr/>
+              </a:p>
+            </p:txBody>
+          </p:sp>
+          <p:sp>
+            <p:nvSpPr>
+              <p:cNvPr id="28" name="iśliďé">
+                <a:extLst>
+                  <a:ext uri="{FF2B5EF4-FFF2-40B4-BE49-F238E27FC236}">
+                    <a16:creationId xmlns:a16="http://schemas.microsoft.com/office/drawing/2014/main" id="{DAB220C9-DAC5-481C-8121-D7A997E16DB8}"/>
+                  </a:ext>
+                </a:extLst>
+              </p:cNvPr>
+              <p:cNvSpPr txBox="1"/>
+              <p:nvPr/>
+            </p:nvSpPr>
+            <p:spPr>
+              <a:xfrm>
+                <a:off x="6080128" y="2293799"/>
+                <a:ext cx="1179384" cy="865217"/>
+              </a:xfrm>
+              <a:prstGeom prst="rect">
+                <a:avLst/>
+              </a:prstGeom>
+              <a:noFill/>
+            </p:spPr>
+            <p:txBody>
+              <a:bodyPr wrap="square" lIns="91440" tIns="45720" rIns="91440" bIns="45720" anchor="ctr" anchorCtr="1">
+                <a:normAutofit/>
+              </a:bodyPr>
+              <a:lstStyle/>
+              <a:p>
+                <a:pPr algn="ctr"/>
+                <a:r>
+                  <a:rPr lang="zh-CN" altLang="en-US" sz="2000" i="1" dirty="0">
+                    <a:solidFill>
+                      <a:schemeClr val="bg1"/>
+                    </a:solidFill>
+                  </a:rPr>
+                  <a:t>漏洞</a:t>
+                </a:r>
+                <a:endParaRPr lang="en-US" altLang="zh-CN" sz="2000" i="1" dirty="0">
+                  <a:solidFill>
+                    <a:schemeClr val="bg1"/>
+                  </a:solidFill>
+                </a:endParaRPr>
+              </a:p>
+              <a:p>
+                <a:pPr algn="ctr"/>
+                <a:r>
+                  <a:rPr lang="zh-CN" altLang="en-US" sz="2000" i="1" dirty="0">
+                    <a:solidFill>
+                      <a:schemeClr val="bg1"/>
+                    </a:solidFill>
+                  </a:rPr>
+                  <a:t>特征</a:t>
+                </a:r>
+              </a:p>
+            </p:txBody>
+          </p:sp>
+          <p:sp>
+            <p:nvSpPr>
+              <p:cNvPr id="29" name="ïšḷïḋé">
+                <a:extLst>
+                  <a:ext uri="{FF2B5EF4-FFF2-40B4-BE49-F238E27FC236}">
+                    <a16:creationId xmlns:a16="http://schemas.microsoft.com/office/drawing/2014/main" id="{E8FE3C8A-BB85-41C3-B13D-93ED126E51A1}"/>
+                  </a:ext>
+                </a:extLst>
+              </p:cNvPr>
+              <p:cNvSpPr txBox="1"/>
+              <p:nvPr/>
+            </p:nvSpPr>
+            <p:spPr>
+              <a:xfrm>
+                <a:off x="4508819" y="3116197"/>
+                <a:ext cx="1238371" cy="577461"/>
+              </a:xfrm>
+              <a:prstGeom prst="rect">
+                <a:avLst/>
+              </a:prstGeom>
+              <a:noFill/>
+            </p:spPr>
+            <p:txBody>
+              <a:bodyPr wrap="square" lIns="91440" tIns="45720" rIns="91440" bIns="45720" anchor="ctr" anchorCtr="1">
+                <a:normAutofit/>
+              </a:bodyPr>
+              <a:lstStyle/>
+              <a:p>
+                <a:pPr algn="ctr"/>
+                <a:r>
+                  <a:rPr lang="zh-CN" altLang="en-US" sz="2000" b="1" i="1" dirty="0">
+                    <a:solidFill>
+                      <a:schemeClr val="bg1"/>
+                    </a:solidFill>
+                  </a:rPr>
+                  <a:t>相似度</a:t>
+                </a:r>
+                <a:endParaRPr lang="zh-CN" altLang="en-US" sz="2000" i="1" dirty="0">
+                  <a:solidFill>
+                    <a:schemeClr val="bg1"/>
+                  </a:solidFill>
+                </a:endParaRPr>
+              </a:p>
+            </p:txBody>
+          </p:sp>
+        </p:grpSp>
+        <p:sp>
+          <p:nvSpPr>
+            <p:cNvPr id="8" name="ïṥḷiďè">
+              <a:extLst>
+                <a:ext uri="{FF2B5EF4-FFF2-40B4-BE49-F238E27FC236}">
+                  <a16:creationId xmlns:a16="http://schemas.microsoft.com/office/drawing/2014/main" id="{9216E492-4374-4203-AF22-81E40EC85291}"/>
+                </a:ext>
+              </a:extLst>
+            </p:cNvPr>
+            <p:cNvSpPr/>
+            <p:nvPr/>
+          </p:nvSpPr>
+          <p:spPr>
+            <a:xfrm>
+              <a:off x="669925" y="3278959"/>
+              <a:ext cx="2809070" cy="536255"/>
+            </a:xfrm>
+            <a:prstGeom prst="rect">
+              <a:avLst/>
+            </a:prstGeom>
+            <a:noFill/>
+            <a:ln>
+              <a:noFill/>
+            </a:ln>
+          </p:spPr>
+          <p:txBody>
+            <a:bodyPr wrap="square" lIns="91440" tIns="45720" rIns="91440" bIns="45720" anchor="ctr" anchorCtr="0">
+              <a:noAutofit/>
+            </a:bodyPr>
+            <a:lstStyle/>
+            <a:p>
+              <a:pPr algn="r">
+                <a:spcBef>
+                  <a:spcPct val="0"/>
+                </a:spcBef>
+              </a:pPr>
+              <a:r>
+                <a:rPr lang="en-US" altLang="zh-CN" sz="1100" b="1" dirty="0"/>
+                <a:t>LEOPARD: Identifying Vulnerable Code for Vulnerability Assessment through Program Metrics </a:t>
+              </a:r>
+            </a:p>
+          </p:txBody>
+        </p:sp>
+        <p:sp>
+          <p:nvSpPr>
+            <p:cNvPr id="9" name="isḷïḍe">
+              <a:extLst>
+                <a:ext uri="{FF2B5EF4-FFF2-40B4-BE49-F238E27FC236}">
+                  <a16:creationId xmlns:a16="http://schemas.microsoft.com/office/drawing/2014/main" id="{D73C3857-BE95-424F-891C-1ADD2205874A}"/>
+                </a:ext>
+              </a:extLst>
+            </p:cNvPr>
+            <p:cNvSpPr/>
+            <p:nvPr/>
+          </p:nvSpPr>
+          <p:spPr>
+            <a:xfrm>
+              <a:off x="662014" y="4799126"/>
+              <a:ext cx="2809069" cy="519991"/>
+            </a:xfrm>
+            <a:prstGeom prst="rect">
+              <a:avLst/>
+            </a:prstGeom>
+            <a:noFill/>
+            <a:ln>
+              <a:noFill/>
+            </a:ln>
+          </p:spPr>
+          <p:txBody>
+            <a:bodyPr wrap="square" lIns="91440" tIns="45720" rIns="91440" bIns="45720" anchor="ctr" anchorCtr="0">
+              <a:normAutofit fontScale="70000" lnSpcReduction="20000"/>
+            </a:bodyPr>
+            <a:lstStyle/>
+            <a:p>
+              <a:pPr algn="r">
+                <a:spcBef>
+                  <a:spcPct val="0"/>
+                </a:spcBef>
+              </a:pPr>
+              <a:r>
+                <a:rPr lang="en-US" altLang="zh-CN" sz="1600" b="1" dirty="0"/>
+                <a:t>Chucky: Exposing Missing Checks in Source Code for Vulnerability Discovery</a:t>
+              </a:r>
+            </a:p>
+          </p:txBody>
+        </p:sp>
+        <p:sp>
+          <p:nvSpPr>
+            <p:cNvPr id="10" name="iṥ1iḑê">
+              <a:extLst>
+                <a:ext uri="{FF2B5EF4-FFF2-40B4-BE49-F238E27FC236}">
+                  <a16:creationId xmlns:a16="http://schemas.microsoft.com/office/drawing/2014/main" id="{B0901B1F-0CE0-431D-809A-0AD025688C40}"/>
+                </a:ext>
+              </a:extLst>
+            </p:cNvPr>
+            <p:cNvSpPr/>
+            <p:nvPr/>
+          </p:nvSpPr>
+          <p:spPr>
+            <a:xfrm>
+              <a:off x="741933" y="1701188"/>
+              <a:ext cx="2809070" cy="547735"/>
+            </a:xfrm>
+            <a:prstGeom prst="rect">
+              <a:avLst/>
+            </a:prstGeom>
+            <a:noFill/>
+            <a:ln>
+              <a:noFill/>
+            </a:ln>
+          </p:spPr>
+          <p:txBody>
+            <a:bodyPr wrap="square" lIns="91440" tIns="45720" rIns="91440" bIns="45720" anchor="ctr" anchorCtr="0">
+              <a:normAutofit fontScale="77500" lnSpcReduction="20000"/>
+            </a:bodyPr>
+            <a:lstStyle/>
+            <a:p>
+              <a:pPr algn="r">
+                <a:spcBef>
+                  <a:spcPct val="0"/>
+                </a:spcBef>
+              </a:pPr>
+              <a:r>
+                <a:rPr lang="en-US" altLang="zh-CN" sz="1600" b="1" dirty="0" err="1"/>
+                <a:t>VulPecker</a:t>
+              </a:r>
+              <a:r>
+                <a:rPr lang="en-US" altLang="zh-CN" sz="1600" b="1" dirty="0"/>
+                <a:t>: An Automated Vulnerability Detection System Based on Code Similarity Analysis</a:t>
+              </a:r>
+            </a:p>
+          </p:txBody>
+        </p:sp>
+        <p:sp>
+          <p:nvSpPr>
+            <p:cNvPr id="11" name="îṩlíḑe">
+              <a:extLst>
+                <a:ext uri="{FF2B5EF4-FFF2-40B4-BE49-F238E27FC236}">
+                  <a16:creationId xmlns:a16="http://schemas.microsoft.com/office/drawing/2014/main" id="{98FC111F-0BDF-411A-9ABC-F68E8686630D}"/>
+                </a:ext>
+              </a:extLst>
+            </p:cNvPr>
+            <p:cNvSpPr/>
+            <p:nvPr/>
+          </p:nvSpPr>
+          <p:spPr>
+            <a:xfrm>
+              <a:off x="3604634" y="1726460"/>
+              <a:ext cx="522466" cy="522466"/>
+            </a:xfrm>
+            <a:prstGeom prst="ellipse">
+              <a:avLst/>
+            </a:prstGeom>
+            <a:noFill/>
+            <a:ln>
+              <a:solidFill>
+                <a:schemeClr val="accent1"/>
+              </a:solidFill>
+            </a:ln>
+            <a:effectLst/>
+          </p:spPr>
+          <p:style>
+            <a:lnRef idx="2">
+              <a:schemeClr val="accent1">
+                <a:shade val="50000"/>
+              </a:schemeClr>
+            </a:lnRef>
+            <a:fillRef idx="1">
+              <a:schemeClr val="accent1"/>
+            </a:fillRef>
+            <a:effectRef idx="0">
+              <a:schemeClr val="accent1"/>
+            </a:effectRef>
+            <a:fontRef idx="minor">
+              <a:schemeClr val="lt1"/>
+            </a:fontRef>
+          </p:style>
+          <p:txBody>
+            <a:bodyPr wrap="square" lIns="91440" tIns="45720" rIns="91440" bIns="45720" anchor="ctr">
+              <a:normAutofit lnSpcReduction="10000"/>
+            </a:bodyPr>
+            <a:lstStyle/>
+            <a:p>
+              <a:pPr algn="ctr"/>
+              <a:endParaRPr/>
+            </a:p>
+          </p:txBody>
+        </p:sp>
+        <p:sp>
+          <p:nvSpPr>
+            <p:cNvPr id="12" name="îşľïdé">
+              <a:extLst>
+                <a:ext uri="{FF2B5EF4-FFF2-40B4-BE49-F238E27FC236}">
+                  <a16:creationId xmlns:a16="http://schemas.microsoft.com/office/drawing/2014/main" id="{9B4CC9B7-6614-4CFE-86FA-6BAEBFDB224D}"/>
+                </a:ext>
+              </a:extLst>
+            </p:cNvPr>
+            <p:cNvSpPr/>
+            <p:nvPr/>
+          </p:nvSpPr>
+          <p:spPr>
+            <a:xfrm>
+              <a:off x="3604634" y="4787031"/>
+              <a:ext cx="522466" cy="522465"/>
+            </a:xfrm>
+            <a:prstGeom prst="ellipse">
+              <a:avLst/>
+            </a:prstGeom>
+            <a:noFill/>
+            <a:ln>
+              <a:solidFill>
+                <a:schemeClr val="accent1"/>
+              </a:solidFill>
+            </a:ln>
+            <a:effectLst/>
+          </p:spPr>
+          <p:style>
+            <a:lnRef idx="2">
+              <a:schemeClr val="accent1">
+                <a:shade val="50000"/>
+              </a:schemeClr>
+            </a:lnRef>
+            <a:fillRef idx="1">
+              <a:schemeClr val="accent1"/>
+            </a:fillRef>
+            <a:effectRef idx="0">
+              <a:schemeClr val="accent1"/>
+            </a:effectRef>
+            <a:fontRef idx="minor">
+              <a:schemeClr val="lt1"/>
+            </a:fontRef>
+          </p:style>
+          <p:txBody>
+            <a:bodyPr wrap="square" lIns="91440" tIns="45720" rIns="91440" bIns="45720" anchor="ctr">
+              <a:normAutofit lnSpcReduction="10000"/>
+            </a:bodyPr>
+            <a:lstStyle/>
+            <a:p>
+              <a:pPr algn="ctr"/>
+              <a:endParaRPr/>
+            </a:p>
+          </p:txBody>
+        </p:sp>
+        <p:sp>
+          <p:nvSpPr>
+            <p:cNvPr id="13" name="ïş1ïďe">
+              <a:extLst>
+                <a:ext uri="{FF2B5EF4-FFF2-40B4-BE49-F238E27FC236}">
+                  <a16:creationId xmlns:a16="http://schemas.microsoft.com/office/drawing/2014/main" id="{23CF1A95-9B30-4B16-809F-24FEAEF3A362}"/>
+                </a:ext>
+              </a:extLst>
+            </p:cNvPr>
+            <p:cNvSpPr/>
+            <p:nvPr/>
+          </p:nvSpPr>
+          <p:spPr>
+            <a:xfrm>
+              <a:off x="3604634" y="3292747"/>
+              <a:ext cx="522466" cy="522466"/>
+            </a:xfrm>
+            <a:prstGeom prst="ellipse">
+              <a:avLst/>
+            </a:prstGeom>
+            <a:noFill/>
+            <a:ln>
+              <a:solidFill>
+                <a:schemeClr val="accent1"/>
+              </a:solidFill>
+            </a:ln>
+            <a:effectLst/>
+          </p:spPr>
+          <p:style>
+            <a:lnRef idx="2">
+              <a:schemeClr val="accent1">
+                <a:shade val="50000"/>
+              </a:schemeClr>
+            </a:lnRef>
+            <a:fillRef idx="1">
+              <a:schemeClr val="accent1"/>
+            </a:fillRef>
+            <a:effectRef idx="0">
+              <a:schemeClr val="accent1"/>
+            </a:effectRef>
+            <a:fontRef idx="minor">
+              <a:schemeClr val="lt1"/>
+            </a:fontRef>
+          </p:style>
+          <p:txBody>
+            <a:bodyPr wrap="square" lIns="91440" tIns="45720" rIns="91440" bIns="45720" anchor="ctr">
+              <a:normAutofit lnSpcReduction="10000"/>
+            </a:bodyPr>
+            <a:lstStyle/>
+            <a:p>
+              <a:pPr algn="ctr"/>
+              <a:endParaRPr/>
+            </a:p>
+          </p:txBody>
+        </p:sp>
+        <p:sp>
+          <p:nvSpPr>
+            <p:cNvPr id="14" name="ïş1iḑè">
+              <a:extLst>
+                <a:ext uri="{FF2B5EF4-FFF2-40B4-BE49-F238E27FC236}">
+                  <a16:creationId xmlns:a16="http://schemas.microsoft.com/office/drawing/2014/main" id="{B7C06663-7EB5-4C33-BBA8-42728A91CFBE}"/>
+                </a:ext>
+              </a:extLst>
+            </p:cNvPr>
+            <p:cNvSpPr/>
+            <p:nvPr/>
+          </p:nvSpPr>
+          <p:spPr>
+            <a:xfrm>
+              <a:off x="3757214" y="1884548"/>
+              <a:ext cx="217308" cy="206260"/>
+            </a:xfrm>
+            <a:custGeom>
+              <a:avLst/>
+              <a:gdLst/>
+              <a:ahLst/>
+              <a:cxnLst/>
+              <a:rect l="0" t="0" r="0" b="0"/>
+              <a:pathLst>
+                <a:path w="120000" h="120000" extrusionOk="0">
+                  <a:moveTo>
+                    <a:pt x="119800" y="63664"/>
+                  </a:moveTo>
+                  <a:lnTo>
+                    <a:pt x="119800" y="63664"/>
+                  </a:lnTo>
+                  <a:cubicBezTo>
+                    <a:pt x="119800" y="66596"/>
+                    <a:pt x="118405" y="69528"/>
+                    <a:pt x="114219" y="69528"/>
+                  </a:cubicBezTo>
+                  <a:cubicBezTo>
+                    <a:pt x="112823" y="69528"/>
+                    <a:pt x="111428" y="68062"/>
+                    <a:pt x="111428" y="68062"/>
+                  </a:cubicBezTo>
+                  <a:lnTo>
+                    <a:pt x="111428" y="68062"/>
+                  </a:lnTo>
+                  <a:cubicBezTo>
+                    <a:pt x="60598" y="14869"/>
+                    <a:pt x="60598" y="14869"/>
+                    <a:pt x="60598" y="14869"/>
+                  </a:cubicBezTo>
+                  <a:lnTo>
+                    <a:pt x="60598" y="14869"/>
+                  </a:lnTo>
+                  <a:lnTo>
+                    <a:pt x="60598" y="14869"/>
+                  </a:lnTo>
+                  <a:lnTo>
+                    <a:pt x="60598" y="14869"/>
+                  </a:lnTo>
+                  <a:cubicBezTo>
+                    <a:pt x="9966" y="68062"/>
+                    <a:pt x="9966" y="68062"/>
+                    <a:pt x="9966" y="68062"/>
+                  </a:cubicBezTo>
+                  <a:lnTo>
+                    <a:pt x="9966" y="68062"/>
+                  </a:lnTo>
+                  <a:cubicBezTo>
+                    <a:pt x="8571" y="68062"/>
+                    <a:pt x="7176" y="69528"/>
+                    <a:pt x="5780" y="69528"/>
+                  </a:cubicBezTo>
+                  <a:cubicBezTo>
+                    <a:pt x="2990" y="69528"/>
+                    <a:pt x="0" y="66596"/>
+                    <a:pt x="0" y="63664"/>
+                  </a:cubicBezTo>
+                  <a:cubicBezTo>
+                    <a:pt x="0" y="62198"/>
+                    <a:pt x="0" y="60523"/>
+                    <a:pt x="1395" y="59057"/>
+                  </a:cubicBezTo>
+                  <a:cubicBezTo>
+                    <a:pt x="56411" y="1465"/>
+                    <a:pt x="56411" y="1465"/>
+                    <a:pt x="56411" y="1465"/>
+                  </a:cubicBezTo>
+                  <a:cubicBezTo>
+                    <a:pt x="57807" y="0"/>
+                    <a:pt x="59202" y="0"/>
+                    <a:pt x="60598" y="0"/>
+                  </a:cubicBezTo>
+                  <a:lnTo>
+                    <a:pt x="60598" y="0"/>
+                  </a:lnTo>
+                  <a:lnTo>
+                    <a:pt x="60598" y="0"/>
+                  </a:lnTo>
+                  <a:lnTo>
+                    <a:pt x="60598" y="0"/>
+                  </a:lnTo>
+                  <a:lnTo>
+                    <a:pt x="60598" y="0"/>
+                  </a:lnTo>
+                  <a:lnTo>
+                    <a:pt x="60598" y="0"/>
+                  </a:lnTo>
+                  <a:lnTo>
+                    <a:pt x="60598" y="0"/>
+                  </a:lnTo>
+                  <a:lnTo>
+                    <a:pt x="60598" y="0"/>
+                  </a:lnTo>
+                  <a:cubicBezTo>
+                    <a:pt x="61993" y="0"/>
+                    <a:pt x="63388" y="1465"/>
+                    <a:pt x="64784" y="1465"/>
+                  </a:cubicBezTo>
+                  <a:lnTo>
+                    <a:pt x="64784" y="1465"/>
+                  </a:lnTo>
+                  <a:cubicBezTo>
+                    <a:pt x="85913" y="25130"/>
+                    <a:pt x="85913" y="25130"/>
+                    <a:pt x="85913" y="25130"/>
+                  </a:cubicBezTo>
+                  <a:cubicBezTo>
+                    <a:pt x="85913" y="19267"/>
+                    <a:pt x="85913" y="19267"/>
+                    <a:pt x="85913" y="19267"/>
+                  </a:cubicBezTo>
+                  <a:cubicBezTo>
+                    <a:pt x="85913" y="16335"/>
+                    <a:pt x="88903" y="13193"/>
+                    <a:pt x="91694" y="13193"/>
+                  </a:cubicBezTo>
+                  <a:cubicBezTo>
+                    <a:pt x="95880" y="13193"/>
+                    <a:pt x="97275" y="16335"/>
+                    <a:pt x="97275" y="19267"/>
+                  </a:cubicBezTo>
+                  <a:cubicBezTo>
+                    <a:pt x="97275" y="36858"/>
+                    <a:pt x="97275" y="36858"/>
+                    <a:pt x="97275" y="36858"/>
+                  </a:cubicBezTo>
+                  <a:cubicBezTo>
+                    <a:pt x="118405" y="59057"/>
+                    <a:pt x="118405" y="59057"/>
+                    <a:pt x="118405" y="59057"/>
+                  </a:cubicBezTo>
+                  <a:lnTo>
+                    <a:pt x="118405" y="59057"/>
+                  </a:lnTo>
+                  <a:cubicBezTo>
+                    <a:pt x="119800" y="60523"/>
+                    <a:pt x="119800" y="62198"/>
+                    <a:pt x="119800" y="63664"/>
+                  </a:cubicBezTo>
+                  <a:close/>
+                  <a:moveTo>
+                    <a:pt x="108438" y="72460"/>
+                  </a:moveTo>
+                  <a:lnTo>
+                    <a:pt x="108438" y="72460"/>
+                  </a:lnTo>
+                  <a:cubicBezTo>
+                    <a:pt x="108438" y="90261"/>
+                    <a:pt x="108438" y="90261"/>
+                    <a:pt x="108438" y="90261"/>
+                  </a:cubicBezTo>
+                  <a:cubicBezTo>
+                    <a:pt x="108438" y="99057"/>
+                    <a:pt x="108438" y="99057"/>
+                    <a:pt x="108438" y="99057"/>
+                  </a:cubicBezTo>
+                  <a:cubicBezTo>
+                    <a:pt x="108438" y="113926"/>
+                    <a:pt x="108438" y="113926"/>
+                    <a:pt x="108438" y="113926"/>
+                  </a:cubicBezTo>
+                  <a:cubicBezTo>
+                    <a:pt x="108438" y="118324"/>
+                    <a:pt x="107043" y="119790"/>
+                    <a:pt x="102857" y="119790"/>
+                  </a:cubicBezTo>
+                  <a:cubicBezTo>
+                    <a:pt x="91694" y="119790"/>
+                    <a:pt x="91694" y="119790"/>
+                    <a:pt x="91694" y="119790"/>
+                  </a:cubicBezTo>
+                  <a:cubicBezTo>
+                    <a:pt x="91694" y="72460"/>
+                    <a:pt x="91694" y="72460"/>
+                    <a:pt x="91694" y="72460"/>
+                  </a:cubicBezTo>
+                  <a:cubicBezTo>
+                    <a:pt x="69169" y="72460"/>
+                    <a:pt x="69169" y="72460"/>
+                    <a:pt x="69169" y="72460"/>
+                  </a:cubicBezTo>
+                  <a:cubicBezTo>
+                    <a:pt x="69169" y="119790"/>
+                    <a:pt x="69169" y="119790"/>
+                    <a:pt x="69169" y="119790"/>
+                  </a:cubicBezTo>
+                  <a:cubicBezTo>
+                    <a:pt x="16943" y="119790"/>
+                    <a:pt x="16943" y="119790"/>
+                    <a:pt x="16943" y="119790"/>
+                  </a:cubicBezTo>
+                  <a:cubicBezTo>
+                    <a:pt x="14152" y="119790"/>
+                    <a:pt x="11362" y="118324"/>
+                    <a:pt x="11362" y="113926"/>
+                  </a:cubicBezTo>
+                  <a:cubicBezTo>
+                    <a:pt x="11362" y="99057"/>
+                    <a:pt x="11362" y="99057"/>
+                    <a:pt x="11362" y="99057"/>
+                  </a:cubicBezTo>
+                  <a:cubicBezTo>
+                    <a:pt x="11362" y="90261"/>
+                    <a:pt x="11362" y="90261"/>
+                    <a:pt x="11362" y="90261"/>
+                  </a:cubicBezTo>
+                  <a:cubicBezTo>
+                    <a:pt x="11362" y="72460"/>
+                    <a:pt x="11362" y="72460"/>
+                    <a:pt x="11362" y="72460"/>
+                  </a:cubicBezTo>
+                  <a:cubicBezTo>
+                    <a:pt x="60598" y="22198"/>
+                    <a:pt x="60598" y="22198"/>
+                    <a:pt x="60598" y="22198"/>
+                  </a:cubicBezTo>
+                  <a:lnTo>
+                    <a:pt x="108438" y="72460"/>
+                  </a:lnTo>
+                  <a:close/>
+                  <a:moveTo>
+                    <a:pt x="50830" y="72460"/>
+                  </a:moveTo>
+                  <a:lnTo>
+                    <a:pt x="50830" y="72460"/>
+                  </a:lnTo>
+                  <a:cubicBezTo>
+                    <a:pt x="28305" y="72460"/>
+                    <a:pt x="28305" y="72460"/>
+                    <a:pt x="28305" y="72460"/>
+                  </a:cubicBezTo>
+                  <a:cubicBezTo>
+                    <a:pt x="28305" y="96125"/>
+                    <a:pt x="28305" y="96125"/>
+                    <a:pt x="28305" y="96125"/>
+                  </a:cubicBezTo>
+                  <a:cubicBezTo>
+                    <a:pt x="50830" y="96125"/>
+                    <a:pt x="50830" y="96125"/>
+                    <a:pt x="50830" y="96125"/>
+                  </a:cubicBezTo>
+                  <a:lnTo>
+                    <a:pt x="50830" y="72460"/>
+                  </a:lnTo>
+                  <a:close/>
+                </a:path>
+              </a:pathLst>
+            </a:custGeom>
+            <a:solidFill>
+              <a:schemeClr val="accent1"/>
+            </a:solidFill>
+            <a:ln>
+              <a:noFill/>
+            </a:ln>
+            <a:effectLst/>
+          </p:spPr>
+          <p:txBody>
+            <a:bodyPr wrap="square" lIns="91440" tIns="45720" rIns="91440" bIns="45720" anchor="ctr">
+              <a:normAutofit fontScale="25000" lnSpcReduction="20000"/>
+            </a:bodyPr>
+            <a:lstStyle/>
+            <a:p>
+              <a:pPr algn="ctr"/>
+              <a:endParaRPr dirty="0"/>
+            </a:p>
+          </p:txBody>
+        </p:sp>
+        <p:sp>
+          <p:nvSpPr>
+            <p:cNvPr id="15" name="îṩḻïdè">
+              <a:extLst>
+                <a:ext uri="{FF2B5EF4-FFF2-40B4-BE49-F238E27FC236}">
+                  <a16:creationId xmlns:a16="http://schemas.microsoft.com/office/drawing/2014/main" id="{DF9B4C16-AF69-45EF-84D6-F2CC04CE08D2}"/>
+                </a:ext>
+              </a:extLst>
+            </p:cNvPr>
+            <p:cNvSpPr/>
+            <p:nvPr/>
+          </p:nvSpPr>
+          <p:spPr>
+            <a:xfrm>
+              <a:off x="3757214" y="3458783"/>
+              <a:ext cx="217308" cy="190394"/>
+            </a:xfrm>
+            <a:custGeom>
+              <a:avLst/>
+              <a:gdLst/>
+              <a:ahLst/>
+              <a:cxnLst/>
+              <a:rect l="0" t="0" r="0" b="0"/>
+              <a:pathLst>
+                <a:path w="120000" h="120000" extrusionOk="0">
+                  <a:moveTo>
+                    <a:pt x="117009" y="65310"/>
+                  </a:moveTo>
+                  <a:lnTo>
+                    <a:pt x="117009" y="65310"/>
+                  </a:lnTo>
+                  <a:lnTo>
+                    <a:pt x="117009" y="65310"/>
+                  </a:lnTo>
+                  <a:cubicBezTo>
+                    <a:pt x="61993" y="91073"/>
+                    <a:pt x="61993" y="91073"/>
+                    <a:pt x="61993" y="91073"/>
+                  </a:cubicBezTo>
+                  <a:lnTo>
+                    <a:pt x="61993" y="91073"/>
+                  </a:lnTo>
+                  <a:lnTo>
+                    <a:pt x="61993" y="91073"/>
+                  </a:lnTo>
+                  <a:lnTo>
+                    <a:pt x="61993" y="91073"/>
+                  </a:lnTo>
+                  <a:cubicBezTo>
+                    <a:pt x="61993" y="92655"/>
+                    <a:pt x="60598" y="92655"/>
+                    <a:pt x="60598" y="92655"/>
+                  </a:cubicBezTo>
+                  <a:cubicBezTo>
+                    <a:pt x="59202" y="92655"/>
+                    <a:pt x="59202" y="92655"/>
+                    <a:pt x="57807" y="91073"/>
+                  </a:cubicBezTo>
+                  <a:lnTo>
+                    <a:pt x="57807" y="91073"/>
+                  </a:lnTo>
+                  <a:lnTo>
+                    <a:pt x="57807" y="91073"/>
+                  </a:lnTo>
+                  <a:lnTo>
+                    <a:pt x="57807" y="91073"/>
+                  </a:lnTo>
+                  <a:cubicBezTo>
+                    <a:pt x="2990" y="65310"/>
+                    <a:pt x="2990" y="65310"/>
+                    <a:pt x="2990" y="65310"/>
+                  </a:cubicBezTo>
+                  <a:lnTo>
+                    <a:pt x="2990" y="65310"/>
+                  </a:lnTo>
+                  <a:cubicBezTo>
+                    <a:pt x="1395" y="65310"/>
+                    <a:pt x="0" y="62146"/>
+                    <a:pt x="0" y="60564"/>
+                  </a:cubicBezTo>
+                  <a:cubicBezTo>
+                    <a:pt x="0" y="55819"/>
+                    <a:pt x="2990" y="54237"/>
+                    <a:pt x="5780" y="54237"/>
+                  </a:cubicBezTo>
+                  <a:cubicBezTo>
+                    <a:pt x="7176" y="54237"/>
+                    <a:pt x="7176" y="54237"/>
+                    <a:pt x="8571" y="54237"/>
+                  </a:cubicBezTo>
+                  <a:lnTo>
+                    <a:pt x="8571" y="54237"/>
+                  </a:lnTo>
+                  <a:lnTo>
+                    <a:pt x="8571" y="54237"/>
+                  </a:lnTo>
+                  <a:lnTo>
+                    <a:pt x="8571" y="54237"/>
+                  </a:lnTo>
+                  <a:cubicBezTo>
+                    <a:pt x="60598" y="78192"/>
+                    <a:pt x="60598" y="78192"/>
+                    <a:pt x="60598" y="78192"/>
+                  </a:cubicBezTo>
+                  <a:cubicBezTo>
+                    <a:pt x="112823" y="54237"/>
+                    <a:pt x="112823" y="54237"/>
+                    <a:pt x="112823" y="54237"/>
+                  </a:cubicBezTo>
+                  <a:lnTo>
+                    <a:pt x="112823" y="54237"/>
+                  </a:lnTo>
+                  <a:lnTo>
+                    <a:pt x="112823" y="54237"/>
+                  </a:lnTo>
+                  <a:lnTo>
+                    <a:pt x="112823" y="54237"/>
+                  </a:lnTo>
+                  <a:lnTo>
+                    <a:pt x="114219" y="54237"/>
+                  </a:lnTo>
+                  <a:cubicBezTo>
+                    <a:pt x="118405" y="54237"/>
+                    <a:pt x="119800" y="55819"/>
+                    <a:pt x="119800" y="60564"/>
+                  </a:cubicBezTo>
+                  <a:cubicBezTo>
+                    <a:pt x="119800" y="62146"/>
+                    <a:pt x="118405" y="65310"/>
+                    <a:pt x="117009" y="65310"/>
+                  </a:cubicBezTo>
+                  <a:close/>
+                  <a:moveTo>
+                    <a:pt x="117009" y="38192"/>
+                  </a:moveTo>
+                  <a:lnTo>
+                    <a:pt x="117009" y="38192"/>
+                  </a:lnTo>
+                  <a:lnTo>
+                    <a:pt x="117009" y="38192"/>
+                  </a:lnTo>
+                  <a:cubicBezTo>
+                    <a:pt x="61993" y="63728"/>
+                    <a:pt x="61993" y="63728"/>
+                    <a:pt x="61993" y="63728"/>
+                  </a:cubicBezTo>
+                  <a:lnTo>
+                    <a:pt x="61993" y="63728"/>
+                  </a:lnTo>
+                  <a:lnTo>
+                    <a:pt x="61993" y="63728"/>
+                  </a:lnTo>
+                  <a:lnTo>
+                    <a:pt x="61993" y="63728"/>
+                  </a:lnTo>
+                  <a:lnTo>
+                    <a:pt x="60598" y="63728"/>
+                  </a:lnTo>
+                  <a:cubicBezTo>
+                    <a:pt x="59202" y="63728"/>
+                    <a:pt x="59202" y="63728"/>
+                    <a:pt x="57807" y="63728"/>
+                  </a:cubicBezTo>
+                  <a:lnTo>
+                    <a:pt x="57807" y="63728"/>
+                  </a:lnTo>
+                  <a:lnTo>
+                    <a:pt x="57807" y="63728"/>
+                  </a:lnTo>
+                  <a:lnTo>
+                    <a:pt x="57807" y="63728"/>
+                  </a:lnTo>
+                  <a:cubicBezTo>
+                    <a:pt x="2990" y="38192"/>
+                    <a:pt x="2990" y="38192"/>
+                    <a:pt x="2990" y="38192"/>
+                  </a:cubicBezTo>
+                  <a:lnTo>
+                    <a:pt x="2990" y="38192"/>
+                  </a:lnTo>
+                  <a:cubicBezTo>
+                    <a:pt x="1395" y="36610"/>
+                    <a:pt x="0" y="35028"/>
+                    <a:pt x="0" y="31864"/>
+                  </a:cubicBezTo>
+                  <a:cubicBezTo>
+                    <a:pt x="0" y="30282"/>
+                    <a:pt x="1395" y="27118"/>
+                    <a:pt x="2990" y="27118"/>
+                  </a:cubicBezTo>
+                  <a:lnTo>
+                    <a:pt x="2990" y="27118"/>
+                  </a:lnTo>
+                  <a:cubicBezTo>
+                    <a:pt x="57807" y="1581"/>
+                    <a:pt x="57807" y="1581"/>
+                    <a:pt x="57807" y="1581"/>
+                  </a:cubicBezTo>
+                  <a:lnTo>
+                    <a:pt x="57807" y="1581"/>
+                  </a:lnTo>
+                  <a:lnTo>
+                    <a:pt x="57807" y="1581"/>
+                  </a:lnTo>
+                  <a:lnTo>
+                    <a:pt x="57807" y="1581"/>
+                  </a:lnTo>
+                  <a:cubicBezTo>
+                    <a:pt x="59202" y="0"/>
+                    <a:pt x="59202" y="0"/>
+                    <a:pt x="60598" y="0"/>
+                  </a:cubicBezTo>
+                  <a:cubicBezTo>
+                    <a:pt x="60598" y="0"/>
+                    <a:pt x="61993" y="0"/>
+                    <a:pt x="61993" y="1581"/>
+                  </a:cubicBezTo>
+                  <a:lnTo>
+                    <a:pt x="61993" y="1581"/>
+                  </a:lnTo>
+                  <a:lnTo>
+                    <a:pt x="61993" y="1581"/>
+                  </a:lnTo>
+                  <a:lnTo>
+                    <a:pt x="61993" y="1581"/>
+                  </a:lnTo>
+                  <a:cubicBezTo>
+                    <a:pt x="117009" y="27118"/>
+                    <a:pt x="117009" y="27118"/>
+                    <a:pt x="117009" y="27118"/>
+                  </a:cubicBezTo>
+                  <a:lnTo>
+                    <a:pt x="117009" y="27118"/>
+                  </a:lnTo>
+                  <a:cubicBezTo>
+                    <a:pt x="118405" y="27118"/>
+                    <a:pt x="119800" y="30282"/>
+                    <a:pt x="119800" y="31864"/>
+                  </a:cubicBezTo>
+                  <a:cubicBezTo>
+                    <a:pt x="119800" y="35028"/>
+                    <a:pt x="118405" y="36610"/>
+                    <a:pt x="117009" y="38192"/>
+                  </a:cubicBezTo>
+                  <a:close/>
+                  <a:moveTo>
+                    <a:pt x="5780" y="81355"/>
+                  </a:moveTo>
+                  <a:lnTo>
+                    <a:pt x="5780" y="81355"/>
+                  </a:lnTo>
+                  <a:cubicBezTo>
+                    <a:pt x="7176" y="81355"/>
+                    <a:pt x="7176" y="81355"/>
+                    <a:pt x="8571" y="81355"/>
+                  </a:cubicBezTo>
+                  <a:lnTo>
+                    <a:pt x="8571" y="81355"/>
+                  </a:lnTo>
+                  <a:lnTo>
+                    <a:pt x="8571" y="81355"/>
+                  </a:lnTo>
+                  <a:lnTo>
+                    <a:pt x="8571" y="81355"/>
+                  </a:lnTo>
+                  <a:cubicBezTo>
+                    <a:pt x="60598" y="106892"/>
+                    <a:pt x="60598" y="106892"/>
+                    <a:pt x="60598" y="106892"/>
+                  </a:cubicBezTo>
+                  <a:cubicBezTo>
+                    <a:pt x="112823" y="81355"/>
+                    <a:pt x="112823" y="81355"/>
+                    <a:pt x="112823" y="81355"/>
+                  </a:cubicBezTo>
+                  <a:lnTo>
+                    <a:pt x="112823" y="81355"/>
+                  </a:lnTo>
+                  <a:lnTo>
+                    <a:pt x="112823" y="81355"/>
+                  </a:lnTo>
+                  <a:lnTo>
+                    <a:pt x="112823" y="81355"/>
+                  </a:lnTo>
+                  <a:lnTo>
+                    <a:pt x="114219" y="81355"/>
+                  </a:lnTo>
+                  <a:cubicBezTo>
+                    <a:pt x="118405" y="81355"/>
+                    <a:pt x="119800" y="84519"/>
+                    <a:pt x="119800" y="87683"/>
+                  </a:cubicBezTo>
+                  <a:cubicBezTo>
+                    <a:pt x="119800" y="91073"/>
+                    <a:pt x="118405" y="92655"/>
+                    <a:pt x="117009" y="94237"/>
+                  </a:cubicBezTo>
+                  <a:lnTo>
+                    <a:pt x="117009" y="94237"/>
+                  </a:lnTo>
+                  <a:cubicBezTo>
+                    <a:pt x="61993" y="119774"/>
+                    <a:pt x="61993" y="119774"/>
+                    <a:pt x="61993" y="119774"/>
+                  </a:cubicBezTo>
+                  <a:lnTo>
+                    <a:pt x="61993" y="119774"/>
+                  </a:lnTo>
+                  <a:lnTo>
+                    <a:pt x="61993" y="119774"/>
+                  </a:lnTo>
+                  <a:lnTo>
+                    <a:pt x="61993" y="119774"/>
+                  </a:lnTo>
+                  <a:lnTo>
+                    <a:pt x="60598" y="119774"/>
+                  </a:lnTo>
+                  <a:cubicBezTo>
+                    <a:pt x="59202" y="119774"/>
+                    <a:pt x="59202" y="119774"/>
+                    <a:pt x="57807" y="119774"/>
+                  </a:cubicBezTo>
+                  <a:lnTo>
+                    <a:pt x="57807" y="119774"/>
+                  </a:lnTo>
+                  <a:lnTo>
+                    <a:pt x="57807" y="119774"/>
+                  </a:lnTo>
+                  <a:lnTo>
+                    <a:pt x="57807" y="119774"/>
+                  </a:lnTo>
+                  <a:cubicBezTo>
+                    <a:pt x="2990" y="94237"/>
+                    <a:pt x="2990" y="94237"/>
+                    <a:pt x="2990" y="94237"/>
+                  </a:cubicBezTo>
+                  <a:lnTo>
+                    <a:pt x="2990" y="94237"/>
+                  </a:lnTo>
+                  <a:cubicBezTo>
+                    <a:pt x="1395" y="92655"/>
+                    <a:pt x="0" y="91073"/>
+                    <a:pt x="0" y="87683"/>
+                  </a:cubicBezTo>
+                  <a:cubicBezTo>
+                    <a:pt x="0" y="84519"/>
+                    <a:pt x="2990" y="81355"/>
+                    <a:pt x="5780" y="81355"/>
+                  </a:cubicBezTo>
+                  <a:close/>
+                </a:path>
+              </a:pathLst>
+            </a:custGeom>
+            <a:solidFill>
+              <a:schemeClr val="accent1"/>
+            </a:solidFill>
+            <a:ln>
+              <a:noFill/>
+            </a:ln>
+            <a:effectLst/>
+          </p:spPr>
+          <p:txBody>
+            <a:bodyPr wrap="square" lIns="91440" tIns="45720" rIns="91440" bIns="45720" anchor="ctr">
+              <a:normAutofit fontScale="25000" lnSpcReduction="20000"/>
+            </a:bodyPr>
+            <a:lstStyle/>
+            <a:p>
+              <a:pPr algn="ctr"/>
+              <a:endParaRPr/>
+            </a:p>
+          </p:txBody>
+        </p:sp>
+        <p:sp>
+          <p:nvSpPr>
+            <p:cNvPr id="16" name="íşḻîḋè">
+              <a:extLst>
+                <a:ext uri="{FF2B5EF4-FFF2-40B4-BE49-F238E27FC236}">
+                  <a16:creationId xmlns:a16="http://schemas.microsoft.com/office/drawing/2014/main" id="{A168391C-4D52-4429-8836-995A71EFFC95}"/>
+                </a:ext>
+              </a:extLst>
+            </p:cNvPr>
+            <p:cNvSpPr/>
+            <p:nvPr/>
+          </p:nvSpPr>
+          <p:spPr>
+            <a:xfrm>
+              <a:off x="3777833" y="4940379"/>
+              <a:ext cx="176066" cy="215775"/>
+            </a:xfrm>
+            <a:custGeom>
+              <a:avLst/>
+              <a:gdLst/>
+              <a:ahLst/>
+              <a:cxnLst/>
+              <a:rect l="0" t="0" r="0" b="0"/>
+              <a:pathLst>
+                <a:path w="120000" h="120000" extrusionOk="0">
+                  <a:moveTo>
+                    <a:pt x="112868" y="119800"/>
+                  </a:moveTo>
+                  <a:lnTo>
+                    <a:pt x="112868" y="119800"/>
+                  </a:lnTo>
+                  <a:cubicBezTo>
+                    <a:pt x="6885" y="119800"/>
+                    <a:pt x="6885" y="119800"/>
+                    <a:pt x="6885" y="119800"/>
+                  </a:cubicBezTo>
+                  <a:cubicBezTo>
+                    <a:pt x="1721" y="119800"/>
+                    <a:pt x="0" y="117004"/>
+                    <a:pt x="0" y="114209"/>
+                  </a:cubicBezTo>
+                  <a:cubicBezTo>
+                    <a:pt x="0" y="64891"/>
+                    <a:pt x="0" y="64891"/>
+                    <a:pt x="0" y="64891"/>
+                  </a:cubicBezTo>
+                  <a:cubicBezTo>
+                    <a:pt x="0" y="62096"/>
+                    <a:pt x="1721" y="59101"/>
+                    <a:pt x="6885" y="59101"/>
+                  </a:cubicBezTo>
+                  <a:cubicBezTo>
+                    <a:pt x="17213" y="59101"/>
+                    <a:pt x="17213" y="59101"/>
+                    <a:pt x="17213" y="59101"/>
+                  </a:cubicBezTo>
+                  <a:cubicBezTo>
+                    <a:pt x="17213" y="33743"/>
+                    <a:pt x="17213" y="33743"/>
+                    <a:pt x="17213" y="33743"/>
+                  </a:cubicBezTo>
+                  <a:cubicBezTo>
+                    <a:pt x="17213" y="13976"/>
+                    <a:pt x="36393" y="0"/>
+                    <a:pt x="59016" y="0"/>
+                  </a:cubicBezTo>
+                  <a:cubicBezTo>
+                    <a:pt x="83360" y="0"/>
+                    <a:pt x="100573" y="13976"/>
+                    <a:pt x="100573" y="33743"/>
+                  </a:cubicBezTo>
+                  <a:cubicBezTo>
+                    <a:pt x="100573" y="36539"/>
+                    <a:pt x="98852" y="39534"/>
+                    <a:pt x="93688" y="39534"/>
+                  </a:cubicBezTo>
+                  <a:cubicBezTo>
+                    <a:pt x="90245" y="39534"/>
+                    <a:pt x="86803" y="36539"/>
+                    <a:pt x="86803" y="33743"/>
+                  </a:cubicBezTo>
+                  <a:cubicBezTo>
+                    <a:pt x="86803" y="21164"/>
+                    <a:pt x="74754" y="11181"/>
+                    <a:pt x="59016" y="11181"/>
+                  </a:cubicBezTo>
+                  <a:cubicBezTo>
+                    <a:pt x="43278" y="11181"/>
+                    <a:pt x="31229" y="21164"/>
+                    <a:pt x="31229" y="33743"/>
+                  </a:cubicBezTo>
+                  <a:cubicBezTo>
+                    <a:pt x="31229" y="59101"/>
+                    <a:pt x="31229" y="59101"/>
+                    <a:pt x="31229" y="59101"/>
+                  </a:cubicBezTo>
+                  <a:cubicBezTo>
+                    <a:pt x="86803" y="59101"/>
+                    <a:pt x="86803" y="59101"/>
+                    <a:pt x="86803" y="59101"/>
+                  </a:cubicBezTo>
+                  <a:cubicBezTo>
+                    <a:pt x="100573" y="59101"/>
+                    <a:pt x="100573" y="59101"/>
+                    <a:pt x="100573" y="59101"/>
+                  </a:cubicBezTo>
+                  <a:cubicBezTo>
+                    <a:pt x="112868" y="59101"/>
+                    <a:pt x="112868" y="59101"/>
+                    <a:pt x="112868" y="59101"/>
+                  </a:cubicBezTo>
+                  <a:cubicBezTo>
+                    <a:pt x="116311" y="59101"/>
+                    <a:pt x="119754" y="62096"/>
+                    <a:pt x="119754" y="64891"/>
+                  </a:cubicBezTo>
+                  <a:cubicBezTo>
+                    <a:pt x="119754" y="114209"/>
+                    <a:pt x="119754" y="114209"/>
+                    <a:pt x="119754" y="114209"/>
+                  </a:cubicBezTo>
+                  <a:cubicBezTo>
+                    <a:pt x="119754" y="117004"/>
+                    <a:pt x="116311" y="119800"/>
+                    <a:pt x="112868" y="119800"/>
+                  </a:cubicBezTo>
+                  <a:close/>
+                  <a:moveTo>
+                    <a:pt x="59016" y="70482"/>
+                  </a:moveTo>
+                  <a:lnTo>
+                    <a:pt x="59016" y="70482"/>
+                  </a:lnTo>
+                  <a:cubicBezTo>
+                    <a:pt x="52131" y="70482"/>
+                    <a:pt x="45000" y="76073"/>
+                    <a:pt x="45000" y="81863"/>
+                  </a:cubicBezTo>
+                  <a:cubicBezTo>
+                    <a:pt x="45000" y="86056"/>
+                    <a:pt x="48688" y="90249"/>
+                    <a:pt x="52131" y="91647"/>
+                  </a:cubicBezTo>
+                  <a:cubicBezTo>
+                    <a:pt x="52131" y="103028"/>
+                    <a:pt x="52131" y="103028"/>
+                    <a:pt x="52131" y="103028"/>
+                  </a:cubicBezTo>
+                  <a:cubicBezTo>
+                    <a:pt x="52131" y="105823"/>
+                    <a:pt x="55573" y="108618"/>
+                    <a:pt x="59016" y="108618"/>
+                  </a:cubicBezTo>
+                  <a:cubicBezTo>
+                    <a:pt x="64180" y="108618"/>
+                    <a:pt x="65901" y="105823"/>
+                    <a:pt x="65901" y="103028"/>
+                  </a:cubicBezTo>
+                  <a:cubicBezTo>
+                    <a:pt x="65901" y="91647"/>
+                    <a:pt x="65901" y="91647"/>
+                    <a:pt x="65901" y="91647"/>
+                  </a:cubicBezTo>
+                  <a:cubicBezTo>
+                    <a:pt x="71065" y="90249"/>
+                    <a:pt x="72786" y="86056"/>
+                    <a:pt x="72786" y="81863"/>
+                  </a:cubicBezTo>
+                  <a:cubicBezTo>
+                    <a:pt x="72786" y="76073"/>
+                    <a:pt x="67622" y="70482"/>
+                    <a:pt x="59016" y="70482"/>
+                  </a:cubicBezTo>
+                  <a:close/>
+                </a:path>
+              </a:pathLst>
+            </a:custGeom>
+            <a:solidFill>
+              <a:schemeClr val="accent1"/>
+            </a:solidFill>
+            <a:ln>
+              <a:noFill/>
+            </a:ln>
+            <a:effectLst/>
+          </p:spPr>
+          <p:txBody>
+            <a:bodyPr wrap="square" lIns="91440" tIns="45720" rIns="91440" bIns="45720" anchor="ctr">
+              <a:normAutofit fontScale="25000" lnSpcReduction="20000"/>
+            </a:bodyPr>
+            <a:lstStyle/>
+            <a:p>
+              <a:pPr algn="ctr"/>
+              <a:endParaRPr dirty="0"/>
+            </a:p>
+          </p:txBody>
+        </p:sp>
+        <p:sp>
+          <p:nvSpPr>
+            <p:cNvPr id="17" name="ïŝ1îḍê">
+              <a:extLst>
+                <a:ext uri="{FF2B5EF4-FFF2-40B4-BE49-F238E27FC236}">
+                  <a16:creationId xmlns:a16="http://schemas.microsoft.com/office/drawing/2014/main" id="{3CF5BCE6-E4FC-4E5A-9B98-1865B7585245}"/>
+                </a:ext>
+              </a:extLst>
+            </p:cNvPr>
+            <p:cNvSpPr/>
+            <p:nvPr/>
+          </p:nvSpPr>
+          <p:spPr>
+            <a:xfrm>
+              <a:off x="8580631" y="3292748"/>
+              <a:ext cx="2941922" cy="522466"/>
+            </a:xfrm>
+            <a:prstGeom prst="rect">
+              <a:avLst/>
+            </a:prstGeom>
+            <a:noFill/>
+            <a:ln>
+              <a:noFill/>
+            </a:ln>
+          </p:spPr>
+          <p:txBody>
+            <a:bodyPr wrap="square" lIns="91440" tIns="45720" rIns="91440" bIns="45720" anchor="ctr" anchorCtr="0">
+              <a:noAutofit/>
+            </a:bodyPr>
+            <a:lstStyle/>
+            <a:p>
+              <a:pPr>
+                <a:spcBef>
+                  <a:spcPct val="0"/>
+                </a:spcBef>
+              </a:pPr>
+              <a:r>
+                <a:rPr lang="en-US" altLang="zh-CN" sz="1100" b="1" dirty="0"/>
+                <a:t>Learning a Classifier for False Positive Error Reports Emitted by Static Code Analysis Tools</a:t>
+              </a:r>
+            </a:p>
+          </p:txBody>
+        </p:sp>
+        <p:sp>
+          <p:nvSpPr>
+            <p:cNvPr id="18" name="îṣḷîḓe">
+              <a:extLst>
+                <a:ext uri="{FF2B5EF4-FFF2-40B4-BE49-F238E27FC236}">
+                  <a16:creationId xmlns:a16="http://schemas.microsoft.com/office/drawing/2014/main" id="{6B6AF01F-9D12-49CA-8D4C-6A5FA01C8693}"/>
+                </a:ext>
+              </a:extLst>
+            </p:cNvPr>
+            <p:cNvSpPr/>
+            <p:nvPr/>
+          </p:nvSpPr>
+          <p:spPr>
+            <a:xfrm>
+              <a:off x="8538502" y="4758344"/>
+              <a:ext cx="2941922" cy="580016"/>
+            </a:xfrm>
+            <a:prstGeom prst="rect">
+              <a:avLst/>
+            </a:prstGeom>
+            <a:noFill/>
+            <a:ln>
+              <a:noFill/>
+            </a:ln>
+          </p:spPr>
+          <p:txBody>
+            <a:bodyPr wrap="square" lIns="91440" tIns="45720" rIns="91440" bIns="45720" anchor="ctr" anchorCtr="0">
+              <a:normAutofit fontScale="70000" lnSpcReduction="20000"/>
+            </a:bodyPr>
+            <a:lstStyle/>
+            <a:p>
+              <a:pPr>
+                <a:spcBef>
+                  <a:spcPct val="0"/>
+                </a:spcBef>
+              </a:pPr>
+              <a:r>
+                <a:rPr lang="en-US" altLang="zh-CN" sz="1600" b="1" dirty="0"/>
+                <a:t>An Empirical Assessment of Machine Learning Approaches for Triaging Reports of a Java Static Analysis Tool</a:t>
+              </a:r>
+            </a:p>
+          </p:txBody>
+        </p:sp>
+        <p:sp>
+          <p:nvSpPr>
+            <p:cNvPr id="19" name="î$ļîḋe">
+              <a:extLst>
+                <a:ext uri="{FF2B5EF4-FFF2-40B4-BE49-F238E27FC236}">
+                  <a16:creationId xmlns:a16="http://schemas.microsoft.com/office/drawing/2014/main" id="{984CFA6D-C3E6-4454-8432-E21C6E97101E}"/>
+                </a:ext>
+              </a:extLst>
+            </p:cNvPr>
+            <p:cNvSpPr/>
+            <p:nvPr/>
+          </p:nvSpPr>
+          <p:spPr>
+            <a:xfrm>
+              <a:off x="8538502" y="1740594"/>
+              <a:ext cx="2941922" cy="405747"/>
+            </a:xfrm>
+            <a:prstGeom prst="rect">
+              <a:avLst/>
+            </a:prstGeom>
+            <a:noFill/>
+            <a:ln>
+              <a:noFill/>
+            </a:ln>
+          </p:spPr>
+          <p:txBody>
+            <a:bodyPr wrap="square" lIns="91440" tIns="45720" rIns="91440" bIns="45720" anchor="ctr" anchorCtr="0">
+              <a:normAutofit fontScale="70000" lnSpcReduction="20000"/>
+            </a:bodyPr>
+            <a:lstStyle/>
+            <a:p>
+              <a:pPr>
+                <a:spcBef>
+                  <a:spcPct val="0"/>
+                </a:spcBef>
+              </a:pPr>
+              <a:r>
+                <a:rPr lang="en-US" altLang="zh-CN" sz="1600" b="1" dirty="0" err="1"/>
+                <a:t>VulDeePecker</a:t>
+              </a:r>
+              <a:r>
+                <a:rPr lang="en-US" altLang="zh-CN" sz="1600" b="1" dirty="0"/>
+                <a:t>: A Deep Learning-Based System for Vulnerability Detection</a:t>
+              </a:r>
+            </a:p>
+          </p:txBody>
+        </p:sp>
+        <p:sp>
+          <p:nvSpPr>
+            <p:cNvPr id="20" name="íśḷîdê">
+              <a:extLst>
+                <a:ext uri="{FF2B5EF4-FFF2-40B4-BE49-F238E27FC236}">
+                  <a16:creationId xmlns:a16="http://schemas.microsoft.com/office/drawing/2014/main" id="{1BA05FD9-154F-4AEA-861D-380AEC31E689}"/>
+                </a:ext>
+              </a:extLst>
+            </p:cNvPr>
+            <p:cNvSpPr/>
+            <p:nvPr/>
+          </p:nvSpPr>
+          <p:spPr>
+            <a:xfrm>
+              <a:off x="7986534" y="1687952"/>
+              <a:ext cx="522466" cy="522465"/>
+            </a:xfrm>
+            <a:prstGeom prst="ellipse">
+              <a:avLst/>
+            </a:prstGeom>
+            <a:noFill/>
+            <a:ln>
+              <a:solidFill>
+                <a:schemeClr val="bg1">
+                  <a:lumMod val="50000"/>
+                </a:schemeClr>
+              </a:solidFill>
+            </a:ln>
+            <a:effectLst/>
+          </p:spPr>
+          <p:style>
+            <a:lnRef idx="2">
+              <a:schemeClr val="accent1">
+                <a:shade val="50000"/>
+              </a:schemeClr>
+            </a:lnRef>
+            <a:fillRef idx="1">
+              <a:schemeClr val="accent1"/>
+            </a:fillRef>
+            <a:effectRef idx="0">
+              <a:schemeClr val="accent1"/>
+            </a:effectRef>
+            <a:fontRef idx="minor">
+              <a:schemeClr val="lt1"/>
+            </a:fontRef>
+          </p:style>
+          <p:txBody>
+            <a:bodyPr wrap="square" lIns="91440" tIns="45720" rIns="91440" bIns="45720" anchor="ctr">
+              <a:normAutofit lnSpcReduction="10000"/>
+            </a:bodyPr>
+            <a:lstStyle/>
+            <a:p>
+              <a:pPr algn="ctr"/>
+              <a:endParaRPr/>
+            </a:p>
+          </p:txBody>
+        </p:sp>
+        <p:sp>
+          <p:nvSpPr>
+            <p:cNvPr id="21" name="íSḻidê">
+              <a:extLst>
+                <a:ext uri="{FF2B5EF4-FFF2-40B4-BE49-F238E27FC236}">
+                  <a16:creationId xmlns:a16="http://schemas.microsoft.com/office/drawing/2014/main" id="{2288A8E5-F353-4563-AA5F-59355FF8018D}"/>
+                </a:ext>
+              </a:extLst>
+            </p:cNvPr>
+            <p:cNvSpPr/>
+            <p:nvPr/>
+          </p:nvSpPr>
+          <p:spPr>
+            <a:xfrm>
+              <a:off x="7986534" y="4787033"/>
+              <a:ext cx="522466" cy="522466"/>
+            </a:xfrm>
+            <a:prstGeom prst="ellipse">
+              <a:avLst/>
+            </a:prstGeom>
+            <a:noFill/>
+            <a:ln>
+              <a:solidFill>
+                <a:schemeClr val="bg1">
+                  <a:lumMod val="50000"/>
+                </a:schemeClr>
+              </a:solidFill>
+            </a:ln>
+            <a:effectLst/>
+          </p:spPr>
+          <p:style>
+            <a:lnRef idx="2">
+              <a:schemeClr val="accent1">
+                <a:shade val="50000"/>
+              </a:schemeClr>
+            </a:lnRef>
+            <a:fillRef idx="1">
+              <a:schemeClr val="accent1"/>
+            </a:fillRef>
+            <a:effectRef idx="0">
+              <a:schemeClr val="accent1"/>
+            </a:effectRef>
+            <a:fontRef idx="minor">
+              <a:schemeClr val="lt1"/>
+            </a:fontRef>
+          </p:style>
+          <p:txBody>
+            <a:bodyPr wrap="square" lIns="91440" tIns="45720" rIns="91440" bIns="45720" anchor="ctr">
+              <a:normAutofit lnSpcReduction="10000"/>
+            </a:bodyPr>
+            <a:lstStyle/>
+            <a:p>
+              <a:pPr algn="ctr"/>
+              <a:endParaRPr/>
+            </a:p>
+          </p:txBody>
+        </p:sp>
+        <p:sp>
+          <p:nvSpPr>
+            <p:cNvPr id="22" name="îśḻíďé">
+              <a:extLst>
+                <a:ext uri="{FF2B5EF4-FFF2-40B4-BE49-F238E27FC236}">
+                  <a16:creationId xmlns:a16="http://schemas.microsoft.com/office/drawing/2014/main" id="{5A87045A-559F-4A0B-B598-4E51C2BA7E74}"/>
+                </a:ext>
+              </a:extLst>
+            </p:cNvPr>
+            <p:cNvSpPr/>
+            <p:nvPr/>
+          </p:nvSpPr>
+          <p:spPr>
+            <a:xfrm>
+              <a:off x="7986534" y="3292747"/>
+              <a:ext cx="522466" cy="522466"/>
+            </a:xfrm>
+            <a:prstGeom prst="ellipse">
+              <a:avLst/>
+            </a:prstGeom>
+            <a:noFill/>
+            <a:ln>
+              <a:solidFill>
+                <a:schemeClr val="bg1">
+                  <a:lumMod val="50000"/>
+                </a:schemeClr>
+              </a:solidFill>
+            </a:ln>
+            <a:effectLst/>
+          </p:spPr>
+          <p:style>
+            <a:lnRef idx="2">
+              <a:schemeClr val="accent1">
+                <a:shade val="50000"/>
+              </a:schemeClr>
+            </a:lnRef>
+            <a:fillRef idx="1">
+              <a:schemeClr val="accent1"/>
+            </a:fillRef>
+            <a:effectRef idx="0">
+              <a:schemeClr val="accent1"/>
+            </a:effectRef>
+            <a:fontRef idx="minor">
+              <a:schemeClr val="lt1"/>
+            </a:fontRef>
+          </p:style>
+          <p:txBody>
+            <a:bodyPr wrap="square" lIns="91440" tIns="45720" rIns="91440" bIns="45720" anchor="ctr">
+              <a:normAutofit lnSpcReduction="10000"/>
+            </a:bodyPr>
+            <a:lstStyle/>
+            <a:p>
+              <a:pPr algn="ctr"/>
+              <a:endParaRPr/>
+            </a:p>
+          </p:txBody>
+        </p:sp>
+        <p:sp>
+          <p:nvSpPr>
+            <p:cNvPr id="23" name="îšḻíḍè">
+              <a:extLst>
+                <a:ext uri="{FF2B5EF4-FFF2-40B4-BE49-F238E27FC236}">
+                  <a16:creationId xmlns:a16="http://schemas.microsoft.com/office/drawing/2014/main" id="{A90DDE6B-A8F7-4AEF-A6E5-EDB98D050B67}"/>
+                </a:ext>
+              </a:extLst>
+            </p:cNvPr>
+            <p:cNvSpPr/>
+            <p:nvPr/>
+          </p:nvSpPr>
+          <p:spPr>
+            <a:xfrm>
+              <a:off x="8153864" y="1846062"/>
+              <a:ext cx="217308" cy="206260"/>
+            </a:xfrm>
+            <a:custGeom>
+              <a:avLst/>
+              <a:gdLst/>
+              <a:ahLst/>
+              <a:cxnLst/>
+              <a:rect l="0" t="0" r="0" b="0"/>
+              <a:pathLst>
+                <a:path w="120000" h="120000" extrusionOk="0">
+                  <a:moveTo>
+                    <a:pt x="119800" y="63664"/>
+                  </a:moveTo>
+                  <a:lnTo>
+                    <a:pt x="119800" y="63664"/>
+                  </a:lnTo>
+                  <a:cubicBezTo>
+                    <a:pt x="119800" y="66596"/>
+                    <a:pt x="118405" y="69528"/>
+                    <a:pt x="114219" y="69528"/>
+                  </a:cubicBezTo>
+                  <a:cubicBezTo>
+                    <a:pt x="112823" y="69528"/>
+                    <a:pt x="111428" y="68062"/>
+                    <a:pt x="111428" y="68062"/>
+                  </a:cubicBezTo>
+                  <a:lnTo>
+                    <a:pt x="111428" y="68062"/>
+                  </a:lnTo>
+                  <a:cubicBezTo>
+                    <a:pt x="60598" y="14869"/>
+                    <a:pt x="60598" y="14869"/>
+                    <a:pt x="60598" y="14869"/>
+                  </a:cubicBezTo>
+                  <a:lnTo>
+                    <a:pt x="60598" y="14869"/>
+                  </a:lnTo>
+                  <a:lnTo>
+                    <a:pt x="60598" y="14869"/>
+                  </a:lnTo>
+                  <a:lnTo>
+                    <a:pt x="60598" y="14869"/>
+                  </a:lnTo>
+                  <a:cubicBezTo>
+                    <a:pt x="9966" y="68062"/>
+                    <a:pt x="9966" y="68062"/>
+                    <a:pt x="9966" y="68062"/>
+                  </a:cubicBezTo>
+                  <a:lnTo>
+                    <a:pt x="9966" y="68062"/>
+                  </a:lnTo>
+                  <a:cubicBezTo>
+                    <a:pt x="8571" y="68062"/>
+                    <a:pt x="7176" y="69528"/>
+                    <a:pt x="5780" y="69528"/>
+                  </a:cubicBezTo>
+                  <a:cubicBezTo>
+                    <a:pt x="2990" y="69528"/>
+                    <a:pt x="0" y="66596"/>
+                    <a:pt x="0" y="63664"/>
+                  </a:cubicBezTo>
+                  <a:cubicBezTo>
+                    <a:pt x="0" y="62198"/>
+                    <a:pt x="0" y="60523"/>
+                    <a:pt x="1395" y="59057"/>
+                  </a:cubicBezTo>
+                  <a:cubicBezTo>
+                    <a:pt x="56411" y="1465"/>
+                    <a:pt x="56411" y="1465"/>
+                    <a:pt x="56411" y="1465"/>
+                  </a:cubicBezTo>
+                  <a:cubicBezTo>
+                    <a:pt x="57807" y="0"/>
+                    <a:pt x="59202" y="0"/>
+                    <a:pt x="60598" y="0"/>
+                  </a:cubicBezTo>
+                  <a:lnTo>
+                    <a:pt x="60598" y="0"/>
+                  </a:lnTo>
+                  <a:lnTo>
+                    <a:pt x="60598" y="0"/>
+                  </a:lnTo>
+                  <a:lnTo>
+                    <a:pt x="60598" y="0"/>
+                  </a:lnTo>
+                  <a:lnTo>
+                    <a:pt x="60598" y="0"/>
+                  </a:lnTo>
+                  <a:lnTo>
+                    <a:pt x="60598" y="0"/>
+                  </a:lnTo>
+                  <a:lnTo>
+                    <a:pt x="60598" y="0"/>
+                  </a:lnTo>
+                  <a:lnTo>
+                    <a:pt x="60598" y="0"/>
+                  </a:lnTo>
+                  <a:cubicBezTo>
+                    <a:pt x="61993" y="0"/>
+                    <a:pt x="63388" y="1465"/>
+                    <a:pt x="64784" y="1465"/>
+                  </a:cubicBezTo>
+                  <a:lnTo>
+                    <a:pt x="64784" y="1465"/>
+                  </a:lnTo>
+                  <a:cubicBezTo>
+                    <a:pt x="85913" y="25130"/>
+                    <a:pt x="85913" y="25130"/>
+                    <a:pt x="85913" y="25130"/>
+                  </a:cubicBezTo>
+                  <a:cubicBezTo>
+                    <a:pt x="85913" y="19267"/>
+                    <a:pt x="85913" y="19267"/>
+                    <a:pt x="85913" y="19267"/>
+                  </a:cubicBezTo>
+                  <a:cubicBezTo>
+                    <a:pt x="85913" y="16335"/>
+                    <a:pt x="88903" y="13193"/>
+                    <a:pt x="91694" y="13193"/>
+                  </a:cubicBezTo>
+                  <a:cubicBezTo>
+                    <a:pt x="95880" y="13193"/>
+                    <a:pt x="97275" y="16335"/>
+                    <a:pt x="97275" y="19267"/>
+                  </a:cubicBezTo>
+                  <a:cubicBezTo>
+                    <a:pt x="97275" y="36858"/>
+                    <a:pt x="97275" y="36858"/>
+                    <a:pt x="97275" y="36858"/>
+                  </a:cubicBezTo>
+                  <a:cubicBezTo>
+                    <a:pt x="118405" y="59057"/>
+                    <a:pt x="118405" y="59057"/>
+                    <a:pt x="118405" y="59057"/>
+                  </a:cubicBezTo>
+                  <a:lnTo>
+                    <a:pt x="118405" y="59057"/>
+                  </a:lnTo>
+                  <a:cubicBezTo>
+                    <a:pt x="119800" y="60523"/>
+                    <a:pt x="119800" y="62198"/>
+                    <a:pt x="119800" y="63664"/>
+                  </a:cubicBezTo>
+                  <a:close/>
+                  <a:moveTo>
+                    <a:pt x="108438" y="72460"/>
+                  </a:moveTo>
+                  <a:lnTo>
+                    <a:pt x="108438" y="72460"/>
+                  </a:lnTo>
+                  <a:cubicBezTo>
+                    <a:pt x="108438" y="90261"/>
+                    <a:pt x="108438" y="90261"/>
+                    <a:pt x="108438" y="90261"/>
+                  </a:cubicBezTo>
+                  <a:cubicBezTo>
+                    <a:pt x="108438" y="99057"/>
+                    <a:pt x="108438" y="99057"/>
+                    <a:pt x="108438" y="99057"/>
+                  </a:cubicBezTo>
+                  <a:cubicBezTo>
+                    <a:pt x="108438" y="113926"/>
+                    <a:pt x="108438" y="113926"/>
+                    <a:pt x="108438" y="113926"/>
+                  </a:cubicBezTo>
+                  <a:cubicBezTo>
+                    <a:pt x="108438" y="118324"/>
+                    <a:pt x="107043" y="119790"/>
+                    <a:pt x="102857" y="119790"/>
+                  </a:cubicBezTo>
+                  <a:cubicBezTo>
+                    <a:pt x="91694" y="119790"/>
+                    <a:pt x="91694" y="119790"/>
+                    <a:pt x="91694" y="119790"/>
+                  </a:cubicBezTo>
+                  <a:cubicBezTo>
+                    <a:pt x="91694" y="72460"/>
+                    <a:pt x="91694" y="72460"/>
+                    <a:pt x="91694" y="72460"/>
+                  </a:cubicBezTo>
+                  <a:cubicBezTo>
+                    <a:pt x="69169" y="72460"/>
+                    <a:pt x="69169" y="72460"/>
+                    <a:pt x="69169" y="72460"/>
+                  </a:cubicBezTo>
+                  <a:cubicBezTo>
+                    <a:pt x="69169" y="119790"/>
+                    <a:pt x="69169" y="119790"/>
+                    <a:pt x="69169" y="119790"/>
+                  </a:cubicBezTo>
+                  <a:cubicBezTo>
+                    <a:pt x="16943" y="119790"/>
+                    <a:pt x="16943" y="119790"/>
+                    <a:pt x="16943" y="119790"/>
+                  </a:cubicBezTo>
+                  <a:cubicBezTo>
+                    <a:pt x="14152" y="119790"/>
+                    <a:pt x="11362" y="118324"/>
+                    <a:pt x="11362" y="113926"/>
+                  </a:cubicBezTo>
+                  <a:cubicBezTo>
+                    <a:pt x="11362" y="99057"/>
+                    <a:pt x="11362" y="99057"/>
+                    <a:pt x="11362" y="99057"/>
+                  </a:cubicBezTo>
+                  <a:cubicBezTo>
+                    <a:pt x="11362" y="90261"/>
+                    <a:pt x="11362" y="90261"/>
+                    <a:pt x="11362" y="90261"/>
+                  </a:cubicBezTo>
+                  <a:cubicBezTo>
+                    <a:pt x="11362" y="72460"/>
+                    <a:pt x="11362" y="72460"/>
+                    <a:pt x="11362" y="72460"/>
+                  </a:cubicBezTo>
+                  <a:cubicBezTo>
+                    <a:pt x="60598" y="22198"/>
+                    <a:pt x="60598" y="22198"/>
+                    <a:pt x="60598" y="22198"/>
+                  </a:cubicBezTo>
+                  <a:lnTo>
+                    <a:pt x="108438" y="72460"/>
+                  </a:lnTo>
+                  <a:close/>
+                  <a:moveTo>
+                    <a:pt x="50830" y="72460"/>
+                  </a:moveTo>
+                  <a:lnTo>
+                    <a:pt x="50830" y="72460"/>
+                  </a:lnTo>
+                  <a:cubicBezTo>
+                    <a:pt x="28305" y="72460"/>
+                    <a:pt x="28305" y="72460"/>
+                    <a:pt x="28305" y="72460"/>
+                  </a:cubicBezTo>
+                  <a:cubicBezTo>
+                    <a:pt x="28305" y="96125"/>
+                    <a:pt x="28305" y="96125"/>
+                    <a:pt x="28305" y="96125"/>
+                  </a:cubicBezTo>
+                  <a:cubicBezTo>
+                    <a:pt x="50830" y="96125"/>
+                    <a:pt x="50830" y="96125"/>
+                    <a:pt x="50830" y="96125"/>
+                  </a:cubicBezTo>
+                  <a:lnTo>
+                    <a:pt x="50830" y="72460"/>
+                  </a:lnTo>
+                  <a:close/>
+                </a:path>
+              </a:pathLst>
+            </a:custGeom>
+            <a:solidFill>
+              <a:schemeClr val="bg1">
+                <a:lumMod val="50000"/>
+              </a:schemeClr>
+            </a:solidFill>
+            <a:ln>
+              <a:noFill/>
+            </a:ln>
+            <a:effectLst/>
+          </p:spPr>
+          <p:txBody>
+            <a:bodyPr wrap="square" lIns="91440" tIns="45720" rIns="91440" bIns="45720" anchor="ctr">
+              <a:normAutofit fontScale="25000" lnSpcReduction="20000"/>
+            </a:bodyPr>
+            <a:lstStyle/>
+            <a:p>
+              <a:pPr algn="ctr"/>
+              <a:endParaRPr/>
+            </a:p>
+          </p:txBody>
+        </p:sp>
+        <p:sp>
+          <p:nvSpPr>
+            <p:cNvPr id="24" name="îšlïďe">
+              <a:extLst>
+                <a:ext uri="{FF2B5EF4-FFF2-40B4-BE49-F238E27FC236}">
+                  <a16:creationId xmlns:a16="http://schemas.microsoft.com/office/drawing/2014/main" id="{7FBE396D-6685-475E-A6DF-5858695A0EC0}"/>
+                </a:ext>
+              </a:extLst>
+            </p:cNvPr>
+            <p:cNvSpPr/>
+            <p:nvPr/>
+          </p:nvSpPr>
+          <p:spPr>
+            <a:xfrm>
+              <a:off x="8153864" y="3473531"/>
+              <a:ext cx="217308" cy="190394"/>
+            </a:xfrm>
+            <a:custGeom>
+              <a:avLst/>
+              <a:gdLst/>
+              <a:ahLst/>
+              <a:cxnLst/>
+              <a:rect l="0" t="0" r="0" b="0"/>
+              <a:pathLst>
+                <a:path w="120000" h="120000" extrusionOk="0">
+                  <a:moveTo>
+                    <a:pt x="117009" y="65310"/>
+                  </a:moveTo>
+                  <a:lnTo>
+                    <a:pt x="117009" y="65310"/>
+                  </a:lnTo>
+                  <a:lnTo>
+                    <a:pt x="117009" y="65310"/>
+                  </a:lnTo>
+                  <a:cubicBezTo>
+                    <a:pt x="61993" y="91073"/>
+                    <a:pt x="61993" y="91073"/>
+                    <a:pt x="61993" y="91073"/>
+                  </a:cubicBezTo>
+                  <a:lnTo>
+                    <a:pt x="61993" y="91073"/>
+                  </a:lnTo>
+                  <a:lnTo>
+                    <a:pt x="61993" y="91073"/>
+                  </a:lnTo>
+                  <a:lnTo>
+                    <a:pt x="61993" y="91073"/>
+                  </a:lnTo>
+                  <a:cubicBezTo>
+                    <a:pt x="61993" y="92655"/>
+                    <a:pt x="60598" y="92655"/>
+                    <a:pt x="60598" y="92655"/>
+                  </a:cubicBezTo>
+                  <a:cubicBezTo>
+                    <a:pt x="59202" y="92655"/>
+                    <a:pt x="59202" y="92655"/>
+                    <a:pt x="57807" y="91073"/>
+                  </a:cubicBezTo>
+                  <a:lnTo>
+                    <a:pt x="57807" y="91073"/>
+                  </a:lnTo>
+                  <a:lnTo>
+                    <a:pt x="57807" y="91073"/>
+                  </a:lnTo>
+                  <a:lnTo>
+                    <a:pt x="57807" y="91073"/>
+                  </a:lnTo>
+                  <a:cubicBezTo>
+                    <a:pt x="2990" y="65310"/>
+                    <a:pt x="2990" y="65310"/>
+                    <a:pt x="2990" y="65310"/>
+                  </a:cubicBezTo>
+                  <a:lnTo>
+                    <a:pt x="2990" y="65310"/>
+                  </a:lnTo>
+                  <a:cubicBezTo>
+                    <a:pt x="1395" y="65310"/>
+                    <a:pt x="0" y="62146"/>
+                    <a:pt x="0" y="60564"/>
+                  </a:cubicBezTo>
+                  <a:cubicBezTo>
+                    <a:pt x="0" y="55819"/>
+                    <a:pt x="2990" y="54237"/>
+                    <a:pt x="5780" y="54237"/>
+                  </a:cubicBezTo>
+                  <a:cubicBezTo>
+                    <a:pt x="7176" y="54237"/>
+                    <a:pt x="7176" y="54237"/>
+                    <a:pt x="8571" y="54237"/>
+                  </a:cubicBezTo>
+                  <a:lnTo>
+                    <a:pt x="8571" y="54237"/>
+                  </a:lnTo>
+                  <a:lnTo>
+                    <a:pt x="8571" y="54237"/>
+                  </a:lnTo>
+                  <a:lnTo>
+                    <a:pt x="8571" y="54237"/>
+                  </a:lnTo>
+                  <a:cubicBezTo>
+                    <a:pt x="60598" y="78192"/>
+                    <a:pt x="60598" y="78192"/>
+                    <a:pt x="60598" y="78192"/>
+                  </a:cubicBezTo>
+                  <a:cubicBezTo>
+                    <a:pt x="112823" y="54237"/>
+                    <a:pt x="112823" y="54237"/>
+                    <a:pt x="112823" y="54237"/>
+                  </a:cubicBezTo>
+                  <a:lnTo>
+                    <a:pt x="112823" y="54237"/>
+                  </a:lnTo>
+                  <a:lnTo>
+                    <a:pt x="112823" y="54237"/>
+                  </a:lnTo>
+                  <a:lnTo>
+                    <a:pt x="112823" y="54237"/>
+                  </a:lnTo>
+                  <a:lnTo>
+                    <a:pt x="114219" y="54237"/>
+                  </a:lnTo>
+                  <a:cubicBezTo>
+                    <a:pt x="118405" y="54237"/>
+                    <a:pt x="119800" y="55819"/>
+                    <a:pt x="119800" y="60564"/>
+                  </a:cubicBezTo>
+                  <a:cubicBezTo>
+                    <a:pt x="119800" y="62146"/>
+                    <a:pt x="118405" y="65310"/>
+                    <a:pt x="117009" y="65310"/>
+                  </a:cubicBezTo>
+                  <a:close/>
+                  <a:moveTo>
+                    <a:pt x="117009" y="38192"/>
+                  </a:moveTo>
+                  <a:lnTo>
+                    <a:pt x="117009" y="38192"/>
+                  </a:lnTo>
+                  <a:lnTo>
+                    <a:pt x="117009" y="38192"/>
+                  </a:lnTo>
+                  <a:cubicBezTo>
+                    <a:pt x="61993" y="63728"/>
+                    <a:pt x="61993" y="63728"/>
+                    <a:pt x="61993" y="63728"/>
+                  </a:cubicBezTo>
+                  <a:lnTo>
+                    <a:pt x="61993" y="63728"/>
+                  </a:lnTo>
+                  <a:lnTo>
+                    <a:pt x="61993" y="63728"/>
+                  </a:lnTo>
+                  <a:lnTo>
+                    <a:pt x="61993" y="63728"/>
+                  </a:lnTo>
+                  <a:lnTo>
+                    <a:pt x="60598" y="63728"/>
+                  </a:lnTo>
+                  <a:cubicBezTo>
+                    <a:pt x="59202" y="63728"/>
+                    <a:pt x="59202" y="63728"/>
+                    <a:pt x="57807" y="63728"/>
+                  </a:cubicBezTo>
+                  <a:lnTo>
+                    <a:pt x="57807" y="63728"/>
+                  </a:lnTo>
+                  <a:lnTo>
+                    <a:pt x="57807" y="63728"/>
+                  </a:lnTo>
+                  <a:lnTo>
+                    <a:pt x="57807" y="63728"/>
+                  </a:lnTo>
+                  <a:cubicBezTo>
+                    <a:pt x="2990" y="38192"/>
+                    <a:pt x="2990" y="38192"/>
+                    <a:pt x="2990" y="38192"/>
+                  </a:cubicBezTo>
+                  <a:lnTo>
+                    <a:pt x="2990" y="38192"/>
+                  </a:lnTo>
+                  <a:cubicBezTo>
+                    <a:pt x="1395" y="36610"/>
+                    <a:pt x="0" y="35028"/>
+                    <a:pt x="0" y="31864"/>
+                  </a:cubicBezTo>
+                  <a:cubicBezTo>
+                    <a:pt x="0" y="30282"/>
+                    <a:pt x="1395" y="27118"/>
+                    <a:pt x="2990" y="27118"/>
+                  </a:cubicBezTo>
+                  <a:lnTo>
+                    <a:pt x="2990" y="27118"/>
+                  </a:lnTo>
+                  <a:cubicBezTo>
+                    <a:pt x="57807" y="1581"/>
+                    <a:pt x="57807" y="1581"/>
+                    <a:pt x="57807" y="1581"/>
+                  </a:cubicBezTo>
+                  <a:lnTo>
+                    <a:pt x="57807" y="1581"/>
+                  </a:lnTo>
+                  <a:lnTo>
+                    <a:pt x="57807" y="1581"/>
+                  </a:lnTo>
+                  <a:lnTo>
+                    <a:pt x="57807" y="1581"/>
+                  </a:lnTo>
+                  <a:cubicBezTo>
+                    <a:pt x="59202" y="0"/>
+                    <a:pt x="59202" y="0"/>
+                    <a:pt x="60598" y="0"/>
+                  </a:cubicBezTo>
+                  <a:cubicBezTo>
+                    <a:pt x="60598" y="0"/>
+                    <a:pt x="61993" y="0"/>
+                    <a:pt x="61993" y="1581"/>
+                  </a:cubicBezTo>
+                  <a:lnTo>
+                    <a:pt x="61993" y="1581"/>
+                  </a:lnTo>
+                  <a:lnTo>
+                    <a:pt x="61993" y="1581"/>
+                  </a:lnTo>
+                  <a:lnTo>
+                    <a:pt x="61993" y="1581"/>
+                  </a:lnTo>
+                  <a:cubicBezTo>
+                    <a:pt x="117009" y="27118"/>
+                    <a:pt x="117009" y="27118"/>
+                    <a:pt x="117009" y="27118"/>
+                  </a:cubicBezTo>
+                  <a:lnTo>
+                    <a:pt x="117009" y="27118"/>
+                  </a:lnTo>
+                  <a:cubicBezTo>
+                    <a:pt x="118405" y="27118"/>
+                    <a:pt x="119800" y="30282"/>
+                    <a:pt x="119800" y="31864"/>
+                  </a:cubicBezTo>
+                  <a:cubicBezTo>
+                    <a:pt x="119800" y="35028"/>
+                    <a:pt x="118405" y="36610"/>
+                    <a:pt x="117009" y="38192"/>
+                  </a:cubicBezTo>
+                  <a:close/>
+                  <a:moveTo>
+                    <a:pt x="5780" y="81355"/>
+                  </a:moveTo>
+                  <a:lnTo>
+                    <a:pt x="5780" y="81355"/>
+                  </a:lnTo>
+                  <a:cubicBezTo>
+                    <a:pt x="7176" y="81355"/>
+                    <a:pt x="7176" y="81355"/>
+                    <a:pt x="8571" y="81355"/>
+                  </a:cubicBezTo>
+                  <a:lnTo>
+                    <a:pt x="8571" y="81355"/>
+                  </a:lnTo>
+                  <a:lnTo>
+                    <a:pt x="8571" y="81355"/>
+                  </a:lnTo>
+                  <a:lnTo>
+                    <a:pt x="8571" y="81355"/>
+                  </a:lnTo>
+                  <a:cubicBezTo>
+                    <a:pt x="60598" y="106892"/>
+                    <a:pt x="60598" y="106892"/>
+                    <a:pt x="60598" y="106892"/>
+                  </a:cubicBezTo>
+                  <a:cubicBezTo>
+                    <a:pt x="112823" y="81355"/>
+                    <a:pt x="112823" y="81355"/>
+                    <a:pt x="112823" y="81355"/>
+                  </a:cubicBezTo>
+                  <a:lnTo>
+                    <a:pt x="112823" y="81355"/>
+                  </a:lnTo>
+                  <a:lnTo>
+                    <a:pt x="112823" y="81355"/>
+                  </a:lnTo>
+                  <a:lnTo>
+                    <a:pt x="112823" y="81355"/>
+                  </a:lnTo>
+                  <a:lnTo>
+                    <a:pt x="114219" y="81355"/>
+                  </a:lnTo>
+                  <a:cubicBezTo>
+                    <a:pt x="118405" y="81355"/>
+                    <a:pt x="119800" y="84519"/>
+                    <a:pt x="119800" y="87683"/>
+                  </a:cubicBezTo>
+                  <a:cubicBezTo>
+                    <a:pt x="119800" y="91073"/>
+                    <a:pt x="118405" y="92655"/>
+                    <a:pt x="117009" y="94237"/>
+                  </a:cubicBezTo>
+                  <a:lnTo>
+                    <a:pt x="117009" y="94237"/>
+                  </a:lnTo>
+                  <a:cubicBezTo>
+                    <a:pt x="61993" y="119774"/>
+                    <a:pt x="61993" y="119774"/>
+                    <a:pt x="61993" y="119774"/>
+                  </a:cubicBezTo>
+                  <a:lnTo>
+                    <a:pt x="61993" y="119774"/>
+                  </a:lnTo>
+                  <a:lnTo>
+                    <a:pt x="61993" y="119774"/>
+                  </a:lnTo>
+                  <a:lnTo>
+                    <a:pt x="61993" y="119774"/>
+                  </a:lnTo>
+                  <a:lnTo>
+                    <a:pt x="60598" y="119774"/>
+                  </a:lnTo>
+                  <a:cubicBezTo>
+                    <a:pt x="59202" y="119774"/>
+                    <a:pt x="59202" y="119774"/>
+                    <a:pt x="57807" y="119774"/>
+                  </a:cubicBezTo>
+                  <a:lnTo>
+                    <a:pt x="57807" y="119774"/>
+                  </a:lnTo>
+                  <a:lnTo>
+                    <a:pt x="57807" y="119774"/>
+                  </a:lnTo>
+                  <a:lnTo>
+                    <a:pt x="57807" y="119774"/>
+                  </a:lnTo>
+                  <a:cubicBezTo>
+                    <a:pt x="2990" y="94237"/>
+                    <a:pt x="2990" y="94237"/>
+                    <a:pt x="2990" y="94237"/>
+                  </a:cubicBezTo>
+                  <a:lnTo>
+                    <a:pt x="2990" y="94237"/>
+                  </a:lnTo>
+                  <a:cubicBezTo>
+                    <a:pt x="1395" y="92655"/>
+                    <a:pt x="0" y="91073"/>
+                    <a:pt x="0" y="87683"/>
+                  </a:cubicBezTo>
+                  <a:cubicBezTo>
+                    <a:pt x="0" y="84519"/>
+                    <a:pt x="2990" y="81355"/>
+                    <a:pt x="5780" y="81355"/>
+                  </a:cubicBezTo>
+                  <a:close/>
+                </a:path>
+              </a:pathLst>
+            </a:custGeom>
+            <a:solidFill>
+              <a:schemeClr val="bg1">
+                <a:lumMod val="50000"/>
+              </a:schemeClr>
+            </a:solidFill>
+            <a:ln>
+              <a:noFill/>
+            </a:ln>
+            <a:effectLst/>
+          </p:spPr>
+          <p:txBody>
+            <a:bodyPr wrap="square" lIns="91440" tIns="45720" rIns="91440" bIns="45720" anchor="ctr">
+              <a:normAutofit fontScale="25000" lnSpcReduction="20000"/>
+            </a:bodyPr>
+            <a:lstStyle/>
+            <a:p>
+              <a:pPr algn="ctr"/>
+              <a:endParaRPr/>
+            </a:p>
+          </p:txBody>
+        </p:sp>
+        <p:sp>
+          <p:nvSpPr>
+            <p:cNvPr id="25" name="is1íḑê">
+              <a:extLst>
+                <a:ext uri="{FF2B5EF4-FFF2-40B4-BE49-F238E27FC236}">
+                  <a16:creationId xmlns:a16="http://schemas.microsoft.com/office/drawing/2014/main" id="{B5FB1B09-AC9D-4ABF-BF0D-8BFF1DF5FB58}"/>
+                </a:ext>
+              </a:extLst>
+            </p:cNvPr>
+            <p:cNvSpPr/>
+            <p:nvPr/>
+          </p:nvSpPr>
+          <p:spPr>
+            <a:xfrm>
+              <a:off x="8174482" y="4940376"/>
+              <a:ext cx="176066" cy="215776"/>
+            </a:xfrm>
+            <a:custGeom>
+              <a:avLst/>
+              <a:gdLst/>
+              <a:ahLst/>
+              <a:cxnLst/>
+              <a:rect l="0" t="0" r="0" b="0"/>
+              <a:pathLst>
+                <a:path w="120000" h="120000" extrusionOk="0">
+                  <a:moveTo>
+                    <a:pt x="112868" y="119800"/>
+                  </a:moveTo>
+                  <a:lnTo>
+                    <a:pt x="112868" y="119800"/>
+                  </a:lnTo>
+                  <a:cubicBezTo>
+                    <a:pt x="6885" y="119800"/>
+                    <a:pt x="6885" y="119800"/>
+                    <a:pt x="6885" y="119800"/>
+                  </a:cubicBezTo>
+                  <a:cubicBezTo>
+                    <a:pt x="1721" y="119800"/>
+                    <a:pt x="0" y="117004"/>
+                    <a:pt x="0" y="114209"/>
+                  </a:cubicBezTo>
+                  <a:cubicBezTo>
+                    <a:pt x="0" y="64891"/>
+                    <a:pt x="0" y="64891"/>
+                    <a:pt x="0" y="64891"/>
+                  </a:cubicBezTo>
+                  <a:cubicBezTo>
+                    <a:pt x="0" y="62096"/>
+                    <a:pt x="1721" y="59101"/>
+                    <a:pt x="6885" y="59101"/>
+                  </a:cubicBezTo>
+                  <a:cubicBezTo>
+                    <a:pt x="17213" y="59101"/>
+                    <a:pt x="17213" y="59101"/>
+                    <a:pt x="17213" y="59101"/>
+                  </a:cubicBezTo>
+                  <a:cubicBezTo>
+                    <a:pt x="17213" y="33743"/>
+                    <a:pt x="17213" y="33743"/>
+                    <a:pt x="17213" y="33743"/>
+                  </a:cubicBezTo>
+                  <a:cubicBezTo>
+                    <a:pt x="17213" y="13976"/>
+                    <a:pt x="36393" y="0"/>
+                    <a:pt x="59016" y="0"/>
+                  </a:cubicBezTo>
+                  <a:cubicBezTo>
+                    <a:pt x="83360" y="0"/>
+                    <a:pt x="100573" y="13976"/>
+                    <a:pt x="100573" y="33743"/>
+                  </a:cubicBezTo>
+                  <a:cubicBezTo>
+                    <a:pt x="100573" y="36539"/>
+                    <a:pt x="98852" y="39534"/>
+                    <a:pt x="93688" y="39534"/>
+                  </a:cubicBezTo>
+                  <a:cubicBezTo>
+                    <a:pt x="90245" y="39534"/>
+                    <a:pt x="86803" y="36539"/>
+                    <a:pt x="86803" y="33743"/>
+                  </a:cubicBezTo>
+                  <a:cubicBezTo>
+                    <a:pt x="86803" y="21164"/>
+                    <a:pt x="74754" y="11181"/>
+                    <a:pt x="59016" y="11181"/>
+                  </a:cubicBezTo>
+                  <a:cubicBezTo>
+                    <a:pt x="43278" y="11181"/>
+                    <a:pt x="31229" y="21164"/>
+                    <a:pt x="31229" y="33743"/>
+                  </a:cubicBezTo>
+                  <a:cubicBezTo>
+                    <a:pt x="31229" y="59101"/>
+                    <a:pt x="31229" y="59101"/>
+                    <a:pt x="31229" y="59101"/>
+                  </a:cubicBezTo>
+                  <a:cubicBezTo>
+                    <a:pt x="86803" y="59101"/>
+                    <a:pt x="86803" y="59101"/>
+                    <a:pt x="86803" y="59101"/>
+                  </a:cubicBezTo>
+                  <a:cubicBezTo>
+                    <a:pt x="100573" y="59101"/>
+                    <a:pt x="100573" y="59101"/>
+                    <a:pt x="100573" y="59101"/>
+                  </a:cubicBezTo>
+                  <a:cubicBezTo>
+                    <a:pt x="112868" y="59101"/>
+                    <a:pt x="112868" y="59101"/>
+                    <a:pt x="112868" y="59101"/>
+                  </a:cubicBezTo>
+                  <a:cubicBezTo>
+                    <a:pt x="116311" y="59101"/>
+                    <a:pt x="119754" y="62096"/>
+                    <a:pt x="119754" y="64891"/>
+                  </a:cubicBezTo>
+                  <a:cubicBezTo>
+                    <a:pt x="119754" y="114209"/>
+                    <a:pt x="119754" y="114209"/>
+                    <a:pt x="119754" y="114209"/>
+                  </a:cubicBezTo>
+                  <a:cubicBezTo>
+                    <a:pt x="119754" y="117004"/>
+                    <a:pt x="116311" y="119800"/>
+                    <a:pt x="112868" y="119800"/>
+                  </a:cubicBezTo>
+                  <a:close/>
+                  <a:moveTo>
+                    <a:pt x="59016" y="70482"/>
+                  </a:moveTo>
+                  <a:lnTo>
+                    <a:pt x="59016" y="70482"/>
+                  </a:lnTo>
+                  <a:cubicBezTo>
+                    <a:pt x="52131" y="70482"/>
+                    <a:pt x="45000" y="76073"/>
+                    <a:pt x="45000" y="81863"/>
+                  </a:cubicBezTo>
+                  <a:cubicBezTo>
+                    <a:pt x="45000" y="86056"/>
+                    <a:pt x="48688" y="90249"/>
+                    <a:pt x="52131" y="91647"/>
+                  </a:cubicBezTo>
+                  <a:cubicBezTo>
+                    <a:pt x="52131" y="103028"/>
+                    <a:pt x="52131" y="103028"/>
+                    <a:pt x="52131" y="103028"/>
+                  </a:cubicBezTo>
+                  <a:cubicBezTo>
+                    <a:pt x="52131" y="105823"/>
+                    <a:pt x="55573" y="108618"/>
+                    <a:pt x="59016" y="108618"/>
+                  </a:cubicBezTo>
+                  <a:cubicBezTo>
+                    <a:pt x="64180" y="108618"/>
+                    <a:pt x="65901" y="105823"/>
+                    <a:pt x="65901" y="103028"/>
+                  </a:cubicBezTo>
+                  <a:cubicBezTo>
+                    <a:pt x="65901" y="91647"/>
+                    <a:pt x="65901" y="91647"/>
+                    <a:pt x="65901" y="91647"/>
+                  </a:cubicBezTo>
+                  <a:cubicBezTo>
+                    <a:pt x="71065" y="90249"/>
+                    <a:pt x="72786" y="86056"/>
+                    <a:pt x="72786" y="81863"/>
+                  </a:cubicBezTo>
+                  <a:cubicBezTo>
+                    <a:pt x="72786" y="76073"/>
+                    <a:pt x="67622" y="70482"/>
+                    <a:pt x="59016" y="70482"/>
+                  </a:cubicBezTo>
+                  <a:close/>
+                </a:path>
+              </a:pathLst>
+            </a:custGeom>
+            <a:solidFill>
+              <a:schemeClr val="bg1">
+                <a:lumMod val="50000"/>
+              </a:schemeClr>
+            </a:solidFill>
+            <a:ln>
+              <a:noFill/>
+            </a:ln>
+            <a:effectLst/>
+          </p:spPr>
+          <p:txBody>
+            <a:bodyPr wrap="square" lIns="91440" tIns="45720" rIns="91440" bIns="45720" anchor="ctr">
+              <a:normAutofit fontScale="25000" lnSpcReduction="20000"/>
+            </a:bodyPr>
+            <a:lstStyle/>
+            <a:p>
+              <a:pPr algn="ctr"/>
+              <a:endParaRPr dirty="0"/>
+            </a:p>
+          </p:txBody>
+        </p:sp>
+      </p:grpSp>
+    </p:spTree>
+    <p:extLst>
+      <p:ext uri="{BB962C8B-B14F-4D97-AF65-F5344CB8AC3E}">
+        <p14:creationId xmlns:p14="http://schemas.microsoft.com/office/powerpoint/2010/main" val="4142396667"/>
+      </p:ext>
+    </p:extLst>
+  </p:cSld>
+  <p:clrMapOvr>
+    <a:masterClrMapping/>
+  </p:clrMapOvr>
+</p:sld>
+</file>
+
+<file path=ppt/slides/slide11.xml><?xml version="1.0" encoding="utf-8"?>
+<p:sld xmlns:a="http://schemas.openxmlformats.org/drawingml/2006/main" xmlns:r="http://schemas.openxmlformats.org/officeDocument/2006/relationships" xmlns:p="http://schemas.openxmlformats.org/presentationml/2006/main">
+  <p:cSld>
+    <p:spTree>
+      <p:nvGrpSpPr>
+        <p:cNvPr id="1" name=""/>
+        <p:cNvGrpSpPr/>
+        <p:nvPr/>
+      </p:nvGrpSpPr>
+      <p:grpSpPr>
+        <a:xfrm>
+          <a:off x="0" y="0"/>
+          <a:ext cx="0" cy="0"/>
+          <a:chOff x="0" y="0"/>
+          <a:chExt cx="0" cy="0"/>
+        </a:xfrm>
+      </p:grpSpPr>
+      <p:sp>
+        <p:nvSpPr>
           <p:cNvPr id="4" name="标题 3">
             <a:extLst>
               <a:ext uri="{FF2B5EF4-FFF2-40B4-BE49-F238E27FC236}">
@@ -4040,347 +6833,6 @@
 </p:sld>
 </file>
 
-<file path=ppt/slides/slide11.xml><?xml version="1.0" encoding="utf-8"?>
-<p:sld xmlns:a="http://schemas.openxmlformats.org/drawingml/2006/main" xmlns:r="http://schemas.openxmlformats.org/officeDocument/2006/relationships" xmlns:p="http://schemas.openxmlformats.org/presentationml/2006/main">
-  <p:cSld>
-    <p:spTree>
-      <p:nvGrpSpPr>
-        <p:cNvPr id="1" name=""/>
-        <p:cNvGrpSpPr/>
-        <p:nvPr/>
-      </p:nvGrpSpPr>
-      <p:grpSpPr>
-        <a:xfrm>
-          <a:off x="0" y="0"/>
-          <a:ext cx="0" cy="0"/>
-          <a:chOff x="0" y="0"/>
-          <a:chExt cx="0" cy="0"/>
-        </a:xfrm>
-      </p:grpSpPr>
-      <p:sp>
-        <p:nvSpPr>
-          <p:cNvPr id="2" name="标题 1">
-            <a:extLst>
-              <a:ext uri="{FF2B5EF4-FFF2-40B4-BE49-F238E27FC236}">
-                <a16:creationId xmlns:a16="http://schemas.microsoft.com/office/drawing/2014/main" id="{90534DB0-0718-40A2-9970-E2A769C0C7B5}"/>
-              </a:ext>
-            </a:extLst>
-          </p:cNvPr>
-          <p:cNvSpPr>
-            <a:spLocks noGrp="1"/>
-          </p:cNvSpPr>
-          <p:nvPr>
-            <p:ph type="title"/>
-          </p:nvPr>
-        </p:nvSpPr>
-        <p:spPr/>
-        <p:txBody>
-          <a:bodyPr/>
-          <a:lstStyle/>
-          <a:p>
-            <a:pPr>
-              <a:lnSpc>
-                <a:spcPct val="120000"/>
-              </a:lnSpc>
-            </a:pPr>
-            <a:r>
-              <a:rPr lang="zh-CN" altLang="en-US" dirty="0"/>
-              <a:t>国内外研究现状</a:t>
-            </a:r>
-            <a:r>
-              <a:rPr lang="en-US" altLang="zh-CN" dirty="0"/>
-              <a:t>——</a:t>
-            </a:r>
-            <a:r>
-              <a:rPr lang="zh-CN" altLang="en-US" dirty="0"/>
-              <a:t>基于程序切片和机器学习</a:t>
-            </a:r>
-          </a:p>
-        </p:txBody>
-      </p:sp>
-      <p:sp>
-        <p:nvSpPr>
-          <p:cNvPr id="3" name="内容占位符 2">
-            <a:extLst>
-              <a:ext uri="{FF2B5EF4-FFF2-40B4-BE49-F238E27FC236}">
-                <a16:creationId xmlns:a16="http://schemas.microsoft.com/office/drawing/2014/main" id="{507E824E-8FEB-4A3E-8696-55FA9CC5E3B7}"/>
-              </a:ext>
-            </a:extLst>
-          </p:cNvPr>
-          <p:cNvSpPr>
-            <a:spLocks noGrp="1"/>
-          </p:cNvSpPr>
-          <p:nvPr>
-            <p:ph idx="1"/>
-          </p:nvPr>
-        </p:nvSpPr>
-        <p:spPr>
-          <a:xfrm>
-            <a:off x="669925" y="1123950"/>
-            <a:ext cx="6313680" cy="5019675"/>
-          </a:xfrm>
-        </p:spPr>
-        <p:txBody>
-          <a:bodyPr/>
-          <a:lstStyle/>
-          <a:p>
-            <a:pPr>
-              <a:lnSpc>
-                <a:spcPct val="120000"/>
-              </a:lnSpc>
-              <a:spcBef>
-                <a:spcPts val="0"/>
-              </a:spcBef>
-            </a:pPr>
-            <a:r>
-              <a:rPr lang="en-US" altLang="zh-CN" dirty="0"/>
-              <a:t>Li Z, Zou D, Xu S, et al. </a:t>
-            </a:r>
-            <a:r>
-              <a:rPr lang="en-US" altLang="zh-CN" dirty="0" err="1"/>
-              <a:t>VulDeePecker</a:t>
-            </a:r>
-            <a:r>
-              <a:rPr lang="en-US" altLang="zh-CN" dirty="0"/>
-              <a:t>: A deep learning-based system for vulnerability detection[J]</a:t>
-            </a:r>
-          </a:p>
-          <a:p>
-            <a:pPr marL="0" indent="0">
-              <a:lnSpc>
-                <a:spcPct val="120000"/>
-              </a:lnSpc>
-              <a:spcBef>
-                <a:spcPts val="0"/>
-              </a:spcBef>
-              <a:buNone/>
-            </a:pPr>
-            <a:r>
-              <a:rPr lang="en-US" altLang="zh-CN" dirty="0"/>
-              <a:t>   </a:t>
-            </a:r>
-            <a:r>
-              <a:rPr lang="zh-CN" altLang="en-US" dirty="0"/>
-              <a:t>文中使用了程序切片和深度神经网络（</a:t>
-            </a:r>
-            <a:r>
-              <a:rPr lang="en-US" altLang="zh-CN" dirty="0"/>
-              <a:t>BLSTM</a:t>
-            </a:r>
-            <a:r>
-              <a:rPr lang="zh-CN" altLang="en-US" dirty="0"/>
-              <a:t>）构建了一套检测缓冲区溢出和资源管理漏洞的工具，作者认为使用该工具检测</a:t>
-            </a:r>
-            <a:r>
-              <a:rPr lang="en-US" altLang="zh-CN" dirty="0"/>
-              <a:t>0day</a:t>
-            </a:r>
-            <a:r>
-              <a:rPr lang="zh-CN" altLang="en-US" dirty="0"/>
-              <a:t>漏洞是可行的，并且未来可以将该方法推广到其他语言。</a:t>
-            </a:r>
-            <a:endParaRPr lang="en-US" altLang="zh-CN" dirty="0"/>
-          </a:p>
-          <a:p>
-            <a:pPr marL="0" indent="0">
-              <a:lnSpc>
-                <a:spcPct val="120000"/>
-              </a:lnSpc>
-              <a:spcBef>
-                <a:spcPts val="0"/>
-              </a:spcBef>
-              <a:buNone/>
-            </a:pPr>
-            <a:endParaRPr lang="en-US" altLang="zh-CN" dirty="0"/>
-          </a:p>
-          <a:p>
-            <a:pPr>
-              <a:lnSpc>
-                <a:spcPct val="120000"/>
-              </a:lnSpc>
-              <a:spcBef>
-                <a:spcPts val="0"/>
-              </a:spcBef>
-            </a:pPr>
-            <a:r>
-              <a:rPr lang="en-US" altLang="zh-CN" dirty="0" err="1"/>
-              <a:t>Koc</a:t>
-            </a:r>
-            <a:r>
-              <a:rPr lang="en-US" altLang="zh-CN" dirty="0"/>
-              <a:t> U, </a:t>
-            </a:r>
-            <a:r>
-              <a:rPr lang="en-US" altLang="zh-CN" dirty="0" err="1"/>
-              <a:t>Saadatpanah</a:t>
-            </a:r>
-            <a:r>
-              <a:rPr lang="en-US" altLang="zh-CN" dirty="0"/>
-              <a:t> P, Foster J S, et al. Learning a classifier for false positive error reports emitted by static code analysis tools[C]</a:t>
-            </a:r>
-          </a:p>
-          <a:p>
-            <a:pPr marL="0" indent="0">
-              <a:lnSpc>
-                <a:spcPct val="120000"/>
-              </a:lnSpc>
-              <a:spcBef>
-                <a:spcPts val="0"/>
-              </a:spcBef>
-              <a:buNone/>
-            </a:pPr>
-            <a:r>
-              <a:rPr lang="en-US" altLang="zh-CN" dirty="0"/>
-              <a:t>   </a:t>
-            </a:r>
-            <a:r>
-              <a:rPr lang="zh-CN" altLang="en-US" dirty="0"/>
-              <a:t>文中总结了</a:t>
-            </a:r>
-            <a:r>
-              <a:rPr lang="en-US" altLang="zh-CN" dirty="0"/>
-              <a:t>Java</a:t>
-            </a:r>
-            <a:r>
-              <a:rPr lang="zh-CN" altLang="en-US" dirty="0"/>
-              <a:t>中误报产生的模式，并且考虑用方法体</a:t>
-            </a:r>
-            <a:r>
-              <a:rPr lang="en-US" altLang="zh-CN" dirty="0"/>
-              <a:t>/</a:t>
-            </a:r>
-            <a:r>
-              <a:rPr lang="zh-CN" altLang="en-US" dirty="0"/>
-              <a:t>程序切片技术和机器学习降低误报率</a:t>
-            </a:r>
-            <a:endParaRPr lang="en-US" altLang="zh-CN" dirty="0"/>
-          </a:p>
-          <a:p>
-            <a:pPr marL="0" indent="0">
-              <a:lnSpc>
-                <a:spcPct val="120000"/>
-              </a:lnSpc>
-              <a:spcBef>
-                <a:spcPts val="0"/>
-              </a:spcBef>
-              <a:buNone/>
-            </a:pPr>
-            <a:endParaRPr lang="en-US" altLang="zh-CN" dirty="0"/>
-          </a:p>
-        </p:txBody>
-      </p:sp>
-      <p:sp>
-        <p:nvSpPr>
-          <p:cNvPr id="4" name="页脚占位符 3">
-            <a:extLst>
-              <a:ext uri="{FF2B5EF4-FFF2-40B4-BE49-F238E27FC236}">
-                <a16:creationId xmlns:a16="http://schemas.microsoft.com/office/drawing/2014/main" id="{12281555-5D92-47B1-A247-506E29DB6A5B}"/>
-              </a:ext>
-            </a:extLst>
-          </p:cNvPr>
-          <p:cNvSpPr>
-            <a:spLocks noGrp="1"/>
-          </p:cNvSpPr>
-          <p:nvPr>
-            <p:ph type="ftr" sz="quarter" idx="11"/>
-          </p:nvPr>
-        </p:nvSpPr>
-        <p:spPr/>
-        <p:txBody>
-          <a:bodyPr/>
-          <a:lstStyle/>
-          <a:p>
-            <a:pPr>
-              <a:lnSpc>
-                <a:spcPct val="120000"/>
-              </a:lnSpc>
-            </a:pPr>
-            <a:endParaRPr lang="zh-CN" altLang="en-US" dirty="0"/>
-          </a:p>
-        </p:txBody>
-      </p:sp>
-      <p:sp>
-        <p:nvSpPr>
-          <p:cNvPr id="5" name="灯片编号占位符 4">
-            <a:extLst>
-              <a:ext uri="{FF2B5EF4-FFF2-40B4-BE49-F238E27FC236}">
-                <a16:creationId xmlns:a16="http://schemas.microsoft.com/office/drawing/2014/main" id="{7E8E3D5B-4F50-4D71-AB0A-3DB9E66413E2}"/>
-              </a:ext>
-            </a:extLst>
-          </p:cNvPr>
-          <p:cNvSpPr>
-            <a:spLocks noGrp="1"/>
-          </p:cNvSpPr>
-          <p:nvPr>
-            <p:ph type="sldNum" sz="quarter" idx="12"/>
-          </p:nvPr>
-        </p:nvSpPr>
-        <p:spPr/>
-        <p:txBody>
-          <a:bodyPr/>
-          <a:lstStyle/>
-          <a:p>
-            <a:pPr>
-              <a:lnSpc>
-                <a:spcPct val="120000"/>
-              </a:lnSpc>
-            </a:pPr>
-            <a:fld id="{5DD3DB80-B894-403A-B48E-6FDC1A72010E}" type="slidenum">
-              <a:rPr lang="zh-CN" altLang="en-US" smtClean="0"/>
-              <a:pPr>
-                <a:lnSpc>
-                  <a:spcPct val="120000"/>
-                </a:lnSpc>
-              </a:pPr>
-              <a:t>11</a:t>
-            </a:fld>
-            <a:endParaRPr lang="zh-CN" altLang="en-US"/>
-          </a:p>
-        </p:txBody>
-      </p:sp>
-      <p:pic>
-        <p:nvPicPr>
-          <p:cNvPr id="6" name="图片 5">
-            <a:extLst>
-              <a:ext uri="{FF2B5EF4-FFF2-40B4-BE49-F238E27FC236}">
-                <a16:creationId xmlns:a16="http://schemas.microsoft.com/office/drawing/2014/main" id="{E69B912F-AAD5-4752-BBB8-83AFCCE9136E}"/>
-              </a:ext>
-            </a:extLst>
-          </p:cNvPr>
-          <p:cNvPicPr>
-            <a:picLocks noChangeAspect="1"/>
-          </p:cNvPicPr>
-          <p:nvPr/>
-        </p:nvPicPr>
-        <p:blipFill>
-          <a:blip r:embed="rId2"/>
-          <a:stretch>
-            <a:fillRect/>
-          </a:stretch>
-        </p:blipFill>
-        <p:spPr>
-          <a:xfrm>
-            <a:off x="7001871" y="2498061"/>
-            <a:ext cx="4428184" cy="2271452"/>
-          </a:xfrm>
-          <a:prstGeom prst="rect">
-            <a:avLst/>
-          </a:prstGeom>
-        </p:spPr>
-      </p:pic>
-    </p:spTree>
-    <p:extLst>
-      <p:ext uri="{BB962C8B-B14F-4D97-AF65-F5344CB8AC3E}">
-        <p14:creationId xmlns:p14="http://schemas.microsoft.com/office/powerpoint/2010/main" val="3399625386"/>
-      </p:ext>
-    </p:extLst>
-  </p:cSld>
-  <p:clrMapOvr>
-    <a:masterClrMapping/>
-  </p:clrMapOvr>
-</p:sld>
-</file>
-
 <file path=ppt/slides/slide12.xml><?xml version="1.0" encoding="utf-8"?>
 <p:sld xmlns:a="http://schemas.openxmlformats.org/drawingml/2006/main" xmlns:r="http://schemas.openxmlformats.org/officeDocument/2006/relationships" xmlns:p="http://schemas.openxmlformats.org/presentationml/2006/main">
   <p:cSld>
@@ -4434,7 +6886,7 @@
             </a:r>
             <a:r>
               <a:rPr lang="zh-CN" altLang="en-US" dirty="0"/>
-              <a:t>实证研究</a:t>
+              <a:t>基于程序切片和机器学习</a:t>
             </a:r>
           </a:p>
         </p:txBody>
@@ -4455,9 +6907,16 @@
             <p:ph idx="1"/>
           </p:nvPr>
         </p:nvSpPr>
-        <p:spPr/>
+        <p:spPr>
+          <a:xfrm>
+            <a:off x="669925" y="1123950"/>
+            <a:ext cx="10850562" cy="833753"/>
+          </a:xfrm>
+        </p:spPr>
         <p:txBody>
-          <a:bodyPr/>
+          <a:bodyPr>
+            <a:normAutofit/>
+          </a:bodyPr>
           <a:lstStyle/>
           <a:p>
             <a:pPr>
@@ -4469,12 +6928,16 @@
               </a:spcBef>
             </a:pPr>
             <a:r>
+              <a:rPr lang="en-US" altLang="zh-CN" dirty="0"/>
+              <a:t>Li Z, Zou D, Xu S, et al. </a:t>
+            </a:r>
+            <a:r>
               <a:rPr lang="en-US" altLang="zh-CN" dirty="0" err="1"/>
-              <a:t>Koc</a:t>
+              <a:t>VulDeePecker</a:t>
             </a:r>
             <a:r>
               <a:rPr lang="en-US" altLang="zh-CN" dirty="0"/>
-              <a:t> U, Wei S, Foster J S, et al. An Empirical Assessment of Machine Learning Approaches for Triaging Reports of a Java Static Analysis Tool[C]</a:t>
+              <a:t>: A deep learning-based system for vulnerability detection[J]</a:t>
             </a:r>
           </a:p>
           <a:p>
@@ -4487,34 +6950,7 @@
               </a:spcBef>
               <a:buNone/>
             </a:pPr>
-            <a:r>
-              <a:rPr lang="zh-CN" altLang="en-US" dirty="0"/>
-              <a:t>   上文的后续工作，展开实证研究，比较手工设计特征，词袋，</a:t>
-            </a:r>
-            <a:r>
-              <a:rPr lang="en-US" altLang="zh-CN" dirty="0"/>
-              <a:t>RNN</a:t>
-            </a:r>
-            <a:r>
-              <a:rPr lang="zh-CN" altLang="en-US" dirty="0"/>
-              <a:t>和</a:t>
-            </a:r>
-            <a:r>
-              <a:rPr lang="en-US" altLang="zh-CN" dirty="0"/>
-              <a:t>GNN</a:t>
-            </a:r>
-            <a:r>
-              <a:rPr lang="zh-CN" altLang="en-US" dirty="0"/>
-              <a:t>，使用真实程序集来测试他们的效果，其中发现</a:t>
-            </a:r>
-            <a:r>
-              <a:rPr lang="en-US" altLang="zh-CN" dirty="0"/>
-              <a:t>LSTM</a:t>
-            </a:r>
-            <a:r>
-              <a:rPr lang="zh-CN" altLang="en-US" dirty="0"/>
-              <a:t>效果最好，并且不同的算法的检测能力不重叠，因此提出未来工作可以融合不同的检测手段达到更好效果</a:t>
-            </a:r>
+            <a:endParaRPr lang="en-US" altLang="zh-CN" dirty="0"/>
           </a:p>
         </p:txBody>
       </p:sp>
@@ -4582,6 +7018,322 @@
                 </a:lnSpc>
               </a:pPr>
               <a:t>12</a:t>
+            </a:fld>
+            <a:endParaRPr lang="zh-CN" altLang="en-US"/>
+          </a:p>
+        </p:txBody>
+      </p:sp>
+      <p:pic>
+        <p:nvPicPr>
+          <p:cNvPr id="8" name="图片 7">
+            <a:extLst>
+              <a:ext uri="{FF2B5EF4-FFF2-40B4-BE49-F238E27FC236}">
+                <a16:creationId xmlns:a16="http://schemas.microsoft.com/office/drawing/2014/main" id="{541BCFFE-E303-4D59-80DC-DC80376C822D}"/>
+              </a:ext>
+            </a:extLst>
+          </p:cNvPr>
+          <p:cNvPicPr>
+            <a:picLocks noChangeAspect="1"/>
+          </p:cNvPicPr>
+          <p:nvPr/>
+        </p:nvPicPr>
+        <p:blipFill>
+          <a:blip r:embed="rId2">
+            <a:clrChange>
+              <a:clrFrom>
+                <a:srgbClr val="FFFFFF"/>
+              </a:clrFrom>
+              <a:clrTo>
+                <a:srgbClr val="FFFFFF">
+                  <a:alpha val="0"/>
+                </a:srgbClr>
+              </a:clrTo>
+            </a:clrChange>
+          </a:blip>
+          <a:stretch>
+            <a:fillRect/>
+          </a:stretch>
+        </p:blipFill>
+        <p:spPr>
+          <a:xfrm>
+            <a:off x="939062" y="2060891"/>
+            <a:ext cx="7742125" cy="4076384"/>
+          </a:xfrm>
+          <a:prstGeom prst="rect">
+            <a:avLst/>
+          </a:prstGeom>
+        </p:spPr>
+      </p:pic>
+      <p:sp>
+        <p:nvSpPr>
+          <p:cNvPr id="9" name="矩形 8">
+            <a:extLst>
+              <a:ext uri="{FF2B5EF4-FFF2-40B4-BE49-F238E27FC236}">
+                <a16:creationId xmlns:a16="http://schemas.microsoft.com/office/drawing/2014/main" id="{1925DB37-3F43-46BE-9188-35398F5E2A5A}"/>
+              </a:ext>
+            </a:extLst>
+          </p:cNvPr>
+          <p:cNvSpPr/>
+          <p:nvPr/>
+        </p:nvSpPr>
+        <p:spPr>
+          <a:xfrm>
+            <a:off x="8795487" y="2060891"/>
+            <a:ext cx="2235312" cy="3720121"/>
+          </a:xfrm>
+          <a:prstGeom prst="rect">
+            <a:avLst/>
+          </a:prstGeom>
+        </p:spPr>
+        <p:txBody>
+          <a:bodyPr wrap="square">
+            <a:spAutoFit/>
+          </a:bodyPr>
+          <a:lstStyle/>
+          <a:p>
+            <a:pPr>
+              <a:lnSpc>
+                <a:spcPct val="120000"/>
+              </a:lnSpc>
+            </a:pPr>
+            <a:r>
+              <a:rPr lang="zh-CN" altLang="en-US" dirty="0"/>
+              <a:t>文中使用了程序切片和深度神经网络（</a:t>
+            </a:r>
+            <a:r>
+              <a:rPr lang="en-US" altLang="zh-CN" dirty="0"/>
+              <a:t>BLSTM</a:t>
+            </a:r>
+            <a:r>
+              <a:rPr lang="zh-CN" altLang="en-US" dirty="0"/>
+              <a:t>）构建了一套检测缓冲区溢出和资源管理漏洞的工具，作者认为使用该工具检测</a:t>
+            </a:r>
+            <a:r>
+              <a:rPr lang="en-US" altLang="zh-CN" dirty="0"/>
+              <a:t>0day</a:t>
+            </a:r>
+            <a:r>
+              <a:rPr lang="zh-CN" altLang="en-US" dirty="0"/>
+              <a:t>漏洞是可行的，并且未来可以将该方法推广到其他语言。</a:t>
+            </a:r>
+            <a:endParaRPr lang="en-US" altLang="zh-CN" dirty="0"/>
+          </a:p>
+        </p:txBody>
+      </p:sp>
+    </p:spTree>
+    <p:extLst>
+      <p:ext uri="{BB962C8B-B14F-4D97-AF65-F5344CB8AC3E}">
+        <p14:creationId xmlns:p14="http://schemas.microsoft.com/office/powerpoint/2010/main" val="3399625386"/>
+      </p:ext>
+    </p:extLst>
+  </p:cSld>
+  <p:clrMapOvr>
+    <a:masterClrMapping/>
+  </p:clrMapOvr>
+</p:sld>
+</file>
+
+<file path=ppt/slides/slide13.xml><?xml version="1.0" encoding="utf-8"?>
+<p:sld xmlns:a="http://schemas.openxmlformats.org/drawingml/2006/main" xmlns:r="http://schemas.openxmlformats.org/officeDocument/2006/relationships" xmlns:p="http://schemas.openxmlformats.org/presentationml/2006/main">
+  <p:cSld>
+    <p:spTree>
+      <p:nvGrpSpPr>
+        <p:cNvPr id="1" name=""/>
+        <p:cNvGrpSpPr/>
+        <p:nvPr/>
+      </p:nvGrpSpPr>
+      <p:grpSpPr>
+        <a:xfrm>
+          <a:off x="0" y="0"/>
+          <a:ext cx="0" cy="0"/>
+          <a:chOff x="0" y="0"/>
+          <a:chExt cx="0" cy="0"/>
+        </a:xfrm>
+      </p:grpSpPr>
+      <p:sp>
+        <p:nvSpPr>
+          <p:cNvPr id="2" name="标题 1">
+            <a:extLst>
+              <a:ext uri="{FF2B5EF4-FFF2-40B4-BE49-F238E27FC236}">
+                <a16:creationId xmlns:a16="http://schemas.microsoft.com/office/drawing/2014/main" id="{90534DB0-0718-40A2-9970-E2A769C0C7B5}"/>
+              </a:ext>
+            </a:extLst>
+          </p:cNvPr>
+          <p:cNvSpPr>
+            <a:spLocks noGrp="1"/>
+          </p:cNvSpPr>
+          <p:nvPr>
+            <p:ph type="title"/>
+          </p:nvPr>
+        </p:nvSpPr>
+        <p:spPr/>
+        <p:txBody>
+          <a:bodyPr/>
+          <a:lstStyle/>
+          <a:p>
+            <a:pPr>
+              <a:lnSpc>
+                <a:spcPct val="120000"/>
+              </a:lnSpc>
+            </a:pPr>
+            <a:r>
+              <a:rPr lang="zh-CN" altLang="en-US" dirty="0"/>
+              <a:t>国内外研究现状</a:t>
+            </a:r>
+            <a:r>
+              <a:rPr lang="en-US" altLang="zh-CN" dirty="0"/>
+              <a:t>——</a:t>
+            </a:r>
+            <a:r>
+              <a:rPr lang="zh-CN" altLang="en-US" dirty="0"/>
+              <a:t>实证研究</a:t>
+            </a:r>
+          </a:p>
+        </p:txBody>
+      </p:sp>
+      <p:sp>
+        <p:nvSpPr>
+          <p:cNvPr id="3" name="内容占位符 2">
+            <a:extLst>
+              <a:ext uri="{FF2B5EF4-FFF2-40B4-BE49-F238E27FC236}">
+                <a16:creationId xmlns:a16="http://schemas.microsoft.com/office/drawing/2014/main" id="{507E824E-8FEB-4A3E-8696-55FA9CC5E3B7}"/>
+              </a:ext>
+            </a:extLst>
+          </p:cNvPr>
+          <p:cNvSpPr>
+            <a:spLocks noGrp="1"/>
+          </p:cNvSpPr>
+          <p:nvPr>
+            <p:ph idx="1"/>
+          </p:nvPr>
+        </p:nvSpPr>
+        <p:spPr/>
+        <p:txBody>
+          <a:bodyPr/>
+          <a:lstStyle/>
+          <a:p>
+            <a:pPr>
+              <a:lnSpc>
+                <a:spcPct val="120000"/>
+              </a:lnSpc>
+              <a:spcBef>
+                <a:spcPts val="0"/>
+              </a:spcBef>
+            </a:pPr>
+            <a:r>
+              <a:rPr lang="en-US" altLang="zh-CN" dirty="0" err="1"/>
+              <a:t>Koc</a:t>
+            </a:r>
+            <a:r>
+              <a:rPr lang="en-US" altLang="zh-CN" dirty="0"/>
+              <a:t> U, Wei S, Foster J S, et al. An Empirical Assessment of Machine Learning Approaches for Triaging Reports of a Java Static Analysis Tool[C]</a:t>
+            </a:r>
+          </a:p>
+          <a:p>
+            <a:pPr marL="0" indent="0">
+              <a:lnSpc>
+                <a:spcPct val="120000"/>
+              </a:lnSpc>
+              <a:spcBef>
+                <a:spcPts val="0"/>
+              </a:spcBef>
+              <a:buNone/>
+            </a:pPr>
+            <a:r>
+              <a:rPr lang="zh-CN" altLang="en-US" dirty="0"/>
+              <a:t>   上文的后续工作，展开实证研究，比较手工设计特征，词袋，</a:t>
+            </a:r>
+            <a:r>
+              <a:rPr lang="en-US" altLang="zh-CN" dirty="0"/>
+              <a:t>RNN</a:t>
+            </a:r>
+            <a:r>
+              <a:rPr lang="zh-CN" altLang="en-US" dirty="0"/>
+              <a:t>和</a:t>
+            </a:r>
+            <a:r>
+              <a:rPr lang="en-US" altLang="zh-CN" dirty="0"/>
+              <a:t>GNN</a:t>
+            </a:r>
+            <a:r>
+              <a:rPr lang="zh-CN" altLang="en-US" dirty="0"/>
+              <a:t>，使用真实程序集来测试他们的效果，其中发现</a:t>
+            </a:r>
+            <a:r>
+              <a:rPr lang="en-US" altLang="zh-CN" dirty="0"/>
+              <a:t>LSTM</a:t>
+            </a:r>
+            <a:r>
+              <a:rPr lang="zh-CN" altLang="en-US" dirty="0"/>
+              <a:t>效果最好，并且不同的算法的检测能力不重叠，因此提出未来工作可以融合不同的检测手段达到更好效果</a:t>
+            </a:r>
+          </a:p>
+        </p:txBody>
+      </p:sp>
+      <p:sp>
+        <p:nvSpPr>
+          <p:cNvPr id="4" name="页脚占位符 3">
+            <a:extLst>
+              <a:ext uri="{FF2B5EF4-FFF2-40B4-BE49-F238E27FC236}">
+                <a16:creationId xmlns:a16="http://schemas.microsoft.com/office/drawing/2014/main" id="{12281555-5D92-47B1-A247-506E29DB6A5B}"/>
+              </a:ext>
+            </a:extLst>
+          </p:cNvPr>
+          <p:cNvSpPr>
+            <a:spLocks noGrp="1"/>
+          </p:cNvSpPr>
+          <p:nvPr>
+            <p:ph type="ftr" sz="quarter" idx="11"/>
+          </p:nvPr>
+        </p:nvSpPr>
+        <p:spPr/>
+        <p:txBody>
+          <a:bodyPr/>
+          <a:lstStyle/>
+          <a:p>
+            <a:pPr>
+              <a:lnSpc>
+                <a:spcPct val="120000"/>
+              </a:lnSpc>
+            </a:pPr>
+            <a:endParaRPr lang="zh-CN" altLang="en-US" dirty="0"/>
+          </a:p>
+        </p:txBody>
+      </p:sp>
+      <p:sp>
+        <p:nvSpPr>
+          <p:cNvPr id="5" name="灯片编号占位符 4">
+            <a:extLst>
+              <a:ext uri="{FF2B5EF4-FFF2-40B4-BE49-F238E27FC236}">
+                <a16:creationId xmlns:a16="http://schemas.microsoft.com/office/drawing/2014/main" id="{7E8E3D5B-4F50-4D71-AB0A-3DB9E66413E2}"/>
+              </a:ext>
+            </a:extLst>
+          </p:cNvPr>
+          <p:cNvSpPr>
+            <a:spLocks noGrp="1"/>
+          </p:cNvSpPr>
+          <p:nvPr>
+            <p:ph type="sldNum" sz="quarter" idx="12"/>
+          </p:nvPr>
+        </p:nvSpPr>
+        <p:spPr/>
+        <p:txBody>
+          <a:bodyPr/>
+          <a:lstStyle/>
+          <a:p>
+            <a:pPr>
+              <a:lnSpc>
+                <a:spcPct val="120000"/>
+              </a:lnSpc>
+            </a:pPr>
+            <a:fld id="{5DD3DB80-B894-403A-B48E-6FDC1A72010E}" type="slidenum">
+              <a:rPr lang="zh-CN" altLang="en-US" smtClean="0"/>
+              <a:pPr>
+                <a:lnSpc>
+                  <a:spcPct val="120000"/>
+                </a:lnSpc>
+              </a:pPr>
+              <a:t>13</a:t>
             </a:fld>
             <a:endParaRPr lang="zh-CN" altLang="en-US"/>
           </a:p>
@@ -4630,7 +7382,7 @@
 </p:sld>
 </file>
 
-<file path=ppt/slides/slide13.xml><?xml version="1.0" encoding="utf-8"?>
+<file path=ppt/slides/slide14.xml><?xml version="1.0" encoding="utf-8"?>
 <p:sld xmlns:a="http://schemas.openxmlformats.org/drawingml/2006/main" xmlns:r="http://schemas.openxmlformats.org/officeDocument/2006/relationships" xmlns:p="http://schemas.openxmlformats.org/presentationml/2006/main">
   <p:cSld>
     <p:spTree>
@@ -4908,7 +7660,7 @@
 </p:sld>
 </file>
 
-<file path=ppt/slides/slide14.xml><?xml version="1.0" encoding="utf-8"?>
+<file path=ppt/slides/slide15.xml><?xml version="1.0" encoding="utf-8"?>
 <p:sld xmlns:a="http://schemas.openxmlformats.org/drawingml/2006/main" xmlns:r="http://schemas.openxmlformats.org/officeDocument/2006/relationships" xmlns:p="http://schemas.openxmlformats.org/presentationml/2006/main">
   <p:cSld>
     <p:spTree>
@@ -5037,7 +7789,7 @@
 </p:sld>
 </file>
 
-<file path=ppt/slides/slide15.xml><?xml version="1.0" encoding="utf-8"?>
+<file path=ppt/slides/slide16.xml><?xml version="1.0" encoding="utf-8"?>
 <p:sld xmlns:a="http://schemas.openxmlformats.org/drawingml/2006/main" xmlns:r="http://schemas.openxmlformats.org/officeDocument/2006/relationships" xmlns:p="http://schemas.openxmlformats.org/presentationml/2006/main">
   <p:cSld>
     <p:spTree>
@@ -5139,7 +7891,7 @@
             <a:fld id="{5DD3DB80-B894-403A-B48E-6FDC1A72010E}" type="slidenum">
               <a:rPr lang="zh-CN" altLang="en-US" smtClean="0"/>
               <a:pPr/>
-              <a:t>15</a:t>
+              <a:t>16</a:t>
             </a:fld>
             <a:endParaRPr lang="zh-CN" altLang="en-US"/>
           </a:p>
@@ -5259,7 +8011,7 @@
 </p:sld>
 </file>
 
-<file path=ppt/slides/slide16.xml><?xml version="1.0" encoding="utf-8"?>
+<file path=ppt/slides/slide17.xml><?xml version="1.0" encoding="utf-8"?>
 <p:sld xmlns:a="http://schemas.openxmlformats.org/drawingml/2006/main" xmlns:r="http://schemas.openxmlformats.org/officeDocument/2006/relationships" xmlns:p="http://schemas.openxmlformats.org/presentationml/2006/main">
   <p:cSld>
     <p:spTree>
@@ -5361,7 +8113,7 @@
             <a:fld id="{5DD3DB80-B894-403A-B48E-6FDC1A72010E}" type="slidenum">
               <a:rPr lang="zh-CN" altLang="en-US" smtClean="0"/>
               <a:pPr/>
-              <a:t>16</a:t>
+              <a:t>17</a:t>
             </a:fld>
             <a:endParaRPr lang="zh-CN" altLang="en-US"/>
           </a:p>
@@ -5517,7 +8269,7 @@
 </p:sld>
 </file>
 
-<file path=ppt/slides/slide17.xml><?xml version="1.0" encoding="utf-8"?>
+<file path=ppt/slides/slide18.xml><?xml version="1.0" encoding="utf-8"?>
 <p:sld xmlns:a="http://schemas.openxmlformats.org/drawingml/2006/main" xmlns:r="http://schemas.openxmlformats.org/officeDocument/2006/relationships" xmlns:p="http://schemas.openxmlformats.org/presentationml/2006/main">
   <p:cSld>
     <p:spTree>
@@ -5795,7 +8547,7 @@
 </p:sld>
 </file>
 
-<file path=ppt/slides/slide18.xml><?xml version="1.0" encoding="utf-8"?>
+<file path=ppt/slides/slide19.xml><?xml version="1.0" encoding="utf-8"?>
 <p:sld xmlns:a="http://schemas.openxmlformats.org/drawingml/2006/main" xmlns:r="http://schemas.openxmlformats.org/officeDocument/2006/relationships" xmlns:p="http://schemas.openxmlformats.org/presentationml/2006/main">
   <p:cSld>
     <p:spTree>
@@ -5947,7 +8699,7 @@
             </a:r>
             <a:r>
               <a:rPr lang="en-US" altLang="zh-CN" dirty="0"/>
-              <a:t> crowdsourcing Data</a:t>
+              <a:t> Crowdsourcing Data</a:t>
             </a:r>
           </a:p>
           <a:p>
@@ -6803,295 +9555,6 @@
 </p:sld>
 </file>
 
-<file path=ppt/slides/slide19.xml><?xml version="1.0" encoding="utf-8"?>
-<p:sld xmlns:a="http://schemas.openxmlformats.org/drawingml/2006/main" xmlns:r="http://schemas.openxmlformats.org/officeDocument/2006/relationships" xmlns:p="http://schemas.openxmlformats.org/presentationml/2006/main">
-  <p:cSld>
-    <p:spTree>
-      <p:nvGrpSpPr>
-        <p:cNvPr id="1" name=""/>
-        <p:cNvGrpSpPr/>
-        <p:nvPr/>
-      </p:nvGrpSpPr>
-      <p:grpSpPr>
-        <a:xfrm>
-          <a:off x="0" y="0"/>
-          <a:ext cx="0" cy="0"/>
-          <a:chOff x="0" y="0"/>
-          <a:chExt cx="0" cy="0"/>
-        </a:xfrm>
-      </p:grpSpPr>
-      <p:sp>
-        <p:nvSpPr>
-          <p:cNvPr id="8" name="矩形 7">
-            <a:extLst>
-              <a:ext uri="{FF2B5EF4-FFF2-40B4-BE49-F238E27FC236}">
-                <a16:creationId xmlns:a16="http://schemas.microsoft.com/office/drawing/2014/main" id="{D28A4DE6-CC58-47DF-A4F8-451A92F65A96}"/>
-              </a:ext>
-            </a:extLst>
-          </p:cNvPr>
-          <p:cNvSpPr/>
-          <p:nvPr/>
-        </p:nvSpPr>
-        <p:spPr>
-          <a:xfrm>
-            <a:off x="673100" y="2882900"/>
-            <a:ext cx="11518900" cy="1104900"/>
-          </a:xfrm>
-          <a:prstGeom prst="rect">
-            <a:avLst/>
-          </a:prstGeom>
-          <a:noFill/>
-          <a:ln>
-            <a:noFill/>
-          </a:ln>
-        </p:spPr>
-        <p:style>
-          <a:lnRef idx="2">
-            <a:schemeClr val="accent1">
-              <a:shade val="50000"/>
-            </a:schemeClr>
-          </a:lnRef>
-          <a:fillRef idx="1">
-            <a:schemeClr val="accent1"/>
-          </a:fillRef>
-          <a:effectRef idx="0">
-            <a:schemeClr val="accent1"/>
-          </a:effectRef>
-          <a:fontRef idx="minor">
-            <a:schemeClr val="lt1"/>
-          </a:fontRef>
-        </p:style>
-        <p:txBody>
-          <a:bodyPr rtlCol="0" anchor="ctr"/>
-          <a:lstStyle/>
-          <a:p>
-            <a:pPr algn="ctr">
-              <a:lnSpc>
-                <a:spcPct val="120000"/>
-              </a:lnSpc>
-            </a:pPr>
-            <a:endParaRPr lang="zh-CN" altLang="en-US"/>
-          </a:p>
-        </p:txBody>
-      </p:sp>
-      <p:sp>
-        <p:nvSpPr>
-          <p:cNvPr id="5" name="标题 4"/>
-          <p:cNvSpPr>
-            <a:spLocks noGrp="1"/>
-          </p:cNvSpPr>
-          <p:nvPr>
-            <p:ph type="title"/>
-          </p:nvPr>
-        </p:nvSpPr>
-        <p:spPr>
-          <a:xfrm>
-            <a:off x="4812030" y="2341043"/>
-            <a:ext cx="4535055" cy="656792"/>
-          </a:xfrm>
-        </p:spPr>
-        <p:txBody>
-          <a:bodyPr anchor="b">
-            <a:normAutofit/>
-          </a:bodyPr>
-          <a:lstStyle/>
-          <a:p>
-            <a:pPr>
-              <a:lnSpc>
-                <a:spcPct val="120000"/>
-              </a:lnSpc>
-            </a:pPr>
-            <a:r>
-              <a:rPr lang="zh-CN" altLang="en-US" b="0" dirty="0">
-                <a:solidFill>
-                  <a:schemeClr val="tx2"/>
-                </a:solidFill>
-              </a:rPr>
-              <a:t>项目初步计划 </a:t>
-            </a:r>
-            <a:r>
-              <a:rPr lang="en-US" altLang="zh-CN" b="0" dirty="0">
-                <a:solidFill>
-                  <a:schemeClr val="tx2"/>
-                </a:solidFill>
-              </a:rPr>
-              <a:t>&amp; </a:t>
-            </a:r>
-            <a:r>
-              <a:rPr lang="zh-CN" altLang="en-US" b="0" dirty="0">
-                <a:solidFill>
-                  <a:schemeClr val="tx2"/>
-                </a:solidFill>
-              </a:rPr>
-              <a:t>当前进展</a:t>
-            </a:r>
-          </a:p>
-        </p:txBody>
-      </p:sp>
-      <p:sp>
-        <p:nvSpPr>
-          <p:cNvPr id="6" name="文本占位符 5"/>
-          <p:cNvSpPr>
-            <a:spLocks noGrp="1"/>
-          </p:cNvSpPr>
-          <p:nvPr>
-            <p:ph type="body" idx="1"/>
-          </p:nvPr>
-        </p:nvSpPr>
-        <p:spPr>
-          <a:xfrm>
-            <a:off x="4806257" y="3115250"/>
-            <a:ext cx="4546600" cy="1015623"/>
-          </a:xfrm>
-        </p:spPr>
-        <p:txBody>
-          <a:bodyPr/>
-          <a:lstStyle/>
-          <a:p>
-            <a:pPr marL="171450" lvl="0" indent="-171450">
-              <a:lnSpc>
-                <a:spcPct val="120000"/>
-              </a:lnSpc>
-              <a:spcBef>
-                <a:spcPts val="0"/>
-              </a:spcBef>
-              <a:buFont typeface="Arial" panose="020B0604020202020204" pitchFamily="34" charset="0"/>
-              <a:buChar char="•"/>
-            </a:pPr>
-            <a:r>
-              <a:rPr lang="en-US" altLang="zh-CN" dirty="0">
-                <a:solidFill>
-                  <a:schemeClr val="tx1">
-                    <a:lumMod val="95000"/>
-                    <a:lumOff val="5000"/>
-                  </a:schemeClr>
-                </a:solidFill>
-              </a:rPr>
-              <a:t>Plan</a:t>
-            </a:r>
-            <a:endParaRPr lang="zh-CN" altLang="en-US" dirty="0">
-              <a:solidFill>
-                <a:schemeClr val="tx1">
-                  <a:lumMod val="95000"/>
-                  <a:lumOff val="5000"/>
-                </a:schemeClr>
-              </a:solidFill>
-            </a:endParaRPr>
-          </a:p>
-        </p:txBody>
-      </p:sp>
-      <p:sp>
-        <p:nvSpPr>
-          <p:cNvPr id="17" name="文本框 16">
-            <a:extLst>
-              <a:ext uri="{FF2B5EF4-FFF2-40B4-BE49-F238E27FC236}">
-                <a16:creationId xmlns:a16="http://schemas.microsoft.com/office/drawing/2014/main" id="{18BE1EAA-DA91-4B9A-837F-78A0ED20EE18}"/>
-              </a:ext>
-            </a:extLst>
-          </p:cNvPr>
-          <p:cNvSpPr txBox="1"/>
-          <p:nvPr/>
-        </p:nvSpPr>
-        <p:spPr>
-          <a:xfrm>
-            <a:off x="3294136" y="2482121"/>
-            <a:ext cx="958620" cy="1271872"/>
-          </a:xfrm>
-          <a:prstGeom prst="rect">
-            <a:avLst/>
-          </a:prstGeom>
-          <a:noFill/>
-        </p:spPr>
-        <p:txBody>
-          <a:bodyPr wrap="none" rtlCol="0">
-            <a:prstTxWarp prst="textPlain">
-              <a:avLst/>
-            </a:prstTxWarp>
-            <a:spAutoFit/>
-          </a:bodyPr>
-          <a:lstStyle/>
-          <a:p>
-            <a:pPr>
-              <a:lnSpc>
-                <a:spcPct val="120000"/>
-              </a:lnSpc>
-            </a:pPr>
-            <a:r>
-              <a:rPr lang="en-US" altLang="zh-CN" b="1" dirty="0">
-                <a:solidFill>
-                  <a:schemeClr val="tx2"/>
-                </a:solidFill>
-                <a:latin typeface="Impact" panose="020B0806030902050204" pitchFamily="34" charset="0"/>
-                <a:ea typeface="微软雅黑" panose="020B0503020204020204" pitchFamily="34" charset="-122"/>
-              </a:rPr>
-              <a:t>06</a:t>
-            </a:r>
-            <a:endParaRPr lang="zh-CN" altLang="en-US" b="1" dirty="0">
-              <a:solidFill>
-                <a:schemeClr val="tx2"/>
-              </a:solidFill>
-              <a:latin typeface="Impact" panose="020B0806030902050204" pitchFamily="34" charset="0"/>
-              <a:ea typeface="微软雅黑" panose="020B0503020204020204" pitchFamily="34" charset="-122"/>
-            </a:endParaRPr>
-          </a:p>
-        </p:txBody>
-      </p:sp>
-      <p:cxnSp>
-        <p:nvCxnSpPr>
-          <p:cNvPr id="7" name="直接连接符 6">
-            <a:extLst>
-              <a:ext uri="{FF2B5EF4-FFF2-40B4-BE49-F238E27FC236}">
-                <a16:creationId xmlns:a16="http://schemas.microsoft.com/office/drawing/2014/main" id="{BAB374A7-46FA-4001-98D2-9D2A4E9A7A15}"/>
-              </a:ext>
-            </a:extLst>
-          </p:cNvPr>
-          <p:cNvCxnSpPr>
-            <a:cxnSpLocks/>
-          </p:cNvCxnSpPr>
-          <p:nvPr/>
-        </p:nvCxnSpPr>
-        <p:spPr>
-          <a:xfrm>
-            <a:off x="4655673" y="2543881"/>
-            <a:ext cx="0" cy="1152144"/>
-          </a:xfrm>
-          <a:prstGeom prst="line">
-            <a:avLst/>
-          </a:prstGeom>
-          <a:ln w="15875">
-            <a:solidFill>
-              <a:schemeClr val="tx2"/>
-            </a:solidFill>
-          </a:ln>
-        </p:spPr>
-        <p:style>
-          <a:lnRef idx="1">
-            <a:schemeClr val="accent1"/>
-          </a:lnRef>
-          <a:fillRef idx="0">
-            <a:schemeClr val="accent1"/>
-          </a:fillRef>
-          <a:effectRef idx="0">
-            <a:schemeClr val="accent1"/>
-          </a:effectRef>
-          <a:fontRef idx="minor">
-            <a:schemeClr val="tx1"/>
-          </a:fontRef>
-        </p:style>
-      </p:cxnSp>
-    </p:spTree>
-    <p:extLst>
-      <p:ext uri="{BB962C8B-B14F-4D97-AF65-F5344CB8AC3E}">
-        <p14:creationId xmlns:p14="http://schemas.microsoft.com/office/powerpoint/2010/main" val="946973795"/>
-      </p:ext>
-    </p:extLst>
-  </p:cSld>
-  <p:clrMapOvr>
-    <a:masterClrMapping/>
-  </p:clrMapOvr>
-</p:sld>
-</file>
-
 <file path=ppt/slides/slide2.xml><?xml version="1.0" encoding="utf-8"?>
 <p:sld xmlns:a="http://schemas.openxmlformats.org/drawingml/2006/main" xmlns:r="http://schemas.openxmlformats.org/officeDocument/2006/relationships" xmlns:p="http://schemas.openxmlformats.org/presentationml/2006/main">
   <p:cSld>
@@ -7389,6 +9852,295 @@
       </p:grpSpPr>
       <p:sp>
         <p:nvSpPr>
+          <p:cNvPr id="8" name="矩形 7">
+            <a:extLst>
+              <a:ext uri="{FF2B5EF4-FFF2-40B4-BE49-F238E27FC236}">
+                <a16:creationId xmlns:a16="http://schemas.microsoft.com/office/drawing/2014/main" id="{D28A4DE6-CC58-47DF-A4F8-451A92F65A96}"/>
+              </a:ext>
+            </a:extLst>
+          </p:cNvPr>
+          <p:cNvSpPr/>
+          <p:nvPr/>
+        </p:nvSpPr>
+        <p:spPr>
+          <a:xfrm>
+            <a:off x="673100" y="2882900"/>
+            <a:ext cx="11518900" cy="1104900"/>
+          </a:xfrm>
+          <a:prstGeom prst="rect">
+            <a:avLst/>
+          </a:prstGeom>
+          <a:noFill/>
+          <a:ln>
+            <a:noFill/>
+          </a:ln>
+        </p:spPr>
+        <p:style>
+          <a:lnRef idx="2">
+            <a:schemeClr val="accent1">
+              <a:shade val="50000"/>
+            </a:schemeClr>
+          </a:lnRef>
+          <a:fillRef idx="1">
+            <a:schemeClr val="accent1"/>
+          </a:fillRef>
+          <a:effectRef idx="0">
+            <a:schemeClr val="accent1"/>
+          </a:effectRef>
+          <a:fontRef idx="minor">
+            <a:schemeClr val="lt1"/>
+          </a:fontRef>
+        </p:style>
+        <p:txBody>
+          <a:bodyPr rtlCol="0" anchor="ctr"/>
+          <a:lstStyle/>
+          <a:p>
+            <a:pPr algn="ctr">
+              <a:lnSpc>
+                <a:spcPct val="120000"/>
+              </a:lnSpc>
+            </a:pPr>
+            <a:endParaRPr lang="zh-CN" altLang="en-US"/>
+          </a:p>
+        </p:txBody>
+      </p:sp>
+      <p:sp>
+        <p:nvSpPr>
+          <p:cNvPr id="5" name="标题 4"/>
+          <p:cNvSpPr>
+            <a:spLocks noGrp="1"/>
+          </p:cNvSpPr>
+          <p:nvPr>
+            <p:ph type="title"/>
+          </p:nvPr>
+        </p:nvSpPr>
+        <p:spPr>
+          <a:xfrm>
+            <a:off x="4812030" y="2341043"/>
+            <a:ext cx="4535055" cy="656792"/>
+          </a:xfrm>
+        </p:spPr>
+        <p:txBody>
+          <a:bodyPr anchor="b">
+            <a:normAutofit/>
+          </a:bodyPr>
+          <a:lstStyle/>
+          <a:p>
+            <a:pPr>
+              <a:lnSpc>
+                <a:spcPct val="120000"/>
+              </a:lnSpc>
+            </a:pPr>
+            <a:r>
+              <a:rPr lang="zh-CN" altLang="en-US" b="0" dirty="0">
+                <a:solidFill>
+                  <a:schemeClr val="tx2"/>
+                </a:solidFill>
+              </a:rPr>
+              <a:t>项目初步计划 </a:t>
+            </a:r>
+            <a:r>
+              <a:rPr lang="en-US" altLang="zh-CN" b="0" dirty="0">
+                <a:solidFill>
+                  <a:schemeClr val="tx2"/>
+                </a:solidFill>
+              </a:rPr>
+              <a:t>&amp; </a:t>
+            </a:r>
+            <a:r>
+              <a:rPr lang="zh-CN" altLang="en-US" b="0" dirty="0">
+                <a:solidFill>
+                  <a:schemeClr val="tx2"/>
+                </a:solidFill>
+              </a:rPr>
+              <a:t>当前进展</a:t>
+            </a:r>
+          </a:p>
+        </p:txBody>
+      </p:sp>
+      <p:sp>
+        <p:nvSpPr>
+          <p:cNvPr id="6" name="文本占位符 5"/>
+          <p:cNvSpPr>
+            <a:spLocks noGrp="1"/>
+          </p:cNvSpPr>
+          <p:nvPr>
+            <p:ph type="body" idx="1"/>
+          </p:nvPr>
+        </p:nvSpPr>
+        <p:spPr>
+          <a:xfrm>
+            <a:off x="4806257" y="3115250"/>
+            <a:ext cx="4546600" cy="1015623"/>
+          </a:xfrm>
+        </p:spPr>
+        <p:txBody>
+          <a:bodyPr/>
+          <a:lstStyle/>
+          <a:p>
+            <a:pPr marL="171450" lvl="0" indent="-171450">
+              <a:lnSpc>
+                <a:spcPct val="120000"/>
+              </a:lnSpc>
+              <a:spcBef>
+                <a:spcPts val="0"/>
+              </a:spcBef>
+              <a:buFont typeface="Arial" panose="020B0604020202020204" pitchFamily="34" charset="0"/>
+              <a:buChar char="•"/>
+            </a:pPr>
+            <a:r>
+              <a:rPr lang="en-US" altLang="zh-CN" dirty="0">
+                <a:solidFill>
+                  <a:schemeClr val="tx1">
+                    <a:lumMod val="95000"/>
+                    <a:lumOff val="5000"/>
+                  </a:schemeClr>
+                </a:solidFill>
+              </a:rPr>
+              <a:t>Plan</a:t>
+            </a:r>
+            <a:endParaRPr lang="zh-CN" altLang="en-US" dirty="0">
+              <a:solidFill>
+                <a:schemeClr val="tx1">
+                  <a:lumMod val="95000"/>
+                  <a:lumOff val="5000"/>
+                </a:schemeClr>
+              </a:solidFill>
+            </a:endParaRPr>
+          </a:p>
+        </p:txBody>
+      </p:sp>
+      <p:sp>
+        <p:nvSpPr>
+          <p:cNvPr id="17" name="文本框 16">
+            <a:extLst>
+              <a:ext uri="{FF2B5EF4-FFF2-40B4-BE49-F238E27FC236}">
+                <a16:creationId xmlns:a16="http://schemas.microsoft.com/office/drawing/2014/main" id="{18BE1EAA-DA91-4B9A-837F-78A0ED20EE18}"/>
+              </a:ext>
+            </a:extLst>
+          </p:cNvPr>
+          <p:cNvSpPr txBox="1"/>
+          <p:nvPr/>
+        </p:nvSpPr>
+        <p:spPr>
+          <a:xfrm>
+            <a:off x="3294136" y="2482121"/>
+            <a:ext cx="958620" cy="1271872"/>
+          </a:xfrm>
+          <a:prstGeom prst="rect">
+            <a:avLst/>
+          </a:prstGeom>
+          <a:noFill/>
+        </p:spPr>
+        <p:txBody>
+          <a:bodyPr wrap="none" rtlCol="0">
+            <a:prstTxWarp prst="textPlain">
+              <a:avLst/>
+            </a:prstTxWarp>
+            <a:spAutoFit/>
+          </a:bodyPr>
+          <a:lstStyle/>
+          <a:p>
+            <a:pPr>
+              <a:lnSpc>
+                <a:spcPct val="120000"/>
+              </a:lnSpc>
+            </a:pPr>
+            <a:r>
+              <a:rPr lang="en-US" altLang="zh-CN" b="1" dirty="0">
+                <a:solidFill>
+                  <a:schemeClr val="tx2"/>
+                </a:solidFill>
+                <a:latin typeface="Impact" panose="020B0806030902050204" pitchFamily="34" charset="0"/>
+                <a:ea typeface="微软雅黑" panose="020B0503020204020204" pitchFamily="34" charset="-122"/>
+              </a:rPr>
+              <a:t>06</a:t>
+            </a:r>
+            <a:endParaRPr lang="zh-CN" altLang="en-US" b="1" dirty="0">
+              <a:solidFill>
+                <a:schemeClr val="tx2"/>
+              </a:solidFill>
+              <a:latin typeface="Impact" panose="020B0806030902050204" pitchFamily="34" charset="0"/>
+              <a:ea typeface="微软雅黑" panose="020B0503020204020204" pitchFamily="34" charset="-122"/>
+            </a:endParaRPr>
+          </a:p>
+        </p:txBody>
+      </p:sp>
+      <p:cxnSp>
+        <p:nvCxnSpPr>
+          <p:cNvPr id="7" name="直接连接符 6">
+            <a:extLst>
+              <a:ext uri="{FF2B5EF4-FFF2-40B4-BE49-F238E27FC236}">
+                <a16:creationId xmlns:a16="http://schemas.microsoft.com/office/drawing/2014/main" id="{BAB374A7-46FA-4001-98D2-9D2A4E9A7A15}"/>
+              </a:ext>
+            </a:extLst>
+          </p:cNvPr>
+          <p:cNvCxnSpPr>
+            <a:cxnSpLocks/>
+          </p:cNvCxnSpPr>
+          <p:nvPr/>
+        </p:nvCxnSpPr>
+        <p:spPr>
+          <a:xfrm>
+            <a:off x="4655673" y="2543881"/>
+            <a:ext cx="0" cy="1152144"/>
+          </a:xfrm>
+          <a:prstGeom prst="line">
+            <a:avLst/>
+          </a:prstGeom>
+          <a:ln w="15875">
+            <a:solidFill>
+              <a:schemeClr val="tx2"/>
+            </a:solidFill>
+          </a:ln>
+        </p:spPr>
+        <p:style>
+          <a:lnRef idx="1">
+            <a:schemeClr val="accent1"/>
+          </a:lnRef>
+          <a:fillRef idx="0">
+            <a:schemeClr val="accent1"/>
+          </a:fillRef>
+          <a:effectRef idx="0">
+            <a:schemeClr val="accent1"/>
+          </a:effectRef>
+          <a:fontRef idx="minor">
+            <a:schemeClr val="tx1"/>
+          </a:fontRef>
+        </p:style>
+      </p:cxnSp>
+    </p:spTree>
+    <p:extLst>
+      <p:ext uri="{BB962C8B-B14F-4D97-AF65-F5344CB8AC3E}">
+        <p14:creationId xmlns:p14="http://schemas.microsoft.com/office/powerpoint/2010/main" val="946973795"/>
+      </p:ext>
+    </p:extLst>
+  </p:cSld>
+  <p:clrMapOvr>
+    <a:masterClrMapping/>
+  </p:clrMapOvr>
+</p:sld>
+</file>
+
+<file path=ppt/slides/slide21.xml><?xml version="1.0" encoding="utf-8"?>
+<p:sld xmlns:a="http://schemas.openxmlformats.org/drawingml/2006/main" xmlns:r="http://schemas.openxmlformats.org/officeDocument/2006/relationships" xmlns:p="http://schemas.openxmlformats.org/presentationml/2006/main">
+  <p:cSld>
+    <p:spTree>
+      <p:nvGrpSpPr>
+        <p:cNvPr id="1" name=""/>
+        <p:cNvGrpSpPr/>
+        <p:nvPr/>
+      </p:nvGrpSpPr>
+      <p:grpSpPr>
+        <a:xfrm>
+          <a:off x="0" y="0"/>
+          <a:ext cx="0" cy="0"/>
+          <a:chOff x="0" y="0"/>
+          <a:chExt cx="0" cy="0"/>
+        </a:xfrm>
+      </p:grpSpPr>
+      <p:sp>
+        <p:nvSpPr>
           <p:cNvPr id="4" name="标题 3">
             <a:extLst>
               <a:ext uri="{FF2B5EF4-FFF2-40B4-BE49-F238E27FC236}">
@@ -7431,13 +10183,13 @@
             <p:ph idx="1"/>
             <p:extLst>
               <p:ext uri="{D42A27DB-BD31-4B8C-83A1-F6EECF244321}">
-                <p14:modId xmlns:p14="http://schemas.microsoft.com/office/powerpoint/2010/main" val="3242827004"/>
+                <p14:modId xmlns:p14="http://schemas.microsoft.com/office/powerpoint/2010/main" val="2712985525"/>
               </p:ext>
             </p:extLst>
           </p:nvPr>
         </p:nvGraphicFramePr>
         <p:xfrm>
-          <a:off x="669924" y="2131060"/>
+          <a:off x="669926" y="2246674"/>
           <a:ext cx="10850562" cy="2595880"/>
         </p:xfrm>
         <a:graphic>
@@ -7522,19 +10274,35 @@
                     <a:lstStyle/>
                     <a:p>
                       <a:r>
-                        <a:rPr lang="zh-CN" altLang="en-US" dirty="0"/>
+                        <a:rPr lang="zh-CN" altLang="en-US" dirty="0">
+                          <a:solidFill>
+                            <a:srgbClr val="FF0000"/>
+                          </a:solidFill>
+                        </a:rPr>
                         <a:t>细化技术方案</a:t>
                       </a:r>
                       <a:r>
-                        <a:rPr lang="en-US" altLang="zh-CN" dirty="0"/>
+                        <a:rPr lang="en-US" altLang="zh-CN" dirty="0">
+                          <a:solidFill>
+                            <a:srgbClr val="FF0000"/>
+                          </a:solidFill>
+                        </a:rPr>
                         <a:t>(</a:t>
                       </a:r>
                       <a:r>
-                        <a:rPr lang="zh-CN" altLang="en-US" dirty="0"/>
+                        <a:rPr lang="zh-CN" altLang="en-US" dirty="0">
+                          <a:solidFill>
+                            <a:srgbClr val="FF0000"/>
+                          </a:solidFill>
+                        </a:rPr>
                         <a:t>确定可行性</a:t>
                       </a:r>
                       <a:r>
-                        <a:rPr lang="en-US" altLang="zh-CN" dirty="0"/>
+                        <a:rPr lang="en-US" altLang="zh-CN" dirty="0">
+                          <a:solidFill>
+                            <a:srgbClr val="FF0000"/>
+                          </a:solidFill>
+                        </a:rPr>
                         <a:t>)</a:t>
                       </a:r>
                     </a:p>
@@ -7547,10 +10315,18 @@
                     <a:lstStyle/>
                     <a:p>
                       <a:r>
-                        <a:rPr lang="en-US" altLang="zh-CN" dirty="0"/>
-                        <a:t>Doing</a:t>
+                        <a:rPr lang="en-US" altLang="zh-CN" dirty="0">
+                          <a:solidFill>
+                            <a:srgbClr val="FF0000"/>
+                          </a:solidFill>
+                        </a:rPr>
+                        <a:t>Delay</a:t>
                       </a:r>
-                      <a:endParaRPr lang="zh-CN" altLang="en-US" dirty="0"/>
+                      <a:endParaRPr lang="zh-CN" altLang="en-US" dirty="0">
+                        <a:solidFill>
+                          <a:srgbClr val="FF0000"/>
+                        </a:solidFill>
+                      </a:endParaRPr>
                     </a:p>
                   </a:txBody>
                   <a:tcPr/>
@@ -7561,11 +10337,19 @@
                     <a:lstStyle/>
                     <a:p>
                       <a:r>
-                        <a:rPr lang="en-US" altLang="zh-CN" dirty="0"/>
+                        <a:rPr lang="en-US" altLang="zh-CN" dirty="0">
+                          <a:solidFill>
+                            <a:srgbClr val="FF0000"/>
+                          </a:solidFill>
+                        </a:rPr>
                         <a:t>6-9</a:t>
                       </a:r>
                       <a:r>
-                        <a:rPr lang="zh-CN" altLang="en-US" dirty="0"/>
+                        <a:rPr lang="zh-CN" altLang="en-US" dirty="0">
+                          <a:solidFill>
+                            <a:srgbClr val="FF0000"/>
+                          </a:solidFill>
+                        </a:rPr>
                         <a:t>月</a:t>
                       </a:r>
                     </a:p>
@@ -7586,7 +10370,15 @@
                     <a:p>
                       <a:r>
                         <a:rPr lang="zh-CN" altLang="en-US" dirty="0"/>
-                        <a:t>源代码特征表示实现</a:t>
+                        <a:t>数据扩充</a:t>
+                      </a:r>
+                      <a:r>
+                        <a:rPr lang="en-US" altLang="zh-CN" dirty="0"/>
+                        <a:t>&amp;</a:t>
+                      </a:r>
+                      <a:r>
+                        <a:rPr lang="zh-CN" altLang="en-US" dirty="0"/>
+                        <a:t>细化技术方案</a:t>
                       </a:r>
                       <a:endParaRPr lang="en-US" altLang="zh-CN" dirty="0"/>
                     </a:p>
@@ -7599,8 +10391,8 @@
                     <a:lstStyle/>
                     <a:p>
                       <a:r>
-                        <a:rPr lang="en-US" altLang="zh-CN" dirty="0" err="1"/>
-                        <a:t>Todo</a:t>
+                        <a:rPr lang="en-US" altLang="zh-CN" dirty="0"/>
+                        <a:t>Doing</a:t>
                       </a:r>
                       <a:endParaRPr lang="zh-CN" altLang="en-US" dirty="0"/>
                     </a:p>
@@ -7655,7 +10447,7 @@
                       </a:pPr>
                       <a:r>
                         <a:rPr lang="zh-CN" altLang="en-US" dirty="0"/>
-                        <a:t>学习模型实现</a:t>
+                        <a:t>原型实现</a:t>
                       </a:r>
                       <a:endParaRPr lang="en-US" altLang="zh-CN" dirty="0"/>
                     </a:p>
@@ -7683,7 +10475,7 @@
                     <a:p>
                       <a:r>
                         <a:rPr lang="en-US" altLang="zh-CN" dirty="0"/>
-                        <a:t>11</a:t>
+                        <a:t>11-12</a:t>
                       </a:r>
                       <a:r>
                         <a:rPr lang="zh-CN" altLang="en-US" dirty="0"/>
@@ -7696,75 +10488,6 @@
                 <a:extLst>
                   <a:ext uri="{0D108BD9-81ED-4DB2-BD59-A6C34878D82A}">
                     <a16:rowId xmlns:a16="http://schemas.microsoft.com/office/drawing/2014/main" val="1146345459"/>
-                  </a:ext>
-                </a:extLst>
-              </a:tr>
-              <a:tr h="370840">
-                <a:tc>
-                  <a:txBody>
-                    <a:bodyPr/>
-                    <a:lstStyle/>
-                    <a:p>
-                      <a:pPr marL="0" marR="0" lvl="0" indent="0" algn="l" defTabSz="914354" rtl="0" eaLnBrk="1" fontAlgn="auto" latinLnBrk="0" hangingPunct="1">
-                        <a:lnSpc>
-                          <a:spcPct val="100000"/>
-                        </a:lnSpc>
-                        <a:spcBef>
-                          <a:spcPts val="0"/>
-                        </a:spcBef>
-                        <a:spcAft>
-                          <a:spcPts val="0"/>
-                        </a:spcAft>
-                        <a:buClrTx/>
-                        <a:buSzTx/>
-                        <a:buFontTx/>
-                        <a:buNone/>
-                        <a:tabLst/>
-                        <a:defRPr/>
-                      </a:pPr>
-                      <a:r>
-                        <a:rPr lang="zh-CN" altLang="en-US" dirty="0"/>
-                        <a:t>数据集扩充</a:t>
-                      </a:r>
-                      <a:endParaRPr lang="en-US" altLang="zh-CN" dirty="0"/>
-                    </a:p>
-                  </a:txBody>
-                  <a:tcPr/>
-                </a:tc>
-                <a:tc>
-                  <a:txBody>
-                    <a:bodyPr/>
-                    <a:lstStyle/>
-                    <a:p>
-                      <a:r>
-                        <a:rPr lang="en-US" altLang="zh-CN" dirty="0" err="1"/>
-                        <a:t>Todo</a:t>
-                      </a:r>
-                      <a:endParaRPr lang="zh-CN" altLang="en-US" dirty="0"/>
-                    </a:p>
-                  </a:txBody>
-                  <a:tcPr/>
-                </a:tc>
-                <a:tc>
-                  <a:txBody>
-                    <a:bodyPr/>
-                    <a:lstStyle/>
-                    <a:p>
-                      <a:r>
-                        <a:rPr lang="en-US" altLang="zh-CN" dirty="0"/>
-                        <a:t>12</a:t>
-                      </a:r>
-                      <a:r>
-                        <a:rPr lang="zh-CN" altLang="en-US" dirty="0"/>
-                        <a:t>月</a:t>
-                      </a:r>
-                    </a:p>
-                  </a:txBody>
-                  <a:tcPr/>
-                </a:tc>
-                <a:extLst>
-                  <a:ext uri="{0D108BD9-81ED-4DB2-BD59-A6C34878D82A}">
-                    <a16:rowId xmlns:a16="http://schemas.microsoft.com/office/drawing/2014/main" val="2959676109"/>
                   </a:ext>
                 </a:extLst>
               </a:tr>
@@ -7862,7 +10585,7 @@
                       </a:pPr>
                       <a:r>
                         <a:rPr lang="zh-CN" altLang="en-US" dirty="0"/>
-                        <a:t>慕测对接</a:t>
+                        <a:t>论文写作</a:t>
                       </a:r>
                       <a:endParaRPr lang="en-US" altLang="zh-CN" dirty="0"/>
                     </a:p>
@@ -7896,6 +10619,75 @@
                         <a:rPr lang="zh-CN" altLang="en-US" dirty="0"/>
                         <a:t>月</a:t>
                       </a:r>
+                    </a:p>
+                  </a:txBody>
+                  <a:tcPr/>
+                </a:tc>
+                <a:extLst>
+                  <a:ext uri="{0D108BD9-81ED-4DB2-BD59-A6C34878D82A}">
+                    <a16:rowId xmlns:a16="http://schemas.microsoft.com/office/drawing/2014/main" val="999660938"/>
+                  </a:ext>
+                </a:extLst>
+              </a:tr>
+              <a:tr h="370840">
+                <a:tc>
+                  <a:txBody>
+                    <a:bodyPr/>
+                    <a:lstStyle/>
+                    <a:p>
+                      <a:pPr marL="0" marR="0" lvl="0" indent="0" algn="l" defTabSz="914354" rtl="0" eaLnBrk="1" fontAlgn="auto" latinLnBrk="0" hangingPunct="1">
+                        <a:lnSpc>
+                          <a:spcPct val="100000"/>
+                        </a:lnSpc>
+                        <a:spcBef>
+                          <a:spcPts val="0"/>
+                        </a:spcBef>
+                        <a:spcAft>
+                          <a:spcPts val="0"/>
+                        </a:spcAft>
+                        <a:buClrTx/>
+                        <a:buSzTx/>
+                        <a:buFontTx/>
+                        <a:buNone/>
+                        <a:tabLst/>
+                        <a:defRPr/>
+                      </a:pPr>
+                      <a:r>
+                        <a:rPr lang="zh-CN" altLang="en-US" dirty="0"/>
+                        <a:t>慕测对接</a:t>
+                      </a:r>
+                      <a:endParaRPr lang="en-US" altLang="zh-CN" dirty="0"/>
+                    </a:p>
+                  </a:txBody>
+                  <a:tcPr/>
+                </a:tc>
+                <a:tc>
+                  <a:txBody>
+                    <a:bodyPr/>
+                    <a:lstStyle/>
+                    <a:p>
+                      <a:r>
+                        <a:rPr lang="en-US" altLang="zh-CN" dirty="0" err="1"/>
+                        <a:t>Todo</a:t>
+                      </a:r>
+                      <a:endParaRPr lang="zh-CN" altLang="en-US" dirty="0"/>
+                    </a:p>
+                  </a:txBody>
+                  <a:tcPr/>
+                </a:tc>
+                <a:tc>
+                  <a:txBody>
+                    <a:bodyPr/>
+                    <a:lstStyle/>
+                    <a:p>
+                      <a:r>
+                        <a:rPr lang="en-US" altLang="zh-CN" dirty="0"/>
+                        <a:t>3</a:t>
+                      </a:r>
+                      <a:r>
+                        <a:rPr lang="zh-CN" altLang="en-US" dirty="0"/>
+                        <a:t>月</a:t>
+                      </a:r>
                       <a:r>
                         <a:rPr lang="en-US" altLang="zh-CN" dirty="0"/>
                         <a:t>~</a:t>
@@ -7907,7 +10699,7 @@
                 </a:tc>
                 <a:extLst>
                   <a:ext uri="{0D108BD9-81ED-4DB2-BD59-A6C34878D82A}">
-                    <a16:rowId xmlns:a16="http://schemas.microsoft.com/office/drawing/2014/main" val="999660938"/>
+                    <a16:rowId xmlns:a16="http://schemas.microsoft.com/office/drawing/2014/main" val="2042265184"/>
                   </a:ext>
                 </a:extLst>
               </a:tr>
@@ -7928,7 +10720,7 @@
 </p:sld>
 </file>
 
-<file path=ppt/slides/slide21.xml><?xml version="1.0" encoding="utf-8"?>
+<file path=ppt/slides/slide22.xml><?xml version="1.0" encoding="utf-8"?>
 <p:sld xmlns:a="http://schemas.openxmlformats.org/drawingml/2006/main" xmlns:r="http://schemas.openxmlformats.org/officeDocument/2006/relationships" xmlns:p="http://schemas.openxmlformats.org/presentationml/2006/main">
   <p:cSld>
     <p:spTree>
@@ -8217,7 +11009,7 @@
 </p:sld>
 </file>
 
-<file path=ppt/slides/slide22.xml><?xml version="1.0" encoding="utf-8"?>
+<file path=ppt/slides/slide23.xml><?xml version="1.0" encoding="utf-8"?>
 <p:sld xmlns:a="http://schemas.openxmlformats.org/drawingml/2006/main" xmlns:r="http://schemas.openxmlformats.org/officeDocument/2006/relationships" xmlns:p="http://schemas.openxmlformats.org/presentationml/2006/main">
   <p:cSld>
     <p:spTree>
@@ -8470,6 +11262,21 @@
             </a:pPr>
             <a:r>
               <a:rPr lang="zh-CN" altLang="en-US" dirty="0"/>
+              <a:t>解释性差</a:t>
+            </a:r>
+            <a:endParaRPr lang="en-US" altLang="zh-CN" dirty="0"/>
+          </a:p>
+          <a:p>
+            <a:pPr lvl="1">
+              <a:lnSpc>
+                <a:spcPct val="120000"/>
+              </a:lnSpc>
+              <a:spcBef>
+                <a:spcPct val="0"/>
+              </a:spcBef>
+            </a:pPr>
+            <a:r>
+              <a:rPr lang="zh-CN" altLang="en-US" dirty="0"/>
               <a:t>学习模块和检测模块分离带来的数据交换问题</a:t>
             </a:r>
             <a:endParaRPr lang="en-US" altLang="zh-CN" dirty="0"/>
@@ -8511,7 +11318,7 @@
 </p:sld>
 </file>
 
-<file path=ppt/slides/slide23.xml><?xml version="1.0" encoding="utf-8"?>
+<file path=ppt/slides/slide24.xml><?xml version="1.0" encoding="utf-8"?>
 <p:sld xmlns:a="http://schemas.openxmlformats.org/drawingml/2006/main" xmlns:r="http://schemas.openxmlformats.org/officeDocument/2006/relationships" xmlns:p="http://schemas.openxmlformats.org/presentationml/2006/main">
   <p:cSld>
     <p:spTree>
@@ -8972,7 +11779,7 @@
         <p:spPr>
           <a:xfrm>
             <a:off x="777045" y="1901948"/>
-            <a:ext cx="9036806" cy="3385799"/>
+            <a:ext cx="9036806" cy="2721001"/>
           </a:xfrm>
           <a:prstGeom prst="rect">
             <a:avLst/>
@@ -9022,7 +11829,7 @@
             </a:pPr>
             <a:r>
               <a:rPr lang="zh-CN" altLang="en-US" dirty="0"/>
-              <a:t>忽视上下文</a:t>
+              <a:t>忽视上下文→大量误报</a:t>
             </a:r>
             <a:endParaRPr lang="en-US" altLang="zh-CN" dirty="0"/>
           </a:p>
@@ -9060,7 +11867,6 @@
               <a:rPr lang="zh-CN" altLang="en-US" dirty="0"/>
               <a:t>：</a:t>
             </a:r>
-            <a:endParaRPr lang="en-US" altLang="zh-CN" dirty="0"/>
           </a:p>
           <a:p>
             <a:pPr marL="285750" indent="-285750">
@@ -9072,15 +11878,7 @@
             </a:pPr>
             <a:r>
               <a:rPr lang="zh-CN" altLang="en-US" dirty="0"/>
-              <a:t>工具发现不可能实现的流 （</a:t>
-            </a:r>
-            <a:r>
-              <a:rPr lang="en-US" altLang="zh-CN" dirty="0"/>
-              <a:t>benchmark</a:t>
-            </a:r>
-            <a:r>
-              <a:rPr lang="zh-CN" altLang="en-US" dirty="0"/>
-              <a:t>） </a:t>
+              <a:t>过污染和欠污染</a:t>
             </a:r>
             <a:endParaRPr lang="en-US" altLang="zh-CN" dirty="0"/>
           </a:p>
@@ -9094,23 +11892,35 @@
             </a:pPr>
             <a:r>
               <a:rPr lang="zh-CN" altLang="en-US" dirty="0"/>
-              <a:t>无法考虑</a:t>
-            </a:r>
-            <a:r>
-              <a:rPr lang="en-US" altLang="zh-CN" dirty="0" err="1"/>
-              <a:t>ArrayList</a:t>
-            </a:r>
+              <a:t>反射</a:t>
+            </a:r>
+            <a:endParaRPr lang="en-US" altLang="zh-CN" dirty="0"/>
+          </a:p>
+          <a:p>
+            <a:pPr marL="742950" lvl="1" indent="-285750">
+              <a:lnSpc>
+                <a:spcPct val="120000"/>
+              </a:lnSpc>
+              <a:buFont typeface="Arial" panose="020B0604020202020204" pitchFamily="34" charset="0"/>
+              <a:buChar char="•"/>
+            </a:pPr>
             <a:r>
               <a:rPr lang="zh-CN" altLang="en-US" dirty="0"/>
-              <a:t>、</a:t>
-            </a:r>
-            <a:r>
-              <a:rPr lang="en-US" altLang="zh-CN" dirty="0"/>
-              <a:t>HashMap</a:t>
-            </a:r>
+              <a:t>容器类型</a:t>
+            </a:r>
+            <a:endParaRPr lang="en-US" altLang="zh-CN" dirty="0"/>
+          </a:p>
+          <a:p>
+            <a:pPr marL="742950" lvl="1" indent="-285750">
+              <a:lnSpc>
+                <a:spcPct val="120000"/>
+              </a:lnSpc>
+              <a:buFont typeface="Arial" panose="020B0604020202020204" pitchFamily="34" charset="0"/>
+              <a:buChar char="•"/>
+            </a:pPr>
             <a:r>
               <a:rPr lang="zh-CN" altLang="en-US" dirty="0"/>
-              <a:t>等集合类型</a:t>
+              <a:t>自定义修复方案</a:t>
             </a:r>
             <a:endParaRPr lang="en-US" altLang="zh-CN" dirty="0"/>
           </a:p>
@@ -9124,53 +11934,9 @@
             </a:pPr>
             <a:r>
               <a:rPr lang="zh-CN" altLang="en-US" dirty="0"/>
-              <a:t>工具不能发现污染源实际上被消除  </a:t>
+              <a:t>忽视控制流</a:t>
             </a:r>
             <a:endParaRPr lang="en-US" altLang="zh-CN" dirty="0"/>
-          </a:p>
-          <a:p>
-            <a:pPr marL="742950" lvl="1" indent="-285750">
-              <a:lnSpc>
-                <a:spcPct val="120000"/>
-              </a:lnSpc>
-              <a:buFont typeface="Arial" panose="020B0604020202020204" pitchFamily="34" charset="0"/>
-              <a:buChar char="•"/>
-            </a:pPr>
-            <a:r>
-              <a:rPr lang="zh-CN" altLang="en-US" dirty="0"/>
-              <a:t>用户自己写的清除污点函数影响了污点传播</a:t>
-            </a:r>
-            <a:endParaRPr lang="en-US" altLang="zh-CN" dirty="0"/>
-          </a:p>
-          <a:p>
-            <a:pPr marL="285750" indent="-285750">
-              <a:lnSpc>
-                <a:spcPct val="120000"/>
-              </a:lnSpc>
-              <a:buFont typeface="Arial" panose="020B0604020202020204" pitchFamily="34" charset="0"/>
-              <a:buChar char="•"/>
-            </a:pPr>
-            <a:r>
-              <a:rPr lang="zh-CN" altLang="en-US" dirty="0"/>
-              <a:t>污染源实际上没有被污染</a:t>
-            </a:r>
-            <a:endParaRPr lang="en-US" altLang="zh-CN" dirty="0"/>
-          </a:p>
-          <a:p>
-            <a:pPr>
-              <a:lnSpc>
-                <a:spcPct val="120000"/>
-              </a:lnSpc>
-            </a:pPr>
-            <a:endParaRPr lang="en-US" altLang="zh-CN" dirty="0"/>
-          </a:p>
-          <a:p>
-            <a:pPr>
-              <a:lnSpc>
-                <a:spcPct val="120000"/>
-              </a:lnSpc>
-            </a:pPr>
-            <a:endParaRPr lang="zh-CN" altLang="en-US" dirty="0"/>
           </a:p>
         </p:txBody>
       </p:sp>
@@ -9236,7 +12002,13 @@
       </p:grpSpPr>
       <p:sp>
         <p:nvSpPr>
-          <p:cNvPr id="2" name="标题 1"/>
+          <p:cNvPr id="2" name="标题 1">
+            <a:extLst>
+              <a:ext uri="{FF2B5EF4-FFF2-40B4-BE49-F238E27FC236}">
+                <a16:creationId xmlns:a16="http://schemas.microsoft.com/office/drawing/2014/main" id="{AC671B20-BFDD-4FCD-822A-2F31D6D49D8C}"/>
+              </a:ext>
+            </a:extLst>
+          </p:cNvPr>
           <p:cNvSpPr>
             <a:spLocks noGrp="1"/>
           </p:cNvSpPr>
@@ -9256,14 +12028,20 @@
             </a:pPr>
             <a:r>
               <a:rPr lang="zh-CN" altLang="en-US" dirty="0"/>
-              <a:t>工程意义</a:t>
+              <a:t>举（亿）个例子</a:t>
             </a:r>
           </a:p>
         </p:txBody>
       </p:sp>
       <p:sp>
         <p:nvSpPr>
-          <p:cNvPr id="3" name="页脚占位符 2"/>
+          <p:cNvPr id="3" name="页脚占位符 2">
+            <a:extLst>
+              <a:ext uri="{FF2B5EF4-FFF2-40B4-BE49-F238E27FC236}">
+                <a16:creationId xmlns:a16="http://schemas.microsoft.com/office/drawing/2014/main" id="{CA8E78AB-8B9E-46BD-93D6-22B5C7020E65}"/>
+              </a:ext>
+            </a:extLst>
+          </p:cNvPr>
           <p:cNvSpPr>
             <a:spLocks noGrp="1"/>
           </p:cNvSpPr>
@@ -9287,7 +12065,13 @@
       </p:sp>
       <p:sp>
         <p:nvSpPr>
-          <p:cNvPr id="4" name="灯片编号占位符 3"/>
+          <p:cNvPr id="4" name="灯片编号占位符 3">
+            <a:extLst>
+              <a:ext uri="{FF2B5EF4-FFF2-40B4-BE49-F238E27FC236}">
+                <a16:creationId xmlns:a16="http://schemas.microsoft.com/office/drawing/2014/main" id="{BB4CF6F7-F000-41FC-8ACB-8F48CA8D1C7B}"/>
+              </a:ext>
+            </a:extLst>
+          </p:cNvPr>
           <p:cNvSpPr>
             <a:spLocks noGrp="1"/>
           </p:cNvSpPr>
@@ -9318,6 +12102,1055 @@
           </a:p>
         </p:txBody>
       </p:sp>
+      <p:pic>
+        <p:nvPicPr>
+          <p:cNvPr id="8" name="图片 7">
+            <a:extLst>
+              <a:ext uri="{FF2B5EF4-FFF2-40B4-BE49-F238E27FC236}">
+                <a16:creationId xmlns:a16="http://schemas.microsoft.com/office/drawing/2014/main" id="{0B7976B7-5D42-4341-B323-D293CB4F7560}"/>
+              </a:ext>
+            </a:extLst>
+          </p:cNvPr>
+          <p:cNvPicPr>
+            <a:picLocks noChangeAspect="1"/>
+          </p:cNvPicPr>
+          <p:nvPr/>
+        </p:nvPicPr>
+        <p:blipFill>
+          <a:blip r:embed="rId2"/>
+          <a:stretch>
+            <a:fillRect/>
+          </a:stretch>
+        </p:blipFill>
+        <p:spPr>
+          <a:xfrm>
+            <a:off x="1017814" y="1635387"/>
+            <a:ext cx="4597841" cy="1793613"/>
+          </a:xfrm>
+          <a:prstGeom prst="rect">
+            <a:avLst/>
+          </a:prstGeom>
+        </p:spPr>
+      </p:pic>
+      <p:pic>
+        <p:nvPicPr>
+          <p:cNvPr id="9" name="图片 8">
+            <a:extLst>
+              <a:ext uri="{FF2B5EF4-FFF2-40B4-BE49-F238E27FC236}">
+                <a16:creationId xmlns:a16="http://schemas.microsoft.com/office/drawing/2014/main" id="{BBD78DB4-5F4F-48B2-B7F3-3ED095D35204}"/>
+              </a:ext>
+            </a:extLst>
+          </p:cNvPr>
+          <p:cNvPicPr>
+            <a:picLocks noChangeAspect="1"/>
+          </p:cNvPicPr>
+          <p:nvPr/>
+        </p:nvPicPr>
+        <p:blipFill>
+          <a:blip r:embed="rId3"/>
+          <a:stretch>
+            <a:fillRect/>
+          </a:stretch>
+        </p:blipFill>
+        <p:spPr>
+          <a:xfrm>
+            <a:off x="6576347" y="1635386"/>
+            <a:ext cx="3748813" cy="1793613"/>
+          </a:xfrm>
+          <a:prstGeom prst="rect">
+            <a:avLst/>
+          </a:prstGeom>
+        </p:spPr>
+      </p:pic>
+      <p:sp>
+        <p:nvSpPr>
+          <p:cNvPr id="10" name="文本框 9">
+            <a:extLst>
+              <a:ext uri="{FF2B5EF4-FFF2-40B4-BE49-F238E27FC236}">
+                <a16:creationId xmlns:a16="http://schemas.microsoft.com/office/drawing/2014/main" id="{0681FB56-D6DD-4E5B-BE5F-B2C32A3BCF6F}"/>
+              </a:ext>
+            </a:extLst>
+          </p:cNvPr>
+          <p:cNvSpPr txBox="1"/>
+          <p:nvPr/>
+        </p:nvSpPr>
+        <p:spPr>
+          <a:xfrm>
+            <a:off x="985156" y="1266054"/>
+            <a:ext cx="1402948" cy="369332"/>
+          </a:xfrm>
+          <a:prstGeom prst="rect">
+            <a:avLst/>
+          </a:prstGeom>
+          <a:noFill/>
+        </p:spPr>
+        <p:txBody>
+          <a:bodyPr wrap="none" rtlCol="0">
+            <a:spAutoFit/>
+          </a:bodyPr>
+          <a:lstStyle/>
+          <a:p>
+            <a:r>
+              <a:rPr lang="en-US" altLang="zh-CN" dirty="0"/>
+              <a:t>HashMap</a:t>
+            </a:r>
+            <a:r>
+              <a:rPr lang="zh-CN" altLang="en-US" dirty="0"/>
+              <a:t>：</a:t>
+            </a:r>
+          </a:p>
+        </p:txBody>
+      </p:sp>
+      <p:sp>
+        <p:nvSpPr>
+          <p:cNvPr id="11" name="文本框 10">
+            <a:extLst>
+              <a:ext uri="{FF2B5EF4-FFF2-40B4-BE49-F238E27FC236}">
+                <a16:creationId xmlns:a16="http://schemas.microsoft.com/office/drawing/2014/main" id="{25BEA4E4-B983-4CC2-A7B1-E27E8069D896}"/>
+              </a:ext>
+            </a:extLst>
+          </p:cNvPr>
+          <p:cNvSpPr txBox="1"/>
+          <p:nvPr/>
+        </p:nvSpPr>
+        <p:spPr>
+          <a:xfrm>
+            <a:off x="6543689" y="1266054"/>
+            <a:ext cx="1569660" cy="369332"/>
+          </a:xfrm>
+          <a:prstGeom prst="rect">
+            <a:avLst/>
+          </a:prstGeom>
+          <a:noFill/>
+        </p:spPr>
+        <p:txBody>
+          <a:bodyPr wrap="none" rtlCol="0">
+            <a:spAutoFit/>
+          </a:bodyPr>
+          <a:lstStyle/>
+          <a:p>
+            <a:r>
+              <a:rPr lang="zh-CN" altLang="en-US" dirty="0"/>
+              <a:t>忽视控制流：</a:t>
+            </a:r>
+          </a:p>
+        </p:txBody>
+      </p:sp>
+      <p:sp>
+        <p:nvSpPr>
+          <p:cNvPr id="13" name="文本框 12">
+            <a:extLst>
+              <a:ext uri="{FF2B5EF4-FFF2-40B4-BE49-F238E27FC236}">
+                <a16:creationId xmlns:a16="http://schemas.microsoft.com/office/drawing/2014/main" id="{BEB3E69A-2F79-4116-ACAC-38DB022C4448}"/>
+              </a:ext>
+            </a:extLst>
+          </p:cNvPr>
+          <p:cNvSpPr txBox="1"/>
+          <p:nvPr/>
+        </p:nvSpPr>
+        <p:spPr>
+          <a:xfrm>
+            <a:off x="3434066" y="3827442"/>
+            <a:ext cx="2031325" cy="369332"/>
+          </a:xfrm>
+          <a:prstGeom prst="rect">
+            <a:avLst/>
+          </a:prstGeom>
+          <a:noFill/>
+        </p:spPr>
+        <p:txBody>
+          <a:bodyPr wrap="none" rtlCol="0">
+            <a:spAutoFit/>
+          </a:bodyPr>
+          <a:lstStyle/>
+          <a:p>
+            <a:r>
+              <a:rPr lang="zh-CN" altLang="en-US" dirty="0"/>
+              <a:t>自定义修复方案：</a:t>
+            </a:r>
+          </a:p>
+        </p:txBody>
+      </p:sp>
+      <p:pic>
+        <p:nvPicPr>
+          <p:cNvPr id="14" name="图片 13">
+            <a:extLst>
+              <a:ext uri="{FF2B5EF4-FFF2-40B4-BE49-F238E27FC236}">
+                <a16:creationId xmlns:a16="http://schemas.microsoft.com/office/drawing/2014/main" id="{D4C745BA-B92B-4713-BDCC-70B3DAC8778A}"/>
+              </a:ext>
+            </a:extLst>
+          </p:cNvPr>
+          <p:cNvPicPr>
+            <a:picLocks noChangeAspect="1"/>
+          </p:cNvPicPr>
+          <p:nvPr/>
+        </p:nvPicPr>
+        <p:blipFill>
+          <a:blip r:embed="rId4"/>
+          <a:stretch>
+            <a:fillRect/>
+          </a:stretch>
+        </p:blipFill>
+        <p:spPr>
+          <a:xfrm>
+            <a:off x="3520037" y="4217794"/>
+            <a:ext cx="4857143" cy="1752381"/>
+          </a:xfrm>
+          <a:prstGeom prst="rect">
+            <a:avLst/>
+          </a:prstGeom>
+        </p:spPr>
+      </p:pic>
+    </p:spTree>
+    <p:extLst>
+      <p:ext uri="{BB962C8B-B14F-4D97-AF65-F5344CB8AC3E}">
+        <p14:creationId xmlns:p14="http://schemas.microsoft.com/office/powerpoint/2010/main" val="3838586392"/>
+      </p:ext>
+    </p:extLst>
+  </p:cSld>
+  <p:clrMapOvr>
+    <a:masterClrMapping/>
+  </p:clrMapOvr>
+</p:sld>
+</file>
+
+<file path=ppt/slides/slide5.xml><?xml version="1.0" encoding="utf-8"?>
+<p:sld xmlns:a="http://schemas.openxmlformats.org/drawingml/2006/main" xmlns:r="http://schemas.openxmlformats.org/officeDocument/2006/relationships" xmlns:p="http://schemas.openxmlformats.org/presentationml/2006/main">
+  <p:cSld>
+    <p:spTree>
+      <p:nvGrpSpPr>
+        <p:cNvPr id="1" name=""/>
+        <p:cNvGrpSpPr/>
+        <p:nvPr/>
+      </p:nvGrpSpPr>
+      <p:grpSpPr>
+        <a:xfrm>
+          <a:off x="0" y="0"/>
+          <a:ext cx="0" cy="0"/>
+          <a:chOff x="0" y="0"/>
+          <a:chExt cx="0" cy="0"/>
+        </a:xfrm>
+      </p:grpSpPr>
+      <p:sp>
+        <p:nvSpPr>
+          <p:cNvPr id="2" name="标题 1">
+            <a:extLst>
+              <a:ext uri="{FF2B5EF4-FFF2-40B4-BE49-F238E27FC236}">
+                <a16:creationId xmlns:a16="http://schemas.microsoft.com/office/drawing/2014/main" id="{5B84DEC5-520C-47D3-930E-67AEC855DFE2}"/>
+              </a:ext>
+            </a:extLst>
+          </p:cNvPr>
+          <p:cNvSpPr>
+            <a:spLocks noGrp="1"/>
+          </p:cNvSpPr>
+          <p:nvPr>
+            <p:ph type="title"/>
+          </p:nvPr>
+        </p:nvSpPr>
+        <p:spPr/>
+        <p:txBody>
+          <a:bodyPr/>
+          <a:lstStyle/>
+          <a:p>
+            <a:pPr>
+              <a:lnSpc>
+                <a:spcPct val="120000"/>
+              </a:lnSpc>
+            </a:pPr>
+            <a:r>
+              <a:rPr lang="zh-CN" altLang="en-US" dirty="0"/>
+              <a:t>举个例子</a:t>
+            </a:r>
+            <a:r>
+              <a:rPr lang="en-US" altLang="zh-CN" dirty="0"/>
+              <a:t>2</a:t>
+            </a:r>
+            <a:endParaRPr lang="zh-CN" altLang="en-US" dirty="0"/>
+          </a:p>
+        </p:txBody>
+      </p:sp>
+      <p:sp>
+        <p:nvSpPr>
+          <p:cNvPr id="3" name="页脚占位符 2">
+            <a:extLst>
+              <a:ext uri="{FF2B5EF4-FFF2-40B4-BE49-F238E27FC236}">
+                <a16:creationId xmlns:a16="http://schemas.microsoft.com/office/drawing/2014/main" id="{81FFF01B-E510-44F4-BF8E-A66E7CBFF988}"/>
+              </a:ext>
+            </a:extLst>
+          </p:cNvPr>
+          <p:cNvSpPr>
+            <a:spLocks noGrp="1"/>
+          </p:cNvSpPr>
+          <p:nvPr>
+            <p:ph type="ftr" sz="quarter" idx="11"/>
+          </p:nvPr>
+        </p:nvSpPr>
+        <p:spPr/>
+        <p:txBody>
+          <a:bodyPr/>
+          <a:lstStyle/>
+          <a:p>
+            <a:pPr>
+              <a:lnSpc>
+                <a:spcPct val="120000"/>
+              </a:lnSpc>
+            </a:pPr>
+            <a:endParaRPr lang="zh-CN" altLang="en-US" dirty="0"/>
+          </a:p>
+        </p:txBody>
+      </p:sp>
+      <p:sp>
+        <p:nvSpPr>
+          <p:cNvPr id="4" name="灯片编号占位符 3">
+            <a:extLst>
+              <a:ext uri="{FF2B5EF4-FFF2-40B4-BE49-F238E27FC236}">
+                <a16:creationId xmlns:a16="http://schemas.microsoft.com/office/drawing/2014/main" id="{85CCE5AC-52DF-4D9F-B487-75CB8811EF8A}"/>
+              </a:ext>
+            </a:extLst>
+          </p:cNvPr>
+          <p:cNvSpPr>
+            <a:spLocks noGrp="1"/>
+          </p:cNvSpPr>
+          <p:nvPr>
+            <p:ph type="sldNum" sz="quarter" idx="12"/>
+          </p:nvPr>
+        </p:nvSpPr>
+        <p:spPr/>
+        <p:txBody>
+          <a:bodyPr/>
+          <a:lstStyle/>
+          <a:p>
+            <a:pPr>
+              <a:lnSpc>
+                <a:spcPct val="120000"/>
+              </a:lnSpc>
+            </a:pPr>
+            <a:fld id="{5DD3DB80-B894-403A-B48E-6FDC1A72010E}" type="slidenum">
+              <a:rPr lang="zh-CN" altLang="en-US" smtClean="0"/>
+              <a:pPr>
+                <a:lnSpc>
+                  <a:spcPct val="120000"/>
+                </a:lnSpc>
+              </a:pPr>
+              <a:t>5</a:t>
+            </a:fld>
+            <a:endParaRPr lang="zh-CN" altLang="en-US"/>
+          </a:p>
+        </p:txBody>
+      </p:sp>
+      <p:sp>
+        <p:nvSpPr>
+          <p:cNvPr id="15" name="矩形 14">
+            <a:extLst>
+              <a:ext uri="{FF2B5EF4-FFF2-40B4-BE49-F238E27FC236}">
+                <a16:creationId xmlns:a16="http://schemas.microsoft.com/office/drawing/2014/main" id="{7BCCFD93-57EF-4F08-A198-89561E85CF7D}"/>
+              </a:ext>
+            </a:extLst>
+          </p:cNvPr>
+          <p:cNvSpPr/>
+          <p:nvPr/>
+        </p:nvSpPr>
+        <p:spPr>
+          <a:xfrm>
+            <a:off x="1088571" y="2274838"/>
+            <a:ext cx="5007429" cy="2308324"/>
+          </a:xfrm>
+          <a:prstGeom prst="rect">
+            <a:avLst/>
+          </a:prstGeom>
+        </p:spPr>
+        <p:txBody>
+          <a:bodyPr wrap="square">
+            <a:spAutoFit/>
+          </a:bodyPr>
+          <a:lstStyle/>
+          <a:p>
+            <a:pPr lvl="0" eaLnBrk="0" fontAlgn="base" hangingPunct="0">
+              <a:spcBef>
+                <a:spcPct val="0"/>
+              </a:spcBef>
+              <a:spcAft>
+                <a:spcPct val="0"/>
+              </a:spcAft>
+            </a:pPr>
+            <a:r>
+              <a:rPr lang="zh-CN" altLang="zh-CN" b="1" dirty="0">
+                <a:solidFill>
+                  <a:srgbClr val="008000"/>
+                </a:solidFill>
+                <a:latin typeface="Arial Unicode MS"/>
+              </a:rPr>
+              <a:t>function</a:t>
+            </a:r>
+            <a:r>
+              <a:rPr lang="zh-CN" altLang="zh-CN" dirty="0">
+                <a:solidFill>
+                  <a:srgbClr val="333333"/>
+                </a:solidFill>
+                <a:latin typeface="Arial Unicode MS"/>
+              </a:rPr>
+              <a:t> escapeHTML(t) { </a:t>
+            </a:r>
+            <a:endParaRPr lang="en-US" altLang="zh-CN" dirty="0">
+              <a:solidFill>
+                <a:srgbClr val="333333"/>
+              </a:solidFill>
+              <a:latin typeface="Arial Unicode MS"/>
+            </a:endParaRPr>
+          </a:p>
+          <a:p>
+            <a:pPr lvl="0" eaLnBrk="0" fontAlgn="base" hangingPunct="0">
+              <a:spcBef>
+                <a:spcPct val="0"/>
+              </a:spcBef>
+              <a:spcAft>
+                <a:spcPct val="0"/>
+              </a:spcAft>
+            </a:pPr>
+            <a:r>
+              <a:rPr lang="en-US" altLang="zh-CN" dirty="0">
+                <a:solidFill>
+                  <a:srgbClr val="333333"/>
+                </a:solidFill>
+                <a:latin typeface="Arial Unicode MS"/>
+              </a:rPr>
+              <a:t>    </a:t>
+            </a:r>
+            <a:r>
+              <a:rPr lang="zh-CN" altLang="zh-CN" b="1" dirty="0">
+                <a:solidFill>
+                  <a:srgbClr val="008000"/>
+                </a:solidFill>
+                <a:latin typeface="Arial Unicode MS"/>
+              </a:rPr>
+              <a:t>return</a:t>
+            </a:r>
+            <a:r>
+              <a:rPr lang="zh-CN" altLang="zh-CN" dirty="0">
+                <a:solidFill>
+                  <a:srgbClr val="333333"/>
+                </a:solidFill>
+                <a:latin typeface="Arial Unicode MS"/>
+              </a:rPr>
+              <a:t> t.replace(</a:t>
+            </a:r>
+            <a:r>
+              <a:rPr lang="zh-CN" altLang="zh-CN" dirty="0">
+                <a:solidFill>
+                  <a:srgbClr val="BB6688"/>
+                </a:solidFill>
+                <a:latin typeface="Arial Unicode MS"/>
+              </a:rPr>
+              <a:t>/&amp;/g</a:t>
+            </a:r>
+            <a:r>
+              <a:rPr lang="zh-CN" altLang="zh-CN" dirty="0">
+                <a:solidFill>
+                  <a:srgbClr val="333333"/>
+                </a:solidFill>
+                <a:latin typeface="Arial Unicode MS"/>
+              </a:rPr>
+              <a:t>, </a:t>
+            </a:r>
+            <a:r>
+              <a:rPr lang="zh-CN" altLang="zh-CN" dirty="0">
+                <a:solidFill>
+                  <a:srgbClr val="BA2121"/>
+                </a:solidFill>
+                <a:latin typeface="Arial Unicode MS"/>
+              </a:rPr>
+              <a:t>"&amp;amp;"</a:t>
+            </a:r>
+            <a:r>
+              <a:rPr lang="zh-CN" altLang="zh-CN" dirty="0">
+                <a:solidFill>
+                  <a:srgbClr val="333333"/>
+                </a:solidFill>
+                <a:latin typeface="Arial Unicode MS"/>
+              </a:rPr>
+              <a:t>) </a:t>
+            </a:r>
+            <a:endParaRPr lang="en-US" altLang="zh-CN" dirty="0">
+              <a:solidFill>
+                <a:srgbClr val="333333"/>
+              </a:solidFill>
+              <a:latin typeface="Arial Unicode MS"/>
+            </a:endParaRPr>
+          </a:p>
+          <a:p>
+            <a:pPr lvl="0" eaLnBrk="0" fontAlgn="base" hangingPunct="0">
+              <a:spcBef>
+                <a:spcPct val="0"/>
+              </a:spcBef>
+              <a:spcAft>
+                <a:spcPct val="0"/>
+              </a:spcAft>
+            </a:pPr>
+            <a:r>
+              <a:rPr lang="en-US" altLang="zh-CN" dirty="0">
+                <a:solidFill>
+                  <a:srgbClr val="333333"/>
+                </a:solidFill>
+                <a:latin typeface="Arial Unicode MS"/>
+              </a:rPr>
+              <a:t>                </a:t>
+            </a:r>
+            <a:r>
+              <a:rPr lang="zh-CN" altLang="zh-CN" dirty="0">
+                <a:solidFill>
+                  <a:srgbClr val="333333"/>
+                </a:solidFill>
+                <a:latin typeface="Arial Unicode MS"/>
+              </a:rPr>
+              <a:t>.replace(</a:t>
+            </a:r>
+            <a:r>
+              <a:rPr lang="zh-CN" altLang="zh-CN" dirty="0">
+                <a:solidFill>
+                  <a:srgbClr val="BB6688"/>
+                </a:solidFill>
+                <a:latin typeface="Arial Unicode MS"/>
+              </a:rPr>
+              <a:t>/&lt;/g</a:t>
+            </a:r>
+            <a:r>
+              <a:rPr lang="zh-CN" altLang="zh-CN" dirty="0">
+                <a:solidFill>
+                  <a:srgbClr val="333333"/>
+                </a:solidFill>
+                <a:latin typeface="Arial Unicode MS"/>
+              </a:rPr>
+              <a:t>, </a:t>
+            </a:r>
+            <a:r>
+              <a:rPr lang="zh-CN" altLang="zh-CN" dirty="0">
+                <a:solidFill>
+                  <a:srgbClr val="BA2121"/>
+                </a:solidFill>
+                <a:latin typeface="Arial Unicode MS"/>
+              </a:rPr>
+              <a:t>"&amp;lt;"</a:t>
+            </a:r>
+            <a:r>
+              <a:rPr lang="zh-CN" altLang="zh-CN" dirty="0">
+                <a:solidFill>
+                  <a:srgbClr val="333333"/>
+                </a:solidFill>
+                <a:latin typeface="Arial Unicode MS"/>
+              </a:rPr>
+              <a:t>)</a:t>
+            </a:r>
+            <a:endParaRPr lang="en-US" altLang="zh-CN" dirty="0">
+              <a:solidFill>
+                <a:srgbClr val="333333"/>
+              </a:solidFill>
+              <a:latin typeface="Arial Unicode MS"/>
+            </a:endParaRPr>
+          </a:p>
+          <a:p>
+            <a:pPr lvl="0" eaLnBrk="0" fontAlgn="base" hangingPunct="0">
+              <a:spcBef>
+                <a:spcPct val="0"/>
+              </a:spcBef>
+              <a:spcAft>
+                <a:spcPct val="0"/>
+              </a:spcAft>
+            </a:pPr>
+            <a:r>
+              <a:rPr lang="en-US" altLang="zh-CN" dirty="0">
+                <a:solidFill>
+                  <a:srgbClr val="333333"/>
+                </a:solidFill>
+                <a:latin typeface="Arial Unicode MS"/>
+              </a:rPr>
+              <a:t>                </a:t>
+            </a:r>
+            <a:r>
+              <a:rPr lang="zh-CN" altLang="zh-CN" dirty="0">
+                <a:solidFill>
+                  <a:srgbClr val="333333"/>
+                </a:solidFill>
+                <a:latin typeface="Arial Unicode MS"/>
+              </a:rPr>
+              <a:t>.replace(</a:t>
+            </a:r>
+            <a:r>
+              <a:rPr lang="zh-CN" altLang="zh-CN" dirty="0">
+                <a:solidFill>
+                  <a:srgbClr val="BB6688"/>
+                </a:solidFill>
+                <a:latin typeface="Arial Unicode MS"/>
+              </a:rPr>
+              <a:t>/&gt;/g</a:t>
+            </a:r>
+            <a:r>
+              <a:rPr lang="zh-CN" altLang="zh-CN" dirty="0">
+                <a:solidFill>
+                  <a:srgbClr val="333333"/>
+                </a:solidFill>
+                <a:latin typeface="Arial Unicode MS"/>
+              </a:rPr>
+              <a:t>, </a:t>
+            </a:r>
+            <a:r>
+              <a:rPr lang="zh-CN" altLang="zh-CN" dirty="0">
+                <a:solidFill>
+                  <a:srgbClr val="BA2121"/>
+                </a:solidFill>
+                <a:latin typeface="Arial Unicode MS"/>
+              </a:rPr>
+              <a:t>"&amp;gt;"</a:t>
+            </a:r>
+            <a:r>
+              <a:rPr lang="zh-CN" altLang="zh-CN" dirty="0">
+                <a:solidFill>
+                  <a:srgbClr val="333333"/>
+                </a:solidFill>
+                <a:latin typeface="Arial Unicode MS"/>
+              </a:rPr>
+              <a:t>)</a:t>
+            </a:r>
+            <a:endParaRPr lang="en-US" altLang="zh-CN" dirty="0">
+              <a:solidFill>
+                <a:srgbClr val="333333"/>
+              </a:solidFill>
+              <a:latin typeface="Arial Unicode MS"/>
+            </a:endParaRPr>
+          </a:p>
+          <a:p>
+            <a:pPr lvl="0" eaLnBrk="0" fontAlgn="base" hangingPunct="0">
+              <a:spcBef>
+                <a:spcPct val="0"/>
+              </a:spcBef>
+              <a:spcAft>
+                <a:spcPct val="0"/>
+              </a:spcAft>
+            </a:pPr>
+            <a:r>
+              <a:rPr lang="en-US" altLang="zh-CN" dirty="0">
+                <a:solidFill>
+                  <a:srgbClr val="333333"/>
+                </a:solidFill>
+                <a:latin typeface="Arial Unicode MS"/>
+              </a:rPr>
+              <a:t>                </a:t>
+            </a:r>
+            <a:r>
+              <a:rPr lang="zh-CN" altLang="zh-CN" dirty="0">
+                <a:solidFill>
+                  <a:srgbClr val="333333"/>
+                </a:solidFill>
+                <a:latin typeface="Arial Unicode MS"/>
+              </a:rPr>
+              <a:t>.replace(</a:t>
+            </a:r>
+            <a:r>
+              <a:rPr lang="zh-CN" altLang="zh-CN" dirty="0">
+                <a:solidFill>
+                  <a:srgbClr val="BB6688"/>
+                </a:solidFill>
+                <a:latin typeface="Arial Unicode MS"/>
+              </a:rPr>
+              <a:t>/ /g</a:t>
+            </a:r>
+            <a:r>
+              <a:rPr lang="zh-CN" altLang="zh-CN" dirty="0">
+                <a:solidFill>
+                  <a:srgbClr val="333333"/>
+                </a:solidFill>
+                <a:latin typeface="Arial Unicode MS"/>
+              </a:rPr>
+              <a:t>, </a:t>
+            </a:r>
+            <a:r>
+              <a:rPr lang="zh-CN" altLang="zh-CN" dirty="0">
+                <a:solidFill>
+                  <a:srgbClr val="BA2121"/>
+                </a:solidFill>
+                <a:latin typeface="Arial Unicode MS"/>
+              </a:rPr>
+              <a:t>"&amp;nbsp;"</a:t>
+            </a:r>
+            <a:r>
+              <a:rPr lang="zh-CN" altLang="zh-CN" dirty="0">
+                <a:solidFill>
+                  <a:srgbClr val="333333"/>
+                </a:solidFill>
+                <a:latin typeface="Arial Unicode MS"/>
+              </a:rPr>
+              <a:t>)</a:t>
+            </a:r>
+            <a:endParaRPr lang="en-US" altLang="zh-CN" dirty="0">
+              <a:solidFill>
+                <a:srgbClr val="333333"/>
+              </a:solidFill>
+              <a:latin typeface="Arial Unicode MS"/>
+            </a:endParaRPr>
+          </a:p>
+          <a:p>
+            <a:pPr lvl="0" eaLnBrk="0" fontAlgn="base" hangingPunct="0">
+              <a:spcBef>
+                <a:spcPct val="0"/>
+              </a:spcBef>
+              <a:spcAft>
+                <a:spcPct val="0"/>
+              </a:spcAft>
+            </a:pPr>
+            <a:r>
+              <a:rPr lang="en-US" altLang="zh-CN" dirty="0">
+                <a:solidFill>
+                  <a:srgbClr val="333333"/>
+                </a:solidFill>
+                <a:latin typeface="Arial Unicode MS"/>
+              </a:rPr>
+              <a:t>                </a:t>
+            </a:r>
+            <a:r>
+              <a:rPr lang="zh-CN" altLang="zh-CN" dirty="0">
+                <a:solidFill>
+                  <a:srgbClr val="333333"/>
+                </a:solidFill>
+                <a:latin typeface="Arial Unicode MS"/>
+              </a:rPr>
+              <a:t>.replace(</a:t>
+            </a:r>
+            <a:r>
+              <a:rPr lang="zh-CN" altLang="zh-CN" dirty="0">
+                <a:solidFill>
+                  <a:srgbClr val="BB6688"/>
+                </a:solidFill>
+                <a:latin typeface="Arial Unicode MS"/>
+              </a:rPr>
+              <a:t>/"/g</a:t>
+            </a:r>
+            <a:r>
+              <a:rPr lang="zh-CN" altLang="zh-CN" dirty="0">
+                <a:solidFill>
+                  <a:srgbClr val="333333"/>
+                </a:solidFill>
+                <a:latin typeface="Arial Unicode MS"/>
+              </a:rPr>
+              <a:t>, </a:t>
+            </a:r>
+            <a:r>
+              <a:rPr lang="zh-CN" altLang="zh-CN" dirty="0">
+                <a:solidFill>
+                  <a:srgbClr val="BA2121"/>
+                </a:solidFill>
+                <a:latin typeface="Arial Unicode MS"/>
+              </a:rPr>
+              <a:t>"&amp;#34;"</a:t>
+            </a:r>
+            <a:r>
+              <a:rPr lang="zh-CN" altLang="zh-CN" dirty="0">
+                <a:solidFill>
+                  <a:srgbClr val="333333"/>
+                </a:solidFill>
+                <a:latin typeface="Arial Unicode MS"/>
+              </a:rPr>
+              <a:t>)</a:t>
+            </a:r>
+            <a:endParaRPr lang="en-US" altLang="zh-CN" dirty="0">
+              <a:solidFill>
+                <a:srgbClr val="333333"/>
+              </a:solidFill>
+              <a:latin typeface="Arial Unicode MS"/>
+            </a:endParaRPr>
+          </a:p>
+          <a:p>
+            <a:pPr lvl="0" eaLnBrk="0" fontAlgn="base" hangingPunct="0">
+              <a:spcBef>
+                <a:spcPct val="0"/>
+              </a:spcBef>
+              <a:spcAft>
+                <a:spcPct val="0"/>
+              </a:spcAft>
+            </a:pPr>
+            <a:r>
+              <a:rPr lang="en-US" altLang="zh-CN" dirty="0">
+                <a:solidFill>
+                  <a:srgbClr val="333333"/>
+                </a:solidFill>
+                <a:latin typeface="Arial Unicode MS"/>
+              </a:rPr>
+              <a:t>                </a:t>
+            </a:r>
+            <a:r>
+              <a:rPr lang="zh-CN" altLang="zh-CN" dirty="0">
+                <a:solidFill>
+                  <a:srgbClr val="333333"/>
+                </a:solidFill>
+                <a:latin typeface="Arial Unicode MS"/>
+              </a:rPr>
+              <a:t>.replace(</a:t>
+            </a:r>
+            <a:r>
+              <a:rPr lang="zh-CN" altLang="zh-CN" dirty="0">
+                <a:solidFill>
+                  <a:srgbClr val="BB6688"/>
+                </a:solidFill>
+                <a:latin typeface="Arial Unicode MS"/>
+              </a:rPr>
+              <a:t>/'/g</a:t>
+            </a:r>
+            <a:r>
+              <a:rPr lang="zh-CN" altLang="zh-CN" dirty="0">
+                <a:solidFill>
+                  <a:srgbClr val="333333"/>
+                </a:solidFill>
+                <a:latin typeface="Arial Unicode MS"/>
+              </a:rPr>
+              <a:t>, </a:t>
+            </a:r>
+            <a:r>
+              <a:rPr lang="zh-CN" altLang="zh-CN" dirty="0">
+                <a:solidFill>
+                  <a:srgbClr val="BA2121"/>
+                </a:solidFill>
+                <a:latin typeface="Arial Unicode MS"/>
+              </a:rPr>
+              <a:t>"&amp;#39;"</a:t>
+            </a:r>
+            <a:r>
+              <a:rPr lang="zh-CN" altLang="zh-CN" dirty="0">
+                <a:solidFill>
+                  <a:srgbClr val="333333"/>
+                </a:solidFill>
+                <a:latin typeface="Arial Unicode MS"/>
+              </a:rPr>
+              <a:t>) </a:t>
+            </a:r>
+            <a:endParaRPr lang="en-US" altLang="zh-CN" dirty="0">
+              <a:solidFill>
+                <a:srgbClr val="333333"/>
+              </a:solidFill>
+              <a:latin typeface="Arial Unicode MS"/>
+            </a:endParaRPr>
+          </a:p>
+          <a:p>
+            <a:pPr lvl="0" eaLnBrk="0" fontAlgn="base" hangingPunct="0">
+              <a:spcBef>
+                <a:spcPct val="0"/>
+              </a:spcBef>
+              <a:spcAft>
+                <a:spcPct val="0"/>
+              </a:spcAft>
+            </a:pPr>
+            <a:r>
+              <a:rPr lang="zh-CN" altLang="zh-CN" dirty="0">
+                <a:solidFill>
+                  <a:srgbClr val="333333"/>
+                </a:solidFill>
+                <a:latin typeface="Arial Unicode MS"/>
+              </a:rPr>
+              <a:t>}</a:t>
+            </a:r>
+            <a:r>
+              <a:rPr lang="zh-CN" altLang="zh-CN" dirty="0"/>
+              <a:t> </a:t>
+            </a:r>
+            <a:endParaRPr lang="en-US" altLang="zh-CN" dirty="0"/>
+          </a:p>
+        </p:txBody>
+      </p:sp>
+      <p:sp>
+        <p:nvSpPr>
+          <p:cNvPr id="16" name="文本框 15">
+            <a:extLst>
+              <a:ext uri="{FF2B5EF4-FFF2-40B4-BE49-F238E27FC236}">
+                <a16:creationId xmlns:a16="http://schemas.microsoft.com/office/drawing/2014/main" id="{5E9289C2-7775-4811-BA5A-5F30219E9AF2}"/>
+              </a:ext>
+            </a:extLst>
+          </p:cNvPr>
+          <p:cNvSpPr txBox="1"/>
+          <p:nvPr/>
+        </p:nvSpPr>
+        <p:spPr>
+          <a:xfrm>
+            <a:off x="6095204" y="2274838"/>
+            <a:ext cx="4927837" cy="2031325"/>
+          </a:xfrm>
+          <a:prstGeom prst="rect">
+            <a:avLst/>
+          </a:prstGeom>
+          <a:noFill/>
+        </p:spPr>
+        <p:txBody>
+          <a:bodyPr wrap="square" rtlCol="0">
+            <a:spAutoFit/>
+          </a:bodyPr>
+          <a:lstStyle/>
+          <a:p>
+            <a:r>
+              <a:rPr lang="en-US" altLang="zh-CN" dirty="0" err="1"/>
+              <a:t>escapeHTML</a:t>
+            </a:r>
+            <a:r>
+              <a:rPr lang="zh-CN" altLang="en-US" dirty="0"/>
+              <a:t>函数为用户自己写的编码函数，以此解决</a:t>
+            </a:r>
+            <a:r>
+              <a:rPr lang="en-US" altLang="zh-CN" dirty="0"/>
+              <a:t>XSS</a:t>
+            </a:r>
+            <a:r>
+              <a:rPr lang="zh-CN" altLang="en-US" dirty="0"/>
+              <a:t>问题，但是现有工具无法识别导致误报</a:t>
+            </a:r>
+            <a:endParaRPr lang="en-US" altLang="zh-CN" dirty="0"/>
+          </a:p>
+          <a:p>
+            <a:endParaRPr lang="en-US" altLang="zh-CN" dirty="0"/>
+          </a:p>
+          <a:p>
+            <a:r>
+              <a:rPr lang="zh-CN" altLang="en-US" dirty="0"/>
+              <a:t>类似的情况还有：</a:t>
+            </a:r>
+            <a:endParaRPr lang="en-US" altLang="zh-CN" dirty="0"/>
+          </a:p>
+          <a:p>
+            <a:pPr marL="285750" indent="-285750">
+              <a:buFont typeface="Arial" panose="020B0604020202020204" pitchFamily="34" charset="0"/>
+              <a:buChar char="•"/>
+            </a:pPr>
+            <a:r>
+              <a:rPr lang="en-US" altLang="zh-CN" dirty="0"/>
+              <a:t>Java</a:t>
+            </a:r>
+            <a:r>
+              <a:rPr lang="zh-CN" altLang="en-US" dirty="0"/>
+              <a:t>反射机制</a:t>
+            </a:r>
+            <a:endParaRPr lang="en-US" altLang="zh-CN" dirty="0"/>
+          </a:p>
+          <a:p>
+            <a:pPr marL="285750" indent="-285750">
+              <a:buFont typeface="Arial" panose="020B0604020202020204" pitchFamily="34" charset="0"/>
+              <a:buChar char="•"/>
+            </a:pPr>
+            <a:r>
+              <a:rPr lang="zh-CN" altLang="en-US"/>
+              <a:t>不安全的配置</a:t>
+            </a:r>
+            <a:endParaRPr lang="zh-CN" altLang="en-US" dirty="0"/>
+          </a:p>
+        </p:txBody>
+      </p:sp>
+    </p:spTree>
+    <p:extLst>
+      <p:ext uri="{BB962C8B-B14F-4D97-AF65-F5344CB8AC3E}">
+        <p14:creationId xmlns:p14="http://schemas.microsoft.com/office/powerpoint/2010/main" val="3880814404"/>
+      </p:ext>
+    </p:extLst>
+  </p:cSld>
+  <p:clrMapOvr>
+    <a:masterClrMapping/>
+  </p:clrMapOvr>
+</p:sld>
+</file>
+
+<file path=ppt/slides/slide6.xml><?xml version="1.0" encoding="utf-8"?>
+<p:sld xmlns:a="http://schemas.openxmlformats.org/drawingml/2006/main" xmlns:r="http://schemas.openxmlformats.org/officeDocument/2006/relationships" xmlns:p="http://schemas.openxmlformats.org/presentationml/2006/main">
+  <p:cSld>
+    <p:spTree>
+      <p:nvGrpSpPr>
+        <p:cNvPr id="1" name=""/>
+        <p:cNvGrpSpPr/>
+        <p:nvPr/>
+      </p:nvGrpSpPr>
+      <p:grpSpPr>
+        <a:xfrm>
+          <a:off x="0" y="0"/>
+          <a:ext cx="0" cy="0"/>
+          <a:chOff x="0" y="0"/>
+          <a:chExt cx="0" cy="0"/>
+        </a:xfrm>
+      </p:grpSpPr>
+      <p:sp>
+        <p:nvSpPr>
+          <p:cNvPr id="2" name="标题 1"/>
+          <p:cNvSpPr>
+            <a:spLocks noGrp="1"/>
+          </p:cNvSpPr>
+          <p:nvPr>
+            <p:ph type="title"/>
+          </p:nvPr>
+        </p:nvSpPr>
+        <p:spPr/>
+        <p:txBody>
+          <a:bodyPr/>
+          <a:lstStyle/>
+          <a:p>
+            <a:pPr>
+              <a:lnSpc>
+                <a:spcPct val="120000"/>
+              </a:lnSpc>
+            </a:pPr>
+            <a:r>
+              <a:rPr lang="zh-CN" altLang="en-US" dirty="0"/>
+              <a:t>工程意义</a:t>
+            </a:r>
+          </a:p>
+        </p:txBody>
+      </p:sp>
+      <p:sp>
+        <p:nvSpPr>
+          <p:cNvPr id="3" name="页脚占位符 2"/>
+          <p:cNvSpPr>
+            <a:spLocks noGrp="1"/>
+          </p:cNvSpPr>
+          <p:nvPr>
+            <p:ph type="ftr" sz="quarter" idx="11"/>
+          </p:nvPr>
+        </p:nvSpPr>
+        <p:spPr/>
+        <p:txBody>
+          <a:bodyPr/>
+          <a:lstStyle/>
+          <a:p>
+            <a:pPr>
+              <a:lnSpc>
+                <a:spcPct val="120000"/>
+              </a:lnSpc>
+            </a:pPr>
+            <a:endParaRPr lang="zh-CN" altLang="en-US" dirty="0"/>
+          </a:p>
+        </p:txBody>
+      </p:sp>
+      <p:sp>
+        <p:nvSpPr>
+          <p:cNvPr id="4" name="灯片编号占位符 3"/>
+          <p:cNvSpPr>
+            <a:spLocks noGrp="1"/>
+          </p:cNvSpPr>
+          <p:nvPr>
+            <p:ph type="sldNum" sz="quarter" idx="12"/>
+          </p:nvPr>
+        </p:nvSpPr>
+        <p:spPr/>
+        <p:txBody>
+          <a:bodyPr/>
+          <a:lstStyle/>
+          <a:p>
+            <a:pPr>
+              <a:lnSpc>
+                <a:spcPct val="120000"/>
+              </a:lnSpc>
+            </a:pPr>
+            <a:fld id="{5DD3DB80-B894-403A-B48E-6FDC1A72010E}" type="slidenum">
+              <a:rPr lang="zh-CN" altLang="en-US" smtClean="0"/>
+              <a:pPr>
+                <a:lnSpc>
+                  <a:spcPct val="120000"/>
+                </a:lnSpc>
+              </a:pPr>
+              <a:t>6</a:t>
+            </a:fld>
+            <a:endParaRPr lang="zh-CN" altLang="en-US"/>
+          </a:p>
+        </p:txBody>
+      </p:sp>
       <p:sp>
         <p:nvSpPr>
           <p:cNvPr id="5" name="文本框 4">
@@ -9332,7 +13165,7 @@
         </p:nvSpPr>
         <p:spPr>
           <a:xfrm>
-            <a:off x="669925" y="2324007"/>
+            <a:off x="838090" y="2148557"/>
             <a:ext cx="4869638" cy="1059008"/>
           </a:xfrm>
           <a:prstGeom prst="rect">
@@ -9418,8 +13251,8 @@
         </p:blipFill>
         <p:spPr>
           <a:xfrm>
-            <a:off x="4810125" y="5105645"/>
-            <a:ext cx="5900771" cy="703343"/>
+            <a:off x="5516633" y="4506852"/>
+            <a:ext cx="5115778" cy="609774"/>
           </a:xfrm>
           <a:prstGeom prst="rect">
             <a:avLst/>
@@ -9459,8 +13292,8 @@
         </p:blipFill>
         <p:spPr>
           <a:xfrm>
-            <a:off x="7070651" y="3527265"/>
-            <a:ext cx="4359154" cy="1056848"/>
+            <a:off x="7830207" y="3461183"/>
+            <a:ext cx="3134332" cy="759898"/>
           </a:xfrm>
           <a:prstGeom prst="rect">
             <a:avLst/>
@@ -9500,8 +13333,8 @@
         </p:blipFill>
         <p:spPr>
           <a:xfrm>
-            <a:off x="5617339" y="2213156"/>
-            <a:ext cx="5514753" cy="1276825"/>
+            <a:off x="6390291" y="2299501"/>
+            <a:ext cx="4242120" cy="982174"/>
           </a:xfrm>
           <a:prstGeom prst="rect">
             <a:avLst/>
@@ -9541,8 +13374,8 @@
         </p:blipFill>
         <p:spPr>
           <a:xfrm>
-            <a:off x="2314549" y="4084290"/>
-            <a:ext cx="4359154" cy="653236"/>
+            <a:off x="3851699" y="3702637"/>
+            <a:ext cx="3712058" cy="556266"/>
           </a:xfrm>
           <a:prstGeom prst="rect">
             <a:avLst/>
@@ -9553,977 +13386,6 @@
     <p:extLst>
       <p:ext uri="{BB962C8B-B14F-4D97-AF65-F5344CB8AC3E}">
         <p14:creationId xmlns:p14="http://schemas.microsoft.com/office/powerpoint/2010/main" val="2677631514"/>
-      </p:ext>
-    </p:extLst>
-  </p:cSld>
-  <p:clrMapOvr>
-    <a:masterClrMapping/>
-  </p:clrMapOvr>
-</p:sld>
-</file>
-
-<file path=ppt/slides/slide5.xml><?xml version="1.0" encoding="utf-8"?>
-<p:sld xmlns:a="http://schemas.openxmlformats.org/drawingml/2006/main" xmlns:r="http://schemas.openxmlformats.org/officeDocument/2006/relationships" xmlns:p="http://schemas.openxmlformats.org/presentationml/2006/main">
-  <p:cSld>
-    <p:spTree>
-      <p:nvGrpSpPr>
-        <p:cNvPr id="1" name=""/>
-        <p:cNvGrpSpPr/>
-        <p:nvPr/>
-      </p:nvGrpSpPr>
-      <p:grpSpPr>
-        <a:xfrm>
-          <a:off x="0" y="0"/>
-          <a:ext cx="0" cy="0"/>
-          <a:chOff x="0" y="0"/>
-          <a:chExt cx="0" cy="0"/>
-        </a:xfrm>
-      </p:grpSpPr>
-      <p:sp>
-        <p:nvSpPr>
-          <p:cNvPr id="2" name="标题 1">
-            <a:extLst>
-              <a:ext uri="{FF2B5EF4-FFF2-40B4-BE49-F238E27FC236}">
-                <a16:creationId xmlns:a16="http://schemas.microsoft.com/office/drawing/2014/main" id="{AC671B20-BFDD-4FCD-822A-2F31D6D49D8C}"/>
-              </a:ext>
-            </a:extLst>
-          </p:cNvPr>
-          <p:cNvSpPr>
-            <a:spLocks noGrp="1"/>
-          </p:cNvSpPr>
-          <p:nvPr>
-            <p:ph type="title"/>
-          </p:nvPr>
-        </p:nvSpPr>
-        <p:spPr/>
-        <p:txBody>
-          <a:bodyPr/>
-          <a:lstStyle/>
-          <a:p>
-            <a:pPr>
-              <a:lnSpc>
-                <a:spcPct val="120000"/>
-              </a:lnSpc>
-            </a:pPr>
-            <a:r>
-              <a:rPr lang="zh-CN" altLang="en-US" dirty="0"/>
-              <a:t>举个例子</a:t>
-            </a:r>
-          </a:p>
-        </p:txBody>
-      </p:sp>
-      <p:sp>
-        <p:nvSpPr>
-          <p:cNvPr id="3" name="页脚占位符 2">
-            <a:extLst>
-              <a:ext uri="{FF2B5EF4-FFF2-40B4-BE49-F238E27FC236}">
-                <a16:creationId xmlns:a16="http://schemas.microsoft.com/office/drawing/2014/main" id="{CA8E78AB-8B9E-46BD-93D6-22B5C7020E65}"/>
-              </a:ext>
-            </a:extLst>
-          </p:cNvPr>
-          <p:cNvSpPr>
-            <a:spLocks noGrp="1"/>
-          </p:cNvSpPr>
-          <p:nvPr>
-            <p:ph type="ftr" sz="quarter" idx="11"/>
-          </p:nvPr>
-        </p:nvSpPr>
-        <p:spPr/>
-        <p:txBody>
-          <a:bodyPr/>
-          <a:lstStyle/>
-          <a:p>
-            <a:pPr>
-              <a:lnSpc>
-                <a:spcPct val="120000"/>
-              </a:lnSpc>
-            </a:pPr>
-            <a:endParaRPr lang="zh-CN" altLang="en-US" dirty="0"/>
-          </a:p>
-        </p:txBody>
-      </p:sp>
-      <p:sp>
-        <p:nvSpPr>
-          <p:cNvPr id="4" name="灯片编号占位符 3">
-            <a:extLst>
-              <a:ext uri="{FF2B5EF4-FFF2-40B4-BE49-F238E27FC236}">
-                <a16:creationId xmlns:a16="http://schemas.microsoft.com/office/drawing/2014/main" id="{BB4CF6F7-F000-41FC-8ACB-8F48CA8D1C7B}"/>
-              </a:ext>
-            </a:extLst>
-          </p:cNvPr>
-          <p:cNvSpPr>
-            <a:spLocks noGrp="1"/>
-          </p:cNvSpPr>
-          <p:nvPr>
-            <p:ph type="sldNum" sz="quarter" idx="12"/>
-          </p:nvPr>
-        </p:nvSpPr>
-        <p:spPr/>
-        <p:txBody>
-          <a:bodyPr/>
-          <a:lstStyle/>
-          <a:p>
-            <a:pPr>
-              <a:lnSpc>
-                <a:spcPct val="120000"/>
-              </a:lnSpc>
-            </a:pPr>
-            <a:fld id="{5DD3DB80-B894-403A-B48E-6FDC1A72010E}" type="slidenum">
-              <a:rPr lang="zh-CN" altLang="en-US" smtClean="0"/>
-              <a:pPr>
-                <a:lnSpc>
-                  <a:spcPct val="120000"/>
-                </a:lnSpc>
-              </a:pPr>
-              <a:t>5</a:t>
-            </a:fld>
-            <a:endParaRPr lang="zh-CN" altLang="en-US"/>
-          </a:p>
-        </p:txBody>
-      </p:sp>
-      <p:pic>
-        <p:nvPicPr>
-          <p:cNvPr id="6" name="图片 5">
-            <a:extLst>
-              <a:ext uri="{FF2B5EF4-FFF2-40B4-BE49-F238E27FC236}">
-                <a16:creationId xmlns:a16="http://schemas.microsoft.com/office/drawing/2014/main" id="{30B99479-03D8-4CF1-9A79-ADDF4A66A8C7}"/>
-              </a:ext>
-            </a:extLst>
-          </p:cNvPr>
-          <p:cNvPicPr>
-            <a:picLocks noChangeAspect="1"/>
-          </p:cNvPicPr>
-          <p:nvPr/>
-        </p:nvPicPr>
-        <p:blipFill>
-          <a:blip r:embed="rId2"/>
-          <a:stretch>
-            <a:fillRect/>
-          </a:stretch>
-        </p:blipFill>
-        <p:spPr>
-          <a:xfrm>
-            <a:off x="669925" y="1260844"/>
-            <a:ext cx="6552590" cy="4690324"/>
-          </a:xfrm>
-          <a:prstGeom prst="rect">
-            <a:avLst/>
-          </a:prstGeom>
-        </p:spPr>
-      </p:pic>
-      <p:sp>
-        <p:nvSpPr>
-          <p:cNvPr id="7" name="文本框 6">
-            <a:extLst>
-              <a:ext uri="{FF2B5EF4-FFF2-40B4-BE49-F238E27FC236}">
-                <a16:creationId xmlns:a16="http://schemas.microsoft.com/office/drawing/2014/main" id="{B87933E3-013F-4260-B188-DC623A28BB95}"/>
-              </a:ext>
-            </a:extLst>
-          </p:cNvPr>
-          <p:cNvSpPr txBox="1"/>
-          <p:nvPr/>
-        </p:nvSpPr>
-        <p:spPr>
-          <a:xfrm>
-            <a:off x="7222515" y="2084018"/>
-            <a:ext cx="3986212" cy="1725729"/>
-          </a:xfrm>
-          <a:prstGeom prst="rect">
-            <a:avLst/>
-          </a:prstGeom>
-          <a:noFill/>
-        </p:spPr>
-        <p:txBody>
-          <a:bodyPr wrap="square" rtlCol="0">
-            <a:spAutoFit/>
-          </a:bodyPr>
-          <a:lstStyle/>
-          <a:p>
-            <a:pPr>
-              <a:lnSpc>
-                <a:spcPct val="120000"/>
-              </a:lnSpc>
-            </a:pPr>
-            <a:r>
-              <a:rPr lang="en-US" altLang="zh-CN" dirty="0" err="1"/>
-              <a:t>doSomething</a:t>
-            </a:r>
-            <a:r>
-              <a:rPr lang="zh-CN" altLang="en-US" dirty="0"/>
-              <a:t>返回值永远为“</a:t>
-            </a:r>
-            <a:r>
-              <a:rPr lang="en-US" altLang="zh-CN" dirty="0" err="1"/>
-              <a:t>a_Value</a:t>
-            </a:r>
-            <a:r>
-              <a:rPr lang="zh-CN" altLang="en-US" dirty="0"/>
-              <a:t>”（不存在污点）</a:t>
-            </a:r>
-            <a:endParaRPr lang="en-US" altLang="zh-CN" dirty="0"/>
-          </a:p>
-          <a:p>
-            <a:pPr>
-              <a:lnSpc>
-                <a:spcPct val="120000"/>
-              </a:lnSpc>
-            </a:pPr>
-            <a:r>
-              <a:rPr lang="zh-CN" altLang="en-US" dirty="0"/>
-              <a:t>但由于使用了</a:t>
-            </a:r>
-            <a:r>
-              <a:rPr lang="en-US" altLang="zh-CN" dirty="0"/>
-              <a:t>HashMap</a:t>
-            </a:r>
-            <a:r>
-              <a:rPr lang="zh-CN" altLang="en-US" dirty="0"/>
-              <a:t>，“欺骗”了程序切片以及之后的数据流分析，造成误报</a:t>
-            </a:r>
-            <a:endParaRPr lang="en-US" altLang="zh-CN" dirty="0"/>
-          </a:p>
-        </p:txBody>
-      </p:sp>
-    </p:spTree>
-    <p:extLst>
-      <p:ext uri="{BB962C8B-B14F-4D97-AF65-F5344CB8AC3E}">
-        <p14:creationId xmlns:p14="http://schemas.microsoft.com/office/powerpoint/2010/main" val="3838586392"/>
-      </p:ext>
-    </p:extLst>
-  </p:cSld>
-  <p:clrMapOvr>
-    <a:masterClrMapping/>
-  </p:clrMapOvr>
-</p:sld>
-</file>
-
-<file path=ppt/slides/slide6.xml><?xml version="1.0" encoding="utf-8"?>
-<p:sld xmlns:a="http://schemas.openxmlformats.org/drawingml/2006/main" xmlns:r="http://schemas.openxmlformats.org/officeDocument/2006/relationships" xmlns:p="http://schemas.openxmlformats.org/presentationml/2006/main">
-  <p:cSld>
-    <p:spTree>
-      <p:nvGrpSpPr>
-        <p:cNvPr id="1" name=""/>
-        <p:cNvGrpSpPr/>
-        <p:nvPr/>
-      </p:nvGrpSpPr>
-      <p:grpSpPr>
-        <a:xfrm>
-          <a:off x="0" y="0"/>
-          <a:ext cx="0" cy="0"/>
-          <a:chOff x="0" y="0"/>
-          <a:chExt cx="0" cy="0"/>
-        </a:xfrm>
-      </p:grpSpPr>
-      <p:sp>
-        <p:nvSpPr>
-          <p:cNvPr id="2" name="标题 1">
-            <a:extLst>
-              <a:ext uri="{FF2B5EF4-FFF2-40B4-BE49-F238E27FC236}">
-                <a16:creationId xmlns:a16="http://schemas.microsoft.com/office/drawing/2014/main" id="{5B84DEC5-520C-47D3-930E-67AEC855DFE2}"/>
-              </a:ext>
-            </a:extLst>
-          </p:cNvPr>
-          <p:cNvSpPr>
-            <a:spLocks noGrp="1"/>
-          </p:cNvSpPr>
-          <p:nvPr>
-            <p:ph type="title"/>
-          </p:nvPr>
-        </p:nvSpPr>
-        <p:spPr/>
-        <p:txBody>
-          <a:bodyPr/>
-          <a:lstStyle/>
-          <a:p>
-            <a:pPr>
-              <a:lnSpc>
-                <a:spcPct val="120000"/>
-              </a:lnSpc>
-            </a:pPr>
-            <a:r>
-              <a:rPr lang="zh-CN" altLang="en-US" dirty="0"/>
-              <a:t>举个例子</a:t>
-            </a:r>
-            <a:r>
-              <a:rPr lang="en-US" altLang="zh-CN" dirty="0"/>
-              <a:t>2</a:t>
-            </a:r>
-            <a:endParaRPr lang="zh-CN" altLang="en-US" dirty="0"/>
-          </a:p>
-        </p:txBody>
-      </p:sp>
-      <p:sp>
-        <p:nvSpPr>
-          <p:cNvPr id="3" name="页脚占位符 2">
-            <a:extLst>
-              <a:ext uri="{FF2B5EF4-FFF2-40B4-BE49-F238E27FC236}">
-                <a16:creationId xmlns:a16="http://schemas.microsoft.com/office/drawing/2014/main" id="{81FFF01B-E510-44F4-BF8E-A66E7CBFF988}"/>
-              </a:ext>
-            </a:extLst>
-          </p:cNvPr>
-          <p:cNvSpPr>
-            <a:spLocks noGrp="1"/>
-          </p:cNvSpPr>
-          <p:nvPr>
-            <p:ph type="ftr" sz="quarter" idx="11"/>
-          </p:nvPr>
-        </p:nvSpPr>
-        <p:spPr/>
-        <p:txBody>
-          <a:bodyPr/>
-          <a:lstStyle/>
-          <a:p>
-            <a:pPr>
-              <a:lnSpc>
-                <a:spcPct val="120000"/>
-              </a:lnSpc>
-            </a:pPr>
-            <a:endParaRPr lang="zh-CN" altLang="en-US" dirty="0"/>
-          </a:p>
-        </p:txBody>
-      </p:sp>
-      <p:sp>
-        <p:nvSpPr>
-          <p:cNvPr id="4" name="灯片编号占位符 3">
-            <a:extLst>
-              <a:ext uri="{FF2B5EF4-FFF2-40B4-BE49-F238E27FC236}">
-                <a16:creationId xmlns:a16="http://schemas.microsoft.com/office/drawing/2014/main" id="{85CCE5AC-52DF-4D9F-B487-75CB8811EF8A}"/>
-              </a:ext>
-            </a:extLst>
-          </p:cNvPr>
-          <p:cNvSpPr>
-            <a:spLocks noGrp="1"/>
-          </p:cNvSpPr>
-          <p:nvPr>
-            <p:ph type="sldNum" sz="quarter" idx="12"/>
-          </p:nvPr>
-        </p:nvSpPr>
-        <p:spPr/>
-        <p:txBody>
-          <a:bodyPr/>
-          <a:lstStyle/>
-          <a:p>
-            <a:pPr>
-              <a:lnSpc>
-                <a:spcPct val="120000"/>
-              </a:lnSpc>
-            </a:pPr>
-            <a:fld id="{5DD3DB80-B894-403A-B48E-6FDC1A72010E}" type="slidenum">
-              <a:rPr lang="zh-CN" altLang="en-US" smtClean="0"/>
-              <a:pPr>
-                <a:lnSpc>
-                  <a:spcPct val="120000"/>
-                </a:lnSpc>
-              </a:pPr>
-              <a:t>6</a:t>
-            </a:fld>
-            <a:endParaRPr lang="zh-CN" altLang="en-US"/>
-          </a:p>
-        </p:txBody>
-      </p:sp>
-      <p:sp>
-        <p:nvSpPr>
-          <p:cNvPr id="15" name="矩形 14">
-            <a:extLst>
-              <a:ext uri="{FF2B5EF4-FFF2-40B4-BE49-F238E27FC236}">
-                <a16:creationId xmlns:a16="http://schemas.microsoft.com/office/drawing/2014/main" id="{7BCCFD93-57EF-4F08-A198-89561E85CF7D}"/>
-              </a:ext>
-            </a:extLst>
-          </p:cNvPr>
-          <p:cNvSpPr/>
-          <p:nvPr/>
-        </p:nvSpPr>
-        <p:spPr>
-          <a:xfrm>
-            <a:off x="1088571" y="2274838"/>
-            <a:ext cx="5007429" cy="2308324"/>
-          </a:xfrm>
-          <a:prstGeom prst="rect">
-            <a:avLst/>
-          </a:prstGeom>
-        </p:spPr>
-        <p:txBody>
-          <a:bodyPr wrap="square">
-            <a:spAutoFit/>
-          </a:bodyPr>
-          <a:lstStyle/>
-          <a:p>
-            <a:pPr lvl="0" eaLnBrk="0" fontAlgn="base" hangingPunct="0">
-              <a:spcBef>
-                <a:spcPct val="0"/>
-              </a:spcBef>
-              <a:spcAft>
-                <a:spcPct val="0"/>
-              </a:spcAft>
-            </a:pPr>
-            <a:r>
-              <a:rPr lang="zh-CN" altLang="zh-CN" b="1" dirty="0">
-                <a:solidFill>
-                  <a:srgbClr val="008000"/>
-                </a:solidFill>
-                <a:latin typeface="Arial Unicode MS"/>
-              </a:rPr>
-              <a:t>function</a:t>
-            </a:r>
-            <a:r>
-              <a:rPr lang="zh-CN" altLang="zh-CN" dirty="0">
-                <a:solidFill>
-                  <a:srgbClr val="333333"/>
-                </a:solidFill>
-                <a:latin typeface="Arial Unicode MS"/>
-              </a:rPr>
-              <a:t> escapeHTML(t) { </a:t>
-            </a:r>
-            <a:endParaRPr lang="en-US" altLang="zh-CN" dirty="0">
-              <a:solidFill>
-                <a:srgbClr val="333333"/>
-              </a:solidFill>
-              <a:latin typeface="Arial Unicode MS"/>
-            </a:endParaRPr>
-          </a:p>
-          <a:p>
-            <a:pPr lvl="0" eaLnBrk="0" fontAlgn="base" hangingPunct="0">
-              <a:spcBef>
-                <a:spcPct val="0"/>
-              </a:spcBef>
-              <a:spcAft>
-                <a:spcPct val="0"/>
-              </a:spcAft>
-            </a:pPr>
-            <a:r>
-              <a:rPr lang="en-US" altLang="zh-CN" dirty="0">
-                <a:solidFill>
-                  <a:srgbClr val="333333"/>
-                </a:solidFill>
-                <a:latin typeface="Arial Unicode MS"/>
-              </a:rPr>
-              <a:t>    </a:t>
-            </a:r>
-            <a:r>
-              <a:rPr lang="zh-CN" altLang="zh-CN" b="1" dirty="0">
-                <a:solidFill>
-                  <a:srgbClr val="008000"/>
-                </a:solidFill>
-                <a:latin typeface="Arial Unicode MS"/>
-              </a:rPr>
-              <a:t>return</a:t>
-            </a:r>
-            <a:r>
-              <a:rPr lang="zh-CN" altLang="zh-CN" dirty="0">
-                <a:solidFill>
-                  <a:srgbClr val="333333"/>
-                </a:solidFill>
-                <a:latin typeface="Arial Unicode MS"/>
-              </a:rPr>
-              <a:t> t.replace(</a:t>
-            </a:r>
-            <a:r>
-              <a:rPr lang="zh-CN" altLang="zh-CN" dirty="0">
-                <a:solidFill>
-                  <a:srgbClr val="BB6688"/>
-                </a:solidFill>
-                <a:latin typeface="Arial Unicode MS"/>
-              </a:rPr>
-              <a:t>/&amp;/g</a:t>
-            </a:r>
-            <a:r>
-              <a:rPr lang="zh-CN" altLang="zh-CN" dirty="0">
-                <a:solidFill>
-                  <a:srgbClr val="333333"/>
-                </a:solidFill>
-                <a:latin typeface="Arial Unicode MS"/>
-              </a:rPr>
-              <a:t>, </a:t>
-            </a:r>
-            <a:r>
-              <a:rPr lang="zh-CN" altLang="zh-CN" dirty="0">
-                <a:solidFill>
-                  <a:srgbClr val="BA2121"/>
-                </a:solidFill>
-                <a:latin typeface="Arial Unicode MS"/>
-              </a:rPr>
-              <a:t>"&amp;amp;"</a:t>
-            </a:r>
-            <a:r>
-              <a:rPr lang="zh-CN" altLang="zh-CN" dirty="0">
-                <a:solidFill>
-                  <a:srgbClr val="333333"/>
-                </a:solidFill>
-                <a:latin typeface="Arial Unicode MS"/>
-              </a:rPr>
-              <a:t>) </a:t>
-            </a:r>
-            <a:endParaRPr lang="en-US" altLang="zh-CN" dirty="0">
-              <a:solidFill>
-                <a:srgbClr val="333333"/>
-              </a:solidFill>
-              <a:latin typeface="Arial Unicode MS"/>
-            </a:endParaRPr>
-          </a:p>
-          <a:p>
-            <a:pPr lvl="0" eaLnBrk="0" fontAlgn="base" hangingPunct="0">
-              <a:spcBef>
-                <a:spcPct val="0"/>
-              </a:spcBef>
-              <a:spcAft>
-                <a:spcPct val="0"/>
-              </a:spcAft>
-            </a:pPr>
-            <a:r>
-              <a:rPr lang="en-US" altLang="zh-CN" dirty="0">
-                <a:solidFill>
-                  <a:srgbClr val="333333"/>
-                </a:solidFill>
-                <a:latin typeface="Arial Unicode MS"/>
-              </a:rPr>
-              <a:t>                </a:t>
-            </a:r>
-            <a:r>
-              <a:rPr lang="zh-CN" altLang="zh-CN" dirty="0">
-                <a:solidFill>
-                  <a:srgbClr val="333333"/>
-                </a:solidFill>
-                <a:latin typeface="Arial Unicode MS"/>
-              </a:rPr>
-              <a:t>.replace(</a:t>
-            </a:r>
-            <a:r>
-              <a:rPr lang="zh-CN" altLang="zh-CN" dirty="0">
-                <a:solidFill>
-                  <a:srgbClr val="BB6688"/>
-                </a:solidFill>
-                <a:latin typeface="Arial Unicode MS"/>
-              </a:rPr>
-              <a:t>/&lt;/g</a:t>
-            </a:r>
-            <a:r>
-              <a:rPr lang="zh-CN" altLang="zh-CN" dirty="0">
-                <a:solidFill>
-                  <a:srgbClr val="333333"/>
-                </a:solidFill>
-                <a:latin typeface="Arial Unicode MS"/>
-              </a:rPr>
-              <a:t>, </a:t>
-            </a:r>
-            <a:r>
-              <a:rPr lang="zh-CN" altLang="zh-CN" dirty="0">
-                <a:solidFill>
-                  <a:srgbClr val="BA2121"/>
-                </a:solidFill>
-                <a:latin typeface="Arial Unicode MS"/>
-              </a:rPr>
-              <a:t>"&amp;lt;"</a:t>
-            </a:r>
-            <a:r>
-              <a:rPr lang="zh-CN" altLang="zh-CN" dirty="0">
-                <a:solidFill>
-                  <a:srgbClr val="333333"/>
-                </a:solidFill>
-                <a:latin typeface="Arial Unicode MS"/>
-              </a:rPr>
-              <a:t>)</a:t>
-            </a:r>
-            <a:endParaRPr lang="en-US" altLang="zh-CN" dirty="0">
-              <a:solidFill>
-                <a:srgbClr val="333333"/>
-              </a:solidFill>
-              <a:latin typeface="Arial Unicode MS"/>
-            </a:endParaRPr>
-          </a:p>
-          <a:p>
-            <a:pPr lvl="0" eaLnBrk="0" fontAlgn="base" hangingPunct="0">
-              <a:spcBef>
-                <a:spcPct val="0"/>
-              </a:spcBef>
-              <a:spcAft>
-                <a:spcPct val="0"/>
-              </a:spcAft>
-            </a:pPr>
-            <a:r>
-              <a:rPr lang="en-US" altLang="zh-CN" dirty="0">
-                <a:solidFill>
-                  <a:srgbClr val="333333"/>
-                </a:solidFill>
-                <a:latin typeface="Arial Unicode MS"/>
-              </a:rPr>
-              <a:t>                </a:t>
-            </a:r>
-            <a:r>
-              <a:rPr lang="zh-CN" altLang="zh-CN" dirty="0">
-                <a:solidFill>
-                  <a:srgbClr val="333333"/>
-                </a:solidFill>
-                <a:latin typeface="Arial Unicode MS"/>
-              </a:rPr>
-              <a:t>.replace(</a:t>
-            </a:r>
-            <a:r>
-              <a:rPr lang="zh-CN" altLang="zh-CN" dirty="0">
-                <a:solidFill>
-                  <a:srgbClr val="BB6688"/>
-                </a:solidFill>
-                <a:latin typeface="Arial Unicode MS"/>
-              </a:rPr>
-              <a:t>/&gt;/g</a:t>
-            </a:r>
-            <a:r>
-              <a:rPr lang="zh-CN" altLang="zh-CN" dirty="0">
-                <a:solidFill>
-                  <a:srgbClr val="333333"/>
-                </a:solidFill>
-                <a:latin typeface="Arial Unicode MS"/>
-              </a:rPr>
-              <a:t>, </a:t>
-            </a:r>
-            <a:r>
-              <a:rPr lang="zh-CN" altLang="zh-CN" dirty="0">
-                <a:solidFill>
-                  <a:srgbClr val="BA2121"/>
-                </a:solidFill>
-                <a:latin typeface="Arial Unicode MS"/>
-              </a:rPr>
-              <a:t>"&amp;gt;"</a:t>
-            </a:r>
-            <a:r>
-              <a:rPr lang="zh-CN" altLang="zh-CN" dirty="0">
-                <a:solidFill>
-                  <a:srgbClr val="333333"/>
-                </a:solidFill>
-                <a:latin typeface="Arial Unicode MS"/>
-              </a:rPr>
-              <a:t>)</a:t>
-            </a:r>
-            <a:endParaRPr lang="en-US" altLang="zh-CN" dirty="0">
-              <a:solidFill>
-                <a:srgbClr val="333333"/>
-              </a:solidFill>
-              <a:latin typeface="Arial Unicode MS"/>
-            </a:endParaRPr>
-          </a:p>
-          <a:p>
-            <a:pPr lvl="0" eaLnBrk="0" fontAlgn="base" hangingPunct="0">
-              <a:spcBef>
-                <a:spcPct val="0"/>
-              </a:spcBef>
-              <a:spcAft>
-                <a:spcPct val="0"/>
-              </a:spcAft>
-            </a:pPr>
-            <a:r>
-              <a:rPr lang="en-US" altLang="zh-CN" dirty="0">
-                <a:solidFill>
-                  <a:srgbClr val="333333"/>
-                </a:solidFill>
-                <a:latin typeface="Arial Unicode MS"/>
-              </a:rPr>
-              <a:t>                </a:t>
-            </a:r>
-            <a:r>
-              <a:rPr lang="zh-CN" altLang="zh-CN" dirty="0">
-                <a:solidFill>
-                  <a:srgbClr val="333333"/>
-                </a:solidFill>
-                <a:latin typeface="Arial Unicode MS"/>
-              </a:rPr>
-              <a:t>.replace(</a:t>
-            </a:r>
-            <a:r>
-              <a:rPr lang="zh-CN" altLang="zh-CN" dirty="0">
-                <a:solidFill>
-                  <a:srgbClr val="BB6688"/>
-                </a:solidFill>
-                <a:latin typeface="Arial Unicode MS"/>
-              </a:rPr>
-              <a:t>/ /g</a:t>
-            </a:r>
-            <a:r>
-              <a:rPr lang="zh-CN" altLang="zh-CN" dirty="0">
-                <a:solidFill>
-                  <a:srgbClr val="333333"/>
-                </a:solidFill>
-                <a:latin typeface="Arial Unicode MS"/>
-              </a:rPr>
-              <a:t>, </a:t>
-            </a:r>
-            <a:r>
-              <a:rPr lang="zh-CN" altLang="zh-CN" dirty="0">
-                <a:solidFill>
-                  <a:srgbClr val="BA2121"/>
-                </a:solidFill>
-                <a:latin typeface="Arial Unicode MS"/>
-              </a:rPr>
-              <a:t>"&amp;nbsp;"</a:t>
-            </a:r>
-            <a:r>
-              <a:rPr lang="zh-CN" altLang="zh-CN" dirty="0">
-                <a:solidFill>
-                  <a:srgbClr val="333333"/>
-                </a:solidFill>
-                <a:latin typeface="Arial Unicode MS"/>
-              </a:rPr>
-              <a:t>)</a:t>
-            </a:r>
-            <a:endParaRPr lang="en-US" altLang="zh-CN" dirty="0">
-              <a:solidFill>
-                <a:srgbClr val="333333"/>
-              </a:solidFill>
-              <a:latin typeface="Arial Unicode MS"/>
-            </a:endParaRPr>
-          </a:p>
-          <a:p>
-            <a:pPr lvl="0" eaLnBrk="0" fontAlgn="base" hangingPunct="0">
-              <a:spcBef>
-                <a:spcPct val="0"/>
-              </a:spcBef>
-              <a:spcAft>
-                <a:spcPct val="0"/>
-              </a:spcAft>
-            </a:pPr>
-            <a:r>
-              <a:rPr lang="en-US" altLang="zh-CN" dirty="0">
-                <a:solidFill>
-                  <a:srgbClr val="333333"/>
-                </a:solidFill>
-                <a:latin typeface="Arial Unicode MS"/>
-              </a:rPr>
-              <a:t>                </a:t>
-            </a:r>
-            <a:r>
-              <a:rPr lang="zh-CN" altLang="zh-CN" dirty="0">
-                <a:solidFill>
-                  <a:srgbClr val="333333"/>
-                </a:solidFill>
-                <a:latin typeface="Arial Unicode MS"/>
-              </a:rPr>
-              <a:t>.replace(</a:t>
-            </a:r>
-            <a:r>
-              <a:rPr lang="zh-CN" altLang="zh-CN" dirty="0">
-                <a:solidFill>
-                  <a:srgbClr val="BB6688"/>
-                </a:solidFill>
-                <a:latin typeface="Arial Unicode MS"/>
-              </a:rPr>
-              <a:t>/"/g</a:t>
-            </a:r>
-            <a:r>
-              <a:rPr lang="zh-CN" altLang="zh-CN" dirty="0">
-                <a:solidFill>
-                  <a:srgbClr val="333333"/>
-                </a:solidFill>
-                <a:latin typeface="Arial Unicode MS"/>
-              </a:rPr>
-              <a:t>, </a:t>
-            </a:r>
-            <a:r>
-              <a:rPr lang="zh-CN" altLang="zh-CN" dirty="0">
-                <a:solidFill>
-                  <a:srgbClr val="BA2121"/>
-                </a:solidFill>
-                <a:latin typeface="Arial Unicode MS"/>
-              </a:rPr>
-              <a:t>"&amp;#34;"</a:t>
-            </a:r>
-            <a:r>
-              <a:rPr lang="zh-CN" altLang="zh-CN" dirty="0">
-                <a:solidFill>
-                  <a:srgbClr val="333333"/>
-                </a:solidFill>
-                <a:latin typeface="Arial Unicode MS"/>
-              </a:rPr>
-              <a:t>)</a:t>
-            </a:r>
-            <a:endParaRPr lang="en-US" altLang="zh-CN" dirty="0">
-              <a:solidFill>
-                <a:srgbClr val="333333"/>
-              </a:solidFill>
-              <a:latin typeface="Arial Unicode MS"/>
-            </a:endParaRPr>
-          </a:p>
-          <a:p>
-            <a:pPr lvl="0" eaLnBrk="0" fontAlgn="base" hangingPunct="0">
-              <a:spcBef>
-                <a:spcPct val="0"/>
-              </a:spcBef>
-              <a:spcAft>
-                <a:spcPct val="0"/>
-              </a:spcAft>
-            </a:pPr>
-            <a:r>
-              <a:rPr lang="en-US" altLang="zh-CN" dirty="0">
-                <a:solidFill>
-                  <a:srgbClr val="333333"/>
-                </a:solidFill>
-                <a:latin typeface="Arial Unicode MS"/>
-              </a:rPr>
-              <a:t>                </a:t>
-            </a:r>
-            <a:r>
-              <a:rPr lang="zh-CN" altLang="zh-CN" dirty="0">
-                <a:solidFill>
-                  <a:srgbClr val="333333"/>
-                </a:solidFill>
-                <a:latin typeface="Arial Unicode MS"/>
-              </a:rPr>
-              <a:t>.replace(</a:t>
-            </a:r>
-            <a:r>
-              <a:rPr lang="zh-CN" altLang="zh-CN" dirty="0">
-                <a:solidFill>
-                  <a:srgbClr val="BB6688"/>
-                </a:solidFill>
-                <a:latin typeface="Arial Unicode MS"/>
-              </a:rPr>
-              <a:t>/'/g</a:t>
-            </a:r>
-            <a:r>
-              <a:rPr lang="zh-CN" altLang="zh-CN" dirty="0">
-                <a:solidFill>
-                  <a:srgbClr val="333333"/>
-                </a:solidFill>
-                <a:latin typeface="Arial Unicode MS"/>
-              </a:rPr>
-              <a:t>, </a:t>
-            </a:r>
-            <a:r>
-              <a:rPr lang="zh-CN" altLang="zh-CN" dirty="0">
-                <a:solidFill>
-                  <a:srgbClr val="BA2121"/>
-                </a:solidFill>
-                <a:latin typeface="Arial Unicode MS"/>
-              </a:rPr>
-              <a:t>"&amp;#39;"</a:t>
-            </a:r>
-            <a:r>
-              <a:rPr lang="zh-CN" altLang="zh-CN" dirty="0">
-                <a:solidFill>
-                  <a:srgbClr val="333333"/>
-                </a:solidFill>
-                <a:latin typeface="Arial Unicode MS"/>
-              </a:rPr>
-              <a:t>) </a:t>
-            </a:r>
-            <a:endParaRPr lang="en-US" altLang="zh-CN" dirty="0">
-              <a:solidFill>
-                <a:srgbClr val="333333"/>
-              </a:solidFill>
-              <a:latin typeface="Arial Unicode MS"/>
-            </a:endParaRPr>
-          </a:p>
-          <a:p>
-            <a:pPr lvl="0" eaLnBrk="0" fontAlgn="base" hangingPunct="0">
-              <a:spcBef>
-                <a:spcPct val="0"/>
-              </a:spcBef>
-              <a:spcAft>
-                <a:spcPct val="0"/>
-              </a:spcAft>
-            </a:pPr>
-            <a:r>
-              <a:rPr lang="zh-CN" altLang="zh-CN" dirty="0">
-                <a:solidFill>
-                  <a:srgbClr val="333333"/>
-                </a:solidFill>
-                <a:latin typeface="Arial Unicode MS"/>
-              </a:rPr>
-              <a:t>}</a:t>
-            </a:r>
-            <a:r>
-              <a:rPr lang="zh-CN" altLang="zh-CN" dirty="0"/>
-              <a:t> </a:t>
-            </a:r>
-            <a:endParaRPr lang="en-US" altLang="zh-CN" dirty="0"/>
-          </a:p>
-        </p:txBody>
-      </p:sp>
-      <p:sp>
-        <p:nvSpPr>
-          <p:cNvPr id="16" name="文本框 15">
-            <a:extLst>
-              <a:ext uri="{FF2B5EF4-FFF2-40B4-BE49-F238E27FC236}">
-                <a16:creationId xmlns:a16="http://schemas.microsoft.com/office/drawing/2014/main" id="{5E9289C2-7775-4811-BA5A-5F30219E9AF2}"/>
-              </a:ext>
-            </a:extLst>
-          </p:cNvPr>
-          <p:cNvSpPr txBox="1"/>
-          <p:nvPr/>
-        </p:nvSpPr>
-        <p:spPr>
-          <a:xfrm>
-            <a:off x="6095204" y="2274838"/>
-            <a:ext cx="4927837" cy="2031325"/>
-          </a:xfrm>
-          <a:prstGeom prst="rect">
-            <a:avLst/>
-          </a:prstGeom>
-          <a:noFill/>
-        </p:spPr>
-        <p:txBody>
-          <a:bodyPr wrap="square" rtlCol="0">
-            <a:spAutoFit/>
-          </a:bodyPr>
-          <a:lstStyle/>
-          <a:p>
-            <a:r>
-              <a:rPr lang="en-US" altLang="zh-CN" dirty="0" err="1"/>
-              <a:t>escapeHTML</a:t>
-            </a:r>
-            <a:r>
-              <a:rPr lang="zh-CN" altLang="en-US" dirty="0"/>
-              <a:t>函数为用户自己写的编码函数，以此解决</a:t>
-            </a:r>
-            <a:r>
-              <a:rPr lang="en-US" altLang="zh-CN" dirty="0"/>
-              <a:t>XSS</a:t>
-            </a:r>
-            <a:r>
-              <a:rPr lang="zh-CN" altLang="en-US" dirty="0"/>
-              <a:t>问题，但是现有工具无法识别导致误报</a:t>
-            </a:r>
-            <a:endParaRPr lang="en-US" altLang="zh-CN" dirty="0"/>
-          </a:p>
-          <a:p>
-            <a:endParaRPr lang="en-US" altLang="zh-CN" dirty="0"/>
-          </a:p>
-          <a:p>
-            <a:r>
-              <a:rPr lang="zh-CN" altLang="en-US" dirty="0"/>
-              <a:t>类似的情况还有：</a:t>
-            </a:r>
-            <a:endParaRPr lang="en-US" altLang="zh-CN" dirty="0"/>
-          </a:p>
-          <a:p>
-            <a:pPr marL="285750" indent="-285750">
-              <a:buFont typeface="Arial" panose="020B0604020202020204" pitchFamily="34" charset="0"/>
-              <a:buChar char="•"/>
-            </a:pPr>
-            <a:r>
-              <a:rPr lang="en-US" altLang="zh-CN" dirty="0"/>
-              <a:t>Java</a:t>
-            </a:r>
-            <a:r>
-              <a:rPr lang="zh-CN" altLang="en-US" dirty="0"/>
-              <a:t>反射机制</a:t>
-            </a:r>
-            <a:endParaRPr lang="en-US" altLang="zh-CN" dirty="0"/>
-          </a:p>
-          <a:p>
-            <a:pPr marL="285750" indent="-285750">
-              <a:buFont typeface="Arial" panose="020B0604020202020204" pitchFamily="34" charset="0"/>
-              <a:buChar char="•"/>
-            </a:pPr>
-            <a:r>
-              <a:rPr lang="zh-CN" altLang="en-US"/>
-              <a:t>不安全的配置</a:t>
-            </a:r>
-            <a:endParaRPr lang="zh-CN" altLang="en-US" dirty="0"/>
-          </a:p>
-        </p:txBody>
-      </p:sp>
-    </p:spTree>
-    <p:extLst>
-      <p:ext uri="{BB962C8B-B14F-4D97-AF65-F5344CB8AC3E}">
-        <p14:creationId xmlns:p14="http://schemas.microsoft.com/office/powerpoint/2010/main" val="3880814404"/>
       </p:ext>
     </p:extLst>
   </p:cSld>
@@ -11060,6 +13922,14 @@
             </a:r>
             <a:r>
               <a:rPr lang="en-US" altLang="zh-CN" dirty="0"/>
+              <a:t>CSRF</a:t>
+            </a:r>
+            <a:r>
+              <a:rPr lang="zh-CN" altLang="en-US" dirty="0"/>
+              <a:t>、</a:t>
+            </a:r>
+            <a:r>
+              <a:rPr lang="en-US" altLang="zh-CN" dirty="0"/>
               <a:t>SPEL…</a:t>
             </a:r>
             <a:endParaRPr lang="zh-CN" altLang="en-US" dirty="0"/>
@@ -11362,6 +14232,12 @@
   <p:tag name="ISLIDE TOOLS.GUIDESSETTING" val="{&quot;Id&quot;:&quot;2d4375ee-8516-45e0-8956-45702a61a9b6&quot;,&quot;Name&quot;:&quot;iSlide&quot;,&quot;HeaderHeight&quot;:15.0,&quot;FooterHeight&quot;:9.0000000000000036,&quot;SideMargin&quot;:5.4999999999999982,&quot;TopMargin&quot;:0.0,&quot;BottomMargin&quot;:0.0,&quot;IntervalMargin&quot;:1.3999999999999997}"/>
   <p:tag name="ISLIDE.THEME" val="adb7b82f-fffe-4569-b84a-2f8768b349b1"/>
   <p:tag name="ISLIDE.GUIDESSETTING" val="{&quot;Id&quot;:null,&quot;Name&quot;:&quot;正常&quot;,&quot;HeaderHeight&quot;:15.0,&quot;FooterHeight&quot;:9.0,&quot;SideMargin&quot;:5.5,&quot;TopMargin&quot;:0.0,&quot;BottomMargin&quot;:0.0,&quot;IntervalMargin&quot;:1.5,&quot;SettingType&quot;:&quot;System&quot;}"/>
+</p:tagLst>
+</file>
+
+<file path=ppt/tags/tag2.xml><?xml version="1.0" encoding="utf-8"?>
+<p:tagLst xmlns:a="http://schemas.openxmlformats.org/drawingml/2006/main" xmlns:r="http://schemas.openxmlformats.org/officeDocument/2006/relationships" xmlns:p="http://schemas.openxmlformats.org/presentationml/2006/main">
+  <p:tag name="ISLIDE.DIAGRAM" val="3251"/>
 </p:tagLst>
 </file>
 
